--- a/資料/弾UI.pptx
+++ b/資料/弾UI.pptx
@@ -5,7 +5,13 @@
     <p:sldMasterId id="2147483648" r:id="rId1"/>
   </p:sldMasterIdLst>
   <p:sldIdLst>
-    <p:sldId id="256" r:id="rId2"/>
+    <p:sldId id="261" r:id="rId2"/>
+    <p:sldId id="262" r:id="rId3"/>
+    <p:sldId id="256" r:id="rId4"/>
+    <p:sldId id="260" r:id="rId5"/>
+    <p:sldId id="257" r:id="rId6"/>
+    <p:sldId id="258" r:id="rId7"/>
+    <p:sldId id="259" r:id="rId8"/>
   </p:sldIdLst>
   <p:sldSz cx="12192000" cy="6858000"/>
   <p:notesSz cx="6858000" cy="9144000"/>
@@ -3257,6 +3263,374 @@
           <a:chExt cx="0" cy="0"/>
         </a:xfrm>
       </p:grpSpPr>
+      <p:sp>
+        <p:nvSpPr>
+          <p:cNvPr id="2" name="テキスト ボックス 1"/>
+          <p:cNvSpPr txBox="1"/>
+          <p:nvPr/>
+        </p:nvSpPr>
+        <p:spPr>
+          <a:xfrm>
+            <a:off x="3333317" y="2574137"/>
+            <a:ext cx="5234952" cy="830997"/>
+          </a:xfrm>
+          <a:prstGeom prst="rect">
+            <a:avLst/>
+          </a:prstGeom>
+          <a:noFill/>
+        </p:spPr>
+        <p:txBody>
+          <a:bodyPr wrap="square" rtlCol="0">
+            <a:spAutoFit/>
+          </a:bodyPr>
+          <a:lstStyle/>
+          <a:p>
+            <a:r>
+              <a:rPr lang="ja-JP" altLang="en-US" sz="4800" dirty="0" smtClean="0">
+                <a:latin typeface="HGS創英角ｺﾞｼｯｸUB" panose="020B0900000000000000" pitchFamily="50" charset="-128"/>
+                <a:ea typeface="HGS創英角ｺﾞｼｯｸUB" panose="020B0900000000000000" pitchFamily="50" charset="-128"/>
+              </a:rPr>
+              <a:t>コトモン弾の仕様</a:t>
+            </a:r>
+            <a:endParaRPr kumimoji="1" lang="ja-JP" altLang="en-US" sz="4800" dirty="0">
+              <a:latin typeface="HGS創英角ｺﾞｼｯｸUB" panose="020B0900000000000000" pitchFamily="50" charset="-128"/>
+              <a:ea typeface="HGS創英角ｺﾞｼｯｸUB" panose="020B0900000000000000" pitchFamily="50" charset="-128"/>
+            </a:endParaRPr>
+          </a:p>
+        </p:txBody>
+      </p:sp>
+      <p:sp>
+        <p:nvSpPr>
+          <p:cNvPr id="3" name="テキスト ボックス 2"/>
+          <p:cNvSpPr txBox="1"/>
+          <p:nvPr/>
+        </p:nvSpPr>
+        <p:spPr>
+          <a:xfrm>
+            <a:off x="9513983" y="6045471"/>
+            <a:ext cx="2271617" cy="461665"/>
+          </a:xfrm>
+          <a:prstGeom prst="rect">
+            <a:avLst/>
+          </a:prstGeom>
+          <a:noFill/>
+        </p:spPr>
+        <p:txBody>
+          <a:bodyPr wrap="square" rtlCol="0">
+            <a:spAutoFit/>
+          </a:bodyPr>
+          <a:lstStyle/>
+          <a:p>
+            <a:r>
+              <a:rPr lang="en-US" altLang="ja-JP" sz="2400" dirty="0" smtClean="0">
+                <a:latin typeface="HGS創英角ｺﾞｼｯｸUB" panose="020B0900000000000000" pitchFamily="50" charset="-128"/>
+                <a:ea typeface="HGS創英角ｺﾞｼｯｸUB" panose="020B0900000000000000" pitchFamily="50" charset="-128"/>
+              </a:rPr>
+              <a:t>2019/12/02</a:t>
+            </a:r>
+            <a:endParaRPr kumimoji="1" lang="ja-JP" altLang="en-US" sz="2400" dirty="0">
+              <a:latin typeface="HGS創英角ｺﾞｼｯｸUB" panose="020B0900000000000000" pitchFamily="50" charset="-128"/>
+              <a:ea typeface="HGS創英角ｺﾞｼｯｸUB" panose="020B0900000000000000" pitchFamily="50" charset="-128"/>
+            </a:endParaRPr>
+          </a:p>
+        </p:txBody>
+      </p:sp>
+    </p:spTree>
+    <p:extLst>
+      <p:ext uri="{BB962C8B-B14F-4D97-AF65-F5344CB8AC3E}">
+        <p14:creationId xmlns:p14="http://schemas.microsoft.com/office/powerpoint/2010/main" val="2268049740"/>
+      </p:ext>
+    </p:extLst>
+  </p:cSld>
+  <p:clrMapOvr>
+    <a:masterClrMapping/>
+  </p:clrMapOvr>
+</p:sld>
+</file>
+
+<file path=ppt/slides/slide2.xml><?xml version="1.0" encoding="utf-8"?>
+<p:sld xmlns:a="http://schemas.openxmlformats.org/drawingml/2006/main" xmlns:r="http://schemas.openxmlformats.org/officeDocument/2006/relationships" xmlns:p="http://schemas.openxmlformats.org/presentationml/2006/main">
+  <p:cSld>
+    <p:spTree>
+      <p:nvGrpSpPr>
+        <p:cNvPr id="1" name=""/>
+        <p:cNvGrpSpPr/>
+        <p:nvPr/>
+      </p:nvGrpSpPr>
+      <p:grpSpPr>
+        <a:xfrm>
+          <a:off x="0" y="0"/>
+          <a:ext cx="0" cy="0"/>
+          <a:chOff x="0" y="0"/>
+          <a:chExt cx="0" cy="0"/>
+        </a:xfrm>
+      </p:grpSpPr>
+      <p:sp>
+        <p:nvSpPr>
+          <p:cNvPr id="2" name="テキスト ボックス 1"/>
+          <p:cNvSpPr txBox="1"/>
+          <p:nvPr/>
+        </p:nvSpPr>
+        <p:spPr>
+          <a:xfrm>
+            <a:off x="928780" y="1494249"/>
+            <a:ext cx="6837971" cy="769441"/>
+          </a:xfrm>
+          <a:prstGeom prst="rect">
+            <a:avLst/>
+          </a:prstGeom>
+          <a:noFill/>
+        </p:spPr>
+        <p:txBody>
+          <a:bodyPr wrap="square" rtlCol="0">
+            <a:spAutoFit/>
+          </a:bodyPr>
+          <a:lstStyle/>
+          <a:p>
+            <a:r>
+              <a:rPr lang="ja-JP" altLang="en-US" sz="4400" dirty="0" smtClean="0">
+                <a:latin typeface="HGS創英角ｺﾞｼｯｸUB" panose="020B0900000000000000" pitchFamily="50" charset="-128"/>
+                <a:ea typeface="HGS創英角ｺﾞｼｯｸUB" panose="020B0900000000000000" pitchFamily="50" charset="-128"/>
+              </a:rPr>
+              <a:t>・ショットガン</a:t>
+            </a:r>
+            <a:r>
+              <a:rPr lang="ja-JP" altLang="en-US" sz="4200" dirty="0" smtClean="0">
+                <a:latin typeface="HGS創英角ｺﾞｼｯｸUB" panose="020B0900000000000000" pitchFamily="50" charset="-128"/>
+                <a:ea typeface="HGS創英角ｺﾞｼｯｸUB" panose="020B0900000000000000" pitchFamily="50" charset="-128"/>
+              </a:rPr>
+              <a:t>の</a:t>
+            </a:r>
+            <a:r>
+              <a:rPr lang="ja-JP" altLang="en-US" sz="4400" dirty="0" smtClean="0">
+                <a:latin typeface="HGS創英角ｺﾞｼｯｸUB" panose="020B0900000000000000" pitchFamily="50" charset="-128"/>
+                <a:ea typeface="HGS創英角ｺﾞｼｯｸUB" panose="020B0900000000000000" pitchFamily="50" charset="-128"/>
+              </a:rPr>
+              <a:t>仕様</a:t>
+            </a:r>
+            <a:endParaRPr kumimoji="1" lang="ja-JP" altLang="en-US" sz="4400" dirty="0">
+              <a:latin typeface="HGS創英角ｺﾞｼｯｸUB" panose="020B0900000000000000" pitchFamily="50" charset="-128"/>
+              <a:ea typeface="HGS創英角ｺﾞｼｯｸUB" panose="020B0900000000000000" pitchFamily="50" charset="-128"/>
+            </a:endParaRPr>
+          </a:p>
+        </p:txBody>
+      </p:sp>
+      <p:sp>
+        <p:nvSpPr>
+          <p:cNvPr id="4" name="テキスト ボックス 3"/>
+          <p:cNvSpPr txBox="1"/>
+          <p:nvPr/>
+        </p:nvSpPr>
+        <p:spPr>
+          <a:xfrm>
+            <a:off x="5383529" y="97489"/>
+            <a:ext cx="1470104" cy="830997"/>
+          </a:xfrm>
+          <a:prstGeom prst="rect">
+            <a:avLst/>
+          </a:prstGeom>
+          <a:noFill/>
+        </p:spPr>
+        <p:txBody>
+          <a:bodyPr wrap="square" rtlCol="0">
+            <a:spAutoFit/>
+          </a:bodyPr>
+          <a:lstStyle/>
+          <a:p>
+            <a:r>
+              <a:rPr lang="ja-JP" altLang="en-US" sz="4800" dirty="0" smtClean="0">
+                <a:latin typeface="HGS創英角ｺﾞｼｯｸUB" panose="020B0900000000000000" pitchFamily="50" charset="-128"/>
+                <a:ea typeface="HGS創英角ｺﾞｼｯｸUB" panose="020B0900000000000000" pitchFamily="50" charset="-128"/>
+              </a:rPr>
+              <a:t>目次</a:t>
+            </a:r>
+            <a:endParaRPr kumimoji="1" lang="ja-JP" altLang="en-US" sz="4800" dirty="0">
+              <a:latin typeface="HGS創英角ｺﾞｼｯｸUB" panose="020B0900000000000000" pitchFamily="50" charset="-128"/>
+              <a:ea typeface="HGS創英角ｺﾞｼｯｸUB" panose="020B0900000000000000" pitchFamily="50" charset="-128"/>
+            </a:endParaRPr>
+          </a:p>
+        </p:txBody>
+      </p:sp>
+      <p:sp>
+        <p:nvSpPr>
+          <p:cNvPr id="5" name="テキスト ボックス 4"/>
+          <p:cNvSpPr txBox="1"/>
+          <p:nvPr/>
+        </p:nvSpPr>
+        <p:spPr>
+          <a:xfrm>
+            <a:off x="928778" y="2758019"/>
+            <a:ext cx="6837971" cy="769441"/>
+          </a:xfrm>
+          <a:prstGeom prst="rect">
+            <a:avLst/>
+          </a:prstGeom>
+          <a:noFill/>
+        </p:spPr>
+        <p:txBody>
+          <a:bodyPr wrap="square" rtlCol="0">
+            <a:spAutoFit/>
+          </a:bodyPr>
+          <a:lstStyle/>
+          <a:p>
+            <a:r>
+              <a:rPr lang="ja-JP" altLang="en-US" sz="4400" dirty="0" smtClean="0">
+                <a:latin typeface="HGS創英角ｺﾞｼｯｸUB" panose="020B0900000000000000" pitchFamily="50" charset="-128"/>
+                <a:ea typeface="HGS創英角ｺﾞｼｯｸUB" panose="020B0900000000000000" pitchFamily="50" charset="-128"/>
+              </a:rPr>
+              <a:t>・ミサイル</a:t>
+            </a:r>
+            <a:r>
+              <a:rPr lang="ja-JP" altLang="en-US" sz="4200" dirty="0" smtClean="0">
+                <a:latin typeface="HGS創英角ｺﾞｼｯｸUB" panose="020B0900000000000000" pitchFamily="50" charset="-128"/>
+                <a:ea typeface="HGS創英角ｺﾞｼｯｸUB" panose="020B0900000000000000" pitchFamily="50" charset="-128"/>
+              </a:rPr>
+              <a:t>の</a:t>
+            </a:r>
+            <a:r>
+              <a:rPr lang="ja-JP" altLang="en-US" sz="4400" dirty="0" smtClean="0">
+                <a:latin typeface="HGS創英角ｺﾞｼｯｸUB" panose="020B0900000000000000" pitchFamily="50" charset="-128"/>
+                <a:ea typeface="HGS創英角ｺﾞｼｯｸUB" panose="020B0900000000000000" pitchFamily="50" charset="-128"/>
+              </a:rPr>
+              <a:t>仕様</a:t>
+            </a:r>
+            <a:endParaRPr kumimoji="1" lang="ja-JP" altLang="en-US" sz="4400" dirty="0">
+              <a:latin typeface="HGS創英角ｺﾞｼｯｸUB" panose="020B0900000000000000" pitchFamily="50" charset="-128"/>
+              <a:ea typeface="HGS創英角ｺﾞｼｯｸUB" panose="020B0900000000000000" pitchFamily="50" charset="-128"/>
+            </a:endParaRPr>
+          </a:p>
+        </p:txBody>
+      </p:sp>
+      <p:sp>
+        <p:nvSpPr>
+          <p:cNvPr id="6" name="テキスト ボックス 5"/>
+          <p:cNvSpPr txBox="1"/>
+          <p:nvPr/>
+        </p:nvSpPr>
+        <p:spPr>
+          <a:xfrm>
+            <a:off x="928778" y="3999211"/>
+            <a:ext cx="6837971" cy="769441"/>
+          </a:xfrm>
+          <a:prstGeom prst="rect">
+            <a:avLst/>
+          </a:prstGeom>
+          <a:noFill/>
+        </p:spPr>
+        <p:txBody>
+          <a:bodyPr wrap="square" rtlCol="0">
+            <a:spAutoFit/>
+          </a:bodyPr>
+          <a:lstStyle/>
+          <a:p>
+            <a:r>
+              <a:rPr lang="ja-JP" altLang="en-US" sz="4400" dirty="0" smtClean="0">
+                <a:latin typeface="HGS創英角ｺﾞｼｯｸUB" panose="020B0900000000000000" pitchFamily="50" charset="-128"/>
+                <a:ea typeface="HGS創英角ｺﾞｼｯｸUB" panose="020B0900000000000000" pitchFamily="50" charset="-128"/>
+              </a:rPr>
+              <a:t>・爆弾</a:t>
+            </a:r>
+            <a:r>
+              <a:rPr lang="ja-JP" altLang="en-US" sz="4200" dirty="0" smtClean="0">
+                <a:latin typeface="HGS創英角ｺﾞｼｯｸUB" panose="020B0900000000000000" pitchFamily="50" charset="-128"/>
+                <a:ea typeface="HGS創英角ｺﾞｼｯｸUB" panose="020B0900000000000000" pitchFamily="50" charset="-128"/>
+              </a:rPr>
+              <a:t>の</a:t>
+            </a:r>
+            <a:r>
+              <a:rPr lang="ja-JP" altLang="en-US" sz="4400" dirty="0" smtClean="0">
+                <a:latin typeface="HGS創英角ｺﾞｼｯｸUB" panose="020B0900000000000000" pitchFamily="50" charset="-128"/>
+                <a:ea typeface="HGS創英角ｺﾞｼｯｸUB" panose="020B0900000000000000" pitchFamily="50" charset="-128"/>
+              </a:rPr>
+              <a:t>仕様</a:t>
+            </a:r>
+            <a:endParaRPr kumimoji="1" lang="ja-JP" altLang="en-US" sz="4400" dirty="0">
+              <a:latin typeface="HGS創英角ｺﾞｼｯｸUB" panose="020B0900000000000000" pitchFamily="50" charset="-128"/>
+              <a:ea typeface="HGS創英角ｺﾞｼｯｸUB" panose="020B0900000000000000" pitchFamily="50" charset="-128"/>
+            </a:endParaRPr>
+          </a:p>
+        </p:txBody>
+      </p:sp>
+      <p:sp>
+        <p:nvSpPr>
+          <p:cNvPr id="7" name="テキスト ボックス 6"/>
+          <p:cNvSpPr txBox="1"/>
+          <p:nvPr/>
+        </p:nvSpPr>
+        <p:spPr>
+          <a:xfrm>
+            <a:off x="928777" y="5276030"/>
+            <a:ext cx="6837971" cy="769441"/>
+          </a:xfrm>
+          <a:prstGeom prst="rect">
+            <a:avLst/>
+          </a:prstGeom>
+          <a:noFill/>
+        </p:spPr>
+        <p:txBody>
+          <a:bodyPr wrap="square" rtlCol="0">
+            <a:spAutoFit/>
+          </a:bodyPr>
+          <a:lstStyle/>
+          <a:p>
+            <a:r>
+              <a:rPr lang="ja-JP" altLang="en-US" sz="4400" dirty="0" smtClean="0">
+                <a:latin typeface="HGS創英角ｺﾞｼｯｸUB" panose="020B0900000000000000" pitchFamily="50" charset="-128"/>
+                <a:ea typeface="HGS創英角ｺﾞｼｯｸUB" panose="020B0900000000000000" pitchFamily="50" charset="-128"/>
+              </a:rPr>
+              <a:t>・スナイパー</a:t>
+            </a:r>
+            <a:r>
+              <a:rPr lang="ja-JP" altLang="en-US" sz="4200" dirty="0" smtClean="0">
+                <a:latin typeface="HGS創英角ｺﾞｼｯｸUB" panose="020B0900000000000000" pitchFamily="50" charset="-128"/>
+                <a:ea typeface="HGS創英角ｺﾞｼｯｸUB" panose="020B0900000000000000" pitchFamily="50" charset="-128"/>
+              </a:rPr>
+              <a:t>の</a:t>
+            </a:r>
+            <a:r>
+              <a:rPr lang="ja-JP" altLang="en-US" sz="4400" dirty="0" smtClean="0">
+                <a:latin typeface="HGS創英角ｺﾞｼｯｸUB" panose="020B0900000000000000" pitchFamily="50" charset="-128"/>
+                <a:ea typeface="HGS創英角ｺﾞｼｯｸUB" panose="020B0900000000000000" pitchFamily="50" charset="-128"/>
+              </a:rPr>
+              <a:t>仕様</a:t>
+            </a:r>
+            <a:endParaRPr kumimoji="1" lang="ja-JP" altLang="en-US" sz="4400" dirty="0">
+              <a:latin typeface="HGS創英角ｺﾞｼｯｸUB" panose="020B0900000000000000" pitchFamily="50" charset="-128"/>
+              <a:ea typeface="HGS創英角ｺﾞｼｯｸUB" panose="020B0900000000000000" pitchFamily="50" charset="-128"/>
+            </a:endParaRPr>
+          </a:p>
+        </p:txBody>
+      </p:sp>
+    </p:spTree>
+    <p:extLst>
+      <p:ext uri="{BB962C8B-B14F-4D97-AF65-F5344CB8AC3E}">
+        <p14:creationId xmlns:p14="http://schemas.microsoft.com/office/powerpoint/2010/main" val="2364741397"/>
+      </p:ext>
+    </p:extLst>
+  </p:cSld>
+  <p:clrMapOvr>
+    <a:masterClrMapping/>
+  </p:clrMapOvr>
+</p:sld>
+</file>
+
+<file path=ppt/slides/slide3.xml><?xml version="1.0" encoding="utf-8"?>
+<p:sld xmlns:a="http://schemas.openxmlformats.org/drawingml/2006/main" xmlns:r="http://schemas.openxmlformats.org/officeDocument/2006/relationships" xmlns:p="http://schemas.openxmlformats.org/presentationml/2006/main">
+  <p:cSld>
+    <p:spTree>
+      <p:nvGrpSpPr>
+        <p:cNvPr id="1" name=""/>
+        <p:cNvGrpSpPr/>
+        <p:nvPr/>
+      </p:nvGrpSpPr>
+      <p:grpSpPr>
+        <a:xfrm>
+          <a:off x="0" y="0"/>
+          <a:ext cx="0" cy="0"/>
+          <a:chOff x="0" y="0"/>
+          <a:chExt cx="0" cy="0"/>
+        </a:xfrm>
+      </p:grpSpPr>
       <p:grpSp>
         <p:nvGrpSpPr>
           <p:cNvPr id="16" name="グループ化 15"/>
@@ -3602,6 +3976,9267 @@
 </p:sld>
 </file>
 
+<file path=ppt/slides/slide4.xml><?xml version="1.0" encoding="utf-8"?>
+<p:sld xmlns:a="http://schemas.openxmlformats.org/drawingml/2006/main" xmlns:r="http://schemas.openxmlformats.org/officeDocument/2006/relationships" xmlns:p="http://schemas.openxmlformats.org/presentationml/2006/main">
+  <p:cSld>
+    <p:spTree>
+      <p:nvGrpSpPr>
+        <p:cNvPr id="1" name=""/>
+        <p:cNvGrpSpPr/>
+        <p:nvPr/>
+      </p:nvGrpSpPr>
+      <p:grpSpPr>
+        <a:xfrm>
+          <a:off x="0" y="0"/>
+          <a:ext cx="0" cy="0"/>
+          <a:chOff x="0" y="0"/>
+          <a:chExt cx="0" cy="0"/>
+        </a:xfrm>
+      </p:grpSpPr>
+      <p:grpSp>
+        <p:nvGrpSpPr>
+          <p:cNvPr id="8" name="グループ化 7"/>
+          <p:cNvGrpSpPr/>
+          <p:nvPr/>
+        </p:nvGrpSpPr>
+        <p:grpSpPr>
+          <a:xfrm>
+            <a:off x="3130984" y="161039"/>
+            <a:ext cx="4035670" cy="2497015"/>
+            <a:chOff x="338504" y="729743"/>
+            <a:chExt cx="4035670" cy="2497015"/>
+          </a:xfrm>
+        </p:grpSpPr>
+        <p:pic>
+          <p:nvPicPr>
+            <p:cNvPr id="9" name="図 8"/>
+            <p:cNvPicPr>
+              <a:picLocks noChangeAspect="1"/>
+            </p:cNvPicPr>
+            <p:nvPr/>
+          </p:nvPicPr>
+          <p:blipFill rotWithShape="1">
+            <a:blip r:embed="rId2">
+              <a:extLst>
+                <a:ext uri="{28A0092B-C50C-407E-A947-70E740481C1C}">
+                  <a14:useLocalDpi xmlns:a14="http://schemas.microsoft.com/office/drawing/2010/main" val="0"/>
+                </a:ext>
+              </a:extLst>
+            </a:blip>
+            <a:srcRect l="36071" t="27155" r="8493" b="16095"/>
+            <a:stretch/>
+          </p:blipFill>
+          <p:spPr>
+            <a:xfrm>
+              <a:off x="338504" y="729743"/>
+              <a:ext cx="4035670" cy="2497015"/>
+            </a:xfrm>
+            <a:prstGeom prst="rect">
+              <a:avLst/>
+            </a:prstGeom>
+          </p:spPr>
+        </p:pic>
+        <p:sp>
+          <p:nvSpPr>
+            <p:cNvPr id="10" name="テキスト ボックス 9"/>
+            <p:cNvSpPr txBox="1"/>
+            <p:nvPr/>
+          </p:nvSpPr>
+          <p:spPr>
+            <a:xfrm>
+              <a:off x="338504" y="2687907"/>
+              <a:ext cx="2623589" cy="523220"/>
+            </a:xfrm>
+            <a:prstGeom prst="rect">
+              <a:avLst/>
+            </a:prstGeom>
+            <a:noFill/>
+          </p:spPr>
+          <p:txBody>
+            <a:bodyPr wrap="square" rtlCol="0">
+              <a:spAutoFit/>
+            </a:bodyPr>
+            <a:lstStyle/>
+            <a:p>
+              <a:pPr algn="ctr"/>
+              <a:r>
+                <a:rPr kumimoji="1" lang="ja-JP" altLang="en-US" sz="2800" dirty="0" smtClean="0">
+                  <a:latin typeface="FOTC-ARYuanB5 Ultra" panose="020F0A00000000000000" pitchFamily="34" charset="-120"/>
+                  <a:ea typeface="FOTC-ARYuanB5 Ultra" panose="020F0A00000000000000" pitchFamily="34" charset="-120"/>
+                </a:rPr>
+                <a:t>ショットガン</a:t>
+              </a:r>
+              <a:endParaRPr kumimoji="1" lang="ja-JP" altLang="en-US" sz="2800" dirty="0">
+                <a:latin typeface="FOTC-ARYuanB5 Ultra" panose="020F0A00000000000000" pitchFamily="34" charset="-120"/>
+                <a:ea typeface="FOTC-ARYuanB5 Ultra" panose="020F0A00000000000000" pitchFamily="34" charset="-120"/>
+              </a:endParaRPr>
+            </a:p>
+          </p:txBody>
+        </p:sp>
+      </p:grpSp>
+      <p:grpSp>
+        <p:nvGrpSpPr>
+          <p:cNvPr id="98" name="グループ化 97"/>
+          <p:cNvGrpSpPr/>
+          <p:nvPr/>
+        </p:nvGrpSpPr>
+        <p:grpSpPr>
+          <a:xfrm>
+            <a:off x="5735903" y="3057206"/>
+            <a:ext cx="3690136" cy="4045778"/>
+            <a:chOff x="3836750" y="2492488"/>
+            <a:chExt cx="3690136" cy="4045778"/>
+          </a:xfrm>
+        </p:grpSpPr>
+        <p:grpSp>
+          <p:nvGrpSpPr>
+            <p:cNvPr id="12" name="グループ化 11"/>
+            <p:cNvGrpSpPr/>
+            <p:nvPr/>
+          </p:nvGrpSpPr>
+          <p:grpSpPr>
+            <a:xfrm>
+              <a:off x="3836750" y="2552660"/>
+              <a:ext cx="2972003" cy="3985606"/>
+              <a:chOff x="2944021" y="3732068"/>
+              <a:chExt cx="2005950" cy="2573257"/>
+            </a:xfrm>
+          </p:grpSpPr>
+          <p:grpSp>
+            <p:nvGrpSpPr>
+              <p:cNvPr id="22" name="グループ化 21"/>
+              <p:cNvGrpSpPr/>
+              <p:nvPr/>
+            </p:nvGrpSpPr>
+            <p:grpSpPr>
+              <a:xfrm>
+                <a:off x="2944021" y="5451230"/>
+                <a:ext cx="691112" cy="624253"/>
+                <a:chOff x="3663735" y="4651131"/>
+                <a:chExt cx="691112" cy="624253"/>
+              </a:xfrm>
+            </p:grpSpPr>
+            <p:sp>
+              <p:nvSpPr>
+                <p:cNvPr id="39" name="楕円 38"/>
+                <p:cNvSpPr/>
+                <p:nvPr/>
+              </p:nvSpPr>
+              <p:spPr>
+                <a:xfrm>
+                  <a:off x="3683977" y="4651131"/>
+                  <a:ext cx="615461" cy="624253"/>
+                </a:xfrm>
+                <a:prstGeom prst="ellipse">
+                  <a:avLst/>
+                </a:prstGeom>
+              </p:spPr>
+              <p:style>
+                <a:lnRef idx="2">
+                  <a:schemeClr val="accent1">
+                    <a:shade val="50000"/>
+                  </a:schemeClr>
+                </a:lnRef>
+                <a:fillRef idx="1">
+                  <a:schemeClr val="accent1"/>
+                </a:fillRef>
+                <a:effectRef idx="0">
+                  <a:schemeClr val="accent1"/>
+                </a:effectRef>
+                <a:fontRef idx="minor">
+                  <a:schemeClr val="lt1"/>
+                </a:fontRef>
+              </p:style>
+              <p:txBody>
+                <a:bodyPr rtlCol="0" anchor="ctr"/>
+                <a:lstStyle/>
+                <a:p>
+                  <a:pPr algn="ctr"/>
+                  <a:endParaRPr kumimoji="1" lang="ja-JP" altLang="en-US" sz="2400"/>
+                </a:p>
+              </p:txBody>
+            </p:sp>
+            <p:sp>
+              <p:nvSpPr>
+                <p:cNvPr id="40" name="テキスト ボックス 39"/>
+                <p:cNvSpPr txBox="1"/>
+                <p:nvPr/>
+              </p:nvSpPr>
+              <p:spPr>
+                <a:xfrm>
+                  <a:off x="3663735" y="4834659"/>
+                  <a:ext cx="691112" cy="218583"/>
+                </a:xfrm>
+                <a:prstGeom prst="rect">
+                  <a:avLst/>
+                </a:prstGeom>
+                <a:noFill/>
+              </p:spPr>
+              <p:txBody>
+                <a:bodyPr wrap="square" rtlCol="0">
+                  <a:spAutoFit/>
+                </a:bodyPr>
+                <a:lstStyle/>
+                <a:p>
+                  <a:pPr algn="ctr"/>
+                  <a:r>
+                    <a:rPr lang="ja-JP" altLang="en-US" sz="1600" dirty="0" smtClean="0">
+                      <a:latin typeface="FOT-UD角ゴ_スモール Pr6 H" panose="02020900000000000000" pitchFamily="18" charset="-128"/>
+                      <a:ea typeface="FOT-UD角ゴ_スモール Pr6 H" panose="02020900000000000000" pitchFamily="18" charset="-128"/>
+                    </a:rPr>
+                    <a:t>キャラ</a:t>
+                  </a:r>
+                  <a:endParaRPr kumimoji="1" lang="ja-JP" altLang="en-US" sz="1600" dirty="0">
+                    <a:latin typeface="FOT-UD角ゴ_スモール Pr6 H" panose="02020900000000000000" pitchFamily="18" charset="-128"/>
+                    <a:ea typeface="FOT-UD角ゴ_スモール Pr6 H" panose="02020900000000000000" pitchFamily="18" charset="-128"/>
+                  </a:endParaRPr>
+                </a:p>
+              </p:txBody>
+            </p:sp>
+          </p:grpSp>
+          <p:sp>
+            <p:nvSpPr>
+              <p:cNvPr id="23" name="正方形/長方形 22"/>
+              <p:cNvSpPr/>
+              <p:nvPr/>
+            </p:nvSpPr>
+            <p:spPr>
+              <a:xfrm rot="19217793">
+                <a:off x="3319974" y="3732068"/>
+                <a:ext cx="1629997" cy="2573257"/>
+              </a:xfrm>
+              <a:custGeom>
+                <a:avLst/>
+                <a:gdLst>
+                  <a:gd name="connsiteX0" fmla="*/ 0 w 1476613"/>
+                  <a:gd name="connsiteY0" fmla="*/ 0 h 581691"/>
+                  <a:gd name="connsiteX1" fmla="*/ 1476613 w 1476613"/>
+                  <a:gd name="connsiteY1" fmla="*/ 0 h 581691"/>
+                  <a:gd name="connsiteX2" fmla="*/ 1476613 w 1476613"/>
+                  <a:gd name="connsiteY2" fmla="*/ 581691 h 581691"/>
+                  <a:gd name="connsiteX3" fmla="*/ 0 w 1476613"/>
+                  <a:gd name="connsiteY3" fmla="*/ 581691 h 581691"/>
+                  <a:gd name="connsiteX4" fmla="*/ 0 w 1476613"/>
+                  <a:gd name="connsiteY4" fmla="*/ 0 h 581691"/>
+                  <a:gd name="connsiteX0" fmla="*/ 0 w 1476613"/>
+                  <a:gd name="connsiteY0" fmla="*/ 473925 h 1055616"/>
+                  <a:gd name="connsiteX1" fmla="*/ 1470139 w 1476613"/>
+                  <a:gd name="connsiteY1" fmla="*/ 0 h 1055616"/>
+                  <a:gd name="connsiteX2" fmla="*/ 1476613 w 1476613"/>
+                  <a:gd name="connsiteY2" fmla="*/ 1055616 h 1055616"/>
+                  <a:gd name="connsiteX3" fmla="*/ 0 w 1476613"/>
+                  <a:gd name="connsiteY3" fmla="*/ 1055616 h 1055616"/>
+                  <a:gd name="connsiteX4" fmla="*/ 0 w 1476613"/>
+                  <a:gd name="connsiteY4" fmla="*/ 473925 h 1055616"/>
+                  <a:gd name="connsiteX0" fmla="*/ 0 w 1470139"/>
+                  <a:gd name="connsiteY0" fmla="*/ 473925 h 1481165"/>
+                  <a:gd name="connsiteX1" fmla="*/ 1470139 w 1470139"/>
+                  <a:gd name="connsiteY1" fmla="*/ 0 h 1481165"/>
+                  <a:gd name="connsiteX2" fmla="*/ 1466114 w 1470139"/>
+                  <a:gd name="connsiteY2" fmla="*/ 1481165 h 1481165"/>
+                  <a:gd name="connsiteX3" fmla="*/ 0 w 1470139"/>
+                  <a:gd name="connsiteY3" fmla="*/ 1055616 h 1481165"/>
+                  <a:gd name="connsiteX4" fmla="*/ 0 w 1470139"/>
+                  <a:gd name="connsiteY4" fmla="*/ 473925 h 1481165"/>
+                  <a:gd name="connsiteX0" fmla="*/ 0 w 1490187"/>
+                  <a:gd name="connsiteY0" fmla="*/ 594416 h 1481165"/>
+                  <a:gd name="connsiteX1" fmla="*/ 1490187 w 1490187"/>
+                  <a:gd name="connsiteY1" fmla="*/ 0 h 1481165"/>
+                  <a:gd name="connsiteX2" fmla="*/ 1486162 w 1490187"/>
+                  <a:gd name="connsiteY2" fmla="*/ 1481165 h 1481165"/>
+                  <a:gd name="connsiteX3" fmla="*/ 20048 w 1490187"/>
+                  <a:gd name="connsiteY3" fmla="*/ 1055616 h 1481165"/>
+                  <a:gd name="connsiteX4" fmla="*/ 0 w 1490187"/>
+                  <a:gd name="connsiteY4" fmla="*/ 594416 h 1481165"/>
+                  <a:gd name="connsiteX0" fmla="*/ 491 w 1490678"/>
+                  <a:gd name="connsiteY0" fmla="*/ 594416 h 1481165"/>
+                  <a:gd name="connsiteX1" fmla="*/ 1490678 w 1490678"/>
+                  <a:gd name="connsiteY1" fmla="*/ 0 h 1481165"/>
+                  <a:gd name="connsiteX2" fmla="*/ 1486653 w 1490678"/>
+                  <a:gd name="connsiteY2" fmla="*/ 1481165 h 1481165"/>
+                  <a:gd name="connsiteX3" fmla="*/ 0 w 1490678"/>
+                  <a:gd name="connsiteY3" fmla="*/ 901426 h 1481165"/>
+                  <a:gd name="connsiteX4" fmla="*/ 491 w 1490678"/>
+                  <a:gd name="connsiteY4" fmla="*/ 594416 h 1481165"/>
+                  <a:gd name="connsiteX0" fmla="*/ 2 w 1490189"/>
+                  <a:gd name="connsiteY0" fmla="*/ 594416 h 1481165"/>
+                  <a:gd name="connsiteX1" fmla="*/ 1490189 w 1490189"/>
+                  <a:gd name="connsiteY1" fmla="*/ 0 h 1481165"/>
+                  <a:gd name="connsiteX2" fmla="*/ 1486164 w 1490189"/>
+                  <a:gd name="connsiteY2" fmla="*/ 1481165 h 1481165"/>
+                  <a:gd name="connsiteX3" fmla="*/ 15458 w 1490189"/>
+                  <a:gd name="connsiteY3" fmla="*/ 1006092 h 1481165"/>
+                  <a:gd name="connsiteX4" fmla="*/ 2 w 1490189"/>
+                  <a:gd name="connsiteY4" fmla="*/ 594416 h 1481165"/>
+                  <a:gd name="connsiteX0" fmla="*/ 0 w 1506134"/>
+                  <a:gd name="connsiteY0" fmla="*/ 489750 h 1481165"/>
+                  <a:gd name="connsiteX1" fmla="*/ 1506134 w 1506134"/>
+                  <a:gd name="connsiteY1" fmla="*/ 0 h 1481165"/>
+                  <a:gd name="connsiteX2" fmla="*/ 1502109 w 1506134"/>
+                  <a:gd name="connsiteY2" fmla="*/ 1481165 h 1481165"/>
+                  <a:gd name="connsiteX3" fmla="*/ 31403 w 1506134"/>
+                  <a:gd name="connsiteY3" fmla="*/ 1006092 h 1481165"/>
+                  <a:gd name="connsiteX4" fmla="*/ 0 w 1506134"/>
+                  <a:gd name="connsiteY4" fmla="*/ 489750 h 1481165"/>
+                  <a:gd name="connsiteX0" fmla="*/ 0 w 1507159"/>
+                  <a:gd name="connsiteY0" fmla="*/ 546040 h 1537455"/>
+                  <a:gd name="connsiteX1" fmla="*/ 1507159 w 1507159"/>
+                  <a:gd name="connsiteY1" fmla="*/ 0 h 1537455"/>
+                  <a:gd name="connsiteX2" fmla="*/ 1502109 w 1507159"/>
+                  <a:gd name="connsiteY2" fmla="*/ 1537455 h 1537455"/>
+                  <a:gd name="connsiteX3" fmla="*/ 31403 w 1507159"/>
+                  <a:gd name="connsiteY3" fmla="*/ 1062382 h 1537455"/>
+                  <a:gd name="connsiteX4" fmla="*/ 0 w 1507159"/>
+                  <a:gd name="connsiteY4" fmla="*/ 546040 h 1537455"/>
+                  <a:gd name="connsiteX0" fmla="*/ 0 w 1521269"/>
+                  <a:gd name="connsiteY0" fmla="*/ 598165 h 1537455"/>
+                  <a:gd name="connsiteX1" fmla="*/ 1521269 w 1521269"/>
+                  <a:gd name="connsiteY1" fmla="*/ 0 h 1537455"/>
+                  <a:gd name="connsiteX2" fmla="*/ 1516219 w 1521269"/>
+                  <a:gd name="connsiteY2" fmla="*/ 1537455 h 1537455"/>
+                  <a:gd name="connsiteX3" fmla="*/ 45513 w 1521269"/>
+                  <a:gd name="connsiteY3" fmla="*/ 1062382 h 1537455"/>
+                  <a:gd name="connsiteX4" fmla="*/ 0 w 1521269"/>
+                  <a:gd name="connsiteY4" fmla="*/ 598165 h 1537455"/>
+                  <a:gd name="connsiteX0" fmla="*/ 0 w 1521269"/>
+                  <a:gd name="connsiteY0" fmla="*/ 598165 h 1537455"/>
+                  <a:gd name="connsiteX1" fmla="*/ 1521269 w 1521269"/>
+                  <a:gd name="connsiteY1" fmla="*/ 0 h 1537455"/>
+                  <a:gd name="connsiteX2" fmla="*/ 1516219 w 1521269"/>
+                  <a:gd name="connsiteY2" fmla="*/ 1537455 h 1537455"/>
+                  <a:gd name="connsiteX3" fmla="*/ 35116 w 1521269"/>
+                  <a:gd name="connsiteY3" fmla="*/ 998702 h 1537455"/>
+                  <a:gd name="connsiteX4" fmla="*/ 0 w 1521269"/>
+                  <a:gd name="connsiteY4" fmla="*/ 598165 h 1537455"/>
+                  <a:gd name="connsiteX0" fmla="*/ 0 w 1526194"/>
+                  <a:gd name="connsiteY0" fmla="*/ 658906 h 1537455"/>
+                  <a:gd name="connsiteX1" fmla="*/ 1526194 w 1526194"/>
+                  <a:gd name="connsiteY1" fmla="*/ 0 h 1537455"/>
+                  <a:gd name="connsiteX2" fmla="*/ 1521144 w 1526194"/>
+                  <a:gd name="connsiteY2" fmla="*/ 1537455 h 1537455"/>
+                  <a:gd name="connsiteX3" fmla="*/ 40041 w 1526194"/>
+                  <a:gd name="connsiteY3" fmla="*/ 998702 h 1537455"/>
+                  <a:gd name="connsiteX4" fmla="*/ 0 w 1526194"/>
+                  <a:gd name="connsiteY4" fmla="*/ 658906 h 1537455"/>
+                  <a:gd name="connsiteX0" fmla="*/ 2 w 1526196"/>
+                  <a:gd name="connsiteY0" fmla="*/ 658906 h 1537455"/>
+                  <a:gd name="connsiteX1" fmla="*/ 1526196 w 1526196"/>
+                  <a:gd name="connsiteY1" fmla="*/ 0 h 1537455"/>
+                  <a:gd name="connsiteX2" fmla="*/ 1521146 w 1526196"/>
+                  <a:gd name="connsiteY2" fmla="*/ 1537455 h 1537455"/>
+                  <a:gd name="connsiteX3" fmla="*/ 6711 w 1526196"/>
+                  <a:gd name="connsiteY3" fmla="*/ 942285 h 1537455"/>
+                  <a:gd name="connsiteX4" fmla="*/ 2 w 1526196"/>
+                  <a:gd name="connsiteY4" fmla="*/ 658906 h 1537455"/>
+                </a:gdLst>
+                <a:ahLst/>
+                <a:cxnLst>
+                  <a:cxn ang="0">
+                    <a:pos x="connsiteX0" y="connsiteY0"/>
+                  </a:cxn>
+                  <a:cxn ang="0">
+                    <a:pos x="connsiteX1" y="connsiteY1"/>
+                  </a:cxn>
+                  <a:cxn ang="0">
+                    <a:pos x="connsiteX2" y="connsiteY2"/>
+                  </a:cxn>
+                  <a:cxn ang="0">
+                    <a:pos x="connsiteX3" y="connsiteY3"/>
+                  </a:cxn>
+                  <a:cxn ang="0">
+                    <a:pos x="connsiteX4" y="connsiteY4"/>
+                  </a:cxn>
+                </a:cxnLst>
+                <a:rect l="l" t="t" r="r" b="b"/>
+                <a:pathLst>
+                  <a:path w="1526196" h="1537455">
+                    <a:moveTo>
+                      <a:pt x="2" y="658906"/>
+                    </a:moveTo>
+                    <a:lnTo>
+                      <a:pt x="1526196" y="0"/>
+                    </a:lnTo>
+                    <a:cubicBezTo>
+                      <a:pt x="1524854" y="493722"/>
+                      <a:pt x="1522488" y="1043733"/>
+                      <a:pt x="1521146" y="1537455"/>
+                    </a:cubicBezTo>
+                    <a:lnTo>
+                      <a:pt x="6711" y="942285"/>
+                    </a:lnTo>
+                    <a:cubicBezTo>
+                      <a:pt x="6875" y="839948"/>
+                      <a:pt x="-162" y="761243"/>
+                      <a:pt x="2" y="658906"/>
+                    </a:cubicBezTo>
+                    <a:close/>
+                  </a:path>
+                </a:pathLst>
+              </a:custGeom>
+              <a:solidFill>
+                <a:schemeClr val="accent2"/>
+              </a:solidFill>
+              <a:ln w="28575">
+                <a:solidFill>
+                  <a:schemeClr val="tx1"/>
+                </a:solidFill>
+              </a:ln>
+            </p:spPr>
+            <p:style>
+              <a:lnRef idx="2">
+                <a:schemeClr val="accent1">
+                  <a:shade val="50000"/>
+                </a:schemeClr>
+              </a:lnRef>
+              <a:fillRef idx="1">
+                <a:schemeClr val="accent1"/>
+              </a:fillRef>
+              <a:effectRef idx="0">
+                <a:schemeClr val="accent1"/>
+              </a:effectRef>
+              <a:fontRef idx="minor">
+                <a:schemeClr val="lt1"/>
+              </a:fontRef>
+            </p:style>
+            <p:txBody>
+              <a:bodyPr rtlCol="0" anchor="ctr"/>
+              <a:lstStyle/>
+              <a:p>
+                <a:pPr algn="ctr"/>
+                <a:endParaRPr kumimoji="1" lang="ja-JP" altLang="en-US" sz="2400"/>
+              </a:p>
+            </p:txBody>
+          </p:sp>
+        </p:grpSp>
+        <p:grpSp>
+          <p:nvGrpSpPr>
+            <p:cNvPr id="13" name="グループ化 12"/>
+            <p:cNvGrpSpPr/>
+            <p:nvPr/>
+          </p:nvGrpSpPr>
+          <p:grpSpPr>
+            <a:xfrm rot="21171832">
+              <a:off x="5009961" y="2492488"/>
+              <a:ext cx="416150" cy="1312251"/>
+              <a:chOff x="3707499" y="3782794"/>
+              <a:chExt cx="416150" cy="1312251"/>
+            </a:xfrm>
+          </p:grpSpPr>
+          <p:sp>
+            <p:nvSpPr>
+              <p:cNvPr id="20" name="右矢印 19"/>
+              <p:cNvSpPr/>
+              <p:nvPr/>
+            </p:nvSpPr>
+            <p:spPr>
+              <a:xfrm rot="17603778">
+                <a:off x="3259448" y="4230845"/>
+                <a:ext cx="1312251" cy="416150"/>
+              </a:xfrm>
+              <a:prstGeom prst="rightArrow">
+                <a:avLst/>
+              </a:prstGeom>
+              <a:solidFill>
+                <a:schemeClr val="accent4"/>
+              </a:solidFill>
+              <a:ln>
+                <a:solidFill>
+                  <a:schemeClr val="tx1"/>
+                </a:solidFill>
+              </a:ln>
+            </p:spPr>
+            <p:style>
+              <a:lnRef idx="2">
+                <a:schemeClr val="accent1">
+                  <a:shade val="50000"/>
+                </a:schemeClr>
+              </a:lnRef>
+              <a:fillRef idx="1">
+                <a:schemeClr val="accent1"/>
+              </a:fillRef>
+              <a:effectRef idx="0">
+                <a:schemeClr val="accent1"/>
+              </a:effectRef>
+              <a:fontRef idx="minor">
+                <a:schemeClr val="lt1"/>
+              </a:fontRef>
+            </p:style>
+            <p:txBody>
+              <a:bodyPr rtlCol="0" anchor="ctr"/>
+              <a:lstStyle/>
+              <a:p>
+                <a:pPr algn="ctr"/>
+                <a:endParaRPr kumimoji="1" lang="ja-JP" altLang="en-US"/>
+              </a:p>
+            </p:txBody>
+          </p:sp>
+          <p:sp>
+            <p:nvSpPr>
+              <p:cNvPr id="21" name="テキスト ボックス 20"/>
+              <p:cNvSpPr txBox="1"/>
+              <p:nvPr/>
+            </p:nvSpPr>
+            <p:spPr>
+              <a:xfrm rot="17707610">
+                <a:off x="3595916" y="4294365"/>
+                <a:ext cx="670682" cy="276999"/>
+              </a:xfrm>
+              <a:prstGeom prst="rect">
+                <a:avLst/>
+              </a:prstGeom>
+              <a:noFill/>
+            </p:spPr>
+            <p:txBody>
+              <a:bodyPr wrap="square" rtlCol="0">
+                <a:spAutoFit/>
+              </a:bodyPr>
+              <a:lstStyle/>
+              <a:p>
+                <a:pPr algn="ctr"/>
+                <a:r>
+                  <a:rPr lang="ja-JP" altLang="en-US" sz="1200" dirty="0" smtClean="0">
+                    <a:latin typeface="FOT-UD角ゴ_スモール Pr6 H" panose="02020900000000000000" pitchFamily="18" charset="-128"/>
+                    <a:ea typeface="FOT-UD角ゴ_スモール Pr6 H" panose="02020900000000000000" pitchFamily="18" charset="-128"/>
+                  </a:rPr>
+                  <a:t>方向</a:t>
+                </a:r>
+                <a:endParaRPr kumimoji="1" lang="ja-JP" altLang="en-US" sz="1200" dirty="0">
+                  <a:latin typeface="FOT-UD角ゴ_スモール Pr6 H" panose="02020900000000000000" pitchFamily="18" charset="-128"/>
+                  <a:ea typeface="FOT-UD角ゴ_スモール Pr6 H" panose="02020900000000000000" pitchFamily="18" charset="-128"/>
+                </a:endParaRPr>
+              </a:p>
+            </p:txBody>
+          </p:sp>
+        </p:grpSp>
+        <p:grpSp>
+          <p:nvGrpSpPr>
+            <p:cNvPr id="43" name="グループ化 42"/>
+            <p:cNvGrpSpPr/>
+            <p:nvPr/>
+          </p:nvGrpSpPr>
+          <p:grpSpPr>
+            <a:xfrm>
+              <a:off x="4688182" y="3546060"/>
+              <a:ext cx="751453" cy="747593"/>
+              <a:chOff x="4286343" y="4229335"/>
+              <a:chExt cx="624815" cy="619925"/>
+            </a:xfrm>
+          </p:grpSpPr>
+          <p:pic>
+            <p:nvPicPr>
+              <p:cNvPr id="44" name="図 43"/>
+              <p:cNvPicPr>
+                <a:picLocks noChangeAspect="1"/>
+              </p:cNvPicPr>
+              <p:nvPr/>
+            </p:nvPicPr>
+            <p:blipFill rotWithShape="1">
+              <a:blip r:embed="rId3">
+                <a:extLst>
+                  <a:ext uri="{28A0092B-C50C-407E-A947-70E740481C1C}">
+                    <a14:useLocalDpi xmlns:a14="http://schemas.microsoft.com/office/drawing/2010/main" val="0"/>
+                  </a:ext>
+                </a:extLst>
+              </a:blip>
+              <a:srcRect r="86650" b="90889"/>
+              <a:stretch/>
+            </p:blipFill>
+            <p:spPr>
+              <a:xfrm>
+                <a:off x="4286708" y="4229335"/>
+                <a:ext cx="624450" cy="553360"/>
+              </a:xfrm>
+              <a:prstGeom prst="rect">
+                <a:avLst/>
+              </a:prstGeom>
+            </p:spPr>
+          </p:pic>
+          <p:grpSp>
+            <p:nvGrpSpPr>
+              <p:cNvPr id="45" name="グループ化 44"/>
+              <p:cNvGrpSpPr/>
+              <p:nvPr/>
+            </p:nvGrpSpPr>
+            <p:grpSpPr>
+              <a:xfrm>
+                <a:off x="4286343" y="4464230"/>
+                <a:ext cx="312590" cy="385030"/>
+                <a:chOff x="3971648" y="4343400"/>
+                <a:chExt cx="312590" cy="385030"/>
+              </a:xfrm>
+            </p:grpSpPr>
+            <p:sp>
+              <p:nvSpPr>
+                <p:cNvPr id="46" name="楕円 45"/>
+                <p:cNvSpPr/>
+                <p:nvPr/>
+              </p:nvSpPr>
+              <p:spPr>
+                <a:xfrm>
+                  <a:off x="3971648" y="4343400"/>
+                  <a:ext cx="306262" cy="290146"/>
+                </a:xfrm>
+                <a:prstGeom prst="ellipse">
+                  <a:avLst/>
+                </a:prstGeom>
+              </p:spPr>
+              <p:style>
+                <a:lnRef idx="2">
+                  <a:schemeClr val="accent1">
+                    <a:shade val="50000"/>
+                  </a:schemeClr>
+                </a:lnRef>
+                <a:fillRef idx="1">
+                  <a:schemeClr val="accent1"/>
+                </a:fillRef>
+                <a:effectRef idx="0">
+                  <a:schemeClr val="accent1"/>
+                </a:effectRef>
+                <a:fontRef idx="minor">
+                  <a:schemeClr val="lt1"/>
+                </a:fontRef>
+              </p:style>
+              <p:txBody>
+                <a:bodyPr rtlCol="0" anchor="ctr"/>
+                <a:lstStyle/>
+                <a:p>
+                  <a:pPr algn="ctr"/>
+                  <a:endParaRPr kumimoji="1" lang="ja-JP" altLang="en-US" sz="1400"/>
+                </a:p>
+              </p:txBody>
+            </p:sp>
+            <p:sp>
+              <p:nvSpPr>
+                <p:cNvPr id="47" name="テキスト ボックス 46"/>
+                <p:cNvSpPr txBox="1"/>
+                <p:nvPr/>
+              </p:nvSpPr>
+              <p:spPr>
+                <a:xfrm>
+                  <a:off x="3994366" y="4367517"/>
+                  <a:ext cx="289872" cy="360913"/>
+                </a:xfrm>
+                <a:prstGeom prst="rect">
+                  <a:avLst/>
+                </a:prstGeom>
+                <a:noFill/>
+              </p:spPr>
+              <p:txBody>
+                <a:bodyPr wrap="square" rtlCol="0">
+                  <a:spAutoFit/>
+                </a:bodyPr>
+                <a:lstStyle/>
+                <a:p>
+                  <a:pPr algn="ctr"/>
+                  <a:r>
+                    <a:rPr lang="ja-JP" altLang="en-US" sz="1050" dirty="0" smtClean="0">
+                      <a:latin typeface="FOT-UD角ゴ_スモール Pr6 H" panose="02020900000000000000" pitchFamily="18" charset="-128"/>
+                      <a:ea typeface="FOT-UD角ゴ_スモール Pr6 H" panose="02020900000000000000" pitchFamily="18" charset="-128"/>
+                    </a:rPr>
+                    <a:t>弾</a:t>
+                  </a:r>
+                  <a:endParaRPr kumimoji="1" lang="ja-JP" altLang="en-US" sz="1050" dirty="0">
+                    <a:latin typeface="FOT-UD角ゴ_スモール Pr6 H" panose="02020900000000000000" pitchFamily="18" charset="-128"/>
+                    <a:ea typeface="FOT-UD角ゴ_スモール Pr6 H" panose="02020900000000000000" pitchFamily="18" charset="-128"/>
+                  </a:endParaRPr>
+                </a:p>
+              </p:txBody>
+            </p:sp>
+          </p:grpSp>
+        </p:grpSp>
+        <p:grpSp>
+          <p:nvGrpSpPr>
+            <p:cNvPr id="48" name="グループ化 47"/>
+            <p:cNvGrpSpPr/>
+            <p:nvPr/>
+          </p:nvGrpSpPr>
+          <p:grpSpPr>
+            <a:xfrm rot="1477635">
+              <a:off x="5800425" y="3509699"/>
+              <a:ext cx="416150" cy="1312251"/>
+              <a:chOff x="3707499" y="3782794"/>
+              <a:chExt cx="416150" cy="1312251"/>
+            </a:xfrm>
+          </p:grpSpPr>
+          <p:sp>
+            <p:nvSpPr>
+              <p:cNvPr id="49" name="右矢印 48"/>
+              <p:cNvSpPr/>
+              <p:nvPr/>
+            </p:nvSpPr>
+            <p:spPr>
+              <a:xfrm rot="17603778">
+                <a:off x="3259448" y="4230845"/>
+                <a:ext cx="1312251" cy="416150"/>
+              </a:xfrm>
+              <a:prstGeom prst="rightArrow">
+                <a:avLst/>
+              </a:prstGeom>
+              <a:solidFill>
+                <a:schemeClr val="accent4"/>
+              </a:solidFill>
+              <a:ln>
+                <a:solidFill>
+                  <a:schemeClr val="tx1"/>
+                </a:solidFill>
+              </a:ln>
+            </p:spPr>
+            <p:style>
+              <a:lnRef idx="2">
+                <a:schemeClr val="accent1">
+                  <a:shade val="50000"/>
+                </a:schemeClr>
+              </a:lnRef>
+              <a:fillRef idx="1">
+                <a:schemeClr val="accent1"/>
+              </a:fillRef>
+              <a:effectRef idx="0">
+                <a:schemeClr val="accent1"/>
+              </a:effectRef>
+              <a:fontRef idx="minor">
+                <a:schemeClr val="lt1"/>
+              </a:fontRef>
+            </p:style>
+            <p:txBody>
+              <a:bodyPr rtlCol="0" anchor="ctr"/>
+              <a:lstStyle/>
+              <a:p>
+                <a:pPr algn="ctr"/>
+                <a:endParaRPr kumimoji="1" lang="ja-JP" altLang="en-US"/>
+              </a:p>
+            </p:txBody>
+          </p:sp>
+          <p:sp>
+            <p:nvSpPr>
+              <p:cNvPr id="50" name="テキスト ボックス 49"/>
+              <p:cNvSpPr txBox="1"/>
+              <p:nvPr/>
+            </p:nvSpPr>
+            <p:spPr>
+              <a:xfrm rot="17707610">
+                <a:off x="3595916" y="4294365"/>
+                <a:ext cx="670682" cy="276999"/>
+              </a:xfrm>
+              <a:prstGeom prst="rect">
+                <a:avLst/>
+              </a:prstGeom>
+              <a:noFill/>
+            </p:spPr>
+            <p:txBody>
+              <a:bodyPr wrap="square" rtlCol="0">
+                <a:spAutoFit/>
+              </a:bodyPr>
+              <a:lstStyle/>
+              <a:p>
+                <a:pPr algn="ctr"/>
+                <a:r>
+                  <a:rPr lang="ja-JP" altLang="en-US" sz="1200" dirty="0" smtClean="0">
+                    <a:latin typeface="FOT-UD角ゴ_スモール Pr6 H" panose="02020900000000000000" pitchFamily="18" charset="-128"/>
+                    <a:ea typeface="FOT-UD角ゴ_スモール Pr6 H" panose="02020900000000000000" pitchFamily="18" charset="-128"/>
+                  </a:rPr>
+                  <a:t>方向</a:t>
+                </a:r>
+                <a:endParaRPr kumimoji="1" lang="ja-JP" altLang="en-US" sz="1200" dirty="0">
+                  <a:latin typeface="FOT-UD角ゴ_スモール Pr6 H" panose="02020900000000000000" pitchFamily="18" charset="-128"/>
+                  <a:ea typeface="FOT-UD角ゴ_スモール Pr6 H" panose="02020900000000000000" pitchFamily="18" charset="-128"/>
+                </a:endParaRPr>
+              </a:p>
+            </p:txBody>
+          </p:sp>
+        </p:grpSp>
+        <p:grpSp>
+          <p:nvGrpSpPr>
+            <p:cNvPr id="61" name="グループ化 60"/>
+            <p:cNvGrpSpPr/>
+            <p:nvPr/>
+          </p:nvGrpSpPr>
+          <p:grpSpPr>
+            <a:xfrm rot="3053498">
+              <a:off x="6662686" y="4570901"/>
+              <a:ext cx="416150" cy="1312251"/>
+              <a:chOff x="3707499" y="3782794"/>
+              <a:chExt cx="416150" cy="1312251"/>
+            </a:xfrm>
+          </p:grpSpPr>
+          <p:sp>
+            <p:nvSpPr>
+              <p:cNvPr id="62" name="右矢印 61"/>
+              <p:cNvSpPr/>
+              <p:nvPr/>
+            </p:nvSpPr>
+            <p:spPr>
+              <a:xfrm rot="17603778">
+                <a:off x="3259448" y="4230845"/>
+                <a:ext cx="1312251" cy="416150"/>
+              </a:xfrm>
+              <a:prstGeom prst="rightArrow">
+                <a:avLst/>
+              </a:prstGeom>
+              <a:solidFill>
+                <a:schemeClr val="accent4"/>
+              </a:solidFill>
+              <a:ln>
+                <a:solidFill>
+                  <a:schemeClr val="tx1"/>
+                </a:solidFill>
+              </a:ln>
+            </p:spPr>
+            <p:style>
+              <a:lnRef idx="2">
+                <a:schemeClr val="accent1">
+                  <a:shade val="50000"/>
+                </a:schemeClr>
+              </a:lnRef>
+              <a:fillRef idx="1">
+                <a:schemeClr val="accent1"/>
+              </a:fillRef>
+              <a:effectRef idx="0">
+                <a:schemeClr val="accent1"/>
+              </a:effectRef>
+              <a:fontRef idx="minor">
+                <a:schemeClr val="lt1"/>
+              </a:fontRef>
+            </p:style>
+            <p:txBody>
+              <a:bodyPr rtlCol="0" anchor="ctr"/>
+              <a:lstStyle/>
+              <a:p>
+                <a:pPr algn="ctr"/>
+                <a:endParaRPr kumimoji="1" lang="ja-JP" altLang="en-US"/>
+              </a:p>
+            </p:txBody>
+          </p:sp>
+          <p:sp>
+            <p:nvSpPr>
+              <p:cNvPr id="63" name="テキスト ボックス 62"/>
+              <p:cNvSpPr txBox="1"/>
+              <p:nvPr/>
+            </p:nvSpPr>
+            <p:spPr>
+              <a:xfrm rot="17707610">
+                <a:off x="3595916" y="4294365"/>
+                <a:ext cx="670682" cy="276999"/>
+              </a:xfrm>
+              <a:prstGeom prst="rect">
+                <a:avLst/>
+              </a:prstGeom>
+              <a:noFill/>
+            </p:spPr>
+            <p:txBody>
+              <a:bodyPr wrap="square" rtlCol="0">
+                <a:spAutoFit/>
+              </a:bodyPr>
+              <a:lstStyle/>
+              <a:p>
+                <a:pPr algn="ctr"/>
+                <a:r>
+                  <a:rPr lang="ja-JP" altLang="en-US" sz="1200" dirty="0" smtClean="0">
+                    <a:latin typeface="FOT-UD角ゴ_スモール Pr6 H" panose="02020900000000000000" pitchFamily="18" charset="-128"/>
+                    <a:ea typeface="FOT-UD角ゴ_スモール Pr6 H" panose="02020900000000000000" pitchFamily="18" charset="-128"/>
+                  </a:rPr>
+                  <a:t>方向</a:t>
+                </a:r>
+                <a:endParaRPr kumimoji="1" lang="ja-JP" altLang="en-US" sz="1200" dirty="0">
+                  <a:latin typeface="FOT-UD角ゴ_スモール Pr6 H" panose="02020900000000000000" pitchFamily="18" charset="-128"/>
+                  <a:ea typeface="FOT-UD角ゴ_スモール Pr6 H" panose="02020900000000000000" pitchFamily="18" charset="-128"/>
+                </a:endParaRPr>
+              </a:p>
+            </p:txBody>
+          </p:sp>
+        </p:grpSp>
+        <p:grpSp>
+          <p:nvGrpSpPr>
+            <p:cNvPr id="56" name="グループ化 55"/>
+            <p:cNvGrpSpPr/>
+            <p:nvPr/>
+          </p:nvGrpSpPr>
+          <p:grpSpPr>
+            <a:xfrm>
+              <a:off x="5820273" y="4978858"/>
+              <a:ext cx="775502" cy="768550"/>
+              <a:chOff x="4286343" y="4229335"/>
+              <a:chExt cx="624815" cy="619925"/>
+            </a:xfrm>
+          </p:grpSpPr>
+          <p:pic>
+            <p:nvPicPr>
+              <p:cNvPr id="57" name="図 56"/>
+              <p:cNvPicPr>
+                <a:picLocks noChangeAspect="1"/>
+              </p:cNvPicPr>
+              <p:nvPr/>
+            </p:nvPicPr>
+            <p:blipFill rotWithShape="1">
+              <a:blip r:embed="rId3">
+                <a:extLst>
+                  <a:ext uri="{28A0092B-C50C-407E-A947-70E740481C1C}">
+                    <a14:useLocalDpi xmlns:a14="http://schemas.microsoft.com/office/drawing/2010/main" val="0"/>
+                  </a:ext>
+                </a:extLst>
+              </a:blip>
+              <a:srcRect r="86650" b="90889"/>
+              <a:stretch/>
+            </p:blipFill>
+            <p:spPr>
+              <a:xfrm>
+                <a:off x="4286708" y="4229335"/>
+                <a:ext cx="624450" cy="553360"/>
+              </a:xfrm>
+              <a:prstGeom prst="rect">
+                <a:avLst/>
+              </a:prstGeom>
+            </p:spPr>
+          </p:pic>
+          <p:grpSp>
+            <p:nvGrpSpPr>
+              <p:cNvPr id="58" name="グループ化 57"/>
+              <p:cNvGrpSpPr/>
+              <p:nvPr/>
+            </p:nvGrpSpPr>
+            <p:grpSpPr>
+              <a:xfrm>
+                <a:off x="4286343" y="4464230"/>
+                <a:ext cx="312590" cy="385030"/>
+                <a:chOff x="3971648" y="4343400"/>
+                <a:chExt cx="312590" cy="385030"/>
+              </a:xfrm>
+            </p:grpSpPr>
+            <p:sp>
+              <p:nvSpPr>
+                <p:cNvPr id="59" name="楕円 58"/>
+                <p:cNvSpPr/>
+                <p:nvPr/>
+              </p:nvSpPr>
+              <p:spPr>
+                <a:xfrm>
+                  <a:off x="3971648" y="4343400"/>
+                  <a:ext cx="306262" cy="290146"/>
+                </a:xfrm>
+                <a:prstGeom prst="ellipse">
+                  <a:avLst/>
+                </a:prstGeom>
+              </p:spPr>
+              <p:style>
+                <a:lnRef idx="2">
+                  <a:schemeClr val="accent1">
+                    <a:shade val="50000"/>
+                  </a:schemeClr>
+                </a:lnRef>
+                <a:fillRef idx="1">
+                  <a:schemeClr val="accent1"/>
+                </a:fillRef>
+                <a:effectRef idx="0">
+                  <a:schemeClr val="accent1"/>
+                </a:effectRef>
+                <a:fontRef idx="minor">
+                  <a:schemeClr val="lt1"/>
+                </a:fontRef>
+              </p:style>
+              <p:txBody>
+                <a:bodyPr rtlCol="0" anchor="ctr"/>
+                <a:lstStyle/>
+                <a:p>
+                  <a:pPr algn="ctr"/>
+                  <a:endParaRPr kumimoji="1" lang="ja-JP" altLang="en-US" sz="1400"/>
+                </a:p>
+              </p:txBody>
+            </p:sp>
+            <p:sp>
+              <p:nvSpPr>
+                <p:cNvPr id="60" name="テキスト ボックス 59"/>
+                <p:cNvSpPr txBox="1"/>
+                <p:nvPr/>
+              </p:nvSpPr>
+              <p:spPr>
+                <a:xfrm>
+                  <a:off x="3994366" y="4367517"/>
+                  <a:ext cx="289872" cy="360913"/>
+                </a:xfrm>
+                <a:prstGeom prst="rect">
+                  <a:avLst/>
+                </a:prstGeom>
+                <a:noFill/>
+              </p:spPr>
+              <p:txBody>
+                <a:bodyPr wrap="square" rtlCol="0">
+                  <a:spAutoFit/>
+                </a:bodyPr>
+                <a:lstStyle/>
+                <a:p>
+                  <a:pPr algn="ctr"/>
+                  <a:r>
+                    <a:rPr lang="ja-JP" altLang="en-US" sz="1050" dirty="0" smtClean="0">
+                      <a:latin typeface="FOT-UD角ゴ_スモール Pr6 H" panose="02020900000000000000" pitchFamily="18" charset="-128"/>
+                      <a:ea typeface="FOT-UD角ゴ_スモール Pr6 H" panose="02020900000000000000" pitchFamily="18" charset="-128"/>
+                    </a:rPr>
+                    <a:t>弾</a:t>
+                  </a:r>
+                  <a:endParaRPr kumimoji="1" lang="ja-JP" altLang="en-US" sz="1050" dirty="0">
+                    <a:latin typeface="FOT-UD角ゴ_スモール Pr6 H" panose="02020900000000000000" pitchFamily="18" charset="-128"/>
+                    <a:ea typeface="FOT-UD角ゴ_スモール Pr6 H" panose="02020900000000000000" pitchFamily="18" charset="-128"/>
+                  </a:endParaRPr>
+                </a:p>
+              </p:txBody>
+            </p:sp>
+          </p:grpSp>
+        </p:grpSp>
+        <p:grpSp>
+          <p:nvGrpSpPr>
+            <p:cNvPr id="79" name="グループ化 78"/>
+            <p:cNvGrpSpPr/>
+            <p:nvPr/>
+          </p:nvGrpSpPr>
+          <p:grpSpPr>
+            <a:xfrm rot="1009140">
+              <a:off x="5387594" y="3191936"/>
+              <a:ext cx="416150" cy="1312251"/>
+              <a:chOff x="3707499" y="3782794"/>
+              <a:chExt cx="416150" cy="1312251"/>
+            </a:xfrm>
+          </p:grpSpPr>
+          <p:sp>
+            <p:nvSpPr>
+              <p:cNvPr id="80" name="右矢印 79"/>
+              <p:cNvSpPr/>
+              <p:nvPr/>
+            </p:nvSpPr>
+            <p:spPr>
+              <a:xfrm rot="17603778">
+                <a:off x="3259448" y="4230845"/>
+                <a:ext cx="1312251" cy="416150"/>
+              </a:xfrm>
+              <a:prstGeom prst="rightArrow">
+                <a:avLst/>
+              </a:prstGeom>
+              <a:solidFill>
+                <a:schemeClr val="accent4"/>
+              </a:solidFill>
+              <a:ln>
+                <a:solidFill>
+                  <a:schemeClr val="tx1"/>
+                </a:solidFill>
+              </a:ln>
+            </p:spPr>
+            <p:style>
+              <a:lnRef idx="2">
+                <a:schemeClr val="accent1">
+                  <a:shade val="50000"/>
+                </a:schemeClr>
+              </a:lnRef>
+              <a:fillRef idx="1">
+                <a:schemeClr val="accent1"/>
+              </a:fillRef>
+              <a:effectRef idx="0">
+                <a:schemeClr val="accent1"/>
+              </a:effectRef>
+              <a:fontRef idx="minor">
+                <a:schemeClr val="lt1"/>
+              </a:fontRef>
+            </p:style>
+            <p:txBody>
+              <a:bodyPr rtlCol="0" anchor="ctr"/>
+              <a:lstStyle/>
+              <a:p>
+                <a:pPr algn="ctr"/>
+                <a:endParaRPr kumimoji="1" lang="ja-JP" altLang="en-US"/>
+              </a:p>
+            </p:txBody>
+          </p:sp>
+          <p:sp>
+            <p:nvSpPr>
+              <p:cNvPr id="81" name="テキスト ボックス 80"/>
+              <p:cNvSpPr txBox="1"/>
+              <p:nvPr/>
+            </p:nvSpPr>
+            <p:spPr>
+              <a:xfrm rot="17707610">
+                <a:off x="3595916" y="4294365"/>
+                <a:ext cx="670682" cy="276999"/>
+              </a:xfrm>
+              <a:prstGeom prst="rect">
+                <a:avLst/>
+              </a:prstGeom>
+              <a:noFill/>
+            </p:spPr>
+            <p:txBody>
+              <a:bodyPr wrap="square" rtlCol="0">
+                <a:spAutoFit/>
+              </a:bodyPr>
+              <a:lstStyle/>
+              <a:p>
+                <a:pPr algn="ctr"/>
+                <a:r>
+                  <a:rPr lang="ja-JP" altLang="en-US" sz="1200" dirty="0" smtClean="0">
+                    <a:latin typeface="FOT-UD角ゴ_スモール Pr6 H" panose="02020900000000000000" pitchFamily="18" charset="-128"/>
+                    <a:ea typeface="FOT-UD角ゴ_スモール Pr6 H" panose="02020900000000000000" pitchFamily="18" charset="-128"/>
+                  </a:rPr>
+                  <a:t>方向</a:t>
+                </a:r>
+                <a:endParaRPr kumimoji="1" lang="ja-JP" altLang="en-US" sz="1200" dirty="0">
+                  <a:latin typeface="FOT-UD角ゴ_スモール Pr6 H" panose="02020900000000000000" pitchFamily="18" charset="-128"/>
+                  <a:ea typeface="FOT-UD角ゴ_スモール Pr6 H" panose="02020900000000000000" pitchFamily="18" charset="-128"/>
+                </a:endParaRPr>
+              </a:p>
+            </p:txBody>
+          </p:sp>
+        </p:grpSp>
+        <p:grpSp>
+          <p:nvGrpSpPr>
+            <p:cNvPr id="64" name="グループ化 63"/>
+            <p:cNvGrpSpPr/>
+            <p:nvPr/>
+          </p:nvGrpSpPr>
+          <p:grpSpPr>
+            <a:xfrm>
+              <a:off x="4684366" y="4093334"/>
+              <a:ext cx="775502" cy="768550"/>
+              <a:chOff x="4286343" y="4229335"/>
+              <a:chExt cx="624815" cy="619925"/>
+            </a:xfrm>
+          </p:grpSpPr>
+          <p:pic>
+            <p:nvPicPr>
+              <p:cNvPr id="65" name="図 64"/>
+              <p:cNvPicPr>
+                <a:picLocks noChangeAspect="1"/>
+              </p:cNvPicPr>
+              <p:nvPr/>
+            </p:nvPicPr>
+            <p:blipFill rotWithShape="1">
+              <a:blip r:embed="rId3">
+                <a:extLst>
+                  <a:ext uri="{28A0092B-C50C-407E-A947-70E740481C1C}">
+                    <a14:useLocalDpi xmlns:a14="http://schemas.microsoft.com/office/drawing/2010/main" val="0"/>
+                  </a:ext>
+                </a:extLst>
+              </a:blip>
+              <a:srcRect r="86650" b="90889"/>
+              <a:stretch/>
+            </p:blipFill>
+            <p:spPr>
+              <a:xfrm>
+                <a:off x="4286708" y="4229335"/>
+                <a:ext cx="624450" cy="553360"/>
+              </a:xfrm>
+              <a:prstGeom prst="rect">
+                <a:avLst/>
+              </a:prstGeom>
+            </p:spPr>
+          </p:pic>
+          <p:grpSp>
+            <p:nvGrpSpPr>
+              <p:cNvPr id="66" name="グループ化 65"/>
+              <p:cNvGrpSpPr/>
+              <p:nvPr/>
+            </p:nvGrpSpPr>
+            <p:grpSpPr>
+              <a:xfrm>
+                <a:off x="4286343" y="4464230"/>
+                <a:ext cx="312590" cy="385030"/>
+                <a:chOff x="3971648" y="4343400"/>
+                <a:chExt cx="312590" cy="385030"/>
+              </a:xfrm>
+            </p:grpSpPr>
+            <p:sp>
+              <p:nvSpPr>
+                <p:cNvPr id="67" name="楕円 66"/>
+                <p:cNvSpPr/>
+                <p:nvPr/>
+              </p:nvSpPr>
+              <p:spPr>
+                <a:xfrm>
+                  <a:off x="3971648" y="4343400"/>
+                  <a:ext cx="306262" cy="290146"/>
+                </a:xfrm>
+                <a:prstGeom prst="ellipse">
+                  <a:avLst/>
+                </a:prstGeom>
+              </p:spPr>
+              <p:style>
+                <a:lnRef idx="2">
+                  <a:schemeClr val="accent1">
+                    <a:shade val="50000"/>
+                  </a:schemeClr>
+                </a:lnRef>
+                <a:fillRef idx="1">
+                  <a:schemeClr val="accent1"/>
+                </a:fillRef>
+                <a:effectRef idx="0">
+                  <a:schemeClr val="accent1"/>
+                </a:effectRef>
+                <a:fontRef idx="minor">
+                  <a:schemeClr val="lt1"/>
+                </a:fontRef>
+              </p:style>
+              <p:txBody>
+                <a:bodyPr rtlCol="0" anchor="ctr"/>
+                <a:lstStyle/>
+                <a:p>
+                  <a:pPr algn="ctr"/>
+                  <a:endParaRPr kumimoji="1" lang="ja-JP" altLang="en-US" sz="1400"/>
+                </a:p>
+              </p:txBody>
+            </p:sp>
+            <p:sp>
+              <p:nvSpPr>
+                <p:cNvPr id="68" name="テキスト ボックス 67"/>
+                <p:cNvSpPr txBox="1"/>
+                <p:nvPr/>
+              </p:nvSpPr>
+              <p:spPr>
+                <a:xfrm>
+                  <a:off x="3994366" y="4367517"/>
+                  <a:ext cx="289872" cy="360913"/>
+                </a:xfrm>
+                <a:prstGeom prst="rect">
+                  <a:avLst/>
+                </a:prstGeom>
+                <a:noFill/>
+              </p:spPr>
+              <p:txBody>
+                <a:bodyPr wrap="square" rtlCol="0">
+                  <a:spAutoFit/>
+                </a:bodyPr>
+                <a:lstStyle/>
+                <a:p>
+                  <a:pPr algn="ctr"/>
+                  <a:r>
+                    <a:rPr lang="ja-JP" altLang="en-US" sz="1050" dirty="0" smtClean="0">
+                      <a:latin typeface="FOT-UD角ゴ_スモール Pr6 H" panose="02020900000000000000" pitchFamily="18" charset="-128"/>
+                      <a:ea typeface="FOT-UD角ゴ_スモール Pr6 H" panose="02020900000000000000" pitchFamily="18" charset="-128"/>
+                    </a:rPr>
+                    <a:t>弾</a:t>
+                  </a:r>
+                  <a:endParaRPr kumimoji="1" lang="ja-JP" altLang="en-US" sz="1050" dirty="0">
+                    <a:latin typeface="FOT-UD角ゴ_スモール Pr6 H" panose="02020900000000000000" pitchFamily="18" charset="-128"/>
+                    <a:ea typeface="FOT-UD角ゴ_スモール Pr6 H" panose="02020900000000000000" pitchFamily="18" charset="-128"/>
+                  </a:endParaRPr>
+                </a:p>
+              </p:txBody>
+            </p:sp>
+          </p:grpSp>
+        </p:grpSp>
+        <p:grpSp>
+          <p:nvGrpSpPr>
+            <p:cNvPr id="82" name="グループ化 81"/>
+            <p:cNvGrpSpPr/>
+            <p:nvPr/>
+          </p:nvGrpSpPr>
+          <p:grpSpPr>
+            <a:xfrm rot="2801280">
+              <a:off x="6256249" y="4076543"/>
+              <a:ext cx="416150" cy="1312251"/>
+              <a:chOff x="3707499" y="3782794"/>
+              <a:chExt cx="416150" cy="1312251"/>
+            </a:xfrm>
+          </p:grpSpPr>
+          <p:sp>
+            <p:nvSpPr>
+              <p:cNvPr id="83" name="右矢印 82"/>
+              <p:cNvSpPr/>
+              <p:nvPr/>
+            </p:nvSpPr>
+            <p:spPr>
+              <a:xfrm rot="17603778">
+                <a:off x="3259448" y="4230845"/>
+                <a:ext cx="1312251" cy="416150"/>
+              </a:xfrm>
+              <a:prstGeom prst="rightArrow">
+                <a:avLst/>
+              </a:prstGeom>
+              <a:solidFill>
+                <a:schemeClr val="accent4"/>
+              </a:solidFill>
+              <a:ln>
+                <a:solidFill>
+                  <a:schemeClr val="tx1"/>
+                </a:solidFill>
+              </a:ln>
+            </p:spPr>
+            <p:style>
+              <a:lnRef idx="2">
+                <a:schemeClr val="accent1">
+                  <a:shade val="50000"/>
+                </a:schemeClr>
+              </a:lnRef>
+              <a:fillRef idx="1">
+                <a:schemeClr val="accent1"/>
+              </a:fillRef>
+              <a:effectRef idx="0">
+                <a:schemeClr val="accent1"/>
+              </a:effectRef>
+              <a:fontRef idx="minor">
+                <a:schemeClr val="lt1"/>
+              </a:fontRef>
+            </p:style>
+            <p:txBody>
+              <a:bodyPr rtlCol="0" anchor="ctr"/>
+              <a:lstStyle/>
+              <a:p>
+                <a:pPr algn="ctr"/>
+                <a:endParaRPr kumimoji="1" lang="ja-JP" altLang="en-US"/>
+              </a:p>
+            </p:txBody>
+          </p:sp>
+          <p:sp>
+            <p:nvSpPr>
+              <p:cNvPr id="84" name="テキスト ボックス 83"/>
+              <p:cNvSpPr txBox="1"/>
+              <p:nvPr/>
+            </p:nvSpPr>
+            <p:spPr>
+              <a:xfrm rot="17707610">
+                <a:off x="3595916" y="4294365"/>
+                <a:ext cx="670682" cy="276999"/>
+              </a:xfrm>
+              <a:prstGeom prst="rect">
+                <a:avLst/>
+              </a:prstGeom>
+              <a:noFill/>
+            </p:spPr>
+            <p:txBody>
+              <a:bodyPr wrap="square" rtlCol="0">
+                <a:spAutoFit/>
+              </a:bodyPr>
+              <a:lstStyle/>
+              <a:p>
+                <a:pPr algn="ctr"/>
+                <a:r>
+                  <a:rPr lang="ja-JP" altLang="en-US" sz="1200" dirty="0" smtClean="0">
+                    <a:latin typeface="FOT-UD角ゴ_スモール Pr6 H" panose="02020900000000000000" pitchFamily="18" charset="-128"/>
+                    <a:ea typeface="FOT-UD角ゴ_スモール Pr6 H" panose="02020900000000000000" pitchFamily="18" charset="-128"/>
+                  </a:rPr>
+                  <a:t>方向</a:t>
+                </a:r>
+                <a:endParaRPr kumimoji="1" lang="ja-JP" altLang="en-US" sz="1200" dirty="0">
+                  <a:latin typeface="FOT-UD角ゴ_スモール Pr6 H" panose="02020900000000000000" pitchFamily="18" charset="-128"/>
+                  <a:ea typeface="FOT-UD角ゴ_スモール Pr6 H" panose="02020900000000000000" pitchFamily="18" charset="-128"/>
+                </a:endParaRPr>
+              </a:p>
+            </p:txBody>
+          </p:sp>
+        </p:grpSp>
+        <p:grpSp>
+          <p:nvGrpSpPr>
+            <p:cNvPr id="69" name="グループ化 68"/>
+            <p:cNvGrpSpPr/>
+            <p:nvPr/>
+          </p:nvGrpSpPr>
+          <p:grpSpPr>
+            <a:xfrm>
+              <a:off x="5284277" y="4688295"/>
+              <a:ext cx="775502" cy="768550"/>
+              <a:chOff x="4286343" y="4229335"/>
+              <a:chExt cx="624815" cy="619925"/>
+            </a:xfrm>
+          </p:grpSpPr>
+          <p:pic>
+            <p:nvPicPr>
+              <p:cNvPr id="70" name="図 69"/>
+              <p:cNvPicPr>
+                <a:picLocks noChangeAspect="1"/>
+              </p:cNvPicPr>
+              <p:nvPr/>
+            </p:nvPicPr>
+            <p:blipFill rotWithShape="1">
+              <a:blip r:embed="rId3">
+                <a:extLst>
+                  <a:ext uri="{28A0092B-C50C-407E-A947-70E740481C1C}">
+                    <a14:useLocalDpi xmlns:a14="http://schemas.microsoft.com/office/drawing/2010/main" val="0"/>
+                  </a:ext>
+                </a:extLst>
+              </a:blip>
+              <a:srcRect r="86650" b="90889"/>
+              <a:stretch/>
+            </p:blipFill>
+            <p:spPr>
+              <a:xfrm>
+                <a:off x="4286708" y="4229335"/>
+                <a:ext cx="624450" cy="553360"/>
+              </a:xfrm>
+              <a:prstGeom prst="rect">
+                <a:avLst/>
+              </a:prstGeom>
+            </p:spPr>
+          </p:pic>
+          <p:grpSp>
+            <p:nvGrpSpPr>
+              <p:cNvPr id="71" name="グループ化 70"/>
+              <p:cNvGrpSpPr/>
+              <p:nvPr/>
+            </p:nvGrpSpPr>
+            <p:grpSpPr>
+              <a:xfrm>
+                <a:off x="4286343" y="4464230"/>
+                <a:ext cx="312590" cy="385030"/>
+                <a:chOff x="3971648" y="4343400"/>
+                <a:chExt cx="312590" cy="385030"/>
+              </a:xfrm>
+            </p:grpSpPr>
+            <p:sp>
+              <p:nvSpPr>
+                <p:cNvPr id="72" name="楕円 71"/>
+                <p:cNvSpPr/>
+                <p:nvPr/>
+              </p:nvSpPr>
+              <p:spPr>
+                <a:xfrm>
+                  <a:off x="3971648" y="4343400"/>
+                  <a:ext cx="306262" cy="290146"/>
+                </a:xfrm>
+                <a:prstGeom prst="ellipse">
+                  <a:avLst/>
+                </a:prstGeom>
+              </p:spPr>
+              <p:style>
+                <a:lnRef idx="2">
+                  <a:schemeClr val="accent1">
+                    <a:shade val="50000"/>
+                  </a:schemeClr>
+                </a:lnRef>
+                <a:fillRef idx="1">
+                  <a:schemeClr val="accent1"/>
+                </a:fillRef>
+                <a:effectRef idx="0">
+                  <a:schemeClr val="accent1"/>
+                </a:effectRef>
+                <a:fontRef idx="minor">
+                  <a:schemeClr val="lt1"/>
+                </a:fontRef>
+              </p:style>
+              <p:txBody>
+                <a:bodyPr rtlCol="0" anchor="ctr"/>
+                <a:lstStyle/>
+                <a:p>
+                  <a:pPr algn="ctr"/>
+                  <a:endParaRPr kumimoji="1" lang="ja-JP" altLang="en-US" sz="1400"/>
+                </a:p>
+              </p:txBody>
+            </p:sp>
+            <p:sp>
+              <p:nvSpPr>
+                <p:cNvPr id="73" name="テキスト ボックス 72"/>
+                <p:cNvSpPr txBox="1"/>
+                <p:nvPr/>
+              </p:nvSpPr>
+              <p:spPr>
+                <a:xfrm>
+                  <a:off x="3994366" y="4367517"/>
+                  <a:ext cx="289872" cy="360913"/>
+                </a:xfrm>
+                <a:prstGeom prst="rect">
+                  <a:avLst/>
+                </a:prstGeom>
+                <a:noFill/>
+              </p:spPr>
+              <p:txBody>
+                <a:bodyPr wrap="square" rtlCol="0">
+                  <a:spAutoFit/>
+                </a:bodyPr>
+                <a:lstStyle/>
+                <a:p>
+                  <a:pPr algn="ctr"/>
+                  <a:r>
+                    <a:rPr lang="ja-JP" altLang="en-US" sz="1050" dirty="0" smtClean="0">
+                      <a:latin typeface="FOT-UD角ゴ_スモール Pr6 H" panose="02020900000000000000" pitchFamily="18" charset="-128"/>
+                      <a:ea typeface="FOT-UD角ゴ_スモール Pr6 H" panose="02020900000000000000" pitchFamily="18" charset="-128"/>
+                    </a:rPr>
+                    <a:t>弾</a:t>
+                  </a:r>
+                  <a:endParaRPr kumimoji="1" lang="ja-JP" altLang="en-US" sz="1050" dirty="0">
+                    <a:latin typeface="FOT-UD角ゴ_スモール Pr6 H" panose="02020900000000000000" pitchFamily="18" charset="-128"/>
+                    <a:ea typeface="FOT-UD角ゴ_スモール Pr6 H" panose="02020900000000000000" pitchFamily="18" charset="-128"/>
+                  </a:endParaRPr>
+                </a:p>
+              </p:txBody>
+            </p:sp>
+          </p:grpSp>
+        </p:grpSp>
+        <p:grpSp>
+          <p:nvGrpSpPr>
+            <p:cNvPr id="85" name="グループ化 84"/>
+            <p:cNvGrpSpPr/>
+            <p:nvPr/>
+          </p:nvGrpSpPr>
+          <p:grpSpPr>
+            <a:xfrm rot="1477635">
+              <a:off x="5319247" y="3911510"/>
+              <a:ext cx="416150" cy="1312251"/>
+              <a:chOff x="3707499" y="3782794"/>
+              <a:chExt cx="416150" cy="1312251"/>
+            </a:xfrm>
+          </p:grpSpPr>
+          <p:sp>
+            <p:nvSpPr>
+              <p:cNvPr id="86" name="右矢印 85"/>
+              <p:cNvSpPr/>
+              <p:nvPr/>
+            </p:nvSpPr>
+            <p:spPr>
+              <a:xfrm rot="17603778">
+                <a:off x="3259448" y="4230845"/>
+                <a:ext cx="1312251" cy="416150"/>
+              </a:xfrm>
+              <a:prstGeom prst="rightArrow">
+                <a:avLst/>
+              </a:prstGeom>
+              <a:solidFill>
+                <a:schemeClr val="accent4"/>
+              </a:solidFill>
+              <a:ln>
+                <a:solidFill>
+                  <a:schemeClr val="tx1"/>
+                </a:solidFill>
+              </a:ln>
+            </p:spPr>
+            <p:style>
+              <a:lnRef idx="2">
+                <a:schemeClr val="accent1">
+                  <a:shade val="50000"/>
+                </a:schemeClr>
+              </a:lnRef>
+              <a:fillRef idx="1">
+                <a:schemeClr val="accent1"/>
+              </a:fillRef>
+              <a:effectRef idx="0">
+                <a:schemeClr val="accent1"/>
+              </a:effectRef>
+              <a:fontRef idx="minor">
+                <a:schemeClr val="lt1"/>
+              </a:fontRef>
+            </p:style>
+            <p:txBody>
+              <a:bodyPr rtlCol="0" anchor="ctr"/>
+              <a:lstStyle/>
+              <a:p>
+                <a:pPr algn="ctr"/>
+                <a:endParaRPr kumimoji="1" lang="ja-JP" altLang="en-US"/>
+              </a:p>
+            </p:txBody>
+          </p:sp>
+          <p:sp>
+            <p:nvSpPr>
+              <p:cNvPr id="87" name="テキスト ボックス 86"/>
+              <p:cNvSpPr txBox="1"/>
+              <p:nvPr/>
+            </p:nvSpPr>
+            <p:spPr>
+              <a:xfrm rot="17707610">
+                <a:off x="3595916" y="4294365"/>
+                <a:ext cx="670682" cy="276999"/>
+              </a:xfrm>
+              <a:prstGeom prst="rect">
+                <a:avLst/>
+              </a:prstGeom>
+              <a:noFill/>
+            </p:spPr>
+            <p:txBody>
+              <a:bodyPr wrap="square" rtlCol="0">
+                <a:spAutoFit/>
+              </a:bodyPr>
+              <a:lstStyle/>
+              <a:p>
+                <a:pPr algn="ctr"/>
+                <a:r>
+                  <a:rPr lang="ja-JP" altLang="en-US" sz="1200" dirty="0" smtClean="0">
+                    <a:latin typeface="FOT-UD角ゴ_スモール Pr6 H" panose="02020900000000000000" pitchFamily="18" charset="-128"/>
+                    <a:ea typeface="FOT-UD角ゴ_スモール Pr6 H" panose="02020900000000000000" pitchFamily="18" charset="-128"/>
+                  </a:rPr>
+                  <a:t>方向</a:t>
+                </a:r>
+                <a:endParaRPr kumimoji="1" lang="ja-JP" altLang="en-US" sz="1200" dirty="0">
+                  <a:latin typeface="FOT-UD角ゴ_スモール Pr6 H" panose="02020900000000000000" pitchFamily="18" charset="-128"/>
+                  <a:ea typeface="FOT-UD角ゴ_スモール Pr6 H" panose="02020900000000000000" pitchFamily="18" charset="-128"/>
+                </a:endParaRPr>
+              </a:p>
+            </p:txBody>
+          </p:sp>
+        </p:grpSp>
+        <p:grpSp>
+          <p:nvGrpSpPr>
+            <p:cNvPr id="74" name="グループ化 73"/>
+            <p:cNvGrpSpPr/>
+            <p:nvPr/>
+          </p:nvGrpSpPr>
+          <p:grpSpPr>
+            <a:xfrm>
+              <a:off x="4577791" y="4691091"/>
+              <a:ext cx="775502" cy="768550"/>
+              <a:chOff x="4286343" y="4229335"/>
+              <a:chExt cx="624815" cy="619925"/>
+            </a:xfrm>
+          </p:grpSpPr>
+          <p:pic>
+            <p:nvPicPr>
+              <p:cNvPr id="75" name="図 74"/>
+              <p:cNvPicPr>
+                <a:picLocks noChangeAspect="1"/>
+              </p:cNvPicPr>
+              <p:nvPr/>
+            </p:nvPicPr>
+            <p:blipFill rotWithShape="1">
+              <a:blip r:embed="rId3">
+                <a:extLst>
+                  <a:ext uri="{28A0092B-C50C-407E-A947-70E740481C1C}">
+                    <a14:useLocalDpi xmlns:a14="http://schemas.microsoft.com/office/drawing/2010/main" val="0"/>
+                  </a:ext>
+                </a:extLst>
+              </a:blip>
+              <a:srcRect r="86650" b="90889"/>
+              <a:stretch/>
+            </p:blipFill>
+            <p:spPr>
+              <a:xfrm>
+                <a:off x="4286708" y="4229335"/>
+                <a:ext cx="624450" cy="553360"/>
+              </a:xfrm>
+              <a:prstGeom prst="rect">
+                <a:avLst/>
+              </a:prstGeom>
+            </p:spPr>
+          </p:pic>
+          <p:grpSp>
+            <p:nvGrpSpPr>
+              <p:cNvPr id="76" name="グループ化 75"/>
+              <p:cNvGrpSpPr/>
+              <p:nvPr/>
+            </p:nvGrpSpPr>
+            <p:grpSpPr>
+              <a:xfrm>
+                <a:off x="4286343" y="4464230"/>
+                <a:ext cx="312590" cy="385030"/>
+                <a:chOff x="3971648" y="4343400"/>
+                <a:chExt cx="312590" cy="385030"/>
+              </a:xfrm>
+            </p:grpSpPr>
+            <p:sp>
+              <p:nvSpPr>
+                <p:cNvPr id="77" name="楕円 76"/>
+                <p:cNvSpPr/>
+                <p:nvPr/>
+              </p:nvSpPr>
+              <p:spPr>
+                <a:xfrm>
+                  <a:off x="3971648" y="4343400"/>
+                  <a:ext cx="306262" cy="290146"/>
+                </a:xfrm>
+                <a:prstGeom prst="ellipse">
+                  <a:avLst/>
+                </a:prstGeom>
+              </p:spPr>
+              <p:style>
+                <a:lnRef idx="2">
+                  <a:schemeClr val="accent1">
+                    <a:shade val="50000"/>
+                  </a:schemeClr>
+                </a:lnRef>
+                <a:fillRef idx="1">
+                  <a:schemeClr val="accent1"/>
+                </a:fillRef>
+                <a:effectRef idx="0">
+                  <a:schemeClr val="accent1"/>
+                </a:effectRef>
+                <a:fontRef idx="minor">
+                  <a:schemeClr val="lt1"/>
+                </a:fontRef>
+              </p:style>
+              <p:txBody>
+                <a:bodyPr rtlCol="0" anchor="ctr"/>
+                <a:lstStyle/>
+                <a:p>
+                  <a:pPr algn="ctr"/>
+                  <a:endParaRPr kumimoji="1" lang="ja-JP" altLang="en-US" sz="1400"/>
+                </a:p>
+              </p:txBody>
+            </p:sp>
+            <p:sp>
+              <p:nvSpPr>
+                <p:cNvPr id="78" name="テキスト ボックス 77"/>
+                <p:cNvSpPr txBox="1"/>
+                <p:nvPr/>
+              </p:nvSpPr>
+              <p:spPr>
+                <a:xfrm>
+                  <a:off x="3994366" y="4367517"/>
+                  <a:ext cx="289872" cy="360913"/>
+                </a:xfrm>
+                <a:prstGeom prst="rect">
+                  <a:avLst/>
+                </a:prstGeom>
+                <a:noFill/>
+              </p:spPr>
+              <p:txBody>
+                <a:bodyPr wrap="square" rtlCol="0">
+                  <a:spAutoFit/>
+                </a:bodyPr>
+                <a:lstStyle/>
+                <a:p>
+                  <a:pPr algn="ctr"/>
+                  <a:r>
+                    <a:rPr lang="ja-JP" altLang="en-US" sz="1050" dirty="0" smtClean="0">
+                      <a:latin typeface="FOT-UD角ゴ_スモール Pr6 H" panose="02020900000000000000" pitchFamily="18" charset="-128"/>
+                      <a:ea typeface="FOT-UD角ゴ_スモール Pr6 H" panose="02020900000000000000" pitchFamily="18" charset="-128"/>
+                    </a:rPr>
+                    <a:t>弾</a:t>
+                  </a:r>
+                  <a:endParaRPr kumimoji="1" lang="ja-JP" altLang="en-US" sz="1050" dirty="0">
+                    <a:latin typeface="FOT-UD角ゴ_スモール Pr6 H" panose="02020900000000000000" pitchFamily="18" charset="-128"/>
+                    <a:ea typeface="FOT-UD角ゴ_スモール Pr6 H" panose="02020900000000000000" pitchFamily="18" charset="-128"/>
+                  </a:endParaRPr>
+                </a:p>
+              </p:txBody>
+            </p:sp>
+          </p:grpSp>
+        </p:grpSp>
+        <p:grpSp>
+          <p:nvGrpSpPr>
+            <p:cNvPr id="51" name="グループ化 50"/>
+            <p:cNvGrpSpPr/>
+            <p:nvPr/>
+          </p:nvGrpSpPr>
+          <p:grpSpPr>
+            <a:xfrm>
+              <a:off x="5452899" y="3994155"/>
+              <a:ext cx="775502" cy="768550"/>
+              <a:chOff x="4286343" y="4229335"/>
+              <a:chExt cx="624815" cy="619925"/>
+            </a:xfrm>
+          </p:grpSpPr>
+          <p:pic>
+            <p:nvPicPr>
+              <p:cNvPr id="52" name="図 51"/>
+              <p:cNvPicPr>
+                <a:picLocks noChangeAspect="1"/>
+              </p:cNvPicPr>
+              <p:nvPr/>
+            </p:nvPicPr>
+            <p:blipFill rotWithShape="1">
+              <a:blip r:embed="rId3">
+                <a:extLst>
+                  <a:ext uri="{28A0092B-C50C-407E-A947-70E740481C1C}">
+                    <a14:useLocalDpi xmlns:a14="http://schemas.microsoft.com/office/drawing/2010/main" val="0"/>
+                  </a:ext>
+                </a:extLst>
+              </a:blip>
+              <a:srcRect r="86650" b="90889"/>
+              <a:stretch/>
+            </p:blipFill>
+            <p:spPr>
+              <a:xfrm>
+                <a:off x="4286708" y="4229335"/>
+                <a:ext cx="624450" cy="553360"/>
+              </a:xfrm>
+              <a:prstGeom prst="rect">
+                <a:avLst/>
+              </a:prstGeom>
+            </p:spPr>
+          </p:pic>
+          <p:grpSp>
+            <p:nvGrpSpPr>
+              <p:cNvPr id="53" name="グループ化 52"/>
+              <p:cNvGrpSpPr/>
+              <p:nvPr/>
+            </p:nvGrpSpPr>
+            <p:grpSpPr>
+              <a:xfrm>
+                <a:off x="4286343" y="4464230"/>
+                <a:ext cx="312590" cy="385030"/>
+                <a:chOff x="3971648" y="4343400"/>
+                <a:chExt cx="312590" cy="385030"/>
+              </a:xfrm>
+            </p:grpSpPr>
+            <p:sp>
+              <p:nvSpPr>
+                <p:cNvPr id="54" name="楕円 53"/>
+                <p:cNvSpPr/>
+                <p:nvPr/>
+              </p:nvSpPr>
+              <p:spPr>
+                <a:xfrm>
+                  <a:off x="3971648" y="4343400"/>
+                  <a:ext cx="306262" cy="290146"/>
+                </a:xfrm>
+                <a:prstGeom prst="ellipse">
+                  <a:avLst/>
+                </a:prstGeom>
+              </p:spPr>
+              <p:style>
+                <a:lnRef idx="2">
+                  <a:schemeClr val="accent1">
+                    <a:shade val="50000"/>
+                  </a:schemeClr>
+                </a:lnRef>
+                <a:fillRef idx="1">
+                  <a:schemeClr val="accent1"/>
+                </a:fillRef>
+                <a:effectRef idx="0">
+                  <a:schemeClr val="accent1"/>
+                </a:effectRef>
+                <a:fontRef idx="minor">
+                  <a:schemeClr val="lt1"/>
+                </a:fontRef>
+              </p:style>
+              <p:txBody>
+                <a:bodyPr rtlCol="0" anchor="ctr"/>
+                <a:lstStyle/>
+                <a:p>
+                  <a:pPr algn="ctr"/>
+                  <a:endParaRPr kumimoji="1" lang="ja-JP" altLang="en-US" sz="1400"/>
+                </a:p>
+              </p:txBody>
+            </p:sp>
+            <p:sp>
+              <p:nvSpPr>
+                <p:cNvPr id="55" name="テキスト ボックス 54"/>
+                <p:cNvSpPr txBox="1"/>
+                <p:nvPr/>
+              </p:nvSpPr>
+              <p:spPr>
+                <a:xfrm>
+                  <a:off x="3994366" y="4367517"/>
+                  <a:ext cx="289872" cy="360913"/>
+                </a:xfrm>
+                <a:prstGeom prst="rect">
+                  <a:avLst/>
+                </a:prstGeom>
+                <a:noFill/>
+              </p:spPr>
+              <p:txBody>
+                <a:bodyPr wrap="square" rtlCol="0">
+                  <a:spAutoFit/>
+                </a:bodyPr>
+                <a:lstStyle/>
+                <a:p>
+                  <a:pPr algn="ctr"/>
+                  <a:r>
+                    <a:rPr lang="ja-JP" altLang="en-US" sz="1050" dirty="0" smtClean="0">
+                      <a:latin typeface="FOT-UD角ゴ_スモール Pr6 H" panose="02020900000000000000" pitchFamily="18" charset="-128"/>
+                      <a:ea typeface="FOT-UD角ゴ_スモール Pr6 H" panose="02020900000000000000" pitchFamily="18" charset="-128"/>
+                    </a:rPr>
+                    <a:t>弾</a:t>
+                  </a:r>
+                  <a:endParaRPr kumimoji="1" lang="ja-JP" altLang="en-US" sz="1050" dirty="0">
+                    <a:latin typeface="FOT-UD角ゴ_スモール Pr6 H" panose="02020900000000000000" pitchFamily="18" charset="-128"/>
+                    <a:ea typeface="FOT-UD角ゴ_スモール Pr6 H" panose="02020900000000000000" pitchFamily="18" charset="-128"/>
+                  </a:endParaRPr>
+                </a:p>
+              </p:txBody>
+            </p:sp>
+          </p:grpSp>
+        </p:grpSp>
+      </p:grpSp>
+      <p:grpSp>
+        <p:nvGrpSpPr>
+          <p:cNvPr id="100" name="グループ化 99"/>
+          <p:cNvGrpSpPr/>
+          <p:nvPr/>
+        </p:nvGrpSpPr>
+        <p:grpSpPr>
+          <a:xfrm>
+            <a:off x="308979" y="1488775"/>
+            <a:ext cx="2677623" cy="2848280"/>
+            <a:chOff x="3836750" y="2492488"/>
+            <a:chExt cx="3690136" cy="4045778"/>
+          </a:xfrm>
+        </p:grpSpPr>
+        <p:grpSp>
+          <p:nvGrpSpPr>
+            <p:cNvPr id="101" name="グループ化 100"/>
+            <p:cNvGrpSpPr/>
+            <p:nvPr/>
+          </p:nvGrpSpPr>
+          <p:grpSpPr>
+            <a:xfrm>
+              <a:off x="3836750" y="2552660"/>
+              <a:ext cx="2972003" cy="3985606"/>
+              <a:chOff x="2944021" y="3732068"/>
+              <a:chExt cx="2005950" cy="2573257"/>
+            </a:xfrm>
+          </p:grpSpPr>
+          <p:grpSp>
+            <p:nvGrpSpPr>
+              <p:cNvPr id="150" name="グループ化 149"/>
+              <p:cNvGrpSpPr/>
+              <p:nvPr/>
+            </p:nvGrpSpPr>
+            <p:grpSpPr>
+              <a:xfrm>
+                <a:off x="2944021" y="5451230"/>
+                <a:ext cx="691112" cy="624253"/>
+                <a:chOff x="3663735" y="4651131"/>
+                <a:chExt cx="691112" cy="624253"/>
+              </a:xfrm>
+            </p:grpSpPr>
+            <p:sp>
+              <p:nvSpPr>
+                <p:cNvPr id="152" name="楕円 151"/>
+                <p:cNvSpPr/>
+                <p:nvPr/>
+              </p:nvSpPr>
+              <p:spPr>
+                <a:xfrm>
+                  <a:off x="3683977" y="4651131"/>
+                  <a:ext cx="615461" cy="624253"/>
+                </a:xfrm>
+                <a:prstGeom prst="ellipse">
+                  <a:avLst/>
+                </a:prstGeom>
+              </p:spPr>
+              <p:style>
+                <a:lnRef idx="2">
+                  <a:schemeClr val="accent1">
+                    <a:shade val="50000"/>
+                  </a:schemeClr>
+                </a:lnRef>
+                <a:fillRef idx="1">
+                  <a:schemeClr val="accent1"/>
+                </a:fillRef>
+                <a:effectRef idx="0">
+                  <a:schemeClr val="accent1"/>
+                </a:effectRef>
+                <a:fontRef idx="minor">
+                  <a:schemeClr val="lt1"/>
+                </a:fontRef>
+              </p:style>
+              <p:txBody>
+                <a:bodyPr rtlCol="0" anchor="ctr"/>
+                <a:lstStyle/>
+                <a:p>
+                  <a:pPr algn="ctr"/>
+                  <a:endParaRPr kumimoji="1" lang="ja-JP" altLang="en-US" sz="1600"/>
+                </a:p>
+              </p:txBody>
+            </p:sp>
+            <p:sp>
+              <p:nvSpPr>
+                <p:cNvPr id="153" name="テキスト ボックス 152"/>
+                <p:cNvSpPr txBox="1"/>
+                <p:nvPr/>
+              </p:nvSpPr>
+              <p:spPr>
+                <a:xfrm>
+                  <a:off x="3663735" y="4834659"/>
+                  <a:ext cx="691112" cy="239918"/>
+                </a:xfrm>
+                <a:prstGeom prst="rect">
+                  <a:avLst/>
+                </a:prstGeom>
+                <a:noFill/>
+              </p:spPr>
+              <p:txBody>
+                <a:bodyPr wrap="square" rtlCol="0">
+                  <a:spAutoFit/>
+                </a:bodyPr>
+                <a:lstStyle/>
+                <a:p>
+                  <a:pPr algn="ctr"/>
+                  <a:r>
+                    <a:rPr lang="ja-JP" altLang="en-US" sz="1100" dirty="0" smtClean="0">
+                      <a:latin typeface="FOT-UD角ゴ_スモール Pr6 H" panose="02020900000000000000" pitchFamily="18" charset="-128"/>
+                      <a:ea typeface="FOT-UD角ゴ_スモール Pr6 H" panose="02020900000000000000" pitchFamily="18" charset="-128"/>
+                    </a:rPr>
+                    <a:t>キャラ</a:t>
+                  </a:r>
+                  <a:endParaRPr kumimoji="1" lang="ja-JP" altLang="en-US" sz="1100" dirty="0">
+                    <a:latin typeface="FOT-UD角ゴ_スモール Pr6 H" panose="02020900000000000000" pitchFamily="18" charset="-128"/>
+                    <a:ea typeface="FOT-UD角ゴ_スモール Pr6 H" panose="02020900000000000000" pitchFamily="18" charset="-128"/>
+                  </a:endParaRPr>
+                </a:p>
+              </p:txBody>
+            </p:sp>
+          </p:grpSp>
+          <p:sp>
+            <p:nvSpPr>
+              <p:cNvPr id="151" name="正方形/長方形 22"/>
+              <p:cNvSpPr/>
+              <p:nvPr/>
+            </p:nvSpPr>
+            <p:spPr>
+              <a:xfrm rot="19217793">
+                <a:off x="3319974" y="3732068"/>
+                <a:ext cx="1629997" cy="2573257"/>
+              </a:xfrm>
+              <a:custGeom>
+                <a:avLst/>
+                <a:gdLst>
+                  <a:gd name="connsiteX0" fmla="*/ 0 w 1476613"/>
+                  <a:gd name="connsiteY0" fmla="*/ 0 h 581691"/>
+                  <a:gd name="connsiteX1" fmla="*/ 1476613 w 1476613"/>
+                  <a:gd name="connsiteY1" fmla="*/ 0 h 581691"/>
+                  <a:gd name="connsiteX2" fmla="*/ 1476613 w 1476613"/>
+                  <a:gd name="connsiteY2" fmla="*/ 581691 h 581691"/>
+                  <a:gd name="connsiteX3" fmla="*/ 0 w 1476613"/>
+                  <a:gd name="connsiteY3" fmla="*/ 581691 h 581691"/>
+                  <a:gd name="connsiteX4" fmla="*/ 0 w 1476613"/>
+                  <a:gd name="connsiteY4" fmla="*/ 0 h 581691"/>
+                  <a:gd name="connsiteX0" fmla="*/ 0 w 1476613"/>
+                  <a:gd name="connsiteY0" fmla="*/ 473925 h 1055616"/>
+                  <a:gd name="connsiteX1" fmla="*/ 1470139 w 1476613"/>
+                  <a:gd name="connsiteY1" fmla="*/ 0 h 1055616"/>
+                  <a:gd name="connsiteX2" fmla="*/ 1476613 w 1476613"/>
+                  <a:gd name="connsiteY2" fmla="*/ 1055616 h 1055616"/>
+                  <a:gd name="connsiteX3" fmla="*/ 0 w 1476613"/>
+                  <a:gd name="connsiteY3" fmla="*/ 1055616 h 1055616"/>
+                  <a:gd name="connsiteX4" fmla="*/ 0 w 1476613"/>
+                  <a:gd name="connsiteY4" fmla="*/ 473925 h 1055616"/>
+                  <a:gd name="connsiteX0" fmla="*/ 0 w 1470139"/>
+                  <a:gd name="connsiteY0" fmla="*/ 473925 h 1481165"/>
+                  <a:gd name="connsiteX1" fmla="*/ 1470139 w 1470139"/>
+                  <a:gd name="connsiteY1" fmla="*/ 0 h 1481165"/>
+                  <a:gd name="connsiteX2" fmla="*/ 1466114 w 1470139"/>
+                  <a:gd name="connsiteY2" fmla="*/ 1481165 h 1481165"/>
+                  <a:gd name="connsiteX3" fmla="*/ 0 w 1470139"/>
+                  <a:gd name="connsiteY3" fmla="*/ 1055616 h 1481165"/>
+                  <a:gd name="connsiteX4" fmla="*/ 0 w 1470139"/>
+                  <a:gd name="connsiteY4" fmla="*/ 473925 h 1481165"/>
+                  <a:gd name="connsiteX0" fmla="*/ 0 w 1490187"/>
+                  <a:gd name="connsiteY0" fmla="*/ 594416 h 1481165"/>
+                  <a:gd name="connsiteX1" fmla="*/ 1490187 w 1490187"/>
+                  <a:gd name="connsiteY1" fmla="*/ 0 h 1481165"/>
+                  <a:gd name="connsiteX2" fmla="*/ 1486162 w 1490187"/>
+                  <a:gd name="connsiteY2" fmla="*/ 1481165 h 1481165"/>
+                  <a:gd name="connsiteX3" fmla="*/ 20048 w 1490187"/>
+                  <a:gd name="connsiteY3" fmla="*/ 1055616 h 1481165"/>
+                  <a:gd name="connsiteX4" fmla="*/ 0 w 1490187"/>
+                  <a:gd name="connsiteY4" fmla="*/ 594416 h 1481165"/>
+                  <a:gd name="connsiteX0" fmla="*/ 491 w 1490678"/>
+                  <a:gd name="connsiteY0" fmla="*/ 594416 h 1481165"/>
+                  <a:gd name="connsiteX1" fmla="*/ 1490678 w 1490678"/>
+                  <a:gd name="connsiteY1" fmla="*/ 0 h 1481165"/>
+                  <a:gd name="connsiteX2" fmla="*/ 1486653 w 1490678"/>
+                  <a:gd name="connsiteY2" fmla="*/ 1481165 h 1481165"/>
+                  <a:gd name="connsiteX3" fmla="*/ 0 w 1490678"/>
+                  <a:gd name="connsiteY3" fmla="*/ 901426 h 1481165"/>
+                  <a:gd name="connsiteX4" fmla="*/ 491 w 1490678"/>
+                  <a:gd name="connsiteY4" fmla="*/ 594416 h 1481165"/>
+                  <a:gd name="connsiteX0" fmla="*/ 2 w 1490189"/>
+                  <a:gd name="connsiteY0" fmla="*/ 594416 h 1481165"/>
+                  <a:gd name="connsiteX1" fmla="*/ 1490189 w 1490189"/>
+                  <a:gd name="connsiteY1" fmla="*/ 0 h 1481165"/>
+                  <a:gd name="connsiteX2" fmla="*/ 1486164 w 1490189"/>
+                  <a:gd name="connsiteY2" fmla="*/ 1481165 h 1481165"/>
+                  <a:gd name="connsiteX3" fmla="*/ 15458 w 1490189"/>
+                  <a:gd name="connsiteY3" fmla="*/ 1006092 h 1481165"/>
+                  <a:gd name="connsiteX4" fmla="*/ 2 w 1490189"/>
+                  <a:gd name="connsiteY4" fmla="*/ 594416 h 1481165"/>
+                  <a:gd name="connsiteX0" fmla="*/ 0 w 1506134"/>
+                  <a:gd name="connsiteY0" fmla="*/ 489750 h 1481165"/>
+                  <a:gd name="connsiteX1" fmla="*/ 1506134 w 1506134"/>
+                  <a:gd name="connsiteY1" fmla="*/ 0 h 1481165"/>
+                  <a:gd name="connsiteX2" fmla="*/ 1502109 w 1506134"/>
+                  <a:gd name="connsiteY2" fmla="*/ 1481165 h 1481165"/>
+                  <a:gd name="connsiteX3" fmla="*/ 31403 w 1506134"/>
+                  <a:gd name="connsiteY3" fmla="*/ 1006092 h 1481165"/>
+                  <a:gd name="connsiteX4" fmla="*/ 0 w 1506134"/>
+                  <a:gd name="connsiteY4" fmla="*/ 489750 h 1481165"/>
+                  <a:gd name="connsiteX0" fmla="*/ 0 w 1507159"/>
+                  <a:gd name="connsiteY0" fmla="*/ 546040 h 1537455"/>
+                  <a:gd name="connsiteX1" fmla="*/ 1507159 w 1507159"/>
+                  <a:gd name="connsiteY1" fmla="*/ 0 h 1537455"/>
+                  <a:gd name="connsiteX2" fmla="*/ 1502109 w 1507159"/>
+                  <a:gd name="connsiteY2" fmla="*/ 1537455 h 1537455"/>
+                  <a:gd name="connsiteX3" fmla="*/ 31403 w 1507159"/>
+                  <a:gd name="connsiteY3" fmla="*/ 1062382 h 1537455"/>
+                  <a:gd name="connsiteX4" fmla="*/ 0 w 1507159"/>
+                  <a:gd name="connsiteY4" fmla="*/ 546040 h 1537455"/>
+                  <a:gd name="connsiteX0" fmla="*/ 0 w 1521269"/>
+                  <a:gd name="connsiteY0" fmla="*/ 598165 h 1537455"/>
+                  <a:gd name="connsiteX1" fmla="*/ 1521269 w 1521269"/>
+                  <a:gd name="connsiteY1" fmla="*/ 0 h 1537455"/>
+                  <a:gd name="connsiteX2" fmla="*/ 1516219 w 1521269"/>
+                  <a:gd name="connsiteY2" fmla="*/ 1537455 h 1537455"/>
+                  <a:gd name="connsiteX3" fmla="*/ 45513 w 1521269"/>
+                  <a:gd name="connsiteY3" fmla="*/ 1062382 h 1537455"/>
+                  <a:gd name="connsiteX4" fmla="*/ 0 w 1521269"/>
+                  <a:gd name="connsiteY4" fmla="*/ 598165 h 1537455"/>
+                  <a:gd name="connsiteX0" fmla="*/ 0 w 1521269"/>
+                  <a:gd name="connsiteY0" fmla="*/ 598165 h 1537455"/>
+                  <a:gd name="connsiteX1" fmla="*/ 1521269 w 1521269"/>
+                  <a:gd name="connsiteY1" fmla="*/ 0 h 1537455"/>
+                  <a:gd name="connsiteX2" fmla="*/ 1516219 w 1521269"/>
+                  <a:gd name="connsiteY2" fmla="*/ 1537455 h 1537455"/>
+                  <a:gd name="connsiteX3" fmla="*/ 35116 w 1521269"/>
+                  <a:gd name="connsiteY3" fmla="*/ 998702 h 1537455"/>
+                  <a:gd name="connsiteX4" fmla="*/ 0 w 1521269"/>
+                  <a:gd name="connsiteY4" fmla="*/ 598165 h 1537455"/>
+                  <a:gd name="connsiteX0" fmla="*/ 0 w 1526194"/>
+                  <a:gd name="connsiteY0" fmla="*/ 658906 h 1537455"/>
+                  <a:gd name="connsiteX1" fmla="*/ 1526194 w 1526194"/>
+                  <a:gd name="connsiteY1" fmla="*/ 0 h 1537455"/>
+                  <a:gd name="connsiteX2" fmla="*/ 1521144 w 1526194"/>
+                  <a:gd name="connsiteY2" fmla="*/ 1537455 h 1537455"/>
+                  <a:gd name="connsiteX3" fmla="*/ 40041 w 1526194"/>
+                  <a:gd name="connsiteY3" fmla="*/ 998702 h 1537455"/>
+                  <a:gd name="connsiteX4" fmla="*/ 0 w 1526194"/>
+                  <a:gd name="connsiteY4" fmla="*/ 658906 h 1537455"/>
+                  <a:gd name="connsiteX0" fmla="*/ 2 w 1526196"/>
+                  <a:gd name="connsiteY0" fmla="*/ 658906 h 1537455"/>
+                  <a:gd name="connsiteX1" fmla="*/ 1526196 w 1526196"/>
+                  <a:gd name="connsiteY1" fmla="*/ 0 h 1537455"/>
+                  <a:gd name="connsiteX2" fmla="*/ 1521146 w 1526196"/>
+                  <a:gd name="connsiteY2" fmla="*/ 1537455 h 1537455"/>
+                  <a:gd name="connsiteX3" fmla="*/ 6711 w 1526196"/>
+                  <a:gd name="connsiteY3" fmla="*/ 942285 h 1537455"/>
+                  <a:gd name="connsiteX4" fmla="*/ 2 w 1526196"/>
+                  <a:gd name="connsiteY4" fmla="*/ 658906 h 1537455"/>
+                </a:gdLst>
+                <a:ahLst/>
+                <a:cxnLst>
+                  <a:cxn ang="0">
+                    <a:pos x="connsiteX0" y="connsiteY0"/>
+                  </a:cxn>
+                  <a:cxn ang="0">
+                    <a:pos x="connsiteX1" y="connsiteY1"/>
+                  </a:cxn>
+                  <a:cxn ang="0">
+                    <a:pos x="connsiteX2" y="connsiteY2"/>
+                  </a:cxn>
+                  <a:cxn ang="0">
+                    <a:pos x="connsiteX3" y="connsiteY3"/>
+                  </a:cxn>
+                  <a:cxn ang="0">
+                    <a:pos x="connsiteX4" y="connsiteY4"/>
+                  </a:cxn>
+                </a:cxnLst>
+                <a:rect l="l" t="t" r="r" b="b"/>
+                <a:pathLst>
+                  <a:path w="1526196" h="1537455">
+                    <a:moveTo>
+                      <a:pt x="2" y="658906"/>
+                    </a:moveTo>
+                    <a:lnTo>
+                      <a:pt x="1526196" y="0"/>
+                    </a:lnTo>
+                    <a:cubicBezTo>
+                      <a:pt x="1524854" y="493722"/>
+                      <a:pt x="1522488" y="1043733"/>
+                      <a:pt x="1521146" y="1537455"/>
+                    </a:cubicBezTo>
+                    <a:lnTo>
+                      <a:pt x="6711" y="942285"/>
+                    </a:lnTo>
+                    <a:cubicBezTo>
+                      <a:pt x="6875" y="839948"/>
+                      <a:pt x="-162" y="761243"/>
+                      <a:pt x="2" y="658906"/>
+                    </a:cubicBezTo>
+                    <a:close/>
+                  </a:path>
+                </a:pathLst>
+              </a:custGeom>
+              <a:solidFill>
+                <a:schemeClr val="accent2"/>
+              </a:solidFill>
+              <a:ln w="28575">
+                <a:solidFill>
+                  <a:schemeClr val="tx1"/>
+                </a:solidFill>
+              </a:ln>
+            </p:spPr>
+            <p:style>
+              <a:lnRef idx="2">
+                <a:schemeClr val="accent1">
+                  <a:shade val="50000"/>
+                </a:schemeClr>
+              </a:lnRef>
+              <a:fillRef idx="1">
+                <a:schemeClr val="accent1"/>
+              </a:fillRef>
+              <a:effectRef idx="0">
+                <a:schemeClr val="accent1"/>
+              </a:effectRef>
+              <a:fontRef idx="minor">
+                <a:schemeClr val="lt1"/>
+              </a:fontRef>
+            </p:style>
+            <p:txBody>
+              <a:bodyPr rtlCol="0" anchor="ctr"/>
+              <a:lstStyle/>
+              <a:p>
+                <a:pPr algn="ctr"/>
+                <a:endParaRPr kumimoji="1" lang="ja-JP" altLang="en-US" sz="1600"/>
+              </a:p>
+            </p:txBody>
+          </p:sp>
+        </p:grpSp>
+        <p:grpSp>
+          <p:nvGrpSpPr>
+            <p:cNvPr id="102" name="グループ化 101"/>
+            <p:cNvGrpSpPr/>
+            <p:nvPr/>
+          </p:nvGrpSpPr>
+          <p:grpSpPr>
+            <a:xfrm rot="21171832">
+              <a:off x="5009961" y="2492488"/>
+              <a:ext cx="416150" cy="1312251"/>
+              <a:chOff x="3707499" y="3782794"/>
+              <a:chExt cx="416150" cy="1312251"/>
+            </a:xfrm>
+          </p:grpSpPr>
+          <p:sp>
+            <p:nvSpPr>
+              <p:cNvPr id="148" name="右矢印 147"/>
+              <p:cNvSpPr/>
+              <p:nvPr/>
+            </p:nvSpPr>
+            <p:spPr>
+              <a:xfrm rot="17603778">
+                <a:off x="3259448" y="4230845"/>
+                <a:ext cx="1312251" cy="416150"/>
+              </a:xfrm>
+              <a:prstGeom prst="rightArrow">
+                <a:avLst/>
+              </a:prstGeom>
+              <a:solidFill>
+                <a:schemeClr val="accent4"/>
+              </a:solidFill>
+              <a:ln>
+                <a:solidFill>
+                  <a:schemeClr val="tx1"/>
+                </a:solidFill>
+              </a:ln>
+            </p:spPr>
+            <p:style>
+              <a:lnRef idx="2">
+                <a:schemeClr val="accent1">
+                  <a:shade val="50000"/>
+                </a:schemeClr>
+              </a:lnRef>
+              <a:fillRef idx="1">
+                <a:schemeClr val="accent1"/>
+              </a:fillRef>
+              <a:effectRef idx="0">
+                <a:schemeClr val="accent1"/>
+              </a:effectRef>
+              <a:fontRef idx="minor">
+                <a:schemeClr val="lt1"/>
+              </a:fontRef>
+            </p:style>
+            <p:txBody>
+              <a:bodyPr rtlCol="0" anchor="ctr"/>
+              <a:lstStyle/>
+              <a:p>
+                <a:pPr algn="ctr"/>
+                <a:endParaRPr kumimoji="1" lang="ja-JP" altLang="en-US" sz="1200"/>
+              </a:p>
+            </p:txBody>
+          </p:sp>
+          <p:sp>
+            <p:nvSpPr>
+              <p:cNvPr id="149" name="テキスト ボックス 148"/>
+              <p:cNvSpPr txBox="1"/>
+              <p:nvPr/>
+            </p:nvSpPr>
+            <p:spPr>
+              <a:xfrm rot="17707610">
+                <a:off x="3595916" y="4263201"/>
+                <a:ext cx="670682" cy="339327"/>
+              </a:xfrm>
+              <a:prstGeom prst="rect">
+                <a:avLst/>
+              </a:prstGeom>
+              <a:noFill/>
+            </p:spPr>
+            <p:txBody>
+              <a:bodyPr wrap="square" rtlCol="0">
+                <a:spAutoFit/>
+              </a:bodyPr>
+              <a:lstStyle/>
+              <a:p>
+                <a:pPr algn="ctr"/>
+                <a:r>
+                  <a:rPr lang="ja-JP" altLang="en-US" sz="1000" dirty="0" smtClean="0">
+                    <a:latin typeface="FOT-UD角ゴ_スモール Pr6 H" panose="02020900000000000000" pitchFamily="18" charset="-128"/>
+                    <a:ea typeface="FOT-UD角ゴ_スモール Pr6 H" panose="02020900000000000000" pitchFamily="18" charset="-128"/>
+                  </a:rPr>
+                  <a:t>方向</a:t>
+                </a:r>
+                <a:endParaRPr kumimoji="1" lang="ja-JP" altLang="en-US" sz="1000" dirty="0">
+                  <a:latin typeface="FOT-UD角ゴ_スモール Pr6 H" panose="02020900000000000000" pitchFamily="18" charset="-128"/>
+                  <a:ea typeface="FOT-UD角ゴ_スモール Pr6 H" panose="02020900000000000000" pitchFamily="18" charset="-128"/>
+                </a:endParaRPr>
+              </a:p>
+            </p:txBody>
+          </p:sp>
+        </p:grpSp>
+        <p:grpSp>
+          <p:nvGrpSpPr>
+            <p:cNvPr id="103" name="グループ化 102"/>
+            <p:cNvGrpSpPr/>
+            <p:nvPr/>
+          </p:nvGrpSpPr>
+          <p:grpSpPr>
+            <a:xfrm>
+              <a:off x="4688182" y="3546064"/>
+              <a:ext cx="751453" cy="667320"/>
+              <a:chOff x="4286343" y="4229335"/>
+              <a:chExt cx="624815" cy="553360"/>
+            </a:xfrm>
+          </p:grpSpPr>
+          <p:pic>
+            <p:nvPicPr>
+              <p:cNvPr id="144" name="図 143"/>
+              <p:cNvPicPr>
+                <a:picLocks noChangeAspect="1"/>
+              </p:cNvPicPr>
+              <p:nvPr/>
+            </p:nvPicPr>
+            <p:blipFill rotWithShape="1">
+              <a:blip r:embed="rId3">
+                <a:extLst>
+                  <a:ext uri="{28A0092B-C50C-407E-A947-70E740481C1C}">
+                    <a14:useLocalDpi xmlns:a14="http://schemas.microsoft.com/office/drawing/2010/main" val="0"/>
+                  </a:ext>
+                </a:extLst>
+              </a:blip>
+              <a:srcRect r="86650" b="90889"/>
+              <a:stretch/>
+            </p:blipFill>
+            <p:spPr>
+              <a:xfrm>
+                <a:off x="4286708" y="4229335"/>
+                <a:ext cx="624450" cy="553360"/>
+              </a:xfrm>
+              <a:prstGeom prst="rect">
+                <a:avLst/>
+              </a:prstGeom>
+            </p:spPr>
+          </p:pic>
+          <p:grpSp>
+            <p:nvGrpSpPr>
+              <p:cNvPr id="145" name="グループ化 144"/>
+              <p:cNvGrpSpPr/>
+              <p:nvPr/>
+            </p:nvGrpSpPr>
+            <p:grpSpPr>
+              <a:xfrm>
+                <a:off x="4286343" y="4464230"/>
+                <a:ext cx="312590" cy="290146"/>
+                <a:chOff x="3971648" y="4343400"/>
+                <a:chExt cx="312590" cy="290146"/>
+              </a:xfrm>
+            </p:grpSpPr>
+            <p:sp>
+              <p:nvSpPr>
+                <p:cNvPr id="146" name="楕円 145"/>
+                <p:cNvSpPr/>
+                <p:nvPr/>
+              </p:nvSpPr>
+              <p:spPr>
+                <a:xfrm>
+                  <a:off x="3971648" y="4343400"/>
+                  <a:ext cx="306262" cy="290146"/>
+                </a:xfrm>
+                <a:prstGeom prst="ellipse">
+                  <a:avLst/>
+                </a:prstGeom>
+              </p:spPr>
+              <p:style>
+                <a:lnRef idx="2">
+                  <a:schemeClr val="accent1">
+                    <a:shade val="50000"/>
+                  </a:schemeClr>
+                </a:lnRef>
+                <a:fillRef idx="1">
+                  <a:schemeClr val="accent1"/>
+                </a:fillRef>
+                <a:effectRef idx="0">
+                  <a:schemeClr val="accent1"/>
+                </a:effectRef>
+                <a:fontRef idx="minor">
+                  <a:schemeClr val="lt1"/>
+                </a:fontRef>
+              </p:style>
+              <p:txBody>
+                <a:bodyPr rtlCol="0" anchor="ctr"/>
+                <a:lstStyle/>
+                <a:p>
+                  <a:pPr algn="ctr"/>
+                  <a:endParaRPr kumimoji="1" lang="ja-JP" altLang="en-US" sz="1050"/>
+                </a:p>
+              </p:txBody>
+            </p:sp>
+            <p:sp>
+              <p:nvSpPr>
+                <p:cNvPr id="147" name="テキスト ボックス 146"/>
+                <p:cNvSpPr txBox="1"/>
+                <p:nvPr/>
+              </p:nvSpPr>
+              <p:spPr>
+                <a:xfrm>
+                  <a:off x="3994366" y="4367517"/>
+                  <a:ext cx="289872" cy="253762"/>
+                </a:xfrm>
+                <a:prstGeom prst="rect">
+                  <a:avLst/>
+                </a:prstGeom>
+                <a:noFill/>
+              </p:spPr>
+              <p:txBody>
+                <a:bodyPr wrap="square" rtlCol="0">
+                  <a:spAutoFit/>
+                </a:bodyPr>
+                <a:lstStyle/>
+                <a:p>
+                  <a:pPr algn="ctr"/>
+                  <a:r>
+                    <a:rPr lang="ja-JP" altLang="en-US" sz="800" dirty="0" smtClean="0">
+                      <a:latin typeface="FOT-UD角ゴ_スモール Pr6 H" panose="02020900000000000000" pitchFamily="18" charset="-128"/>
+                      <a:ea typeface="FOT-UD角ゴ_スモール Pr6 H" panose="02020900000000000000" pitchFamily="18" charset="-128"/>
+                    </a:rPr>
+                    <a:t>弾</a:t>
+                  </a:r>
+                  <a:endParaRPr kumimoji="1" lang="ja-JP" altLang="en-US" sz="800" dirty="0">
+                    <a:latin typeface="FOT-UD角ゴ_スモール Pr6 H" panose="02020900000000000000" pitchFamily="18" charset="-128"/>
+                    <a:ea typeface="FOT-UD角ゴ_スモール Pr6 H" panose="02020900000000000000" pitchFamily="18" charset="-128"/>
+                  </a:endParaRPr>
+                </a:p>
+              </p:txBody>
+            </p:sp>
+          </p:grpSp>
+        </p:grpSp>
+        <p:grpSp>
+          <p:nvGrpSpPr>
+            <p:cNvPr id="104" name="グループ化 103"/>
+            <p:cNvGrpSpPr/>
+            <p:nvPr/>
+          </p:nvGrpSpPr>
+          <p:grpSpPr>
+            <a:xfrm rot="1477635">
+              <a:off x="5800425" y="3509699"/>
+              <a:ext cx="416150" cy="1312251"/>
+              <a:chOff x="3707499" y="3782794"/>
+              <a:chExt cx="416150" cy="1312251"/>
+            </a:xfrm>
+          </p:grpSpPr>
+          <p:sp>
+            <p:nvSpPr>
+              <p:cNvPr id="142" name="右矢印 141"/>
+              <p:cNvSpPr/>
+              <p:nvPr/>
+            </p:nvSpPr>
+            <p:spPr>
+              <a:xfrm rot="17603778">
+                <a:off x="3259448" y="4230845"/>
+                <a:ext cx="1312251" cy="416150"/>
+              </a:xfrm>
+              <a:prstGeom prst="rightArrow">
+                <a:avLst/>
+              </a:prstGeom>
+              <a:solidFill>
+                <a:schemeClr val="accent4"/>
+              </a:solidFill>
+              <a:ln>
+                <a:solidFill>
+                  <a:schemeClr val="tx1"/>
+                </a:solidFill>
+              </a:ln>
+            </p:spPr>
+            <p:style>
+              <a:lnRef idx="2">
+                <a:schemeClr val="accent1">
+                  <a:shade val="50000"/>
+                </a:schemeClr>
+              </a:lnRef>
+              <a:fillRef idx="1">
+                <a:schemeClr val="accent1"/>
+              </a:fillRef>
+              <a:effectRef idx="0">
+                <a:schemeClr val="accent1"/>
+              </a:effectRef>
+              <a:fontRef idx="minor">
+                <a:schemeClr val="lt1"/>
+              </a:fontRef>
+            </p:style>
+            <p:txBody>
+              <a:bodyPr rtlCol="0" anchor="ctr"/>
+              <a:lstStyle/>
+              <a:p>
+                <a:pPr algn="ctr"/>
+                <a:endParaRPr kumimoji="1" lang="ja-JP" altLang="en-US" sz="1200"/>
+              </a:p>
+            </p:txBody>
+          </p:sp>
+          <p:sp>
+            <p:nvSpPr>
+              <p:cNvPr id="143" name="テキスト ボックス 142"/>
+              <p:cNvSpPr txBox="1"/>
+              <p:nvPr/>
+            </p:nvSpPr>
+            <p:spPr>
+              <a:xfrm rot="17707610">
+                <a:off x="3595916" y="4263202"/>
+                <a:ext cx="670682" cy="339327"/>
+              </a:xfrm>
+              <a:prstGeom prst="rect">
+                <a:avLst/>
+              </a:prstGeom>
+              <a:noFill/>
+            </p:spPr>
+            <p:txBody>
+              <a:bodyPr wrap="square" rtlCol="0">
+                <a:spAutoFit/>
+              </a:bodyPr>
+              <a:lstStyle/>
+              <a:p>
+                <a:pPr algn="ctr"/>
+                <a:r>
+                  <a:rPr lang="ja-JP" altLang="en-US" sz="1000" dirty="0" smtClean="0">
+                    <a:latin typeface="FOT-UD角ゴ_スモール Pr6 H" panose="02020900000000000000" pitchFamily="18" charset="-128"/>
+                    <a:ea typeface="FOT-UD角ゴ_スモール Pr6 H" panose="02020900000000000000" pitchFamily="18" charset="-128"/>
+                  </a:rPr>
+                  <a:t>方向</a:t>
+                </a:r>
+                <a:endParaRPr kumimoji="1" lang="ja-JP" altLang="en-US" sz="1000" dirty="0">
+                  <a:latin typeface="FOT-UD角ゴ_スモール Pr6 H" panose="02020900000000000000" pitchFamily="18" charset="-128"/>
+                  <a:ea typeface="FOT-UD角ゴ_スモール Pr6 H" panose="02020900000000000000" pitchFamily="18" charset="-128"/>
+                </a:endParaRPr>
+              </a:p>
+            </p:txBody>
+          </p:sp>
+        </p:grpSp>
+        <p:grpSp>
+          <p:nvGrpSpPr>
+            <p:cNvPr id="105" name="グループ化 104"/>
+            <p:cNvGrpSpPr/>
+            <p:nvPr/>
+          </p:nvGrpSpPr>
+          <p:grpSpPr>
+            <a:xfrm rot="3053498">
+              <a:off x="6662686" y="4570901"/>
+              <a:ext cx="416150" cy="1312251"/>
+              <a:chOff x="3707499" y="3782794"/>
+              <a:chExt cx="416150" cy="1312251"/>
+            </a:xfrm>
+          </p:grpSpPr>
+          <p:sp>
+            <p:nvSpPr>
+              <p:cNvPr id="140" name="右矢印 139"/>
+              <p:cNvSpPr/>
+              <p:nvPr/>
+            </p:nvSpPr>
+            <p:spPr>
+              <a:xfrm rot="17603778">
+                <a:off x="3259448" y="4230845"/>
+                <a:ext cx="1312251" cy="416150"/>
+              </a:xfrm>
+              <a:prstGeom prst="rightArrow">
+                <a:avLst/>
+              </a:prstGeom>
+              <a:solidFill>
+                <a:schemeClr val="accent4"/>
+              </a:solidFill>
+              <a:ln>
+                <a:solidFill>
+                  <a:schemeClr val="tx1"/>
+                </a:solidFill>
+              </a:ln>
+            </p:spPr>
+            <p:style>
+              <a:lnRef idx="2">
+                <a:schemeClr val="accent1">
+                  <a:shade val="50000"/>
+                </a:schemeClr>
+              </a:lnRef>
+              <a:fillRef idx="1">
+                <a:schemeClr val="accent1"/>
+              </a:fillRef>
+              <a:effectRef idx="0">
+                <a:schemeClr val="accent1"/>
+              </a:effectRef>
+              <a:fontRef idx="minor">
+                <a:schemeClr val="lt1"/>
+              </a:fontRef>
+            </p:style>
+            <p:txBody>
+              <a:bodyPr rtlCol="0" anchor="ctr"/>
+              <a:lstStyle/>
+              <a:p>
+                <a:pPr algn="ctr"/>
+                <a:endParaRPr kumimoji="1" lang="ja-JP" altLang="en-US" sz="1200"/>
+              </a:p>
+            </p:txBody>
+          </p:sp>
+          <p:sp>
+            <p:nvSpPr>
+              <p:cNvPr id="141" name="テキスト ボックス 140"/>
+              <p:cNvSpPr txBox="1"/>
+              <p:nvPr/>
+            </p:nvSpPr>
+            <p:spPr>
+              <a:xfrm rot="17707610">
+                <a:off x="3595916" y="4257995"/>
+                <a:ext cx="670682" cy="349739"/>
+              </a:xfrm>
+              <a:prstGeom prst="rect">
+                <a:avLst/>
+              </a:prstGeom>
+              <a:noFill/>
+            </p:spPr>
+            <p:txBody>
+              <a:bodyPr wrap="square" rtlCol="0">
+                <a:spAutoFit/>
+              </a:bodyPr>
+              <a:lstStyle/>
+              <a:p>
+                <a:pPr algn="ctr"/>
+                <a:r>
+                  <a:rPr lang="ja-JP" altLang="en-US" sz="1000" dirty="0" smtClean="0">
+                    <a:latin typeface="FOT-UD角ゴ_スモール Pr6 H" panose="02020900000000000000" pitchFamily="18" charset="-128"/>
+                    <a:ea typeface="FOT-UD角ゴ_スモール Pr6 H" panose="02020900000000000000" pitchFamily="18" charset="-128"/>
+                  </a:rPr>
+                  <a:t>方向</a:t>
+                </a:r>
+                <a:endParaRPr kumimoji="1" lang="ja-JP" altLang="en-US" sz="1000" dirty="0">
+                  <a:latin typeface="FOT-UD角ゴ_スモール Pr6 H" panose="02020900000000000000" pitchFamily="18" charset="-128"/>
+                  <a:ea typeface="FOT-UD角ゴ_スモール Pr6 H" panose="02020900000000000000" pitchFamily="18" charset="-128"/>
+                </a:endParaRPr>
+              </a:p>
+            </p:txBody>
+          </p:sp>
+        </p:grpSp>
+        <p:grpSp>
+          <p:nvGrpSpPr>
+            <p:cNvPr id="106" name="グループ化 105"/>
+            <p:cNvGrpSpPr/>
+            <p:nvPr/>
+          </p:nvGrpSpPr>
+          <p:grpSpPr>
+            <a:xfrm>
+              <a:off x="5820273" y="4978856"/>
+              <a:ext cx="775502" cy="686026"/>
+              <a:chOff x="4286343" y="4229335"/>
+              <a:chExt cx="624815" cy="553360"/>
+            </a:xfrm>
+          </p:grpSpPr>
+          <p:pic>
+            <p:nvPicPr>
+              <p:cNvPr id="136" name="図 135"/>
+              <p:cNvPicPr>
+                <a:picLocks noChangeAspect="1"/>
+              </p:cNvPicPr>
+              <p:nvPr/>
+            </p:nvPicPr>
+            <p:blipFill rotWithShape="1">
+              <a:blip r:embed="rId3">
+                <a:extLst>
+                  <a:ext uri="{28A0092B-C50C-407E-A947-70E740481C1C}">
+                    <a14:useLocalDpi xmlns:a14="http://schemas.microsoft.com/office/drawing/2010/main" val="0"/>
+                  </a:ext>
+                </a:extLst>
+              </a:blip>
+              <a:srcRect r="86650" b="90889"/>
+              <a:stretch/>
+            </p:blipFill>
+            <p:spPr>
+              <a:xfrm>
+                <a:off x="4286708" y="4229335"/>
+                <a:ext cx="624450" cy="553360"/>
+              </a:xfrm>
+              <a:prstGeom prst="rect">
+                <a:avLst/>
+              </a:prstGeom>
+            </p:spPr>
+          </p:pic>
+          <p:grpSp>
+            <p:nvGrpSpPr>
+              <p:cNvPr id="137" name="グループ化 136"/>
+              <p:cNvGrpSpPr/>
+              <p:nvPr/>
+            </p:nvGrpSpPr>
+            <p:grpSpPr>
+              <a:xfrm>
+                <a:off x="4286343" y="4464230"/>
+                <a:ext cx="312590" cy="290146"/>
+                <a:chOff x="3971648" y="4343400"/>
+                <a:chExt cx="312590" cy="290146"/>
+              </a:xfrm>
+            </p:grpSpPr>
+            <p:sp>
+              <p:nvSpPr>
+                <p:cNvPr id="138" name="楕円 137"/>
+                <p:cNvSpPr/>
+                <p:nvPr/>
+              </p:nvSpPr>
+              <p:spPr>
+                <a:xfrm>
+                  <a:off x="3971648" y="4343400"/>
+                  <a:ext cx="306262" cy="290146"/>
+                </a:xfrm>
+                <a:prstGeom prst="ellipse">
+                  <a:avLst/>
+                </a:prstGeom>
+              </p:spPr>
+              <p:style>
+                <a:lnRef idx="2">
+                  <a:schemeClr val="accent1">
+                    <a:shade val="50000"/>
+                  </a:schemeClr>
+                </a:lnRef>
+                <a:fillRef idx="1">
+                  <a:schemeClr val="accent1"/>
+                </a:fillRef>
+                <a:effectRef idx="0">
+                  <a:schemeClr val="accent1"/>
+                </a:effectRef>
+                <a:fontRef idx="minor">
+                  <a:schemeClr val="lt1"/>
+                </a:fontRef>
+              </p:style>
+              <p:txBody>
+                <a:bodyPr rtlCol="0" anchor="ctr"/>
+                <a:lstStyle/>
+                <a:p>
+                  <a:pPr algn="ctr"/>
+                  <a:endParaRPr kumimoji="1" lang="ja-JP" altLang="en-US" sz="1050"/>
+                </a:p>
+              </p:txBody>
+            </p:sp>
+            <p:sp>
+              <p:nvSpPr>
+                <p:cNvPr id="139" name="テキスト ボックス 138"/>
+                <p:cNvSpPr txBox="1"/>
+                <p:nvPr/>
+              </p:nvSpPr>
+              <p:spPr>
+                <a:xfrm>
+                  <a:off x="3994366" y="4367517"/>
+                  <a:ext cx="289872" cy="246843"/>
+                </a:xfrm>
+                <a:prstGeom prst="rect">
+                  <a:avLst/>
+                </a:prstGeom>
+                <a:noFill/>
+              </p:spPr>
+              <p:txBody>
+                <a:bodyPr wrap="square" rtlCol="0">
+                  <a:spAutoFit/>
+                </a:bodyPr>
+                <a:lstStyle/>
+                <a:p>
+                  <a:pPr algn="ctr"/>
+                  <a:r>
+                    <a:rPr lang="ja-JP" altLang="en-US" sz="800" dirty="0" smtClean="0">
+                      <a:latin typeface="FOT-UD角ゴ_スモール Pr6 H" panose="02020900000000000000" pitchFamily="18" charset="-128"/>
+                      <a:ea typeface="FOT-UD角ゴ_スモール Pr6 H" panose="02020900000000000000" pitchFamily="18" charset="-128"/>
+                    </a:rPr>
+                    <a:t>弾</a:t>
+                  </a:r>
+                  <a:endParaRPr kumimoji="1" lang="ja-JP" altLang="en-US" sz="800" dirty="0">
+                    <a:latin typeface="FOT-UD角ゴ_スモール Pr6 H" panose="02020900000000000000" pitchFamily="18" charset="-128"/>
+                    <a:ea typeface="FOT-UD角ゴ_スモール Pr6 H" panose="02020900000000000000" pitchFamily="18" charset="-128"/>
+                  </a:endParaRPr>
+                </a:p>
+              </p:txBody>
+            </p:sp>
+          </p:grpSp>
+        </p:grpSp>
+        <p:grpSp>
+          <p:nvGrpSpPr>
+            <p:cNvPr id="113" name="グループ化 112"/>
+            <p:cNvGrpSpPr/>
+            <p:nvPr/>
+          </p:nvGrpSpPr>
+          <p:grpSpPr>
+            <a:xfrm>
+              <a:off x="5365033" y="4105057"/>
+              <a:ext cx="775049" cy="686026"/>
+              <a:chOff x="4215550" y="4318792"/>
+              <a:chExt cx="624450" cy="553360"/>
+            </a:xfrm>
+          </p:grpSpPr>
+          <p:pic>
+            <p:nvPicPr>
+              <p:cNvPr id="114" name="図 113"/>
+              <p:cNvPicPr>
+                <a:picLocks noChangeAspect="1"/>
+              </p:cNvPicPr>
+              <p:nvPr/>
+            </p:nvPicPr>
+            <p:blipFill rotWithShape="1">
+              <a:blip r:embed="rId3">
+                <a:extLst>
+                  <a:ext uri="{28A0092B-C50C-407E-A947-70E740481C1C}">
+                    <a14:useLocalDpi xmlns:a14="http://schemas.microsoft.com/office/drawing/2010/main" val="0"/>
+                  </a:ext>
+                </a:extLst>
+              </a:blip>
+              <a:srcRect r="86650" b="90889"/>
+              <a:stretch/>
+            </p:blipFill>
+            <p:spPr>
+              <a:xfrm>
+                <a:off x="4215550" y="4318792"/>
+                <a:ext cx="624450" cy="553360"/>
+              </a:xfrm>
+              <a:prstGeom prst="rect">
+                <a:avLst/>
+              </a:prstGeom>
+            </p:spPr>
+          </p:pic>
+          <p:grpSp>
+            <p:nvGrpSpPr>
+              <p:cNvPr id="115" name="グループ化 114"/>
+              <p:cNvGrpSpPr/>
+              <p:nvPr/>
+            </p:nvGrpSpPr>
+            <p:grpSpPr>
+              <a:xfrm>
+                <a:off x="4217176" y="4508875"/>
+                <a:ext cx="311897" cy="290146"/>
+                <a:chOff x="3902481" y="4388045"/>
+                <a:chExt cx="311897" cy="290146"/>
+              </a:xfrm>
+            </p:grpSpPr>
+            <p:sp>
+              <p:nvSpPr>
+                <p:cNvPr id="116" name="楕円 115"/>
+                <p:cNvSpPr/>
+                <p:nvPr/>
+              </p:nvSpPr>
+              <p:spPr>
+                <a:xfrm>
+                  <a:off x="3902481" y="4388045"/>
+                  <a:ext cx="306262" cy="290146"/>
+                </a:xfrm>
+                <a:prstGeom prst="ellipse">
+                  <a:avLst/>
+                </a:prstGeom>
+              </p:spPr>
+              <p:style>
+                <a:lnRef idx="2">
+                  <a:schemeClr val="accent1">
+                    <a:shade val="50000"/>
+                  </a:schemeClr>
+                </a:lnRef>
+                <a:fillRef idx="1">
+                  <a:schemeClr val="accent1"/>
+                </a:fillRef>
+                <a:effectRef idx="0">
+                  <a:schemeClr val="accent1"/>
+                </a:effectRef>
+                <a:fontRef idx="minor">
+                  <a:schemeClr val="lt1"/>
+                </a:fontRef>
+              </p:style>
+              <p:txBody>
+                <a:bodyPr rtlCol="0" anchor="ctr"/>
+                <a:lstStyle/>
+                <a:p>
+                  <a:pPr algn="ctr"/>
+                  <a:endParaRPr kumimoji="1" lang="ja-JP" altLang="en-US" sz="1050"/>
+                </a:p>
+              </p:txBody>
+            </p:sp>
+            <p:sp>
+              <p:nvSpPr>
+                <p:cNvPr id="117" name="テキスト ボックス 116"/>
+                <p:cNvSpPr txBox="1"/>
+                <p:nvPr/>
+              </p:nvSpPr>
+              <p:spPr>
+                <a:xfrm>
+                  <a:off x="3924506" y="4412062"/>
+                  <a:ext cx="289872" cy="246843"/>
+                </a:xfrm>
+                <a:prstGeom prst="rect">
+                  <a:avLst/>
+                </a:prstGeom>
+                <a:noFill/>
+              </p:spPr>
+              <p:txBody>
+                <a:bodyPr wrap="square" rtlCol="0">
+                  <a:spAutoFit/>
+                </a:bodyPr>
+                <a:lstStyle/>
+                <a:p>
+                  <a:pPr algn="ctr"/>
+                  <a:r>
+                    <a:rPr lang="ja-JP" altLang="en-US" sz="800" dirty="0" smtClean="0">
+                      <a:latin typeface="FOT-UD角ゴ_スモール Pr6 H" panose="02020900000000000000" pitchFamily="18" charset="-128"/>
+                      <a:ea typeface="FOT-UD角ゴ_スモール Pr6 H" panose="02020900000000000000" pitchFamily="18" charset="-128"/>
+                    </a:rPr>
+                    <a:t>弾</a:t>
+                  </a:r>
+                  <a:endParaRPr kumimoji="1" lang="ja-JP" altLang="en-US" sz="800" dirty="0">
+                    <a:latin typeface="FOT-UD角ゴ_スモール Pr6 H" panose="02020900000000000000" pitchFamily="18" charset="-128"/>
+                    <a:ea typeface="FOT-UD角ゴ_スモール Pr6 H" panose="02020900000000000000" pitchFamily="18" charset="-128"/>
+                  </a:endParaRPr>
+                </a:p>
+              </p:txBody>
+            </p:sp>
+          </p:grpSp>
+        </p:grpSp>
+      </p:grpSp>
+      <p:grpSp>
+        <p:nvGrpSpPr>
+          <p:cNvPr id="209" name="グループ化 208"/>
+          <p:cNvGrpSpPr/>
+          <p:nvPr/>
+        </p:nvGrpSpPr>
+        <p:grpSpPr>
+          <a:xfrm>
+            <a:off x="2210160" y="3998262"/>
+            <a:ext cx="2398966" cy="2866174"/>
+            <a:chOff x="8618023" y="3697604"/>
+            <a:chExt cx="2398966" cy="2866174"/>
+          </a:xfrm>
+        </p:grpSpPr>
+        <p:grpSp>
+          <p:nvGrpSpPr>
+            <p:cNvPr id="154" name="グループ化 153"/>
+            <p:cNvGrpSpPr/>
+            <p:nvPr/>
+          </p:nvGrpSpPr>
+          <p:grpSpPr>
+            <a:xfrm>
+              <a:off x="8618023" y="3697604"/>
+              <a:ext cx="2398966" cy="2866174"/>
+              <a:chOff x="3836750" y="2552660"/>
+              <a:chExt cx="3199095" cy="3985606"/>
+            </a:xfrm>
+          </p:grpSpPr>
+          <p:grpSp>
+            <p:nvGrpSpPr>
+              <p:cNvPr id="155" name="グループ化 154"/>
+              <p:cNvGrpSpPr/>
+              <p:nvPr/>
+            </p:nvGrpSpPr>
+            <p:grpSpPr>
+              <a:xfrm>
+                <a:off x="3836750" y="2552660"/>
+                <a:ext cx="2972003" cy="3985606"/>
+                <a:chOff x="2944021" y="3732068"/>
+                <a:chExt cx="2005950" cy="2573257"/>
+              </a:xfrm>
+            </p:grpSpPr>
+            <p:grpSp>
+              <p:nvGrpSpPr>
+                <p:cNvPr id="204" name="グループ化 203"/>
+                <p:cNvGrpSpPr/>
+                <p:nvPr/>
+              </p:nvGrpSpPr>
+              <p:grpSpPr>
+                <a:xfrm>
+                  <a:off x="2944021" y="5451230"/>
+                  <a:ext cx="691112" cy="624253"/>
+                  <a:chOff x="3663735" y="4651131"/>
+                  <a:chExt cx="691112" cy="624253"/>
+                </a:xfrm>
+              </p:grpSpPr>
+              <p:sp>
+                <p:nvSpPr>
+                  <p:cNvPr id="206" name="楕円 205"/>
+                  <p:cNvSpPr/>
+                  <p:nvPr/>
+                </p:nvSpPr>
+                <p:spPr>
+                  <a:xfrm>
+                    <a:off x="3683977" y="4651131"/>
+                    <a:ext cx="615461" cy="624253"/>
+                  </a:xfrm>
+                  <a:prstGeom prst="ellipse">
+                    <a:avLst/>
+                  </a:prstGeom>
+                </p:spPr>
+                <p:style>
+                  <a:lnRef idx="2">
+                    <a:schemeClr val="accent1">
+                      <a:shade val="50000"/>
+                    </a:schemeClr>
+                  </a:lnRef>
+                  <a:fillRef idx="1">
+                    <a:schemeClr val="accent1"/>
+                  </a:fillRef>
+                  <a:effectRef idx="0">
+                    <a:schemeClr val="accent1"/>
+                  </a:effectRef>
+                  <a:fontRef idx="minor">
+                    <a:schemeClr val="lt1"/>
+                  </a:fontRef>
+                </p:style>
+                <p:txBody>
+                  <a:bodyPr rtlCol="0" anchor="ctr"/>
+                  <a:lstStyle/>
+                  <a:p>
+                    <a:pPr algn="ctr"/>
+                    <a:endParaRPr kumimoji="1" lang="ja-JP" altLang="en-US" sz="2400"/>
+                  </a:p>
+                </p:txBody>
+              </p:sp>
+              <p:sp>
+                <p:nvSpPr>
+                  <p:cNvPr id="207" name="テキスト ボックス 206"/>
+                  <p:cNvSpPr txBox="1"/>
+                  <p:nvPr/>
+                </p:nvSpPr>
+                <p:spPr>
+                  <a:xfrm>
+                    <a:off x="3663735" y="4834659"/>
+                    <a:ext cx="691112" cy="248690"/>
+                  </a:xfrm>
+                  <a:prstGeom prst="rect">
+                    <a:avLst/>
+                  </a:prstGeom>
+                  <a:noFill/>
+                </p:spPr>
+                <p:txBody>
+                  <a:bodyPr wrap="square" rtlCol="0">
+                    <a:spAutoFit/>
+                  </a:bodyPr>
+                  <a:lstStyle/>
+                  <a:p>
+                    <a:pPr algn="ctr"/>
+                    <a:r>
+                      <a:rPr lang="ja-JP" altLang="en-US" sz="1200" dirty="0" smtClean="0">
+                        <a:latin typeface="FOT-UD角ゴ_スモール Pr6 H" panose="02020900000000000000" pitchFamily="18" charset="-128"/>
+                        <a:ea typeface="FOT-UD角ゴ_スモール Pr6 H" panose="02020900000000000000" pitchFamily="18" charset="-128"/>
+                      </a:rPr>
+                      <a:t>キャラ</a:t>
+                    </a:r>
+                    <a:endParaRPr kumimoji="1" lang="ja-JP" altLang="en-US" sz="1200" dirty="0">
+                      <a:latin typeface="FOT-UD角ゴ_スモール Pr6 H" panose="02020900000000000000" pitchFamily="18" charset="-128"/>
+                      <a:ea typeface="FOT-UD角ゴ_スモール Pr6 H" panose="02020900000000000000" pitchFamily="18" charset="-128"/>
+                    </a:endParaRPr>
+                  </a:p>
+                </p:txBody>
+              </p:sp>
+            </p:grpSp>
+            <p:sp>
+              <p:nvSpPr>
+                <p:cNvPr id="205" name="正方形/長方形 22"/>
+                <p:cNvSpPr/>
+                <p:nvPr/>
+              </p:nvSpPr>
+              <p:spPr>
+                <a:xfrm rot="19217793">
+                  <a:off x="3319974" y="3732068"/>
+                  <a:ext cx="1629997" cy="2573257"/>
+                </a:xfrm>
+                <a:custGeom>
+                  <a:avLst/>
+                  <a:gdLst>
+                    <a:gd name="connsiteX0" fmla="*/ 0 w 1476613"/>
+                    <a:gd name="connsiteY0" fmla="*/ 0 h 581691"/>
+                    <a:gd name="connsiteX1" fmla="*/ 1476613 w 1476613"/>
+                    <a:gd name="connsiteY1" fmla="*/ 0 h 581691"/>
+                    <a:gd name="connsiteX2" fmla="*/ 1476613 w 1476613"/>
+                    <a:gd name="connsiteY2" fmla="*/ 581691 h 581691"/>
+                    <a:gd name="connsiteX3" fmla="*/ 0 w 1476613"/>
+                    <a:gd name="connsiteY3" fmla="*/ 581691 h 581691"/>
+                    <a:gd name="connsiteX4" fmla="*/ 0 w 1476613"/>
+                    <a:gd name="connsiteY4" fmla="*/ 0 h 581691"/>
+                    <a:gd name="connsiteX0" fmla="*/ 0 w 1476613"/>
+                    <a:gd name="connsiteY0" fmla="*/ 473925 h 1055616"/>
+                    <a:gd name="connsiteX1" fmla="*/ 1470139 w 1476613"/>
+                    <a:gd name="connsiteY1" fmla="*/ 0 h 1055616"/>
+                    <a:gd name="connsiteX2" fmla="*/ 1476613 w 1476613"/>
+                    <a:gd name="connsiteY2" fmla="*/ 1055616 h 1055616"/>
+                    <a:gd name="connsiteX3" fmla="*/ 0 w 1476613"/>
+                    <a:gd name="connsiteY3" fmla="*/ 1055616 h 1055616"/>
+                    <a:gd name="connsiteX4" fmla="*/ 0 w 1476613"/>
+                    <a:gd name="connsiteY4" fmla="*/ 473925 h 1055616"/>
+                    <a:gd name="connsiteX0" fmla="*/ 0 w 1470139"/>
+                    <a:gd name="connsiteY0" fmla="*/ 473925 h 1481165"/>
+                    <a:gd name="connsiteX1" fmla="*/ 1470139 w 1470139"/>
+                    <a:gd name="connsiteY1" fmla="*/ 0 h 1481165"/>
+                    <a:gd name="connsiteX2" fmla="*/ 1466114 w 1470139"/>
+                    <a:gd name="connsiteY2" fmla="*/ 1481165 h 1481165"/>
+                    <a:gd name="connsiteX3" fmla="*/ 0 w 1470139"/>
+                    <a:gd name="connsiteY3" fmla="*/ 1055616 h 1481165"/>
+                    <a:gd name="connsiteX4" fmla="*/ 0 w 1470139"/>
+                    <a:gd name="connsiteY4" fmla="*/ 473925 h 1481165"/>
+                    <a:gd name="connsiteX0" fmla="*/ 0 w 1490187"/>
+                    <a:gd name="connsiteY0" fmla="*/ 594416 h 1481165"/>
+                    <a:gd name="connsiteX1" fmla="*/ 1490187 w 1490187"/>
+                    <a:gd name="connsiteY1" fmla="*/ 0 h 1481165"/>
+                    <a:gd name="connsiteX2" fmla="*/ 1486162 w 1490187"/>
+                    <a:gd name="connsiteY2" fmla="*/ 1481165 h 1481165"/>
+                    <a:gd name="connsiteX3" fmla="*/ 20048 w 1490187"/>
+                    <a:gd name="connsiteY3" fmla="*/ 1055616 h 1481165"/>
+                    <a:gd name="connsiteX4" fmla="*/ 0 w 1490187"/>
+                    <a:gd name="connsiteY4" fmla="*/ 594416 h 1481165"/>
+                    <a:gd name="connsiteX0" fmla="*/ 491 w 1490678"/>
+                    <a:gd name="connsiteY0" fmla="*/ 594416 h 1481165"/>
+                    <a:gd name="connsiteX1" fmla="*/ 1490678 w 1490678"/>
+                    <a:gd name="connsiteY1" fmla="*/ 0 h 1481165"/>
+                    <a:gd name="connsiteX2" fmla="*/ 1486653 w 1490678"/>
+                    <a:gd name="connsiteY2" fmla="*/ 1481165 h 1481165"/>
+                    <a:gd name="connsiteX3" fmla="*/ 0 w 1490678"/>
+                    <a:gd name="connsiteY3" fmla="*/ 901426 h 1481165"/>
+                    <a:gd name="connsiteX4" fmla="*/ 491 w 1490678"/>
+                    <a:gd name="connsiteY4" fmla="*/ 594416 h 1481165"/>
+                    <a:gd name="connsiteX0" fmla="*/ 2 w 1490189"/>
+                    <a:gd name="connsiteY0" fmla="*/ 594416 h 1481165"/>
+                    <a:gd name="connsiteX1" fmla="*/ 1490189 w 1490189"/>
+                    <a:gd name="connsiteY1" fmla="*/ 0 h 1481165"/>
+                    <a:gd name="connsiteX2" fmla="*/ 1486164 w 1490189"/>
+                    <a:gd name="connsiteY2" fmla="*/ 1481165 h 1481165"/>
+                    <a:gd name="connsiteX3" fmla="*/ 15458 w 1490189"/>
+                    <a:gd name="connsiteY3" fmla="*/ 1006092 h 1481165"/>
+                    <a:gd name="connsiteX4" fmla="*/ 2 w 1490189"/>
+                    <a:gd name="connsiteY4" fmla="*/ 594416 h 1481165"/>
+                    <a:gd name="connsiteX0" fmla="*/ 0 w 1506134"/>
+                    <a:gd name="connsiteY0" fmla="*/ 489750 h 1481165"/>
+                    <a:gd name="connsiteX1" fmla="*/ 1506134 w 1506134"/>
+                    <a:gd name="connsiteY1" fmla="*/ 0 h 1481165"/>
+                    <a:gd name="connsiteX2" fmla="*/ 1502109 w 1506134"/>
+                    <a:gd name="connsiteY2" fmla="*/ 1481165 h 1481165"/>
+                    <a:gd name="connsiteX3" fmla="*/ 31403 w 1506134"/>
+                    <a:gd name="connsiteY3" fmla="*/ 1006092 h 1481165"/>
+                    <a:gd name="connsiteX4" fmla="*/ 0 w 1506134"/>
+                    <a:gd name="connsiteY4" fmla="*/ 489750 h 1481165"/>
+                    <a:gd name="connsiteX0" fmla="*/ 0 w 1507159"/>
+                    <a:gd name="connsiteY0" fmla="*/ 546040 h 1537455"/>
+                    <a:gd name="connsiteX1" fmla="*/ 1507159 w 1507159"/>
+                    <a:gd name="connsiteY1" fmla="*/ 0 h 1537455"/>
+                    <a:gd name="connsiteX2" fmla="*/ 1502109 w 1507159"/>
+                    <a:gd name="connsiteY2" fmla="*/ 1537455 h 1537455"/>
+                    <a:gd name="connsiteX3" fmla="*/ 31403 w 1507159"/>
+                    <a:gd name="connsiteY3" fmla="*/ 1062382 h 1537455"/>
+                    <a:gd name="connsiteX4" fmla="*/ 0 w 1507159"/>
+                    <a:gd name="connsiteY4" fmla="*/ 546040 h 1537455"/>
+                    <a:gd name="connsiteX0" fmla="*/ 0 w 1521269"/>
+                    <a:gd name="connsiteY0" fmla="*/ 598165 h 1537455"/>
+                    <a:gd name="connsiteX1" fmla="*/ 1521269 w 1521269"/>
+                    <a:gd name="connsiteY1" fmla="*/ 0 h 1537455"/>
+                    <a:gd name="connsiteX2" fmla="*/ 1516219 w 1521269"/>
+                    <a:gd name="connsiteY2" fmla="*/ 1537455 h 1537455"/>
+                    <a:gd name="connsiteX3" fmla="*/ 45513 w 1521269"/>
+                    <a:gd name="connsiteY3" fmla="*/ 1062382 h 1537455"/>
+                    <a:gd name="connsiteX4" fmla="*/ 0 w 1521269"/>
+                    <a:gd name="connsiteY4" fmla="*/ 598165 h 1537455"/>
+                    <a:gd name="connsiteX0" fmla="*/ 0 w 1521269"/>
+                    <a:gd name="connsiteY0" fmla="*/ 598165 h 1537455"/>
+                    <a:gd name="connsiteX1" fmla="*/ 1521269 w 1521269"/>
+                    <a:gd name="connsiteY1" fmla="*/ 0 h 1537455"/>
+                    <a:gd name="connsiteX2" fmla="*/ 1516219 w 1521269"/>
+                    <a:gd name="connsiteY2" fmla="*/ 1537455 h 1537455"/>
+                    <a:gd name="connsiteX3" fmla="*/ 35116 w 1521269"/>
+                    <a:gd name="connsiteY3" fmla="*/ 998702 h 1537455"/>
+                    <a:gd name="connsiteX4" fmla="*/ 0 w 1521269"/>
+                    <a:gd name="connsiteY4" fmla="*/ 598165 h 1537455"/>
+                    <a:gd name="connsiteX0" fmla="*/ 0 w 1526194"/>
+                    <a:gd name="connsiteY0" fmla="*/ 658906 h 1537455"/>
+                    <a:gd name="connsiteX1" fmla="*/ 1526194 w 1526194"/>
+                    <a:gd name="connsiteY1" fmla="*/ 0 h 1537455"/>
+                    <a:gd name="connsiteX2" fmla="*/ 1521144 w 1526194"/>
+                    <a:gd name="connsiteY2" fmla="*/ 1537455 h 1537455"/>
+                    <a:gd name="connsiteX3" fmla="*/ 40041 w 1526194"/>
+                    <a:gd name="connsiteY3" fmla="*/ 998702 h 1537455"/>
+                    <a:gd name="connsiteX4" fmla="*/ 0 w 1526194"/>
+                    <a:gd name="connsiteY4" fmla="*/ 658906 h 1537455"/>
+                    <a:gd name="connsiteX0" fmla="*/ 2 w 1526196"/>
+                    <a:gd name="connsiteY0" fmla="*/ 658906 h 1537455"/>
+                    <a:gd name="connsiteX1" fmla="*/ 1526196 w 1526196"/>
+                    <a:gd name="connsiteY1" fmla="*/ 0 h 1537455"/>
+                    <a:gd name="connsiteX2" fmla="*/ 1521146 w 1526196"/>
+                    <a:gd name="connsiteY2" fmla="*/ 1537455 h 1537455"/>
+                    <a:gd name="connsiteX3" fmla="*/ 6711 w 1526196"/>
+                    <a:gd name="connsiteY3" fmla="*/ 942285 h 1537455"/>
+                    <a:gd name="connsiteX4" fmla="*/ 2 w 1526196"/>
+                    <a:gd name="connsiteY4" fmla="*/ 658906 h 1537455"/>
+                  </a:gdLst>
+                  <a:ahLst/>
+                  <a:cxnLst>
+                    <a:cxn ang="0">
+                      <a:pos x="connsiteX0" y="connsiteY0"/>
+                    </a:cxn>
+                    <a:cxn ang="0">
+                      <a:pos x="connsiteX1" y="connsiteY1"/>
+                    </a:cxn>
+                    <a:cxn ang="0">
+                      <a:pos x="connsiteX2" y="connsiteY2"/>
+                    </a:cxn>
+                    <a:cxn ang="0">
+                      <a:pos x="connsiteX3" y="connsiteY3"/>
+                    </a:cxn>
+                    <a:cxn ang="0">
+                      <a:pos x="connsiteX4" y="connsiteY4"/>
+                    </a:cxn>
+                  </a:cxnLst>
+                  <a:rect l="l" t="t" r="r" b="b"/>
+                  <a:pathLst>
+                    <a:path w="1526196" h="1537455">
+                      <a:moveTo>
+                        <a:pt x="2" y="658906"/>
+                      </a:moveTo>
+                      <a:lnTo>
+                        <a:pt x="1526196" y="0"/>
+                      </a:lnTo>
+                      <a:cubicBezTo>
+                        <a:pt x="1524854" y="493722"/>
+                        <a:pt x="1522488" y="1043733"/>
+                        <a:pt x="1521146" y="1537455"/>
+                      </a:cubicBezTo>
+                      <a:lnTo>
+                        <a:pt x="6711" y="942285"/>
+                      </a:lnTo>
+                      <a:cubicBezTo>
+                        <a:pt x="6875" y="839948"/>
+                        <a:pt x="-162" y="761243"/>
+                        <a:pt x="2" y="658906"/>
+                      </a:cubicBezTo>
+                      <a:close/>
+                    </a:path>
+                  </a:pathLst>
+                </a:custGeom>
+                <a:solidFill>
+                  <a:schemeClr val="accent2"/>
+                </a:solidFill>
+                <a:ln w="28575">
+                  <a:solidFill>
+                    <a:schemeClr val="tx1"/>
+                  </a:solidFill>
+                </a:ln>
+              </p:spPr>
+              <p:style>
+                <a:lnRef idx="2">
+                  <a:schemeClr val="accent1">
+                    <a:shade val="50000"/>
+                  </a:schemeClr>
+                </a:lnRef>
+                <a:fillRef idx="1">
+                  <a:schemeClr val="accent1"/>
+                </a:fillRef>
+                <a:effectRef idx="0">
+                  <a:schemeClr val="accent1"/>
+                </a:effectRef>
+                <a:fontRef idx="minor">
+                  <a:schemeClr val="lt1"/>
+                </a:fontRef>
+              </p:style>
+              <p:txBody>
+                <a:bodyPr rtlCol="0" anchor="ctr"/>
+                <a:lstStyle/>
+                <a:p>
+                  <a:pPr algn="ctr"/>
+                  <a:endParaRPr kumimoji="1" lang="ja-JP" altLang="en-US" sz="2400"/>
+                </a:p>
+              </p:txBody>
+            </p:sp>
+          </p:grpSp>
+          <p:sp>
+            <p:nvSpPr>
+              <p:cNvPr id="188" name="右矢印 187"/>
+              <p:cNvSpPr/>
+              <p:nvPr/>
+            </p:nvSpPr>
+            <p:spPr>
+              <a:xfrm rot="18612918">
+                <a:off x="4939542" y="3639987"/>
+                <a:ext cx="1312251" cy="416149"/>
+              </a:xfrm>
+              <a:prstGeom prst="rightArrow">
+                <a:avLst/>
+              </a:prstGeom>
+              <a:solidFill>
+                <a:schemeClr val="accent4"/>
+              </a:solidFill>
+              <a:ln>
+                <a:solidFill>
+                  <a:schemeClr val="tx1"/>
+                </a:solidFill>
+              </a:ln>
+            </p:spPr>
+            <p:style>
+              <a:lnRef idx="2">
+                <a:schemeClr val="accent1">
+                  <a:shade val="50000"/>
+                </a:schemeClr>
+              </a:lnRef>
+              <a:fillRef idx="1">
+                <a:schemeClr val="accent1"/>
+              </a:fillRef>
+              <a:effectRef idx="0">
+                <a:schemeClr val="accent1"/>
+              </a:effectRef>
+              <a:fontRef idx="minor">
+                <a:schemeClr val="lt1"/>
+              </a:fontRef>
+            </p:style>
+            <p:txBody>
+              <a:bodyPr rtlCol="0" anchor="ctr"/>
+              <a:lstStyle/>
+              <a:p>
+                <a:pPr algn="ctr"/>
+                <a:endParaRPr kumimoji="1" lang="ja-JP" altLang="en-US"/>
+              </a:p>
+            </p:txBody>
+          </p:sp>
+          <p:grpSp>
+            <p:nvGrpSpPr>
+              <p:cNvPr id="162" name="グループ化 161"/>
+              <p:cNvGrpSpPr/>
+              <p:nvPr/>
+            </p:nvGrpSpPr>
+            <p:grpSpPr>
+              <a:xfrm>
+                <a:off x="4684366" y="4093334"/>
+                <a:ext cx="775502" cy="768550"/>
+                <a:chOff x="4286343" y="4229335"/>
+                <a:chExt cx="624815" cy="619925"/>
+              </a:xfrm>
+            </p:grpSpPr>
+            <p:pic>
+              <p:nvPicPr>
+                <p:cNvPr id="184" name="図 183"/>
+                <p:cNvPicPr>
+                  <a:picLocks noChangeAspect="1"/>
+                </p:cNvPicPr>
+                <p:nvPr/>
+              </p:nvPicPr>
+              <p:blipFill rotWithShape="1">
+                <a:blip r:embed="rId3">
+                  <a:extLst>
+                    <a:ext uri="{28A0092B-C50C-407E-A947-70E740481C1C}">
+                      <a14:useLocalDpi xmlns:a14="http://schemas.microsoft.com/office/drawing/2010/main" val="0"/>
+                    </a:ext>
+                  </a:extLst>
+                </a:blip>
+                <a:srcRect r="86650" b="90889"/>
+                <a:stretch/>
+              </p:blipFill>
+              <p:spPr>
+                <a:xfrm>
+                  <a:off x="4286708" y="4229335"/>
+                  <a:ext cx="624450" cy="553360"/>
+                </a:xfrm>
+                <a:prstGeom prst="rect">
+                  <a:avLst/>
+                </a:prstGeom>
+              </p:spPr>
+            </p:pic>
+            <p:grpSp>
+              <p:nvGrpSpPr>
+                <p:cNvPr id="185" name="グループ化 184"/>
+                <p:cNvGrpSpPr/>
+                <p:nvPr/>
+              </p:nvGrpSpPr>
+              <p:grpSpPr>
+                <a:xfrm>
+                  <a:off x="4286343" y="4464230"/>
+                  <a:ext cx="312590" cy="385030"/>
+                  <a:chOff x="3971648" y="4343400"/>
+                  <a:chExt cx="312590" cy="385030"/>
+                </a:xfrm>
+              </p:grpSpPr>
+              <p:sp>
+                <p:nvSpPr>
+                  <p:cNvPr id="186" name="楕円 185"/>
+                  <p:cNvSpPr/>
+                  <p:nvPr/>
+                </p:nvSpPr>
+                <p:spPr>
+                  <a:xfrm>
+                    <a:off x="3971648" y="4343400"/>
+                    <a:ext cx="306262" cy="290146"/>
+                  </a:xfrm>
+                  <a:prstGeom prst="ellipse">
+                    <a:avLst/>
+                  </a:prstGeom>
+                </p:spPr>
+                <p:style>
+                  <a:lnRef idx="2">
+                    <a:schemeClr val="accent1">
+                      <a:shade val="50000"/>
+                    </a:schemeClr>
+                  </a:lnRef>
+                  <a:fillRef idx="1">
+                    <a:schemeClr val="accent1"/>
+                  </a:fillRef>
+                  <a:effectRef idx="0">
+                    <a:schemeClr val="accent1"/>
+                  </a:effectRef>
+                  <a:fontRef idx="minor">
+                    <a:schemeClr val="lt1"/>
+                  </a:fontRef>
+                </p:style>
+                <p:txBody>
+                  <a:bodyPr rtlCol="0" anchor="ctr"/>
+                  <a:lstStyle/>
+                  <a:p>
+                    <a:pPr algn="ctr"/>
+                    <a:endParaRPr kumimoji="1" lang="ja-JP" altLang="en-US" sz="1400"/>
+                  </a:p>
+                </p:txBody>
+              </p:sp>
+              <p:sp>
+                <p:nvSpPr>
+                  <p:cNvPr id="187" name="テキスト ボックス 186"/>
+                  <p:cNvSpPr txBox="1"/>
+                  <p:nvPr/>
+                </p:nvSpPr>
+                <p:spPr>
+                  <a:xfrm>
+                    <a:off x="3994366" y="4367517"/>
+                    <a:ext cx="289872" cy="360913"/>
+                  </a:xfrm>
+                  <a:prstGeom prst="rect">
+                    <a:avLst/>
+                  </a:prstGeom>
+                  <a:noFill/>
+                </p:spPr>
+                <p:txBody>
+                  <a:bodyPr wrap="square" rtlCol="0">
+                    <a:spAutoFit/>
+                  </a:bodyPr>
+                  <a:lstStyle/>
+                  <a:p>
+                    <a:pPr algn="ctr"/>
+                    <a:r>
+                      <a:rPr lang="ja-JP" altLang="en-US" sz="1050" dirty="0" smtClean="0">
+                        <a:latin typeface="FOT-UD角ゴ_スモール Pr6 H" panose="02020900000000000000" pitchFamily="18" charset="-128"/>
+                        <a:ea typeface="FOT-UD角ゴ_スモール Pr6 H" panose="02020900000000000000" pitchFamily="18" charset="-128"/>
+                      </a:rPr>
+                      <a:t>弾</a:t>
+                    </a:r>
+                    <a:endParaRPr kumimoji="1" lang="ja-JP" altLang="en-US" sz="1050" dirty="0">
+                      <a:latin typeface="FOT-UD角ゴ_スモール Pr6 H" panose="02020900000000000000" pitchFamily="18" charset="-128"/>
+                      <a:ea typeface="FOT-UD角ゴ_スモール Pr6 H" panose="02020900000000000000" pitchFamily="18" charset="-128"/>
+                    </a:endParaRPr>
+                  </a:p>
+                </p:txBody>
+              </p:sp>
+            </p:grpSp>
+          </p:grpSp>
+          <p:grpSp>
+            <p:nvGrpSpPr>
+              <p:cNvPr id="163" name="グループ化 162"/>
+              <p:cNvGrpSpPr/>
+              <p:nvPr/>
+            </p:nvGrpSpPr>
+            <p:grpSpPr>
+              <a:xfrm rot="2801280">
+                <a:off x="6171645" y="4054174"/>
+                <a:ext cx="416150" cy="1312251"/>
+                <a:chOff x="3633187" y="3829009"/>
+                <a:chExt cx="416150" cy="1312251"/>
+              </a:xfrm>
+            </p:grpSpPr>
+            <p:sp>
+              <p:nvSpPr>
+                <p:cNvPr id="182" name="右矢印 181"/>
+                <p:cNvSpPr/>
+                <p:nvPr/>
+              </p:nvSpPr>
+              <p:spPr>
+                <a:xfrm rot="16553528">
+                  <a:off x="3185136" y="4277060"/>
+                  <a:ext cx="1312251" cy="416150"/>
+                </a:xfrm>
+                <a:prstGeom prst="rightArrow">
+                  <a:avLst/>
+                </a:prstGeom>
+                <a:solidFill>
+                  <a:schemeClr val="accent4"/>
+                </a:solidFill>
+                <a:ln>
+                  <a:solidFill>
+                    <a:schemeClr val="tx1"/>
+                  </a:solidFill>
+                </a:ln>
+              </p:spPr>
+              <p:style>
+                <a:lnRef idx="2">
+                  <a:schemeClr val="accent1">
+                    <a:shade val="50000"/>
+                  </a:schemeClr>
+                </a:lnRef>
+                <a:fillRef idx="1">
+                  <a:schemeClr val="accent1"/>
+                </a:fillRef>
+                <a:effectRef idx="0">
+                  <a:schemeClr val="accent1"/>
+                </a:effectRef>
+                <a:fontRef idx="minor">
+                  <a:schemeClr val="lt1"/>
+                </a:fontRef>
+              </p:style>
+              <p:txBody>
+                <a:bodyPr rtlCol="0" anchor="ctr"/>
+                <a:lstStyle/>
+                <a:p>
+                  <a:pPr algn="ctr"/>
+                  <a:endParaRPr kumimoji="1" lang="ja-JP" altLang="en-US"/>
+                </a:p>
+              </p:txBody>
+            </p:sp>
+            <p:sp>
+              <p:nvSpPr>
+                <p:cNvPr id="183" name="テキスト ボックス 182"/>
+                <p:cNvSpPr txBox="1"/>
+                <p:nvPr/>
+              </p:nvSpPr>
+              <p:spPr>
+                <a:xfrm rot="16797562">
+                  <a:off x="3484429" y="4394007"/>
+                  <a:ext cx="670682" cy="276999"/>
+                </a:xfrm>
+                <a:prstGeom prst="rect">
+                  <a:avLst/>
+                </a:prstGeom>
+                <a:noFill/>
+              </p:spPr>
+              <p:txBody>
+                <a:bodyPr wrap="square" rtlCol="0">
+                  <a:spAutoFit/>
+                </a:bodyPr>
+                <a:lstStyle/>
+                <a:p>
+                  <a:pPr algn="ctr"/>
+                  <a:r>
+                    <a:rPr lang="ja-JP" altLang="en-US" sz="1200" dirty="0" smtClean="0">
+                      <a:latin typeface="FOT-UD角ゴ_スモール Pr6 H" panose="02020900000000000000" pitchFamily="18" charset="-128"/>
+                      <a:ea typeface="FOT-UD角ゴ_スモール Pr6 H" panose="02020900000000000000" pitchFamily="18" charset="-128"/>
+                    </a:rPr>
+                    <a:t>方向</a:t>
+                  </a:r>
+                  <a:endParaRPr kumimoji="1" lang="ja-JP" altLang="en-US" sz="1200" dirty="0">
+                    <a:latin typeface="FOT-UD角ゴ_スモール Pr6 H" panose="02020900000000000000" pitchFamily="18" charset="-128"/>
+                    <a:ea typeface="FOT-UD角ゴ_スモール Pr6 H" panose="02020900000000000000" pitchFamily="18" charset="-128"/>
+                  </a:endParaRPr>
+                </a:p>
+              </p:txBody>
+            </p:sp>
+          </p:grpSp>
+          <p:grpSp>
+            <p:nvGrpSpPr>
+              <p:cNvPr id="164" name="グループ化 163"/>
+              <p:cNvGrpSpPr/>
+              <p:nvPr/>
+            </p:nvGrpSpPr>
+            <p:grpSpPr>
+              <a:xfrm>
+                <a:off x="5212953" y="4732220"/>
+                <a:ext cx="815686" cy="817761"/>
+                <a:chOff x="4228879" y="4264763"/>
+                <a:chExt cx="657191" cy="659619"/>
+              </a:xfrm>
+            </p:grpSpPr>
+            <p:pic>
+              <p:nvPicPr>
+                <p:cNvPr id="178" name="図 177"/>
+                <p:cNvPicPr>
+                  <a:picLocks noChangeAspect="1"/>
+                </p:cNvPicPr>
+                <p:nvPr/>
+              </p:nvPicPr>
+              <p:blipFill rotWithShape="1">
+                <a:blip r:embed="rId3">
+                  <a:extLst>
+                    <a:ext uri="{28A0092B-C50C-407E-A947-70E740481C1C}">
+                      <a14:useLocalDpi xmlns:a14="http://schemas.microsoft.com/office/drawing/2010/main" val="0"/>
+                    </a:ext>
+                  </a:extLst>
+                </a:blip>
+                <a:srcRect r="86650" b="90889"/>
+                <a:stretch/>
+              </p:blipFill>
+              <p:spPr>
+                <a:xfrm>
+                  <a:off x="4261620" y="4264763"/>
+                  <a:ext cx="624450" cy="553360"/>
+                </a:xfrm>
+                <a:prstGeom prst="rect">
+                  <a:avLst/>
+                </a:prstGeom>
+              </p:spPr>
+            </p:pic>
+            <p:grpSp>
+              <p:nvGrpSpPr>
+                <p:cNvPr id="179" name="グループ化 178"/>
+                <p:cNvGrpSpPr/>
+                <p:nvPr/>
+              </p:nvGrpSpPr>
+              <p:grpSpPr>
+                <a:xfrm>
+                  <a:off x="4228879" y="4563469"/>
+                  <a:ext cx="327684" cy="360913"/>
+                  <a:chOff x="3914184" y="4442639"/>
+                  <a:chExt cx="327684" cy="360913"/>
+                </a:xfrm>
+              </p:grpSpPr>
+              <p:sp>
+                <p:nvSpPr>
+                  <p:cNvPr id="180" name="楕円 179"/>
+                  <p:cNvSpPr/>
+                  <p:nvPr/>
+                </p:nvSpPr>
+                <p:spPr>
+                  <a:xfrm>
+                    <a:off x="3914184" y="4466053"/>
+                    <a:ext cx="306262" cy="255555"/>
+                  </a:xfrm>
+                  <a:prstGeom prst="ellipse">
+                    <a:avLst/>
+                  </a:prstGeom>
+                </p:spPr>
+                <p:style>
+                  <a:lnRef idx="2">
+                    <a:schemeClr val="accent1">
+                      <a:shade val="50000"/>
+                    </a:schemeClr>
+                  </a:lnRef>
+                  <a:fillRef idx="1">
+                    <a:schemeClr val="accent1"/>
+                  </a:fillRef>
+                  <a:effectRef idx="0">
+                    <a:schemeClr val="accent1"/>
+                  </a:effectRef>
+                  <a:fontRef idx="minor">
+                    <a:schemeClr val="lt1"/>
+                  </a:fontRef>
+                </p:style>
+                <p:txBody>
+                  <a:bodyPr rtlCol="0" anchor="ctr"/>
+                  <a:lstStyle/>
+                  <a:p>
+                    <a:pPr algn="ctr"/>
+                    <a:endParaRPr kumimoji="1" lang="ja-JP" altLang="en-US" sz="1400"/>
+                  </a:p>
+                </p:txBody>
+              </p:sp>
+              <p:sp>
+                <p:nvSpPr>
+                  <p:cNvPr id="181" name="テキスト ボックス 180"/>
+                  <p:cNvSpPr txBox="1"/>
+                  <p:nvPr/>
+                </p:nvSpPr>
+                <p:spPr>
+                  <a:xfrm>
+                    <a:off x="3951996" y="4442639"/>
+                    <a:ext cx="289872" cy="360913"/>
+                  </a:xfrm>
+                  <a:prstGeom prst="rect">
+                    <a:avLst/>
+                  </a:prstGeom>
+                  <a:noFill/>
+                </p:spPr>
+                <p:txBody>
+                  <a:bodyPr wrap="square" rtlCol="0">
+                    <a:spAutoFit/>
+                  </a:bodyPr>
+                  <a:lstStyle/>
+                  <a:p>
+                    <a:pPr algn="ctr"/>
+                    <a:r>
+                      <a:rPr lang="ja-JP" altLang="en-US" sz="1050" dirty="0" smtClean="0">
+                        <a:latin typeface="FOT-UD角ゴ_スモール Pr6 H" panose="02020900000000000000" pitchFamily="18" charset="-128"/>
+                        <a:ea typeface="FOT-UD角ゴ_スモール Pr6 H" panose="02020900000000000000" pitchFamily="18" charset="-128"/>
+                      </a:rPr>
+                      <a:t>弾</a:t>
+                    </a:r>
+                    <a:endParaRPr kumimoji="1" lang="ja-JP" altLang="en-US" sz="1050" dirty="0">
+                      <a:latin typeface="FOT-UD角ゴ_スモール Pr6 H" panose="02020900000000000000" pitchFamily="18" charset="-128"/>
+                      <a:ea typeface="FOT-UD角ゴ_スモール Pr6 H" panose="02020900000000000000" pitchFamily="18" charset="-128"/>
+                    </a:endParaRPr>
+                  </a:p>
+                </p:txBody>
+              </p:sp>
+            </p:grpSp>
+          </p:grpSp>
+          <p:grpSp>
+            <p:nvGrpSpPr>
+              <p:cNvPr id="165" name="グループ化 164"/>
+              <p:cNvGrpSpPr/>
+              <p:nvPr/>
+            </p:nvGrpSpPr>
+            <p:grpSpPr>
+              <a:xfrm rot="1477635">
+                <a:off x="5358335" y="3914502"/>
+                <a:ext cx="422480" cy="1312251"/>
+                <a:chOff x="3743991" y="3767906"/>
+                <a:chExt cx="422480" cy="1312251"/>
+              </a:xfrm>
+            </p:grpSpPr>
+            <p:sp>
+              <p:nvSpPr>
+                <p:cNvPr id="176" name="右矢印 175"/>
+                <p:cNvSpPr/>
+                <p:nvPr/>
+              </p:nvSpPr>
+              <p:spPr>
+                <a:xfrm rot="17603778">
+                  <a:off x="3295940" y="4215957"/>
+                  <a:ext cx="1312251" cy="416150"/>
+                </a:xfrm>
+                <a:prstGeom prst="rightArrow">
+                  <a:avLst/>
+                </a:prstGeom>
+                <a:solidFill>
+                  <a:schemeClr val="accent4"/>
+                </a:solidFill>
+                <a:ln>
+                  <a:solidFill>
+                    <a:schemeClr val="tx1"/>
+                  </a:solidFill>
+                </a:ln>
+              </p:spPr>
+              <p:style>
+                <a:lnRef idx="2">
+                  <a:schemeClr val="accent1">
+                    <a:shade val="50000"/>
+                  </a:schemeClr>
+                </a:lnRef>
+                <a:fillRef idx="1">
+                  <a:schemeClr val="accent1"/>
+                </a:fillRef>
+                <a:effectRef idx="0">
+                  <a:schemeClr val="accent1"/>
+                </a:effectRef>
+                <a:fontRef idx="minor">
+                  <a:schemeClr val="lt1"/>
+                </a:fontRef>
+              </p:style>
+              <p:txBody>
+                <a:bodyPr rtlCol="0" anchor="ctr"/>
+                <a:lstStyle/>
+                <a:p>
+                  <a:pPr algn="ctr"/>
+                  <a:endParaRPr kumimoji="1" lang="ja-JP" altLang="en-US"/>
+                </a:p>
+              </p:txBody>
+            </p:sp>
+            <p:sp>
+              <p:nvSpPr>
+                <p:cNvPr id="177" name="テキスト ボックス 176"/>
+                <p:cNvSpPr txBox="1"/>
+                <p:nvPr/>
+              </p:nvSpPr>
+              <p:spPr>
+                <a:xfrm rot="17707610">
+                  <a:off x="3562375" y="4182670"/>
+                  <a:ext cx="838806" cy="369387"/>
+                </a:xfrm>
+                <a:prstGeom prst="rect">
+                  <a:avLst/>
+                </a:prstGeom>
+                <a:noFill/>
+              </p:spPr>
+              <p:txBody>
+                <a:bodyPr wrap="square" rtlCol="0">
+                  <a:spAutoFit/>
+                </a:bodyPr>
+                <a:lstStyle/>
+                <a:p>
+                  <a:pPr algn="ctr"/>
+                  <a:r>
+                    <a:rPr lang="ja-JP" altLang="en-US" sz="1200" dirty="0" smtClean="0">
+                      <a:latin typeface="FOT-UD角ゴ_スモール Pr6 H" panose="02020900000000000000" pitchFamily="18" charset="-128"/>
+                      <a:ea typeface="FOT-UD角ゴ_スモール Pr6 H" panose="02020900000000000000" pitchFamily="18" charset="-128"/>
+                    </a:rPr>
+                    <a:t>方向</a:t>
+                  </a:r>
+                  <a:endParaRPr kumimoji="1" lang="ja-JP" altLang="en-US" sz="1200" dirty="0">
+                    <a:latin typeface="FOT-UD角ゴ_スモール Pr6 H" panose="02020900000000000000" pitchFamily="18" charset="-128"/>
+                    <a:ea typeface="FOT-UD角ゴ_スモール Pr6 H" panose="02020900000000000000" pitchFamily="18" charset="-128"/>
+                  </a:endParaRPr>
+                </a:p>
+              </p:txBody>
+            </p:sp>
+          </p:grpSp>
+          <p:grpSp>
+            <p:nvGrpSpPr>
+              <p:cNvPr id="166" name="グループ化 165"/>
+              <p:cNvGrpSpPr/>
+              <p:nvPr/>
+            </p:nvGrpSpPr>
+            <p:grpSpPr>
+              <a:xfrm>
+                <a:off x="4577791" y="4691091"/>
+                <a:ext cx="775502" cy="768550"/>
+                <a:chOff x="4286343" y="4229335"/>
+                <a:chExt cx="624815" cy="619925"/>
+              </a:xfrm>
+            </p:grpSpPr>
+            <p:pic>
+              <p:nvPicPr>
+                <p:cNvPr id="172" name="図 171"/>
+                <p:cNvPicPr>
+                  <a:picLocks noChangeAspect="1"/>
+                </p:cNvPicPr>
+                <p:nvPr/>
+              </p:nvPicPr>
+              <p:blipFill rotWithShape="1">
+                <a:blip r:embed="rId3">
+                  <a:extLst>
+                    <a:ext uri="{28A0092B-C50C-407E-A947-70E740481C1C}">
+                      <a14:useLocalDpi xmlns:a14="http://schemas.microsoft.com/office/drawing/2010/main" val="0"/>
+                    </a:ext>
+                  </a:extLst>
+                </a:blip>
+                <a:srcRect r="86650" b="90889"/>
+                <a:stretch/>
+              </p:blipFill>
+              <p:spPr>
+                <a:xfrm>
+                  <a:off x="4286708" y="4229335"/>
+                  <a:ext cx="624450" cy="553360"/>
+                </a:xfrm>
+                <a:prstGeom prst="rect">
+                  <a:avLst/>
+                </a:prstGeom>
+              </p:spPr>
+            </p:pic>
+            <p:grpSp>
+              <p:nvGrpSpPr>
+                <p:cNvPr id="173" name="グループ化 172"/>
+                <p:cNvGrpSpPr/>
+                <p:nvPr/>
+              </p:nvGrpSpPr>
+              <p:grpSpPr>
+                <a:xfrm>
+                  <a:off x="4286343" y="4464230"/>
+                  <a:ext cx="312590" cy="385030"/>
+                  <a:chOff x="3971648" y="4343400"/>
+                  <a:chExt cx="312590" cy="385030"/>
+                </a:xfrm>
+              </p:grpSpPr>
+              <p:sp>
+                <p:nvSpPr>
+                  <p:cNvPr id="174" name="楕円 173"/>
+                  <p:cNvSpPr/>
+                  <p:nvPr/>
+                </p:nvSpPr>
+                <p:spPr>
+                  <a:xfrm>
+                    <a:off x="3971648" y="4343400"/>
+                    <a:ext cx="306262" cy="290146"/>
+                  </a:xfrm>
+                  <a:prstGeom prst="ellipse">
+                    <a:avLst/>
+                  </a:prstGeom>
+                </p:spPr>
+                <p:style>
+                  <a:lnRef idx="2">
+                    <a:schemeClr val="accent1">
+                      <a:shade val="50000"/>
+                    </a:schemeClr>
+                  </a:lnRef>
+                  <a:fillRef idx="1">
+                    <a:schemeClr val="accent1"/>
+                  </a:fillRef>
+                  <a:effectRef idx="0">
+                    <a:schemeClr val="accent1"/>
+                  </a:effectRef>
+                  <a:fontRef idx="minor">
+                    <a:schemeClr val="lt1"/>
+                  </a:fontRef>
+                </p:style>
+                <p:txBody>
+                  <a:bodyPr rtlCol="0" anchor="ctr"/>
+                  <a:lstStyle/>
+                  <a:p>
+                    <a:pPr algn="ctr"/>
+                    <a:endParaRPr kumimoji="1" lang="ja-JP" altLang="en-US" sz="1400"/>
+                  </a:p>
+                </p:txBody>
+              </p:sp>
+              <p:sp>
+                <p:nvSpPr>
+                  <p:cNvPr id="175" name="テキスト ボックス 174"/>
+                  <p:cNvSpPr txBox="1"/>
+                  <p:nvPr/>
+                </p:nvSpPr>
+                <p:spPr>
+                  <a:xfrm>
+                    <a:off x="3994366" y="4367517"/>
+                    <a:ext cx="289872" cy="360913"/>
+                  </a:xfrm>
+                  <a:prstGeom prst="rect">
+                    <a:avLst/>
+                  </a:prstGeom>
+                  <a:noFill/>
+                </p:spPr>
+                <p:txBody>
+                  <a:bodyPr wrap="square" rtlCol="0">
+                    <a:spAutoFit/>
+                  </a:bodyPr>
+                  <a:lstStyle/>
+                  <a:p>
+                    <a:pPr algn="ctr"/>
+                    <a:r>
+                      <a:rPr lang="ja-JP" altLang="en-US" sz="1050" dirty="0" smtClean="0">
+                        <a:latin typeface="FOT-UD角ゴ_スモール Pr6 H" panose="02020900000000000000" pitchFamily="18" charset="-128"/>
+                        <a:ea typeface="FOT-UD角ゴ_スモール Pr6 H" panose="02020900000000000000" pitchFamily="18" charset="-128"/>
+                      </a:rPr>
+                      <a:t>弾</a:t>
+                    </a:r>
+                    <a:endParaRPr kumimoji="1" lang="ja-JP" altLang="en-US" sz="1050" dirty="0">
+                      <a:latin typeface="FOT-UD角ゴ_スモール Pr6 H" panose="02020900000000000000" pitchFamily="18" charset="-128"/>
+                      <a:ea typeface="FOT-UD角ゴ_スモール Pr6 H" panose="02020900000000000000" pitchFamily="18" charset="-128"/>
+                    </a:endParaRPr>
+                  </a:p>
+                </p:txBody>
+              </p:sp>
+            </p:grpSp>
+          </p:grpSp>
+        </p:grpSp>
+        <p:sp>
+          <p:nvSpPr>
+            <p:cNvPr id="208" name="テキスト ボックス 207"/>
+            <p:cNvSpPr txBox="1"/>
+            <p:nvPr/>
+          </p:nvSpPr>
+          <p:spPr>
+            <a:xfrm rot="19185245">
+              <a:off x="9618678" y="4557926"/>
+              <a:ext cx="574043" cy="276999"/>
+            </a:xfrm>
+            <a:prstGeom prst="rect">
+              <a:avLst/>
+            </a:prstGeom>
+            <a:noFill/>
+          </p:spPr>
+          <p:txBody>
+            <a:bodyPr wrap="square" rtlCol="0">
+              <a:spAutoFit/>
+            </a:bodyPr>
+            <a:lstStyle/>
+            <a:p>
+              <a:pPr algn="ctr"/>
+              <a:r>
+                <a:rPr lang="ja-JP" altLang="en-US" sz="1200" dirty="0" smtClean="0">
+                  <a:latin typeface="FOT-UD角ゴ_スモール Pr6 H" panose="02020900000000000000" pitchFamily="18" charset="-128"/>
+                  <a:ea typeface="FOT-UD角ゴ_スモール Pr6 H" panose="02020900000000000000" pitchFamily="18" charset="-128"/>
+                </a:rPr>
+                <a:t>方向</a:t>
+              </a:r>
+              <a:endParaRPr kumimoji="1" lang="ja-JP" altLang="en-US" sz="1200" dirty="0">
+                <a:latin typeface="FOT-UD角ゴ_スモール Pr6 H" panose="02020900000000000000" pitchFamily="18" charset="-128"/>
+                <a:ea typeface="FOT-UD角ゴ_スモール Pr6 H" panose="02020900000000000000" pitchFamily="18" charset="-128"/>
+              </a:endParaRPr>
+            </a:p>
+          </p:txBody>
+        </p:sp>
+      </p:grpSp>
+      <p:sp>
+        <p:nvSpPr>
+          <p:cNvPr id="210" name="テキスト ボックス 209"/>
+          <p:cNvSpPr txBox="1"/>
+          <p:nvPr/>
+        </p:nvSpPr>
+        <p:spPr>
+          <a:xfrm>
+            <a:off x="573119" y="785916"/>
+            <a:ext cx="2032218" cy="400110"/>
+          </a:xfrm>
+          <a:prstGeom prst="rect">
+            <a:avLst/>
+          </a:prstGeom>
+          <a:noFill/>
+        </p:spPr>
+        <p:txBody>
+          <a:bodyPr wrap="square" rtlCol="0">
+            <a:spAutoFit/>
+          </a:bodyPr>
+          <a:lstStyle/>
+          <a:p>
+            <a:r>
+              <a:rPr kumimoji="1" lang="en-US" altLang="ja-JP" sz="2000" dirty="0" smtClean="0">
+                <a:latin typeface="HGS創英角ｺﾞｼｯｸUB" panose="020B0900000000000000" pitchFamily="50" charset="-128"/>
+                <a:ea typeface="HGS創英角ｺﾞｼｯｸUB" panose="020B0900000000000000" pitchFamily="50" charset="-128"/>
+              </a:rPr>
+              <a:t>【1</a:t>
+            </a:r>
+            <a:r>
+              <a:rPr kumimoji="1" lang="ja-JP" altLang="en-US" sz="2000" dirty="0" smtClean="0">
+                <a:latin typeface="HGS創英角ｺﾞｼｯｸUB" panose="020B0900000000000000" pitchFamily="50" charset="-128"/>
+                <a:ea typeface="HGS創英角ｺﾞｼｯｸUB" panose="020B0900000000000000" pitchFamily="50" charset="-128"/>
+              </a:rPr>
+              <a:t>連段目</a:t>
+            </a:r>
+            <a:r>
+              <a:rPr kumimoji="1" lang="en-US" altLang="ja-JP" sz="2000" dirty="0" smtClean="0">
+                <a:latin typeface="HGS創英角ｺﾞｼｯｸUB" panose="020B0900000000000000" pitchFamily="50" charset="-128"/>
+                <a:ea typeface="HGS創英角ｺﾞｼｯｸUB" panose="020B0900000000000000" pitchFamily="50" charset="-128"/>
+              </a:rPr>
+              <a:t>3</a:t>
+            </a:r>
+            <a:r>
+              <a:rPr kumimoji="1" lang="ja-JP" altLang="en-US" sz="2000" dirty="0" smtClean="0">
+                <a:latin typeface="HGS創英角ｺﾞｼｯｸUB" panose="020B0900000000000000" pitchFamily="50" charset="-128"/>
+                <a:ea typeface="HGS創英角ｺﾞｼｯｸUB" panose="020B0900000000000000" pitchFamily="50" charset="-128"/>
+              </a:rPr>
+              <a:t>発</a:t>
+            </a:r>
+            <a:r>
+              <a:rPr kumimoji="1" lang="en-US" altLang="ja-JP" sz="2000" dirty="0" smtClean="0">
+                <a:latin typeface="HGS創英角ｺﾞｼｯｸUB" panose="020B0900000000000000" pitchFamily="50" charset="-128"/>
+                <a:ea typeface="HGS創英角ｺﾞｼｯｸUB" panose="020B0900000000000000" pitchFamily="50" charset="-128"/>
+              </a:rPr>
+              <a:t>】</a:t>
+            </a:r>
+            <a:endParaRPr kumimoji="1" lang="ja-JP" altLang="en-US" sz="2000" dirty="0">
+              <a:latin typeface="HGS創英角ｺﾞｼｯｸUB" panose="020B0900000000000000" pitchFamily="50" charset="-128"/>
+              <a:ea typeface="HGS創英角ｺﾞｼｯｸUB" panose="020B0900000000000000" pitchFamily="50" charset="-128"/>
+            </a:endParaRPr>
+          </a:p>
+        </p:txBody>
+      </p:sp>
+      <p:sp>
+        <p:nvSpPr>
+          <p:cNvPr id="211" name="テキスト ボックス 210"/>
+          <p:cNvSpPr txBox="1"/>
+          <p:nvPr/>
+        </p:nvSpPr>
+        <p:spPr>
+          <a:xfrm>
+            <a:off x="3380147" y="3116943"/>
+            <a:ext cx="2032218" cy="400110"/>
+          </a:xfrm>
+          <a:prstGeom prst="rect">
+            <a:avLst/>
+          </a:prstGeom>
+          <a:noFill/>
+        </p:spPr>
+        <p:txBody>
+          <a:bodyPr wrap="square" rtlCol="0">
+            <a:spAutoFit/>
+          </a:bodyPr>
+          <a:lstStyle/>
+          <a:p>
+            <a:r>
+              <a:rPr kumimoji="1" lang="en-US" altLang="ja-JP" sz="2000" dirty="0" smtClean="0">
+                <a:latin typeface="HGS創英角ｺﾞｼｯｸUB" panose="020B0900000000000000" pitchFamily="50" charset="-128"/>
+                <a:ea typeface="HGS創英角ｺﾞｼｯｸUB" panose="020B0900000000000000" pitchFamily="50" charset="-128"/>
+              </a:rPr>
+              <a:t>【2</a:t>
+            </a:r>
+            <a:r>
+              <a:rPr kumimoji="1" lang="ja-JP" altLang="en-US" sz="2000" dirty="0" smtClean="0">
+                <a:latin typeface="HGS創英角ｺﾞｼｯｸUB" panose="020B0900000000000000" pitchFamily="50" charset="-128"/>
+                <a:ea typeface="HGS創英角ｺﾞｼｯｸUB" panose="020B0900000000000000" pitchFamily="50" charset="-128"/>
+              </a:rPr>
+              <a:t>連段目</a:t>
+            </a:r>
+            <a:r>
+              <a:rPr kumimoji="1" lang="en-US" altLang="ja-JP" sz="2000" dirty="0" smtClean="0">
+                <a:latin typeface="HGS創英角ｺﾞｼｯｸUB" panose="020B0900000000000000" pitchFamily="50" charset="-128"/>
+                <a:ea typeface="HGS創英角ｺﾞｼｯｸUB" panose="020B0900000000000000" pitchFamily="50" charset="-128"/>
+              </a:rPr>
+              <a:t>3</a:t>
+            </a:r>
+            <a:r>
+              <a:rPr kumimoji="1" lang="ja-JP" altLang="en-US" sz="2000" dirty="0" smtClean="0">
+                <a:latin typeface="HGS創英角ｺﾞｼｯｸUB" panose="020B0900000000000000" pitchFamily="50" charset="-128"/>
+                <a:ea typeface="HGS創英角ｺﾞｼｯｸUB" panose="020B0900000000000000" pitchFamily="50" charset="-128"/>
+              </a:rPr>
+              <a:t>発</a:t>
+            </a:r>
+            <a:r>
+              <a:rPr kumimoji="1" lang="en-US" altLang="ja-JP" sz="2000" dirty="0" smtClean="0">
+                <a:latin typeface="HGS創英角ｺﾞｼｯｸUB" panose="020B0900000000000000" pitchFamily="50" charset="-128"/>
+                <a:ea typeface="HGS創英角ｺﾞｼｯｸUB" panose="020B0900000000000000" pitchFamily="50" charset="-128"/>
+              </a:rPr>
+              <a:t>】</a:t>
+            </a:r>
+            <a:endParaRPr kumimoji="1" lang="ja-JP" altLang="en-US" sz="2000" dirty="0">
+              <a:latin typeface="HGS創英角ｺﾞｼｯｸUB" panose="020B0900000000000000" pitchFamily="50" charset="-128"/>
+              <a:ea typeface="HGS創英角ｺﾞｼｯｸUB" panose="020B0900000000000000" pitchFamily="50" charset="-128"/>
+            </a:endParaRPr>
+          </a:p>
+        </p:txBody>
+      </p:sp>
+      <p:sp>
+        <p:nvSpPr>
+          <p:cNvPr id="212" name="テキスト ボックス 211"/>
+          <p:cNvSpPr txBox="1"/>
+          <p:nvPr/>
+        </p:nvSpPr>
+        <p:spPr>
+          <a:xfrm>
+            <a:off x="5090930" y="4508759"/>
+            <a:ext cx="760278" cy="769441"/>
+          </a:xfrm>
+          <a:prstGeom prst="rect">
+            <a:avLst/>
+          </a:prstGeom>
+          <a:noFill/>
+        </p:spPr>
+        <p:txBody>
+          <a:bodyPr wrap="square" rtlCol="0">
+            <a:spAutoFit/>
+          </a:bodyPr>
+          <a:lstStyle/>
+          <a:p>
+            <a:r>
+              <a:rPr kumimoji="1" lang="ja-JP" altLang="en-US" sz="4400" dirty="0" smtClean="0">
+                <a:latin typeface="HGS創英角ｺﾞｼｯｸUB" panose="020B0900000000000000" pitchFamily="50" charset="-128"/>
+                <a:ea typeface="HGS創英角ｺﾞｼｯｸUB" panose="020B0900000000000000" pitchFamily="50" charset="-128"/>
+              </a:rPr>
+              <a:t>＝</a:t>
+            </a:r>
+            <a:endParaRPr kumimoji="1" lang="ja-JP" altLang="en-US" sz="4400" dirty="0">
+              <a:latin typeface="HGS創英角ｺﾞｼｯｸUB" panose="020B0900000000000000" pitchFamily="50" charset="-128"/>
+              <a:ea typeface="HGS創英角ｺﾞｼｯｸUB" panose="020B0900000000000000" pitchFamily="50" charset="-128"/>
+            </a:endParaRPr>
+          </a:p>
+        </p:txBody>
+      </p:sp>
+      <p:sp>
+        <p:nvSpPr>
+          <p:cNvPr id="213" name="テキスト ボックス 212"/>
+          <p:cNvSpPr txBox="1"/>
+          <p:nvPr/>
+        </p:nvSpPr>
+        <p:spPr>
+          <a:xfrm>
+            <a:off x="2156694" y="3663427"/>
+            <a:ext cx="806623" cy="769441"/>
+          </a:xfrm>
+          <a:prstGeom prst="rect">
+            <a:avLst/>
+          </a:prstGeom>
+          <a:noFill/>
+        </p:spPr>
+        <p:txBody>
+          <a:bodyPr wrap="square" rtlCol="0">
+            <a:spAutoFit/>
+          </a:bodyPr>
+          <a:lstStyle/>
+          <a:p>
+            <a:r>
+              <a:rPr kumimoji="1" lang="en-US" altLang="ja-JP" sz="4400" dirty="0" smtClean="0">
+                <a:latin typeface="HGS創英角ｺﾞｼｯｸUB" panose="020B0900000000000000" pitchFamily="50" charset="-128"/>
+                <a:ea typeface="HGS創英角ｺﾞｼｯｸUB" panose="020B0900000000000000" pitchFamily="50" charset="-128"/>
+              </a:rPr>
+              <a:t>+</a:t>
+            </a:r>
+            <a:endParaRPr kumimoji="1" lang="ja-JP" altLang="en-US" sz="4400" dirty="0">
+              <a:latin typeface="HGS創英角ｺﾞｼｯｸUB" panose="020B0900000000000000" pitchFamily="50" charset="-128"/>
+              <a:ea typeface="HGS創英角ｺﾞｼｯｸUB" panose="020B0900000000000000" pitchFamily="50" charset="-128"/>
+            </a:endParaRPr>
+          </a:p>
+        </p:txBody>
+      </p:sp>
+      <p:grpSp>
+        <p:nvGrpSpPr>
+          <p:cNvPr id="220" name="グループ化 219"/>
+          <p:cNvGrpSpPr/>
+          <p:nvPr/>
+        </p:nvGrpSpPr>
+        <p:grpSpPr>
+          <a:xfrm>
+            <a:off x="7618715" y="19149"/>
+            <a:ext cx="4475286" cy="3398848"/>
+            <a:chOff x="4456022" y="-122603"/>
+            <a:chExt cx="4475286" cy="3398848"/>
+          </a:xfrm>
+        </p:grpSpPr>
+        <p:grpSp>
+          <p:nvGrpSpPr>
+            <p:cNvPr id="217" name="グループ化 216"/>
+            <p:cNvGrpSpPr/>
+            <p:nvPr/>
+          </p:nvGrpSpPr>
+          <p:grpSpPr>
+            <a:xfrm>
+              <a:off x="4456022" y="-122603"/>
+              <a:ext cx="4475286" cy="1944892"/>
+              <a:chOff x="4457222" y="66237"/>
+              <a:chExt cx="4475286" cy="1944892"/>
+            </a:xfrm>
+          </p:grpSpPr>
+          <p:grpSp>
+            <p:nvGrpSpPr>
+              <p:cNvPr id="88" name="グループ化 87"/>
+              <p:cNvGrpSpPr/>
+              <p:nvPr/>
+            </p:nvGrpSpPr>
+            <p:grpSpPr>
+              <a:xfrm>
+                <a:off x="4457222" y="66237"/>
+                <a:ext cx="4187486" cy="1944892"/>
+                <a:chOff x="4457222" y="66237"/>
+                <a:chExt cx="4187486" cy="1944892"/>
+              </a:xfrm>
+            </p:grpSpPr>
+            <p:grpSp>
+              <p:nvGrpSpPr>
+                <p:cNvPr id="89" name="グループ化 88"/>
+                <p:cNvGrpSpPr/>
+                <p:nvPr/>
+              </p:nvGrpSpPr>
+              <p:grpSpPr>
+                <a:xfrm>
+                  <a:off x="4457222" y="66237"/>
+                  <a:ext cx="3650439" cy="1566987"/>
+                  <a:chOff x="4319476" y="552743"/>
+                  <a:chExt cx="3650439" cy="1566987"/>
+                </a:xfrm>
+              </p:grpSpPr>
+              <p:sp>
+                <p:nvSpPr>
+                  <p:cNvPr id="95" name="テキスト ボックス 94"/>
+                  <p:cNvSpPr txBox="1"/>
+                  <p:nvPr/>
+                </p:nvSpPr>
+                <p:spPr>
+                  <a:xfrm>
+                    <a:off x="4319476" y="552743"/>
+                    <a:ext cx="3650439" cy="461665"/>
+                  </a:xfrm>
+                  <a:prstGeom prst="rect">
+                    <a:avLst/>
+                  </a:prstGeom>
+                  <a:noFill/>
+                </p:spPr>
+                <p:txBody>
+                  <a:bodyPr wrap="square" rtlCol="0">
+                    <a:spAutoFit/>
+                  </a:bodyPr>
+                  <a:lstStyle/>
+                  <a:p>
+                    <a:r>
+                      <a:rPr lang="en-US" altLang="ja-JP" sz="2400" dirty="0" smtClean="0">
+                        <a:latin typeface="HGS創英角ｺﾞｼｯｸUB" panose="020B0900000000000000" pitchFamily="50" charset="-128"/>
+                        <a:ea typeface="HGS創英角ｺﾞｼｯｸUB" panose="020B0900000000000000" pitchFamily="50" charset="-128"/>
+                      </a:rPr>
+                      <a:t>【</a:t>
+                    </a:r>
+                    <a:r>
+                      <a:rPr lang="ja-JP" altLang="en-US" sz="2400" dirty="0" smtClean="0">
+                        <a:latin typeface="HGS創英角ｺﾞｼｯｸUB" panose="020B0900000000000000" pitchFamily="50" charset="-128"/>
+                        <a:ea typeface="HGS創英角ｺﾞｼｯｸUB" panose="020B0900000000000000" pitchFamily="50" charset="-128"/>
+                      </a:rPr>
+                      <a:t>ショットガン仕様</a:t>
+                    </a:r>
+                    <a:r>
+                      <a:rPr lang="en-US" altLang="ja-JP" sz="2400" dirty="0" smtClean="0">
+                        <a:latin typeface="HGS創英角ｺﾞｼｯｸUB" panose="020B0900000000000000" pitchFamily="50" charset="-128"/>
+                        <a:ea typeface="HGS創英角ｺﾞｼｯｸUB" panose="020B0900000000000000" pitchFamily="50" charset="-128"/>
+                      </a:rPr>
+                      <a:t>】</a:t>
+                    </a:r>
+                    <a:endParaRPr kumimoji="1" lang="ja-JP" altLang="en-US" sz="2400" dirty="0">
+                      <a:latin typeface="HGS創英角ｺﾞｼｯｸUB" panose="020B0900000000000000" pitchFamily="50" charset="-128"/>
+                      <a:ea typeface="HGS創英角ｺﾞｼｯｸUB" panose="020B0900000000000000" pitchFamily="50" charset="-128"/>
+                    </a:endParaRPr>
+                  </a:p>
+                </p:txBody>
+              </p:sp>
+              <p:sp>
+                <p:nvSpPr>
+                  <p:cNvPr id="93" name="テキスト ボックス 92"/>
+                  <p:cNvSpPr txBox="1"/>
+                  <p:nvPr/>
+                </p:nvSpPr>
+                <p:spPr>
+                  <a:xfrm>
+                    <a:off x="4422710" y="1719620"/>
+                    <a:ext cx="3053777" cy="400110"/>
+                  </a:xfrm>
+                  <a:prstGeom prst="rect">
+                    <a:avLst/>
+                  </a:prstGeom>
+                  <a:noFill/>
+                </p:spPr>
+                <p:txBody>
+                  <a:bodyPr wrap="square" rtlCol="0">
+                    <a:spAutoFit/>
+                  </a:bodyPr>
+                  <a:lstStyle/>
+                  <a:p>
+                    <a:r>
+                      <a:rPr lang="en-US" altLang="ja-JP" sz="2000" dirty="0" smtClean="0">
+                        <a:latin typeface="HGS創英角ｺﾞｼｯｸUB" panose="020B0900000000000000" pitchFamily="50" charset="-128"/>
+                        <a:ea typeface="HGS創英角ｺﾞｼｯｸUB" panose="020B0900000000000000" pitchFamily="50" charset="-128"/>
+                      </a:rPr>
+                      <a:t>【</a:t>
+                    </a:r>
+                    <a:r>
+                      <a:rPr lang="ja-JP" altLang="en-US" sz="2000" dirty="0" smtClean="0">
+                        <a:latin typeface="HGS創英角ｺﾞｼｯｸUB" panose="020B0900000000000000" pitchFamily="50" charset="-128"/>
+                        <a:ea typeface="HGS創英角ｺﾞｼｯｸUB" panose="020B0900000000000000" pitchFamily="50" charset="-128"/>
+                      </a:rPr>
+                      <a:t>ポイント</a:t>
+                    </a:r>
+                    <a:r>
+                      <a:rPr lang="en-US" altLang="ja-JP" sz="2000" dirty="0" smtClean="0">
+                        <a:latin typeface="HGS創英角ｺﾞｼｯｸUB" panose="020B0900000000000000" pitchFamily="50" charset="-128"/>
+                        <a:ea typeface="HGS創英角ｺﾞｼｯｸUB" panose="020B0900000000000000" pitchFamily="50" charset="-128"/>
+                      </a:rPr>
+                      <a:t>】</a:t>
+                    </a:r>
+                    <a:endParaRPr kumimoji="1" lang="ja-JP" altLang="en-US" sz="2000" dirty="0">
+                      <a:latin typeface="HGS創英角ｺﾞｼｯｸUB" panose="020B0900000000000000" pitchFamily="50" charset="-128"/>
+                      <a:ea typeface="HGS創英角ｺﾞｼｯｸUB" panose="020B0900000000000000" pitchFamily="50" charset="-128"/>
+                    </a:endParaRPr>
+                  </a:p>
+                </p:txBody>
+              </p:sp>
+            </p:grpSp>
+            <p:sp>
+              <p:nvSpPr>
+                <p:cNvPr id="90" name="テキスト ボックス 89"/>
+                <p:cNvSpPr txBox="1"/>
+                <p:nvPr/>
+              </p:nvSpPr>
+              <p:spPr>
+                <a:xfrm>
+                  <a:off x="4580273" y="1611019"/>
+                  <a:ext cx="4064435" cy="400110"/>
+                </a:xfrm>
+                <a:prstGeom prst="rect">
+                  <a:avLst/>
+                </a:prstGeom>
+                <a:noFill/>
+              </p:spPr>
+              <p:txBody>
+                <a:bodyPr wrap="square" rtlCol="0">
+                  <a:spAutoFit/>
+                </a:bodyPr>
+                <a:lstStyle/>
+                <a:p>
+                  <a:r>
+                    <a:rPr kumimoji="1" lang="ja-JP" altLang="en-US" sz="2000" dirty="0" smtClean="0">
+                      <a:latin typeface="HGS創英角ｺﾞｼｯｸUB" panose="020B0900000000000000" pitchFamily="50" charset="-128"/>
+                      <a:ea typeface="HGS創英角ｺﾞｼｯｸUB" panose="020B0900000000000000" pitchFamily="50" charset="-128"/>
+                    </a:rPr>
+                    <a:t>・</a:t>
+                  </a:r>
+                  <a:r>
+                    <a:rPr kumimoji="1" lang="en-US" altLang="ja-JP" sz="2000" dirty="0" smtClean="0">
+                      <a:latin typeface="HGS創英角ｺﾞｼｯｸUB" panose="020B0900000000000000" pitchFamily="50" charset="-128"/>
+                      <a:ea typeface="HGS創英角ｺﾞｼｯｸUB" panose="020B0900000000000000" pitchFamily="50" charset="-128"/>
+                    </a:rPr>
+                    <a:t>1</a:t>
+                  </a:r>
+                  <a:r>
+                    <a:rPr kumimoji="1" lang="ja-JP" altLang="en-US" sz="2000" dirty="0" smtClean="0">
+                      <a:latin typeface="HGS創英角ｺﾞｼｯｸUB" panose="020B0900000000000000" pitchFamily="50" charset="-128"/>
+                      <a:ea typeface="HGS創英角ｺﾞｼｯｸUB" panose="020B0900000000000000" pitchFamily="50" charset="-128"/>
+                    </a:rPr>
+                    <a:t>発</a:t>
+                  </a:r>
+                  <a:r>
+                    <a:rPr lang="en-US" altLang="ja-JP" sz="2000" dirty="0">
+                      <a:latin typeface="HGS創英角ｺﾞｼｯｸUB" panose="020B0900000000000000" pitchFamily="50" charset="-128"/>
+                      <a:ea typeface="HGS創英角ｺﾞｼｯｸUB" panose="020B0900000000000000" pitchFamily="50" charset="-128"/>
+                    </a:rPr>
+                    <a:t>1</a:t>
+                  </a:r>
+                  <a:r>
+                    <a:rPr kumimoji="1" lang="ja-JP" altLang="en-US" sz="2000" dirty="0" smtClean="0">
+                      <a:latin typeface="HGS創英角ｺﾞｼｯｸUB" panose="020B0900000000000000" pitchFamily="50" charset="-128"/>
+                      <a:ea typeface="HGS創英角ｺﾞｼｯｸUB" panose="020B0900000000000000" pitchFamily="50" charset="-128"/>
+                    </a:rPr>
+                    <a:t>ポイント</a:t>
+                  </a:r>
+                  <a:r>
+                    <a:rPr kumimoji="1" lang="en-US" altLang="ja-JP" sz="2000" dirty="0" smtClean="0">
+                      <a:latin typeface="HGS創英角ｺﾞｼｯｸUB" panose="020B0900000000000000" pitchFamily="50" charset="-128"/>
+                      <a:ea typeface="HGS創英角ｺﾞｼｯｸUB" panose="020B0900000000000000" pitchFamily="50" charset="-128"/>
+                    </a:rPr>
+                    <a:t>(</a:t>
+                  </a:r>
+                  <a:r>
+                    <a:rPr kumimoji="1" lang="ja-JP" altLang="en-US" sz="2000" dirty="0" smtClean="0">
+                      <a:latin typeface="HGS創英角ｺﾞｼｯｸUB" panose="020B0900000000000000" pitchFamily="50" charset="-128"/>
+                      <a:ea typeface="HGS創英角ｺﾞｼｯｸUB" panose="020B0900000000000000" pitchFamily="50" charset="-128"/>
+                    </a:rPr>
+                    <a:t>合計</a:t>
+                  </a:r>
+                  <a:r>
+                    <a:rPr kumimoji="1" lang="en-US" altLang="ja-JP" sz="2000" dirty="0" smtClean="0">
+                      <a:latin typeface="HGS創英角ｺﾞｼｯｸUB" panose="020B0900000000000000" pitchFamily="50" charset="-128"/>
+                      <a:ea typeface="HGS創英角ｺﾞｼｯｸUB" panose="020B0900000000000000" pitchFamily="50" charset="-128"/>
+                    </a:rPr>
+                    <a:t>6</a:t>
+                  </a:r>
+                  <a:r>
+                    <a:rPr lang="ja-JP" altLang="en-US" sz="2000" dirty="0">
+                      <a:latin typeface="HGS創英角ｺﾞｼｯｸUB" panose="020B0900000000000000" pitchFamily="50" charset="-128"/>
+                      <a:ea typeface="HGS創英角ｺﾞｼｯｸUB" panose="020B0900000000000000" pitchFamily="50" charset="-128"/>
+                    </a:rPr>
+                    <a:t>ポイント</a:t>
+                  </a:r>
+                  <a:r>
+                    <a:rPr kumimoji="1" lang="en-US" altLang="ja-JP" sz="2000" dirty="0" smtClean="0">
+                      <a:latin typeface="HGS創英角ｺﾞｼｯｸUB" panose="020B0900000000000000" pitchFamily="50" charset="-128"/>
+                      <a:ea typeface="HGS創英角ｺﾞｼｯｸUB" panose="020B0900000000000000" pitchFamily="50" charset="-128"/>
+                    </a:rPr>
+                    <a:t>)</a:t>
+                  </a:r>
+                  <a:endParaRPr kumimoji="1" lang="ja-JP" altLang="en-US" sz="2000" dirty="0">
+                    <a:latin typeface="HGS創英角ｺﾞｼｯｸUB" panose="020B0900000000000000" pitchFamily="50" charset="-128"/>
+                    <a:ea typeface="HGS創英角ｺﾞｼｯｸUB" panose="020B0900000000000000" pitchFamily="50" charset="-128"/>
+                  </a:endParaRPr>
+                </a:p>
+              </p:txBody>
+            </p:sp>
+          </p:grpSp>
+          <p:sp>
+            <p:nvSpPr>
+              <p:cNvPr id="99" name="テキスト ボックス 98"/>
+              <p:cNvSpPr txBox="1"/>
+              <p:nvPr/>
+            </p:nvSpPr>
+            <p:spPr>
+              <a:xfrm>
+                <a:off x="4596154" y="843047"/>
+                <a:ext cx="4336354" cy="400110"/>
+              </a:xfrm>
+              <a:prstGeom prst="rect">
+                <a:avLst/>
+              </a:prstGeom>
+              <a:noFill/>
+            </p:spPr>
+            <p:txBody>
+              <a:bodyPr wrap="square" rtlCol="0">
+                <a:spAutoFit/>
+              </a:bodyPr>
+              <a:lstStyle/>
+              <a:p>
+                <a:r>
+                  <a:rPr kumimoji="1" lang="ja-JP" altLang="en-US" sz="2000" dirty="0" smtClean="0">
+                    <a:latin typeface="HGS創英角ｺﾞｼｯｸUB" panose="020B0900000000000000" pitchFamily="50" charset="-128"/>
+                    <a:ea typeface="HGS創英角ｺﾞｼｯｸUB" panose="020B0900000000000000" pitchFamily="50" charset="-128"/>
+                  </a:rPr>
+                  <a:t>・爆弾は</a:t>
+                </a:r>
+                <a:r>
+                  <a:rPr lang="en-US" altLang="ja-JP" sz="2000" dirty="0" smtClean="0">
+                    <a:latin typeface="HGS創英角ｺﾞｼｯｸUB" panose="020B0900000000000000" pitchFamily="50" charset="-128"/>
+                    <a:ea typeface="HGS創英角ｺﾞｼｯｸUB" panose="020B0900000000000000" pitchFamily="50" charset="-128"/>
+                  </a:rPr>
+                  <a:t>3</a:t>
+                </a:r>
+                <a:r>
+                  <a:rPr lang="ja-JP" altLang="en-US" sz="2000" dirty="0" smtClean="0">
+                    <a:latin typeface="HGS創英角ｺﾞｼｯｸUB" panose="020B0900000000000000" pitchFamily="50" charset="-128"/>
+                    <a:ea typeface="HGS創英角ｺﾞｼｯｸUB" panose="020B0900000000000000" pitchFamily="50" charset="-128"/>
+                  </a:rPr>
+                  <a:t>発</a:t>
+                </a:r>
+                <a:r>
+                  <a:rPr lang="en-US" altLang="ja-JP" sz="2000" dirty="0" smtClean="0">
+                    <a:latin typeface="HGS創英角ｺﾞｼｯｸUB" panose="020B0900000000000000" pitchFamily="50" charset="-128"/>
+                    <a:ea typeface="HGS創英角ｺﾞｼｯｸUB" panose="020B0900000000000000" pitchFamily="50" charset="-128"/>
+                  </a:rPr>
+                  <a:t>/3</a:t>
+                </a:r>
+                <a:r>
+                  <a:rPr lang="ja-JP" altLang="en-US" sz="2000" dirty="0" smtClean="0">
+                    <a:latin typeface="HGS創英角ｺﾞｼｯｸUB" panose="020B0900000000000000" pitchFamily="50" charset="-128"/>
+                    <a:ea typeface="HGS創英角ｺﾞｼｯｸUB" panose="020B0900000000000000" pitchFamily="50" charset="-128"/>
+                  </a:rPr>
+                  <a:t>発の</a:t>
+                </a:r>
+                <a:r>
+                  <a:rPr lang="en-US" altLang="ja-JP" sz="2000" dirty="0" smtClean="0">
+                    <a:latin typeface="HGS創英角ｺﾞｼｯｸUB" panose="020B0900000000000000" pitchFamily="50" charset="-128"/>
+                    <a:ea typeface="HGS創英角ｺﾞｼｯｸUB" panose="020B0900000000000000" pitchFamily="50" charset="-128"/>
+                  </a:rPr>
+                  <a:t>2</a:t>
+                </a:r>
+                <a:r>
+                  <a:rPr lang="ja-JP" altLang="en-US" sz="2000" dirty="0" smtClean="0">
+                    <a:latin typeface="HGS創英角ｺﾞｼｯｸUB" panose="020B0900000000000000" pitchFamily="50" charset="-128"/>
+                    <a:ea typeface="HGS創英角ｺﾞｼｯｸUB" panose="020B0900000000000000" pitchFamily="50" charset="-128"/>
+                  </a:rPr>
+                  <a:t>連弾で</a:t>
+                </a:r>
+                <a:r>
+                  <a:rPr lang="en-US" altLang="ja-JP" sz="2000" dirty="0" smtClean="0">
+                    <a:latin typeface="HGS創英角ｺﾞｼｯｸUB" panose="020B0900000000000000" pitchFamily="50" charset="-128"/>
+                    <a:ea typeface="HGS創英角ｺﾞｼｯｸUB" panose="020B0900000000000000" pitchFamily="50" charset="-128"/>
+                  </a:rPr>
+                  <a:t>6</a:t>
+                </a:r>
+                <a:r>
+                  <a:rPr lang="ja-JP" altLang="en-US" sz="2000" dirty="0" smtClean="0">
+                    <a:latin typeface="HGS創英角ｺﾞｼｯｸUB" panose="020B0900000000000000" pitchFamily="50" charset="-128"/>
+                    <a:ea typeface="HGS創英角ｺﾞｼｯｸUB" panose="020B0900000000000000" pitchFamily="50" charset="-128"/>
+                  </a:rPr>
+                  <a:t>発出る</a:t>
+                </a:r>
+                <a:endParaRPr kumimoji="1" lang="ja-JP" altLang="en-US" sz="2000" dirty="0">
+                  <a:latin typeface="HGS創英角ｺﾞｼｯｸUB" panose="020B0900000000000000" pitchFamily="50" charset="-128"/>
+                  <a:ea typeface="HGS創英角ｺﾞｼｯｸUB" panose="020B0900000000000000" pitchFamily="50" charset="-128"/>
+                </a:endParaRPr>
+              </a:p>
+            </p:txBody>
+          </p:sp>
+          <p:sp>
+            <p:nvSpPr>
+              <p:cNvPr id="214" name="テキスト ボックス 213"/>
+              <p:cNvSpPr txBox="1"/>
+              <p:nvPr/>
+            </p:nvSpPr>
+            <p:spPr>
+              <a:xfrm>
+                <a:off x="4522237" y="467623"/>
+                <a:ext cx="3053777" cy="400110"/>
+              </a:xfrm>
+              <a:prstGeom prst="rect">
+                <a:avLst/>
+              </a:prstGeom>
+              <a:noFill/>
+            </p:spPr>
+            <p:txBody>
+              <a:bodyPr wrap="square" rtlCol="0">
+                <a:spAutoFit/>
+              </a:bodyPr>
+              <a:lstStyle/>
+              <a:p>
+                <a:r>
+                  <a:rPr lang="en-US" altLang="ja-JP" sz="2000" dirty="0" smtClean="0">
+                    <a:latin typeface="HGS創英角ｺﾞｼｯｸUB" panose="020B0900000000000000" pitchFamily="50" charset="-128"/>
+                    <a:ea typeface="HGS創英角ｺﾞｼｯｸUB" panose="020B0900000000000000" pitchFamily="50" charset="-128"/>
+                  </a:rPr>
+                  <a:t>【</a:t>
+                </a:r>
+                <a:r>
+                  <a:rPr lang="ja-JP" altLang="en-US" sz="2000" dirty="0" smtClean="0">
+                    <a:latin typeface="HGS創英角ｺﾞｼｯｸUB" panose="020B0900000000000000" pitchFamily="50" charset="-128"/>
+                    <a:ea typeface="HGS創英角ｺﾞｼｯｸUB" panose="020B0900000000000000" pitchFamily="50" charset="-128"/>
+                  </a:rPr>
+                  <a:t>弾の出し方</a:t>
+                </a:r>
+                <a:r>
+                  <a:rPr lang="en-US" altLang="ja-JP" sz="2000" dirty="0" smtClean="0">
+                    <a:latin typeface="HGS創英角ｺﾞｼｯｸUB" panose="020B0900000000000000" pitchFamily="50" charset="-128"/>
+                    <a:ea typeface="HGS創英角ｺﾞｼｯｸUB" panose="020B0900000000000000" pitchFamily="50" charset="-128"/>
+                  </a:rPr>
+                  <a:t>】</a:t>
+                </a:r>
+                <a:endParaRPr kumimoji="1" lang="ja-JP" altLang="en-US" sz="2000" dirty="0">
+                  <a:latin typeface="HGS創英角ｺﾞｼｯｸUB" panose="020B0900000000000000" pitchFamily="50" charset="-128"/>
+                  <a:ea typeface="HGS創英角ｺﾞｼｯｸUB" panose="020B0900000000000000" pitchFamily="50" charset="-128"/>
+                </a:endParaRPr>
+              </a:p>
+            </p:txBody>
+          </p:sp>
+        </p:grpSp>
+        <p:sp>
+          <p:nvSpPr>
+            <p:cNvPr id="215" name="テキスト ボックス 214"/>
+            <p:cNvSpPr txBox="1"/>
+            <p:nvPr/>
+          </p:nvSpPr>
+          <p:spPr>
+            <a:xfrm>
+              <a:off x="4600579" y="1781240"/>
+              <a:ext cx="1325339" cy="400110"/>
+            </a:xfrm>
+            <a:prstGeom prst="rect">
+              <a:avLst/>
+            </a:prstGeom>
+            <a:noFill/>
+          </p:spPr>
+          <p:txBody>
+            <a:bodyPr wrap="square" rtlCol="0">
+              <a:spAutoFit/>
+            </a:bodyPr>
+            <a:lstStyle/>
+            <a:p>
+              <a:r>
+                <a:rPr lang="en-US" altLang="ja-JP" sz="2000" dirty="0" smtClean="0">
+                  <a:latin typeface="HGS創英角ｺﾞｼｯｸUB" panose="020B0900000000000000" pitchFamily="50" charset="-128"/>
+                  <a:ea typeface="HGS創英角ｺﾞｼｯｸUB" panose="020B0900000000000000" pitchFamily="50" charset="-128"/>
+                </a:rPr>
+                <a:t>【</a:t>
+              </a:r>
+              <a:r>
+                <a:rPr lang="ja-JP" altLang="en-US" sz="2000" dirty="0" smtClean="0">
+                  <a:latin typeface="HGS創英角ｺﾞｼｯｸUB" panose="020B0900000000000000" pitchFamily="50" charset="-128"/>
+                  <a:ea typeface="HGS創英角ｺﾞｼｯｸUB" panose="020B0900000000000000" pitchFamily="50" charset="-128"/>
+                </a:rPr>
+                <a:t>演出</a:t>
+              </a:r>
+              <a:r>
+                <a:rPr lang="en-US" altLang="ja-JP" sz="2000" dirty="0" smtClean="0">
+                  <a:latin typeface="HGS創英角ｺﾞｼｯｸUB" panose="020B0900000000000000" pitchFamily="50" charset="-128"/>
+                  <a:ea typeface="HGS創英角ｺﾞｼｯｸUB" panose="020B0900000000000000" pitchFamily="50" charset="-128"/>
+                </a:rPr>
+                <a:t>】</a:t>
+              </a:r>
+              <a:endParaRPr kumimoji="1" lang="ja-JP" altLang="en-US" sz="2000" dirty="0">
+                <a:latin typeface="HGS創英角ｺﾞｼｯｸUB" panose="020B0900000000000000" pitchFamily="50" charset="-128"/>
+                <a:ea typeface="HGS創英角ｺﾞｼｯｸUB" panose="020B0900000000000000" pitchFamily="50" charset="-128"/>
+              </a:endParaRPr>
+            </a:p>
+          </p:txBody>
+        </p:sp>
+        <p:sp>
+          <p:nvSpPr>
+            <p:cNvPr id="216" name="テキスト ボックス 215"/>
+            <p:cNvSpPr txBox="1"/>
+            <p:nvPr/>
+          </p:nvSpPr>
+          <p:spPr>
+            <a:xfrm>
+              <a:off x="4606675" y="2127017"/>
+              <a:ext cx="4064435" cy="400110"/>
+            </a:xfrm>
+            <a:prstGeom prst="rect">
+              <a:avLst/>
+            </a:prstGeom>
+            <a:noFill/>
+          </p:spPr>
+          <p:txBody>
+            <a:bodyPr wrap="square" rtlCol="0">
+              <a:spAutoFit/>
+            </a:bodyPr>
+            <a:lstStyle/>
+            <a:p>
+              <a:r>
+                <a:rPr kumimoji="1" lang="ja-JP" altLang="en-US" sz="2000" dirty="0" smtClean="0">
+                  <a:latin typeface="HGS創英角ｺﾞｼｯｸUB" panose="020B0900000000000000" pitchFamily="50" charset="-128"/>
+                  <a:ea typeface="HGS創英角ｺﾞｼｯｸUB" panose="020B0900000000000000" pitchFamily="50" charset="-128"/>
+                </a:rPr>
+                <a:t>・火花パーティクルのみ</a:t>
+              </a:r>
+              <a:endParaRPr kumimoji="1" lang="ja-JP" altLang="en-US" sz="2000" dirty="0">
+                <a:latin typeface="HGS創英角ｺﾞｼｯｸUB" panose="020B0900000000000000" pitchFamily="50" charset="-128"/>
+                <a:ea typeface="HGS創英角ｺﾞｼｯｸUB" panose="020B0900000000000000" pitchFamily="50" charset="-128"/>
+              </a:endParaRPr>
+            </a:p>
+          </p:txBody>
+        </p:sp>
+        <p:sp>
+          <p:nvSpPr>
+            <p:cNvPr id="218" name="テキスト ボックス 217"/>
+            <p:cNvSpPr txBox="1"/>
+            <p:nvPr/>
+          </p:nvSpPr>
+          <p:spPr>
+            <a:xfrm>
+              <a:off x="4596722" y="2515344"/>
+              <a:ext cx="2707130" cy="400110"/>
+            </a:xfrm>
+            <a:prstGeom prst="rect">
+              <a:avLst/>
+            </a:prstGeom>
+            <a:noFill/>
+          </p:spPr>
+          <p:txBody>
+            <a:bodyPr wrap="square" rtlCol="0">
+              <a:spAutoFit/>
+            </a:bodyPr>
+            <a:lstStyle/>
+            <a:p>
+              <a:r>
+                <a:rPr lang="en-US" altLang="ja-JP" sz="2000" dirty="0" smtClean="0">
+                  <a:latin typeface="HGS創英角ｺﾞｼｯｸUB" panose="020B0900000000000000" pitchFamily="50" charset="-128"/>
+                  <a:ea typeface="HGS創英角ｺﾞｼｯｸUB" panose="020B0900000000000000" pitchFamily="50" charset="-128"/>
+                </a:rPr>
+                <a:t>【</a:t>
+              </a:r>
+              <a:r>
+                <a:rPr lang="ja-JP" altLang="en-US" sz="2000" dirty="0" smtClean="0">
+                  <a:latin typeface="HGS創英角ｺﾞｼｯｸUB" panose="020B0900000000000000" pitchFamily="50" charset="-128"/>
+                  <a:ea typeface="HGS創英角ｺﾞｼｯｸUB" panose="020B0900000000000000" pitchFamily="50" charset="-128"/>
+                </a:rPr>
+                <a:t>ノックバック</a:t>
+              </a:r>
+              <a:r>
+                <a:rPr lang="en-US" altLang="ja-JP" sz="2000" dirty="0" smtClean="0">
+                  <a:latin typeface="HGS創英角ｺﾞｼｯｸUB" panose="020B0900000000000000" pitchFamily="50" charset="-128"/>
+                  <a:ea typeface="HGS創英角ｺﾞｼｯｸUB" panose="020B0900000000000000" pitchFamily="50" charset="-128"/>
+                </a:rPr>
+                <a:t>】</a:t>
+              </a:r>
+              <a:endParaRPr kumimoji="1" lang="ja-JP" altLang="en-US" sz="2000" dirty="0">
+                <a:latin typeface="HGS創英角ｺﾞｼｯｸUB" panose="020B0900000000000000" pitchFamily="50" charset="-128"/>
+                <a:ea typeface="HGS創英角ｺﾞｼｯｸUB" panose="020B0900000000000000" pitchFamily="50" charset="-128"/>
+              </a:endParaRPr>
+            </a:p>
+          </p:txBody>
+        </p:sp>
+        <p:sp>
+          <p:nvSpPr>
+            <p:cNvPr id="219" name="テキスト ボックス 218"/>
+            <p:cNvSpPr txBox="1"/>
+            <p:nvPr/>
+          </p:nvSpPr>
+          <p:spPr>
+            <a:xfrm>
+              <a:off x="4630294" y="2876135"/>
+              <a:ext cx="4064435" cy="400110"/>
+            </a:xfrm>
+            <a:prstGeom prst="rect">
+              <a:avLst/>
+            </a:prstGeom>
+            <a:noFill/>
+          </p:spPr>
+          <p:txBody>
+            <a:bodyPr wrap="square" rtlCol="0">
+              <a:spAutoFit/>
+            </a:bodyPr>
+            <a:lstStyle/>
+            <a:p>
+              <a:r>
+                <a:rPr kumimoji="1" lang="ja-JP" altLang="en-US" sz="2000" dirty="0" smtClean="0">
+                  <a:latin typeface="HGS創英角ｺﾞｼｯｸUB" panose="020B0900000000000000" pitchFamily="50" charset="-128"/>
+                  <a:ea typeface="HGS創英角ｺﾞｼｯｸUB" panose="020B0900000000000000" pitchFamily="50" charset="-128"/>
+                </a:rPr>
+                <a:t>・ノックバック</a:t>
+              </a:r>
+              <a:r>
+                <a:rPr kumimoji="1" lang="en-US" altLang="ja-JP" sz="2000" dirty="0" smtClean="0">
+                  <a:latin typeface="HGS創英角ｺﾞｼｯｸUB" panose="020B0900000000000000" pitchFamily="50" charset="-128"/>
+                  <a:ea typeface="HGS創英角ｺﾞｼｯｸUB" panose="020B0900000000000000" pitchFamily="50" charset="-128"/>
+                </a:rPr>
+                <a:t>(</a:t>
+              </a:r>
+              <a:r>
+                <a:rPr lang="ja-JP" altLang="en-US" sz="2000" dirty="0">
+                  <a:latin typeface="HGS創英角ｺﾞｼｯｸUB" panose="020B0900000000000000" pitchFamily="50" charset="-128"/>
+                  <a:ea typeface="HGS創英角ｺﾞｼｯｸUB" panose="020B0900000000000000" pitchFamily="50" charset="-128"/>
+                </a:rPr>
+                <a:t>大</a:t>
+              </a:r>
+              <a:r>
+                <a:rPr kumimoji="1" lang="en-US" altLang="ja-JP" sz="2000" dirty="0" smtClean="0">
+                  <a:latin typeface="HGS創英角ｺﾞｼｯｸUB" panose="020B0900000000000000" pitchFamily="50" charset="-128"/>
+                  <a:ea typeface="HGS創英角ｺﾞｼｯｸUB" panose="020B0900000000000000" pitchFamily="50" charset="-128"/>
+                </a:rPr>
+                <a:t>)</a:t>
+              </a:r>
+              <a:endParaRPr kumimoji="1" lang="ja-JP" altLang="en-US" sz="2000" dirty="0">
+                <a:latin typeface="HGS創英角ｺﾞｼｯｸUB" panose="020B0900000000000000" pitchFamily="50" charset="-128"/>
+                <a:ea typeface="HGS創英角ｺﾞｼｯｸUB" panose="020B0900000000000000" pitchFamily="50" charset="-128"/>
+              </a:endParaRPr>
+            </a:p>
+          </p:txBody>
+        </p:sp>
+      </p:grpSp>
+    </p:spTree>
+    <p:extLst>
+      <p:ext uri="{BB962C8B-B14F-4D97-AF65-F5344CB8AC3E}">
+        <p14:creationId xmlns:p14="http://schemas.microsoft.com/office/powerpoint/2010/main" val="2705947600"/>
+      </p:ext>
+    </p:extLst>
+  </p:cSld>
+  <p:clrMapOvr>
+    <a:masterClrMapping/>
+  </p:clrMapOvr>
+</p:sld>
+</file>
+
+<file path=ppt/slides/slide5.xml><?xml version="1.0" encoding="utf-8"?>
+<p:sld xmlns:a="http://schemas.openxmlformats.org/drawingml/2006/main" xmlns:r="http://schemas.openxmlformats.org/officeDocument/2006/relationships" xmlns:p="http://schemas.openxmlformats.org/presentationml/2006/main">
+  <p:cSld>
+    <p:spTree>
+      <p:nvGrpSpPr>
+        <p:cNvPr id="1" name=""/>
+        <p:cNvGrpSpPr/>
+        <p:nvPr/>
+      </p:nvGrpSpPr>
+      <p:grpSpPr>
+        <a:xfrm>
+          <a:off x="0" y="0"/>
+          <a:ext cx="0" cy="0"/>
+          <a:chOff x="0" y="0"/>
+          <a:chExt cx="0" cy="0"/>
+        </a:xfrm>
+      </p:grpSpPr>
+      <p:grpSp>
+        <p:nvGrpSpPr>
+          <p:cNvPr id="2" name="グループ化 1"/>
+          <p:cNvGrpSpPr/>
+          <p:nvPr/>
+        </p:nvGrpSpPr>
+        <p:grpSpPr>
+          <a:xfrm>
+            <a:off x="802041" y="660418"/>
+            <a:ext cx="4167773" cy="1978477"/>
+            <a:chOff x="254610" y="4143875"/>
+            <a:chExt cx="4377471" cy="2337130"/>
+          </a:xfrm>
+        </p:grpSpPr>
+        <p:pic>
+          <p:nvPicPr>
+            <p:cNvPr id="3" name="図 2"/>
+            <p:cNvPicPr>
+              <a:picLocks noChangeAspect="1"/>
+            </p:cNvPicPr>
+            <p:nvPr/>
+          </p:nvPicPr>
+          <p:blipFill>
+            <a:blip r:embed="rId2">
+              <a:extLst>
+                <a:ext uri="{28A0092B-C50C-407E-A947-70E740481C1C}">
+                  <a14:useLocalDpi xmlns:a14="http://schemas.microsoft.com/office/drawing/2010/main" val="0"/>
+                </a:ext>
+              </a:extLst>
+            </a:blip>
+            <a:stretch>
+              <a:fillRect/>
+            </a:stretch>
+          </p:blipFill>
+          <p:spPr>
+            <a:xfrm>
+              <a:off x="338504" y="4143875"/>
+              <a:ext cx="4293577" cy="2264897"/>
+            </a:xfrm>
+            <a:prstGeom prst="rect">
+              <a:avLst/>
+            </a:prstGeom>
+          </p:spPr>
+        </p:pic>
+        <p:sp>
+          <p:nvSpPr>
+            <p:cNvPr id="4" name="テキスト ボックス 3"/>
+            <p:cNvSpPr txBox="1"/>
+            <p:nvPr/>
+          </p:nvSpPr>
+          <p:spPr>
+            <a:xfrm>
+              <a:off x="254610" y="5957785"/>
+              <a:ext cx="1748570" cy="523220"/>
+            </a:xfrm>
+            <a:prstGeom prst="rect">
+              <a:avLst/>
+            </a:prstGeom>
+            <a:noFill/>
+          </p:spPr>
+          <p:txBody>
+            <a:bodyPr wrap="square" rtlCol="0">
+              <a:spAutoFit/>
+            </a:bodyPr>
+            <a:lstStyle/>
+            <a:p>
+              <a:pPr algn="ctr"/>
+              <a:r>
+                <a:rPr lang="ja-JP" altLang="en-US" sz="2800" dirty="0" smtClean="0">
+                  <a:latin typeface="FOT-UD角ゴ_スモール Pr6 H" panose="02020900000000000000" pitchFamily="18" charset="-128"/>
+                  <a:ea typeface="FOT-UD角ゴ_スモール Pr6 H" panose="02020900000000000000" pitchFamily="18" charset="-128"/>
+                </a:rPr>
+                <a:t>ミサイル</a:t>
+              </a:r>
+              <a:endParaRPr kumimoji="1" lang="ja-JP" altLang="en-US" sz="2800" dirty="0">
+                <a:latin typeface="FOT-UD角ゴ_スモール Pr6 H" panose="02020900000000000000" pitchFamily="18" charset="-128"/>
+                <a:ea typeface="FOT-UD角ゴ_スモール Pr6 H" panose="02020900000000000000" pitchFamily="18" charset="-128"/>
+              </a:endParaRPr>
+            </a:p>
+          </p:txBody>
+        </p:sp>
+      </p:grpSp>
+      <p:grpSp>
+        <p:nvGrpSpPr>
+          <p:cNvPr id="50" name="グループ化 49"/>
+          <p:cNvGrpSpPr/>
+          <p:nvPr/>
+        </p:nvGrpSpPr>
+        <p:grpSpPr>
+          <a:xfrm rot="1156904">
+            <a:off x="1784751" y="3149688"/>
+            <a:ext cx="4622997" cy="3602661"/>
+            <a:chOff x="2833852" y="2830529"/>
+            <a:chExt cx="4622997" cy="3602661"/>
+          </a:xfrm>
+        </p:grpSpPr>
+        <p:grpSp>
+          <p:nvGrpSpPr>
+            <p:cNvPr id="38" name="グループ化 37"/>
+            <p:cNvGrpSpPr/>
+            <p:nvPr/>
+          </p:nvGrpSpPr>
+          <p:grpSpPr>
+            <a:xfrm>
+              <a:off x="2833852" y="2928635"/>
+              <a:ext cx="4622997" cy="3504555"/>
+              <a:chOff x="2928059" y="3757205"/>
+              <a:chExt cx="3120285" cy="2262673"/>
+            </a:xfrm>
+          </p:grpSpPr>
+          <p:grpSp>
+            <p:nvGrpSpPr>
+              <p:cNvPr id="8" name="グループ化 7"/>
+              <p:cNvGrpSpPr/>
+              <p:nvPr/>
+            </p:nvGrpSpPr>
+            <p:grpSpPr>
+              <a:xfrm>
+                <a:off x="2928059" y="5464575"/>
+                <a:ext cx="691112" cy="555303"/>
+                <a:chOff x="3647773" y="4664476"/>
+                <a:chExt cx="691112" cy="555303"/>
+              </a:xfrm>
+            </p:grpSpPr>
+            <p:sp>
+              <p:nvSpPr>
+                <p:cNvPr id="6" name="楕円 5"/>
+                <p:cNvSpPr/>
+                <p:nvPr/>
+              </p:nvSpPr>
+              <p:spPr>
+                <a:xfrm>
+                  <a:off x="3684103" y="4664476"/>
+                  <a:ext cx="615461" cy="555303"/>
+                </a:xfrm>
+                <a:prstGeom prst="ellipse">
+                  <a:avLst/>
+                </a:prstGeom>
+              </p:spPr>
+              <p:style>
+                <a:lnRef idx="2">
+                  <a:schemeClr val="accent1">
+                    <a:shade val="50000"/>
+                  </a:schemeClr>
+                </a:lnRef>
+                <a:fillRef idx="1">
+                  <a:schemeClr val="accent1"/>
+                </a:fillRef>
+                <a:effectRef idx="0">
+                  <a:schemeClr val="accent1"/>
+                </a:effectRef>
+                <a:fontRef idx="minor">
+                  <a:schemeClr val="lt1"/>
+                </a:fontRef>
+              </p:style>
+              <p:txBody>
+                <a:bodyPr rtlCol="0" anchor="ctr"/>
+                <a:lstStyle/>
+                <a:p>
+                  <a:pPr algn="ctr"/>
+                  <a:endParaRPr kumimoji="1" lang="ja-JP" altLang="en-US" sz="2400"/>
+                </a:p>
+              </p:txBody>
+            </p:sp>
+            <p:sp>
+              <p:nvSpPr>
+                <p:cNvPr id="7" name="テキスト ボックス 6"/>
+                <p:cNvSpPr txBox="1"/>
+                <p:nvPr/>
+              </p:nvSpPr>
+              <p:spPr>
+                <a:xfrm>
+                  <a:off x="3647773" y="4844838"/>
+                  <a:ext cx="691112" cy="218583"/>
+                </a:xfrm>
+                <a:prstGeom prst="rect">
+                  <a:avLst/>
+                </a:prstGeom>
+                <a:noFill/>
+              </p:spPr>
+              <p:txBody>
+                <a:bodyPr wrap="square" rtlCol="0">
+                  <a:spAutoFit/>
+                </a:bodyPr>
+                <a:lstStyle/>
+                <a:p>
+                  <a:pPr algn="ctr"/>
+                  <a:r>
+                    <a:rPr lang="ja-JP" altLang="en-US" sz="1600" dirty="0" smtClean="0">
+                      <a:latin typeface="FOT-UD角ゴ_スモール Pr6 H" panose="02020900000000000000" pitchFamily="18" charset="-128"/>
+                      <a:ea typeface="FOT-UD角ゴ_スモール Pr6 H" panose="02020900000000000000" pitchFamily="18" charset="-128"/>
+                    </a:rPr>
+                    <a:t>キャラ</a:t>
+                  </a:r>
+                  <a:endParaRPr kumimoji="1" lang="ja-JP" altLang="en-US" sz="1600" dirty="0">
+                    <a:latin typeface="FOT-UD角ゴ_スモール Pr6 H" panose="02020900000000000000" pitchFamily="18" charset="-128"/>
+                    <a:ea typeface="FOT-UD角ゴ_スモール Pr6 H" panose="02020900000000000000" pitchFamily="18" charset="-128"/>
+                  </a:endParaRPr>
+                </a:p>
+              </p:txBody>
+            </p:sp>
+          </p:grpSp>
+          <p:sp>
+            <p:nvSpPr>
+              <p:cNvPr id="23" name="正方形/長方形 22"/>
+              <p:cNvSpPr/>
+              <p:nvPr/>
+            </p:nvSpPr>
+            <p:spPr>
+              <a:xfrm rot="19217793">
+                <a:off x="3213379" y="3757205"/>
+                <a:ext cx="2834965" cy="1803476"/>
+              </a:xfrm>
+              <a:custGeom>
+                <a:avLst/>
+                <a:gdLst>
+                  <a:gd name="connsiteX0" fmla="*/ 0 w 1476613"/>
+                  <a:gd name="connsiteY0" fmla="*/ 0 h 581691"/>
+                  <a:gd name="connsiteX1" fmla="*/ 1476613 w 1476613"/>
+                  <a:gd name="connsiteY1" fmla="*/ 0 h 581691"/>
+                  <a:gd name="connsiteX2" fmla="*/ 1476613 w 1476613"/>
+                  <a:gd name="connsiteY2" fmla="*/ 581691 h 581691"/>
+                  <a:gd name="connsiteX3" fmla="*/ 0 w 1476613"/>
+                  <a:gd name="connsiteY3" fmla="*/ 581691 h 581691"/>
+                  <a:gd name="connsiteX4" fmla="*/ 0 w 1476613"/>
+                  <a:gd name="connsiteY4" fmla="*/ 0 h 581691"/>
+                  <a:gd name="connsiteX0" fmla="*/ 0 w 1476613"/>
+                  <a:gd name="connsiteY0" fmla="*/ 473925 h 1055616"/>
+                  <a:gd name="connsiteX1" fmla="*/ 1470139 w 1476613"/>
+                  <a:gd name="connsiteY1" fmla="*/ 0 h 1055616"/>
+                  <a:gd name="connsiteX2" fmla="*/ 1476613 w 1476613"/>
+                  <a:gd name="connsiteY2" fmla="*/ 1055616 h 1055616"/>
+                  <a:gd name="connsiteX3" fmla="*/ 0 w 1476613"/>
+                  <a:gd name="connsiteY3" fmla="*/ 1055616 h 1055616"/>
+                  <a:gd name="connsiteX4" fmla="*/ 0 w 1476613"/>
+                  <a:gd name="connsiteY4" fmla="*/ 473925 h 1055616"/>
+                  <a:gd name="connsiteX0" fmla="*/ 0 w 1470139"/>
+                  <a:gd name="connsiteY0" fmla="*/ 473925 h 1481165"/>
+                  <a:gd name="connsiteX1" fmla="*/ 1470139 w 1470139"/>
+                  <a:gd name="connsiteY1" fmla="*/ 0 h 1481165"/>
+                  <a:gd name="connsiteX2" fmla="*/ 1466114 w 1470139"/>
+                  <a:gd name="connsiteY2" fmla="*/ 1481165 h 1481165"/>
+                  <a:gd name="connsiteX3" fmla="*/ 0 w 1470139"/>
+                  <a:gd name="connsiteY3" fmla="*/ 1055616 h 1481165"/>
+                  <a:gd name="connsiteX4" fmla="*/ 0 w 1470139"/>
+                  <a:gd name="connsiteY4" fmla="*/ 473925 h 1481165"/>
+                  <a:gd name="connsiteX0" fmla="*/ 0 w 1490187"/>
+                  <a:gd name="connsiteY0" fmla="*/ 594416 h 1481165"/>
+                  <a:gd name="connsiteX1" fmla="*/ 1490187 w 1490187"/>
+                  <a:gd name="connsiteY1" fmla="*/ 0 h 1481165"/>
+                  <a:gd name="connsiteX2" fmla="*/ 1486162 w 1490187"/>
+                  <a:gd name="connsiteY2" fmla="*/ 1481165 h 1481165"/>
+                  <a:gd name="connsiteX3" fmla="*/ 20048 w 1490187"/>
+                  <a:gd name="connsiteY3" fmla="*/ 1055616 h 1481165"/>
+                  <a:gd name="connsiteX4" fmla="*/ 0 w 1490187"/>
+                  <a:gd name="connsiteY4" fmla="*/ 594416 h 1481165"/>
+                  <a:gd name="connsiteX0" fmla="*/ 491 w 1490678"/>
+                  <a:gd name="connsiteY0" fmla="*/ 594416 h 1481165"/>
+                  <a:gd name="connsiteX1" fmla="*/ 1490678 w 1490678"/>
+                  <a:gd name="connsiteY1" fmla="*/ 0 h 1481165"/>
+                  <a:gd name="connsiteX2" fmla="*/ 1486653 w 1490678"/>
+                  <a:gd name="connsiteY2" fmla="*/ 1481165 h 1481165"/>
+                  <a:gd name="connsiteX3" fmla="*/ 0 w 1490678"/>
+                  <a:gd name="connsiteY3" fmla="*/ 901426 h 1481165"/>
+                  <a:gd name="connsiteX4" fmla="*/ 491 w 1490678"/>
+                  <a:gd name="connsiteY4" fmla="*/ 594416 h 1481165"/>
+                  <a:gd name="connsiteX0" fmla="*/ 2 w 1490189"/>
+                  <a:gd name="connsiteY0" fmla="*/ 594416 h 1481165"/>
+                  <a:gd name="connsiteX1" fmla="*/ 1490189 w 1490189"/>
+                  <a:gd name="connsiteY1" fmla="*/ 0 h 1481165"/>
+                  <a:gd name="connsiteX2" fmla="*/ 1486164 w 1490189"/>
+                  <a:gd name="connsiteY2" fmla="*/ 1481165 h 1481165"/>
+                  <a:gd name="connsiteX3" fmla="*/ 15458 w 1490189"/>
+                  <a:gd name="connsiteY3" fmla="*/ 1006092 h 1481165"/>
+                  <a:gd name="connsiteX4" fmla="*/ 2 w 1490189"/>
+                  <a:gd name="connsiteY4" fmla="*/ 594416 h 1481165"/>
+                  <a:gd name="connsiteX0" fmla="*/ 0 w 1506134"/>
+                  <a:gd name="connsiteY0" fmla="*/ 489750 h 1481165"/>
+                  <a:gd name="connsiteX1" fmla="*/ 1506134 w 1506134"/>
+                  <a:gd name="connsiteY1" fmla="*/ 0 h 1481165"/>
+                  <a:gd name="connsiteX2" fmla="*/ 1502109 w 1506134"/>
+                  <a:gd name="connsiteY2" fmla="*/ 1481165 h 1481165"/>
+                  <a:gd name="connsiteX3" fmla="*/ 31403 w 1506134"/>
+                  <a:gd name="connsiteY3" fmla="*/ 1006092 h 1481165"/>
+                  <a:gd name="connsiteX4" fmla="*/ 0 w 1506134"/>
+                  <a:gd name="connsiteY4" fmla="*/ 489750 h 1481165"/>
+                  <a:gd name="connsiteX0" fmla="*/ 0 w 1507159"/>
+                  <a:gd name="connsiteY0" fmla="*/ 546040 h 1537455"/>
+                  <a:gd name="connsiteX1" fmla="*/ 1507159 w 1507159"/>
+                  <a:gd name="connsiteY1" fmla="*/ 0 h 1537455"/>
+                  <a:gd name="connsiteX2" fmla="*/ 1502109 w 1507159"/>
+                  <a:gd name="connsiteY2" fmla="*/ 1537455 h 1537455"/>
+                  <a:gd name="connsiteX3" fmla="*/ 31403 w 1507159"/>
+                  <a:gd name="connsiteY3" fmla="*/ 1062382 h 1537455"/>
+                  <a:gd name="connsiteX4" fmla="*/ 0 w 1507159"/>
+                  <a:gd name="connsiteY4" fmla="*/ 546040 h 1537455"/>
+                </a:gdLst>
+                <a:ahLst/>
+                <a:cxnLst>
+                  <a:cxn ang="0">
+                    <a:pos x="connsiteX0" y="connsiteY0"/>
+                  </a:cxn>
+                  <a:cxn ang="0">
+                    <a:pos x="connsiteX1" y="connsiteY1"/>
+                  </a:cxn>
+                  <a:cxn ang="0">
+                    <a:pos x="connsiteX2" y="connsiteY2"/>
+                  </a:cxn>
+                  <a:cxn ang="0">
+                    <a:pos x="connsiteX3" y="connsiteY3"/>
+                  </a:cxn>
+                  <a:cxn ang="0">
+                    <a:pos x="connsiteX4" y="connsiteY4"/>
+                  </a:cxn>
+                </a:cxnLst>
+                <a:rect l="l" t="t" r="r" b="b"/>
+                <a:pathLst>
+                  <a:path w="1507159" h="1537455">
+                    <a:moveTo>
+                      <a:pt x="0" y="546040"/>
+                    </a:moveTo>
+                    <a:lnTo>
+                      <a:pt x="1507159" y="0"/>
+                    </a:lnTo>
+                    <a:cubicBezTo>
+                      <a:pt x="1505817" y="493722"/>
+                      <a:pt x="1503451" y="1043733"/>
+                      <a:pt x="1502109" y="1537455"/>
+                    </a:cubicBezTo>
+                    <a:lnTo>
+                      <a:pt x="31403" y="1062382"/>
+                    </a:lnTo>
+                    <a:cubicBezTo>
+                      <a:pt x="31567" y="960045"/>
+                      <a:pt x="-164" y="648377"/>
+                      <a:pt x="0" y="546040"/>
+                    </a:cubicBezTo>
+                    <a:close/>
+                  </a:path>
+                </a:pathLst>
+              </a:custGeom>
+              <a:solidFill>
+                <a:schemeClr val="accent2"/>
+              </a:solidFill>
+              <a:ln w="28575">
+                <a:solidFill>
+                  <a:schemeClr val="tx1"/>
+                </a:solidFill>
+              </a:ln>
+            </p:spPr>
+            <p:style>
+              <a:lnRef idx="2">
+                <a:schemeClr val="accent1">
+                  <a:shade val="50000"/>
+                </a:schemeClr>
+              </a:lnRef>
+              <a:fillRef idx="1">
+                <a:schemeClr val="accent1"/>
+              </a:fillRef>
+              <a:effectRef idx="0">
+                <a:schemeClr val="accent1"/>
+              </a:effectRef>
+              <a:fontRef idx="minor">
+                <a:schemeClr val="lt1"/>
+              </a:fontRef>
+            </p:style>
+            <p:txBody>
+              <a:bodyPr rtlCol="0" anchor="ctr"/>
+              <a:lstStyle/>
+              <a:p>
+                <a:pPr algn="ctr"/>
+                <a:endParaRPr kumimoji="1" lang="ja-JP" altLang="en-US" sz="2400"/>
+              </a:p>
+            </p:txBody>
+          </p:sp>
+          <p:grpSp>
+            <p:nvGrpSpPr>
+              <p:cNvPr id="18" name="グループ化 17"/>
+              <p:cNvGrpSpPr/>
+              <p:nvPr/>
+            </p:nvGrpSpPr>
+            <p:grpSpPr>
+              <a:xfrm>
+                <a:off x="3887044" y="4770483"/>
+                <a:ext cx="624815" cy="553360"/>
+                <a:chOff x="4286343" y="4229335"/>
+                <a:chExt cx="624815" cy="553360"/>
+              </a:xfrm>
+            </p:grpSpPr>
+            <p:pic>
+              <p:nvPicPr>
+                <p:cNvPr id="19" name="図 18"/>
+                <p:cNvPicPr>
+                  <a:picLocks noChangeAspect="1"/>
+                </p:cNvPicPr>
+                <p:nvPr/>
+              </p:nvPicPr>
+              <p:blipFill rotWithShape="1">
+                <a:blip r:embed="rId3">
+                  <a:extLst>
+                    <a:ext uri="{28A0092B-C50C-407E-A947-70E740481C1C}">
+                      <a14:useLocalDpi xmlns:a14="http://schemas.microsoft.com/office/drawing/2010/main" val="0"/>
+                    </a:ext>
+                  </a:extLst>
+                </a:blip>
+                <a:srcRect r="86650" b="90889"/>
+                <a:stretch/>
+              </p:blipFill>
+              <p:spPr>
+                <a:xfrm>
+                  <a:off x="4286708" y="4229335"/>
+                  <a:ext cx="624450" cy="553360"/>
+                </a:xfrm>
+                <a:prstGeom prst="rect">
+                  <a:avLst/>
+                </a:prstGeom>
+              </p:spPr>
+            </p:pic>
+            <p:grpSp>
+              <p:nvGrpSpPr>
+                <p:cNvPr id="20" name="グループ化 19"/>
+                <p:cNvGrpSpPr/>
+                <p:nvPr/>
+              </p:nvGrpSpPr>
+              <p:grpSpPr>
+                <a:xfrm>
+                  <a:off x="4286343" y="4464230"/>
+                  <a:ext cx="312590" cy="290146"/>
+                  <a:chOff x="3971648" y="4343400"/>
+                  <a:chExt cx="312590" cy="290146"/>
+                </a:xfrm>
+              </p:grpSpPr>
+              <p:sp>
+                <p:nvSpPr>
+                  <p:cNvPr id="21" name="楕円 20"/>
+                  <p:cNvSpPr/>
+                  <p:nvPr/>
+                </p:nvSpPr>
+                <p:spPr>
+                  <a:xfrm>
+                    <a:off x="3971648" y="4343400"/>
+                    <a:ext cx="306262" cy="290146"/>
+                  </a:xfrm>
+                  <a:prstGeom prst="ellipse">
+                    <a:avLst/>
+                  </a:prstGeom>
+                </p:spPr>
+                <p:style>
+                  <a:lnRef idx="2">
+                    <a:schemeClr val="accent1">
+                      <a:shade val="50000"/>
+                    </a:schemeClr>
+                  </a:lnRef>
+                  <a:fillRef idx="1">
+                    <a:schemeClr val="accent1"/>
+                  </a:fillRef>
+                  <a:effectRef idx="0">
+                    <a:schemeClr val="accent1"/>
+                  </a:effectRef>
+                  <a:fontRef idx="minor">
+                    <a:schemeClr val="lt1"/>
+                  </a:fontRef>
+                </p:style>
+                <p:txBody>
+                  <a:bodyPr rtlCol="0" anchor="ctr"/>
+                  <a:lstStyle/>
+                  <a:p>
+                    <a:pPr algn="ctr"/>
+                    <a:endParaRPr kumimoji="1" lang="ja-JP" altLang="en-US" sz="2400"/>
+                  </a:p>
+                </p:txBody>
+              </p:sp>
+              <p:sp>
+                <p:nvSpPr>
+                  <p:cNvPr id="22" name="テキスト ボックス 21"/>
+                  <p:cNvSpPr txBox="1"/>
+                  <p:nvPr/>
+                </p:nvSpPr>
+                <p:spPr>
+                  <a:xfrm>
+                    <a:off x="3994366" y="4367516"/>
+                    <a:ext cx="289872" cy="218583"/>
+                  </a:xfrm>
+                  <a:prstGeom prst="rect">
+                    <a:avLst/>
+                  </a:prstGeom>
+                  <a:noFill/>
+                </p:spPr>
+                <p:txBody>
+                  <a:bodyPr wrap="square" rtlCol="0">
+                    <a:spAutoFit/>
+                  </a:bodyPr>
+                  <a:lstStyle/>
+                  <a:p>
+                    <a:pPr algn="ctr"/>
+                    <a:r>
+                      <a:rPr lang="ja-JP" altLang="en-US" sz="1600" dirty="0" smtClean="0">
+                        <a:latin typeface="FOT-UD角ゴ_スモール Pr6 H" panose="02020900000000000000" pitchFamily="18" charset="-128"/>
+                        <a:ea typeface="FOT-UD角ゴ_スモール Pr6 H" panose="02020900000000000000" pitchFamily="18" charset="-128"/>
+                      </a:rPr>
+                      <a:t>弾</a:t>
+                    </a:r>
+                    <a:endParaRPr kumimoji="1" lang="ja-JP" altLang="en-US" sz="1600" dirty="0">
+                      <a:latin typeface="FOT-UD角ゴ_スモール Pr6 H" panose="02020900000000000000" pitchFamily="18" charset="-128"/>
+                      <a:ea typeface="FOT-UD角ゴ_スモール Pr6 H" panose="02020900000000000000" pitchFamily="18" charset="-128"/>
+                    </a:endParaRPr>
+                  </a:p>
+                </p:txBody>
+              </p:sp>
+            </p:grpSp>
+          </p:grpSp>
+          <p:grpSp>
+            <p:nvGrpSpPr>
+              <p:cNvPr id="24" name="グループ化 23"/>
+              <p:cNvGrpSpPr/>
+              <p:nvPr/>
+            </p:nvGrpSpPr>
+            <p:grpSpPr>
+              <a:xfrm>
+                <a:off x="3456010" y="4608526"/>
+                <a:ext cx="643776" cy="553360"/>
+                <a:chOff x="4330157" y="4275109"/>
+                <a:chExt cx="643776" cy="553360"/>
+              </a:xfrm>
+            </p:grpSpPr>
+            <p:pic>
+              <p:nvPicPr>
+                <p:cNvPr id="25" name="図 24"/>
+                <p:cNvPicPr>
+                  <a:picLocks noChangeAspect="1"/>
+                </p:cNvPicPr>
+                <p:nvPr/>
+              </p:nvPicPr>
+              <p:blipFill rotWithShape="1">
+                <a:blip r:embed="rId3">
+                  <a:extLst>
+                    <a:ext uri="{28A0092B-C50C-407E-A947-70E740481C1C}">
+                      <a14:useLocalDpi xmlns:a14="http://schemas.microsoft.com/office/drawing/2010/main" val="0"/>
+                    </a:ext>
+                  </a:extLst>
+                </a:blip>
+                <a:srcRect r="86650" b="90889"/>
+                <a:stretch/>
+              </p:blipFill>
+              <p:spPr>
+                <a:xfrm>
+                  <a:off x="4349483" y="4275109"/>
+                  <a:ext cx="624450" cy="553360"/>
+                </a:xfrm>
+                <a:prstGeom prst="rect">
+                  <a:avLst/>
+                </a:prstGeom>
+              </p:spPr>
+            </p:pic>
+            <p:grpSp>
+              <p:nvGrpSpPr>
+                <p:cNvPr id="26" name="グループ化 25"/>
+                <p:cNvGrpSpPr/>
+                <p:nvPr/>
+              </p:nvGrpSpPr>
+              <p:grpSpPr>
+                <a:xfrm>
+                  <a:off x="4330157" y="4494306"/>
+                  <a:ext cx="306262" cy="290146"/>
+                  <a:chOff x="4015462" y="4373476"/>
+                  <a:chExt cx="306262" cy="290146"/>
+                </a:xfrm>
+              </p:grpSpPr>
+              <p:sp>
+                <p:nvSpPr>
+                  <p:cNvPr id="27" name="楕円 26"/>
+                  <p:cNvSpPr/>
+                  <p:nvPr/>
+                </p:nvSpPr>
+                <p:spPr>
+                  <a:xfrm>
+                    <a:off x="4015462" y="4373476"/>
+                    <a:ext cx="306262" cy="290146"/>
+                  </a:xfrm>
+                  <a:prstGeom prst="ellipse">
+                    <a:avLst/>
+                  </a:prstGeom>
+                </p:spPr>
+                <p:style>
+                  <a:lnRef idx="2">
+                    <a:schemeClr val="accent1">
+                      <a:shade val="50000"/>
+                    </a:schemeClr>
+                  </a:lnRef>
+                  <a:fillRef idx="1">
+                    <a:schemeClr val="accent1"/>
+                  </a:fillRef>
+                  <a:effectRef idx="0">
+                    <a:schemeClr val="accent1"/>
+                  </a:effectRef>
+                  <a:fontRef idx="minor">
+                    <a:schemeClr val="lt1"/>
+                  </a:fontRef>
+                </p:style>
+                <p:txBody>
+                  <a:bodyPr rtlCol="0" anchor="ctr"/>
+                  <a:lstStyle/>
+                  <a:p>
+                    <a:pPr algn="ctr"/>
+                    <a:endParaRPr kumimoji="1" lang="ja-JP" altLang="en-US" sz="2400"/>
+                  </a:p>
+                </p:txBody>
+              </p:sp>
+              <p:sp>
+                <p:nvSpPr>
+                  <p:cNvPr id="28" name="テキスト ボックス 27"/>
+                  <p:cNvSpPr txBox="1"/>
+                  <p:nvPr/>
+                </p:nvSpPr>
+                <p:spPr>
+                  <a:xfrm>
+                    <a:off x="4023658" y="4412982"/>
+                    <a:ext cx="289872" cy="218583"/>
+                  </a:xfrm>
+                  <a:prstGeom prst="rect">
+                    <a:avLst/>
+                  </a:prstGeom>
+                  <a:noFill/>
+                </p:spPr>
+                <p:txBody>
+                  <a:bodyPr wrap="square" rtlCol="0">
+                    <a:spAutoFit/>
+                  </a:bodyPr>
+                  <a:lstStyle/>
+                  <a:p>
+                    <a:pPr algn="ctr"/>
+                    <a:r>
+                      <a:rPr lang="ja-JP" altLang="en-US" sz="1600" dirty="0" smtClean="0">
+                        <a:latin typeface="FOT-UD角ゴ_スモール Pr6 H" panose="02020900000000000000" pitchFamily="18" charset="-128"/>
+                        <a:ea typeface="FOT-UD角ゴ_スモール Pr6 H" panose="02020900000000000000" pitchFamily="18" charset="-128"/>
+                      </a:rPr>
+                      <a:t>弾</a:t>
+                    </a:r>
+                    <a:endParaRPr kumimoji="1" lang="ja-JP" altLang="en-US" sz="1600" dirty="0">
+                      <a:latin typeface="FOT-UD角ゴ_スモール Pr6 H" panose="02020900000000000000" pitchFamily="18" charset="-128"/>
+                      <a:ea typeface="FOT-UD角ゴ_スモール Pr6 H" panose="02020900000000000000" pitchFamily="18" charset="-128"/>
+                    </a:endParaRPr>
+                  </a:p>
+                </p:txBody>
+              </p:sp>
+            </p:grpSp>
+          </p:grpSp>
+          <p:grpSp>
+            <p:nvGrpSpPr>
+              <p:cNvPr id="29" name="グループ化 28"/>
+              <p:cNvGrpSpPr/>
+              <p:nvPr/>
+            </p:nvGrpSpPr>
+            <p:grpSpPr>
+              <a:xfrm>
+                <a:off x="3980094" y="5129329"/>
+                <a:ext cx="624450" cy="554983"/>
+                <a:chOff x="4286707" y="4153101"/>
+                <a:chExt cx="624450" cy="554983"/>
+              </a:xfrm>
+            </p:grpSpPr>
+            <p:pic>
+              <p:nvPicPr>
+                <p:cNvPr id="30" name="図 29"/>
+                <p:cNvPicPr>
+                  <a:picLocks noChangeAspect="1"/>
+                </p:cNvPicPr>
+                <p:nvPr/>
+              </p:nvPicPr>
+              <p:blipFill rotWithShape="1">
+                <a:blip r:embed="rId3">
+                  <a:extLst>
+                    <a:ext uri="{28A0092B-C50C-407E-A947-70E740481C1C}">
+                      <a14:useLocalDpi xmlns:a14="http://schemas.microsoft.com/office/drawing/2010/main" val="0"/>
+                    </a:ext>
+                  </a:extLst>
+                </a:blip>
+                <a:srcRect r="86650" b="90889"/>
+                <a:stretch/>
+              </p:blipFill>
+              <p:spPr>
+                <a:xfrm>
+                  <a:off x="4286707" y="4153101"/>
+                  <a:ext cx="624450" cy="553360"/>
+                </a:xfrm>
+                <a:prstGeom prst="rect">
+                  <a:avLst/>
+                </a:prstGeom>
+              </p:spPr>
+            </p:pic>
+            <p:grpSp>
+              <p:nvGrpSpPr>
+                <p:cNvPr id="31" name="グループ化 30"/>
+                <p:cNvGrpSpPr/>
+                <p:nvPr/>
+              </p:nvGrpSpPr>
+              <p:grpSpPr>
+                <a:xfrm>
+                  <a:off x="4306020" y="4417938"/>
+                  <a:ext cx="306262" cy="290146"/>
+                  <a:chOff x="3991325" y="4297108"/>
+                  <a:chExt cx="306262" cy="290146"/>
+                </a:xfrm>
+              </p:grpSpPr>
+              <p:sp>
+                <p:nvSpPr>
+                  <p:cNvPr id="32" name="楕円 31"/>
+                  <p:cNvSpPr/>
+                  <p:nvPr/>
+                </p:nvSpPr>
+                <p:spPr>
+                  <a:xfrm>
+                    <a:off x="3991325" y="4297108"/>
+                    <a:ext cx="306262" cy="290146"/>
+                  </a:xfrm>
+                  <a:prstGeom prst="ellipse">
+                    <a:avLst/>
+                  </a:prstGeom>
+                </p:spPr>
+                <p:style>
+                  <a:lnRef idx="2">
+                    <a:schemeClr val="accent1">
+                      <a:shade val="50000"/>
+                    </a:schemeClr>
+                  </a:lnRef>
+                  <a:fillRef idx="1">
+                    <a:schemeClr val="accent1"/>
+                  </a:fillRef>
+                  <a:effectRef idx="0">
+                    <a:schemeClr val="accent1"/>
+                  </a:effectRef>
+                  <a:fontRef idx="minor">
+                    <a:schemeClr val="lt1"/>
+                  </a:fontRef>
+                </p:style>
+                <p:txBody>
+                  <a:bodyPr rtlCol="0" anchor="ctr"/>
+                  <a:lstStyle/>
+                  <a:p>
+                    <a:pPr algn="ctr"/>
+                    <a:endParaRPr kumimoji="1" lang="ja-JP" altLang="en-US" sz="2400"/>
+                  </a:p>
+                </p:txBody>
+              </p:sp>
+              <p:sp>
+                <p:nvSpPr>
+                  <p:cNvPr id="33" name="テキスト ボックス 32"/>
+                  <p:cNvSpPr txBox="1"/>
+                  <p:nvPr/>
+                </p:nvSpPr>
+                <p:spPr>
+                  <a:xfrm>
+                    <a:off x="3999520" y="4331894"/>
+                    <a:ext cx="289872" cy="218583"/>
+                  </a:xfrm>
+                  <a:prstGeom prst="rect">
+                    <a:avLst/>
+                  </a:prstGeom>
+                  <a:noFill/>
+                </p:spPr>
+                <p:txBody>
+                  <a:bodyPr wrap="square" rtlCol="0">
+                    <a:spAutoFit/>
+                  </a:bodyPr>
+                  <a:lstStyle/>
+                  <a:p>
+                    <a:pPr algn="ctr"/>
+                    <a:r>
+                      <a:rPr lang="ja-JP" altLang="en-US" sz="1600" dirty="0" smtClean="0">
+                        <a:latin typeface="FOT-UD角ゴ_スモール Pr6 H" panose="02020900000000000000" pitchFamily="18" charset="-128"/>
+                        <a:ea typeface="FOT-UD角ゴ_スモール Pr6 H" panose="02020900000000000000" pitchFamily="18" charset="-128"/>
+                      </a:rPr>
+                      <a:t>弾</a:t>
+                    </a:r>
+                    <a:endParaRPr kumimoji="1" lang="ja-JP" altLang="en-US" sz="1600" dirty="0">
+                      <a:latin typeface="FOT-UD角ゴ_スモール Pr6 H" panose="02020900000000000000" pitchFamily="18" charset="-128"/>
+                      <a:ea typeface="FOT-UD角ゴ_スモール Pr6 H" panose="02020900000000000000" pitchFamily="18" charset="-128"/>
+                    </a:endParaRPr>
+                  </a:p>
+                </p:txBody>
+              </p:sp>
+            </p:grpSp>
+          </p:grpSp>
+        </p:grpSp>
+        <p:grpSp>
+          <p:nvGrpSpPr>
+            <p:cNvPr id="41" name="グループ化 40"/>
+            <p:cNvGrpSpPr/>
+            <p:nvPr/>
+          </p:nvGrpSpPr>
+          <p:grpSpPr>
+            <a:xfrm>
+              <a:off x="4502305" y="2830529"/>
+              <a:ext cx="528135" cy="1862682"/>
+              <a:chOff x="4502305" y="2830529"/>
+              <a:chExt cx="528135" cy="1862682"/>
+            </a:xfrm>
+          </p:grpSpPr>
+          <p:sp>
+            <p:nvSpPr>
+              <p:cNvPr id="39" name="右矢印 38"/>
+              <p:cNvSpPr/>
+              <p:nvPr/>
+            </p:nvSpPr>
+            <p:spPr>
+              <a:xfrm rot="18523892">
+                <a:off x="3869273" y="3532043"/>
+                <a:ext cx="1862682" cy="459653"/>
+              </a:xfrm>
+              <a:prstGeom prst="rightArrow">
+                <a:avLst/>
+              </a:prstGeom>
+              <a:solidFill>
+                <a:schemeClr val="accent4"/>
+              </a:solidFill>
+              <a:ln>
+                <a:solidFill>
+                  <a:schemeClr val="tx1"/>
+                </a:solidFill>
+              </a:ln>
+            </p:spPr>
+            <p:style>
+              <a:lnRef idx="2">
+                <a:schemeClr val="accent1">
+                  <a:shade val="50000"/>
+                </a:schemeClr>
+              </a:lnRef>
+              <a:fillRef idx="1">
+                <a:schemeClr val="accent1"/>
+              </a:fillRef>
+              <a:effectRef idx="0">
+                <a:schemeClr val="accent1"/>
+              </a:effectRef>
+              <a:fontRef idx="minor">
+                <a:schemeClr val="lt1"/>
+              </a:fontRef>
+            </p:style>
+            <p:txBody>
+              <a:bodyPr rtlCol="0" anchor="ctr"/>
+              <a:lstStyle/>
+              <a:p>
+                <a:pPr algn="ctr"/>
+                <a:endParaRPr kumimoji="1" lang="ja-JP" altLang="en-US"/>
+              </a:p>
+            </p:txBody>
+          </p:sp>
+          <p:sp>
+            <p:nvSpPr>
+              <p:cNvPr id="40" name="テキスト ボックス 39"/>
+              <p:cNvSpPr txBox="1"/>
+              <p:nvPr/>
+            </p:nvSpPr>
+            <p:spPr>
+              <a:xfrm rot="18627724">
+                <a:off x="4305464" y="3833919"/>
+                <a:ext cx="670682" cy="276999"/>
+              </a:xfrm>
+              <a:prstGeom prst="rect">
+                <a:avLst/>
+              </a:prstGeom>
+              <a:noFill/>
+            </p:spPr>
+            <p:txBody>
+              <a:bodyPr wrap="square" rtlCol="0">
+                <a:spAutoFit/>
+              </a:bodyPr>
+              <a:lstStyle/>
+              <a:p>
+                <a:pPr algn="ctr"/>
+                <a:r>
+                  <a:rPr lang="ja-JP" altLang="en-US" sz="1200" dirty="0" smtClean="0">
+                    <a:latin typeface="FOT-UD角ゴ_スモール Pr6 H" panose="02020900000000000000" pitchFamily="18" charset="-128"/>
+                    <a:ea typeface="FOT-UD角ゴ_スモール Pr6 H" panose="02020900000000000000" pitchFamily="18" charset="-128"/>
+                  </a:rPr>
+                  <a:t>方向</a:t>
+                </a:r>
+                <a:endParaRPr kumimoji="1" lang="ja-JP" altLang="en-US" sz="1200" dirty="0">
+                  <a:latin typeface="FOT-UD角ゴ_スモール Pr6 H" panose="02020900000000000000" pitchFamily="18" charset="-128"/>
+                  <a:ea typeface="FOT-UD角ゴ_スモール Pr6 H" panose="02020900000000000000" pitchFamily="18" charset="-128"/>
+                </a:endParaRPr>
+              </a:p>
+            </p:txBody>
+          </p:sp>
+        </p:grpSp>
+        <p:grpSp>
+          <p:nvGrpSpPr>
+            <p:cNvPr id="42" name="グループ化 41"/>
+            <p:cNvGrpSpPr/>
+            <p:nvPr/>
+          </p:nvGrpSpPr>
+          <p:grpSpPr>
+            <a:xfrm rot="371912">
+              <a:off x="5264442" y="3144568"/>
+              <a:ext cx="524330" cy="1862682"/>
+              <a:chOff x="4407083" y="2736161"/>
+              <a:chExt cx="524330" cy="1862682"/>
+            </a:xfrm>
+          </p:grpSpPr>
+          <p:sp>
+            <p:nvSpPr>
+              <p:cNvPr id="43" name="右矢印 42"/>
+              <p:cNvSpPr/>
+              <p:nvPr/>
+            </p:nvSpPr>
+            <p:spPr>
+              <a:xfrm rot="18523892">
+                <a:off x="3770246" y="3437675"/>
+                <a:ext cx="1862682" cy="459653"/>
+              </a:xfrm>
+              <a:prstGeom prst="rightArrow">
+                <a:avLst/>
+              </a:prstGeom>
+              <a:solidFill>
+                <a:schemeClr val="accent4"/>
+              </a:solidFill>
+              <a:ln>
+                <a:solidFill>
+                  <a:schemeClr val="tx1"/>
+                </a:solidFill>
+              </a:ln>
+            </p:spPr>
+            <p:style>
+              <a:lnRef idx="2">
+                <a:schemeClr val="accent1">
+                  <a:shade val="50000"/>
+                </a:schemeClr>
+              </a:lnRef>
+              <a:fillRef idx="1">
+                <a:schemeClr val="accent1"/>
+              </a:fillRef>
+              <a:effectRef idx="0">
+                <a:schemeClr val="accent1"/>
+              </a:effectRef>
+              <a:fontRef idx="minor">
+                <a:schemeClr val="lt1"/>
+              </a:fontRef>
+            </p:style>
+            <p:txBody>
+              <a:bodyPr rtlCol="0" anchor="ctr"/>
+              <a:lstStyle/>
+              <a:p>
+                <a:pPr algn="ctr"/>
+                <a:endParaRPr kumimoji="1" lang="ja-JP" altLang="en-US"/>
+              </a:p>
+            </p:txBody>
+          </p:sp>
+          <p:sp>
+            <p:nvSpPr>
+              <p:cNvPr id="44" name="テキスト ボックス 43"/>
+              <p:cNvSpPr txBox="1"/>
+              <p:nvPr/>
+            </p:nvSpPr>
+            <p:spPr>
+              <a:xfrm rot="18627724">
+                <a:off x="4210242" y="3725658"/>
+                <a:ext cx="670682" cy="276999"/>
+              </a:xfrm>
+              <a:prstGeom prst="rect">
+                <a:avLst/>
+              </a:prstGeom>
+              <a:noFill/>
+            </p:spPr>
+            <p:txBody>
+              <a:bodyPr wrap="square" rtlCol="0">
+                <a:spAutoFit/>
+              </a:bodyPr>
+              <a:lstStyle/>
+              <a:p>
+                <a:pPr algn="ctr"/>
+                <a:r>
+                  <a:rPr lang="ja-JP" altLang="en-US" sz="1200" dirty="0" smtClean="0">
+                    <a:latin typeface="FOT-UD角ゴ_スモール Pr6 H" panose="02020900000000000000" pitchFamily="18" charset="-128"/>
+                    <a:ea typeface="FOT-UD角ゴ_スモール Pr6 H" panose="02020900000000000000" pitchFamily="18" charset="-128"/>
+                  </a:rPr>
+                  <a:t>方向</a:t>
+                </a:r>
+                <a:endParaRPr kumimoji="1" lang="ja-JP" altLang="en-US" sz="1200" dirty="0">
+                  <a:latin typeface="FOT-UD角ゴ_スモール Pr6 H" panose="02020900000000000000" pitchFamily="18" charset="-128"/>
+                  <a:ea typeface="FOT-UD角ゴ_スモール Pr6 H" panose="02020900000000000000" pitchFamily="18" charset="-128"/>
+                </a:endParaRPr>
+              </a:p>
+            </p:txBody>
+          </p:sp>
+        </p:grpSp>
+        <p:grpSp>
+          <p:nvGrpSpPr>
+            <p:cNvPr id="45" name="グループ化 44"/>
+            <p:cNvGrpSpPr/>
+            <p:nvPr/>
+          </p:nvGrpSpPr>
+          <p:grpSpPr>
+            <a:xfrm rot="1243560">
+              <a:off x="5659239" y="4032510"/>
+              <a:ext cx="524330" cy="1862682"/>
+              <a:chOff x="4407083" y="2736161"/>
+              <a:chExt cx="524330" cy="1862682"/>
+            </a:xfrm>
+          </p:grpSpPr>
+          <p:sp>
+            <p:nvSpPr>
+              <p:cNvPr id="46" name="右矢印 45"/>
+              <p:cNvSpPr/>
+              <p:nvPr/>
+            </p:nvSpPr>
+            <p:spPr>
+              <a:xfrm rot="18523892">
+                <a:off x="3770246" y="3437675"/>
+                <a:ext cx="1862682" cy="459653"/>
+              </a:xfrm>
+              <a:prstGeom prst="rightArrow">
+                <a:avLst/>
+              </a:prstGeom>
+              <a:solidFill>
+                <a:schemeClr val="accent4"/>
+              </a:solidFill>
+              <a:ln>
+                <a:solidFill>
+                  <a:schemeClr val="tx1"/>
+                </a:solidFill>
+              </a:ln>
+            </p:spPr>
+            <p:style>
+              <a:lnRef idx="2">
+                <a:schemeClr val="accent1">
+                  <a:shade val="50000"/>
+                </a:schemeClr>
+              </a:lnRef>
+              <a:fillRef idx="1">
+                <a:schemeClr val="accent1"/>
+              </a:fillRef>
+              <a:effectRef idx="0">
+                <a:schemeClr val="accent1"/>
+              </a:effectRef>
+              <a:fontRef idx="minor">
+                <a:schemeClr val="lt1"/>
+              </a:fontRef>
+            </p:style>
+            <p:txBody>
+              <a:bodyPr rtlCol="0" anchor="ctr"/>
+              <a:lstStyle/>
+              <a:p>
+                <a:pPr algn="ctr"/>
+                <a:endParaRPr kumimoji="1" lang="ja-JP" altLang="en-US"/>
+              </a:p>
+            </p:txBody>
+          </p:sp>
+          <p:sp>
+            <p:nvSpPr>
+              <p:cNvPr id="47" name="テキスト ボックス 46"/>
+              <p:cNvSpPr txBox="1"/>
+              <p:nvPr/>
+            </p:nvSpPr>
+            <p:spPr>
+              <a:xfrm rot="18627724">
+                <a:off x="4210242" y="3725658"/>
+                <a:ext cx="670682" cy="276999"/>
+              </a:xfrm>
+              <a:prstGeom prst="rect">
+                <a:avLst/>
+              </a:prstGeom>
+              <a:noFill/>
+            </p:spPr>
+            <p:txBody>
+              <a:bodyPr wrap="square" rtlCol="0">
+                <a:spAutoFit/>
+              </a:bodyPr>
+              <a:lstStyle/>
+              <a:p>
+                <a:pPr algn="ctr"/>
+                <a:r>
+                  <a:rPr lang="ja-JP" altLang="en-US" sz="1200" dirty="0" smtClean="0">
+                    <a:latin typeface="FOT-UD角ゴ_スモール Pr6 H" panose="02020900000000000000" pitchFamily="18" charset="-128"/>
+                    <a:ea typeface="FOT-UD角ゴ_スモール Pr6 H" panose="02020900000000000000" pitchFamily="18" charset="-128"/>
+                  </a:rPr>
+                  <a:t>方向</a:t>
+                </a:r>
+                <a:endParaRPr kumimoji="1" lang="ja-JP" altLang="en-US" sz="1200" dirty="0">
+                  <a:latin typeface="FOT-UD角ゴ_スモール Pr6 H" panose="02020900000000000000" pitchFamily="18" charset="-128"/>
+                  <a:ea typeface="FOT-UD角ゴ_スモール Pr6 H" panose="02020900000000000000" pitchFamily="18" charset="-128"/>
+                </a:endParaRPr>
+              </a:p>
+            </p:txBody>
+          </p:sp>
+        </p:grpSp>
+      </p:grpSp>
+      <p:grpSp>
+        <p:nvGrpSpPr>
+          <p:cNvPr id="70" name="グループ化 69"/>
+          <p:cNvGrpSpPr/>
+          <p:nvPr/>
+        </p:nvGrpSpPr>
+        <p:grpSpPr>
+          <a:xfrm>
+            <a:off x="7475145" y="212501"/>
+            <a:ext cx="4220003" cy="3504532"/>
+            <a:chOff x="5708306" y="272357"/>
+            <a:chExt cx="4220003" cy="3504532"/>
+          </a:xfrm>
+        </p:grpSpPr>
+        <p:grpSp>
+          <p:nvGrpSpPr>
+            <p:cNvPr id="67" name="グループ化 66"/>
+            <p:cNvGrpSpPr/>
+            <p:nvPr/>
+          </p:nvGrpSpPr>
+          <p:grpSpPr>
+            <a:xfrm>
+              <a:off x="5708306" y="272357"/>
+              <a:ext cx="4220003" cy="2772666"/>
+              <a:chOff x="4475216" y="-15328"/>
+              <a:chExt cx="4220003" cy="2772666"/>
+            </a:xfrm>
+          </p:grpSpPr>
+          <p:sp>
+            <p:nvSpPr>
+              <p:cNvPr id="62" name="テキスト ボックス 61"/>
+              <p:cNvSpPr txBox="1"/>
+              <p:nvPr/>
+            </p:nvSpPr>
+            <p:spPr>
+              <a:xfrm>
+                <a:off x="4506471" y="436227"/>
+                <a:ext cx="3053777" cy="400110"/>
+              </a:xfrm>
+              <a:prstGeom prst="rect">
+                <a:avLst/>
+              </a:prstGeom>
+              <a:noFill/>
+            </p:spPr>
+            <p:txBody>
+              <a:bodyPr wrap="square" rtlCol="0">
+                <a:spAutoFit/>
+              </a:bodyPr>
+              <a:lstStyle/>
+              <a:p>
+                <a:r>
+                  <a:rPr lang="en-US" altLang="ja-JP" sz="2000" dirty="0" smtClean="0">
+                    <a:latin typeface="HGS創英角ｺﾞｼｯｸUB" panose="020B0900000000000000" pitchFamily="50" charset="-128"/>
+                    <a:ea typeface="HGS創英角ｺﾞｼｯｸUB" panose="020B0900000000000000" pitchFamily="50" charset="-128"/>
+                  </a:rPr>
+                  <a:t>【</a:t>
+                </a:r>
+                <a:r>
+                  <a:rPr lang="ja-JP" altLang="en-US" sz="2000" dirty="0" smtClean="0">
+                    <a:latin typeface="HGS創英角ｺﾞｼｯｸUB" panose="020B0900000000000000" pitchFamily="50" charset="-128"/>
+                    <a:ea typeface="HGS創英角ｺﾞｼｯｸUB" panose="020B0900000000000000" pitchFamily="50" charset="-128"/>
+                  </a:rPr>
+                  <a:t>弾の出し方</a:t>
+                </a:r>
+                <a:r>
+                  <a:rPr lang="en-US" altLang="ja-JP" sz="2000" dirty="0" smtClean="0">
+                    <a:latin typeface="HGS創英角ｺﾞｼｯｸUB" panose="020B0900000000000000" pitchFamily="50" charset="-128"/>
+                    <a:ea typeface="HGS創英角ｺﾞｼｯｸUB" panose="020B0900000000000000" pitchFamily="50" charset="-128"/>
+                  </a:rPr>
+                  <a:t>】</a:t>
+                </a:r>
+                <a:endParaRPr kumimoji="1" lang="ja-JP" altLang="en-US" sz="2000" dirty="0">
+                  <a:latin typeface="HGS創英角ｺﾞｼｯｸUB" panose="020B0900000000000000" pitchFamily="50" charset="-128"/>
+                  <a:ea typeface="HGS創英角ｺﾞｼｯｸUB" panose="020B0900000000000000" pitchFamily="50" charset="-128"/>
+                </a:endParaRPr>
+              </a:p>
+            </p:txBody>
+          </p:sp>
+          <p:sp>
+            <p:nvSpPr>
+              <p:cNvPr id="63" name="テキスト ボックス 62"/>
+              <p:cNvSpPr txBox="1"/>
+              <p:nvPr/>
+            </p:nvSpPr>
+            <p:spPr>
+              <a:xfrm>
+                <a:off x="4596154" y="843047"/>
+                <a:ext cx="2380088" cy="400110"/>
+              </a:xfrm>
+              <a:prstGeom prst="rect">
+                <a:avLst/>
+              </a:prstGeom>
+              <a:noFill/>
+            </p:spPr>
+            <p:txBody>
+              <a:bodyPr wrap="square" rtlCol="0">
+                <a:spAutoFit/>
+              </a:bodyPr>
+              <a:lstStyle/>
+              <a:p>
+                <a:r>
+                  <a:rPr kumimoji="1" lang="ja-JP" altLang="en-US" sz="2000" dirty="0" smtClean="0">
+                    <a:latin typeface="HGS創英角ｺﾞｼｯｸUB" panose="020B0900000000000000" pitchFamily="50" charset="-128"/>
+                    <a:ea typeface="HGS創英角ｺﾞｼｯｸUB" panose="020B0900000000000000" pitchFamily="50" charset="-128"/>
+                  </a:rPr>
+                  <a:t>・弾は</a:t>
+                </a:r>
+                <a:r>
+                  <a:rPr kumimoji="1" lang="en-US" altLang="ja-JP" sz="2000" dirty="0" smtClean="0">
+                    <a:latin typeface="HGS創英角ｺﾞｼｯｸUB" panose="020B0900000000000000" pitchFamily="50" charset="-128"/>
+                    <a:ea typeface="HGS創英角ｺﾞｼｯｸUB" panose="020B0900000000000000" pitchFamily="50" charset="-128"/>
+                  </a:rPr>
+                  <a:t>3</a:t>
+                </a:r>
+                <a:r>
+                  <a:rPr kumimoji="1" lang="ja-JP" altLang="en-US" sz="2000" dirty="0" smtClean="0">
+                    <a:latin typeface="HGS創英角ｺﾞｼｯｸUB" panose="020B0900000000000000" pitchFamily="50" charset="-128"/>
+                    <a:ea typeface="HGS創英角ｺﾞｼｯｸUB" panose="020B0900000000000000" pitchFamily="50" charset="-128"/>
+                  </a:rPr>
+                  <a:t>方向に</a:t>
+                </a:r>
+                <a:r>
+                  <a:rPr kumimoji="1" lang="en-US" altLang="ja-JP" sz="2000" dirty="0" smtClean="0">
+                    <a:latin typeface="HGS創英角ｺﾞｼｯｸUB" panose="020B0900000000000000" pitchFamily="50" charset="-128"/>
+                    <a:ea typeface="HGS創英角ｺﾞｼｯｸUB" panose="020B0900000000000000" pitchFamily="50" charset="-128"/>
+                  </a:rPr>
+                  <a:t>3</a:t>
+                </a:r>
+                <a:r>
+                  <a:rPr kumimoji="1" lang="ja-JP" altLang="en-US" sz="2000" dirty="0" smtClean="0">
+                    <a:latin typeface="HGS創英角ｺﾞｼｯｸUB" panose="020B0900000000000000" pitchFamily="50" charset="-128"/>
+                    <a:ea typeface="HGS創英角ｺﾞｼｯｸUB" panose="020B0900000000000000" pitchFamily="50" charset="-128"/>
+                  </a:rPr>
+                  <a:t>発</a:t>
+                </a:r>
+                <a:endParaRPr kumimoji="1" lang="ja-JP" altLang="en-US" sz="2000" dirty="0">
+                  <a:latin typeface="HGS創英角ｺﾞｼｯｸUB" panose="020B0900000000000000" pitchFamily="50" charset="-128"/>
+                  <a:ea typeface="HGS創英角ｺﾞｼｯｸUB" panose="020B0900000000000000" pitchFamily="50" charset="-128"/>
+                </a:endParaRPr>
+              </a:p>
+            </p:txBody>
+          </p:sp>
+          <p:grpSp>
+            <p:nvGrpSpPr>
+              <p:cNvPr id="66" name="グループ化 65"/>
+              <p:cNvGrpSpPr/>
+              <p:nvPr/>
+            </p:nvGrpSpPr>
+            <p:grpSpPr>
+              <a:xfrm>
+                <a:off x="4475216" y="-15328"/>
+                <a:ext cx="4220003" cy="2772666"/>
+                <a:chOff x="4475216" y="-15328"/>
+                <a:chExt cx="4220003" cy="2772666"/>
+              </a:xfrm>
+            </p:grpSpPr>
+            <p:grpSp>
+              <p:nvGrpSpPr>
+                <p:cNvPr id="61" name="グループ化 60"/>
+                <p:cNvGrpSpPr/>
+                <p:nvPr/>
+              </p:nvGrpSpPr>
+              <p:grpSpPr>
+                <a:xfrm>
+                  <a:off x="4475216" y="-15328"/>
+                  <a:ext cx="4213089" cy="2048683"/>
+                  <a:chOff x="4475216" y="-15328"/>
+                  <a:chExt cx="4213089" cy="2048683"/>
+                </a:xfrm>
+              </p:grpSpPr>
+              <p:grpSp>
+                <p:nvGrpSpPr>
+                  <p:cNvPr id="58" name="グループ化 57"/>
+                  <p:cNvGrpSpPr/>
+                  <p:nvPr/>
+                </p:nvGrpSpPr>
+                <p:grpSpPr>
+                  <a:xfrm>
+                    <a:off x="4475216" y="-15328"/>
+                    <a:ext cx="3107695" cy="1675149"/>
+                    <a:chOff x="4337470" y="471178"/>
+                    <a:chExt cx="3107695" cy="1675149"/>
+                  </a:xfrm>
+                </p:grpSpPr>
+                <p:sp>
+                  <p:nvSpPr>
+                    <p:cNvPr id="34" name="テキスト ボックス 33"/>
+                    <p:cNvSpPr txBox="1"/>
+                    <p:nvPr/>
+                  </p:nvSpPr>
+                  <p:spPr>
+                    <a:xfrm>
+                      <a:off x="4337470" y="471178"/>
+                      <a:ext cx="2621964" cy="461665"/>
+                    </a:xfrm>
+                    <a:prstGeom prst="rect">
+                      <a:avLst/>
+                    </a:prstGeom>
+                    <a:noFill/>
+                  </p:spPr>
+                  <p:txBody>
+                    <a:bodyPr wrap="square" rtlCol="0">
+                      <a:spAutoFit/>
+                    </a:bodyPr>
+                    <a:lstStyle/>
+                    <a:p>
+                      <a:r>
+                        <a:rPr lang="en-US" altLang="ja-JP" sz="2400" dirty="0">
+                          <a:latin typeface="HGS創英角ｺﾞｼｯｸUB" panose="020B0900000000000000" pitchFamily="50" charset="-128"/>
+                          <a:ea typeface="HGS創英角ｺﾞｼｯｸUB" panose="020B0900000000000000" pitchFamily="50" charset="-128"/>
+                        </a:rPr>
+                        <a:t>【</a:t>
+                      </a:r>
+                      <a:r>
+                        <a:rPr lang="ja-JP" altLang="en-US" sz="2400" dirty="0" smtClean="0">
+                          <a:latin typeface="HGS創英角ｺﾞｼｯｸUB" panose="020B0900000000000000" pitchFamily="50" charset="-128"/>
+                          <a:ea typeface="HGS創英角ｺﾞｼｯｸUB" panose="020B0900000000000000" pitchFamily="50" charset="-128"/>
+                        </a:rPr>
+                        <a:t>ミサイル仕様</a:t>
+                      </a:r>
+                      <a:r>
+                        <a:rPr lang="en-US" altLang="ja-JP" sz="2400" dirty="0" smtClean="0">
+                          <a:latin typeface="HGS創英角ｺﾞｼｯｸUB" panose="020B0900000000000000" pitchFamily="50" charset="-128"/>
+                          <a:ea typeface="HGS創英角ｺﾞｼｯｸUB" panose="020B0900000000000000" pitchFamily="50" charset="-128"/>
+                        </a:rPr>
+                        <a:t>】</a:t>
+                      </a:r>
+                      <a:endParaRPr kumimoji="1" lang="ja-JP" altLang="en-US" sz="2400" dirty="0">
+                        <a:latin typeface="HGS創英角ｺﾞｼｯｸUB" panose="020B0900000000000000" pitchFamily="50" charset="-128"/>
+                        <a:ea typeface="HGS創英角ｺﾞｼｯｸUB" panose="020B0900000000000000" pitchFamily="50" charset="-128"/>
+                      </a:endParaRPr>
+                    </a:p>
+                  </p:txBody>
+                </p:sp>
+                <p:sp>
+                  <p:nvSpPr>
+                    <p:cNvPr id="35" name="テキスト ボックス 34"/>
+                    <p:cNvSpPr txBox="1"/>
+                    <p:nvPr/>
+                  </p:nvSpPr>
+                  <p:spPr>
+                    <a:xfrm>
+                      <a:off x="4391388" y="1746217"/>
+                      <a:ext cx="3053777" cy="400110"/>
+                    </a:xfrm>
+                    <a:prstGeom prst="rect">
+                      <a:avLst/>
+                    </a:prstGeom>
+                    <a:noFill/>
+                  </p:spPr>
+                  <p:txBody>
+                    <a:bodyPr wrap="square" rtlCol="0">
+                      <a:spAutoFit/>
+                    </a:bodyPr>
+                    <a:lstStyle/>
+                    <a:p>
+                      <a:r>
+                        <a:rPr lang="en-US" altLang="ja-JP" sz="2000" dirty="0" smtClean="0">
+                          <a:latin typeface="HGS創英角ｺﾞｼｯｸUB" panose="020B0900000000000000" pitchFamily="50" charset="-128"/>
+                          <a:ea typeface="HGS創英角ｺﾞｼｯｸUB" panose="020B0900000000000000" pitchFamily="50" charset="-128"/>
+                        </a:rPr>
+                        <a:t>【</a:t>
+                      </a:r>
+                      <a:r>
+                        <a:rPr lang="ja-JP" altLang="en-US" sz="2000" dirty="0" smtClean="0">
+                          <a:latin typeface="HGS創英角ｺﾞｼｯｸUB" panose="020B0900000000000000" pitchFamily="50" charset="-128"/>
+                          <a:ea typeface="HGS創英角ｺﾞｼｯｸUB" panose="020B0900000000000000" pitchFamily="50" charset="-128"/>
+                        </a:rPr>
+                        <a:t>ポイント</a:t>
+                      </a:r>
+                      <a:r>
+                        <a:rPr lang="en-US" altLang="ja-JP" sz="2000" dirty="0" smtClean="0">
+                          <a:latin typeface="HGS創英角ｺﾞｼｯｸUB" panose="020B0900000000000000" pitchFamily="50" charset="-128"/>
+                          <a:ea typeface="HGS創英角ｺﾞｼｯｸUB" panose="020B0900000000000000" pitchFamily="50" charset="-128"/>
+                        </a:rPr>
+                        <a:t>】</a:t>
+                      </a:r>
+                      <a:endParaRPr kumimoji="1" lang="ja-JP" altLang="en-US" sz="2000" dirty="0">
+                        <a:latin typeface="HGS創英角ｺﾞｼｯｸUB" panose="020B0900000000000000" pitchFamily="50" charset="-128"/>
+                        <a:ea typeface="HGS創英角ｺﾞｼｯｸUB" panose="020B0900000000000000" pitchFamily="50" charset="-128"/>
+                      </a:endParaRPr>
+                    </a:p>
+                  </p:txBody>
+                </p:sp>
+              </p:grpSp>
+              <p:sp>
+                <p:nvSpPr>
+                  <p:cNvPr id="59" name="テキスト ボックス 58"/>
+                  <p:cNvSpPr txBox="1"/>
+                  <p:nvPr/>
+                </p:nvSpPr>
+                <p:spPr>
+                  <a:xfrm>
+                    <a:off x="4623870" y="1633245"/>
+                    <a:ext cx="4064435" cy="400110"/>
+                  </a:xfrm>
+                  <a:prstGeom prst="rect">
+                    <a:avLst/>
+                  </a:prstGeom>
+                  <a:noFill/>
+                </p:spPr>
+                <p:txBody>
+                  <a:bodyPr wrap="square" rtlCol="0">
+                    <a:spAutoFit/>
+                  </a:bodyPr>
+                  <a:lstStyle/>
+                  <a:p>
+                    <a:r>
+                      <a:rPr kumimoji="1" lang="ja-JP" altLang="en-US" sz="2000" dirty="0" smtClean="0">
+                        <a:latin typeface="HGS創英角ｺﾞｼｯｸUB" panose="020B0900000000000000" pitchFamily="50" charset="-128"/>
+                        <a:ea typeface="HGS創英角ｺﾞｼｯｸUB" panose="020B0900000000000000" pitchFamily="50" charset="-128"/>
+                      </a:rPr>
+                      <a:t>・</a:t>
+                    </a:r>
+                    <a:r>
+                      <a:rPr kumimoji="1" lang="en-US" altLang="ja-JP" sz="2000" dirty="0" smtClean="0">
+                        <a:latin typeface="HGS創英角ｺﾞｼｯｸUB" panose="020B0900000000000000" pitchFamily="50" charset="-128"/>
+                        <a:ea typeface="HGS創英角ｺﾞｼｯｸUB" panose="020B0900000000000000" pitchFamily="50" charset="-128"/>
+                      </a:rPr>
+                      <a:t>1</a:t>
+                    </a:r>
+                    <a:r>
+                      <a:rPr kumimoji="1" lang="ja-JP" altLang="en-US" sz="2000" dirty="0" smtClean="0">
+                        <a:latin typeface="HGS創英角ｺﾞｼｯｸUB" panose="020B0900000000000000" pitchFamily="50" charset="-128"/>
+                        <a:ea typeface="HGS創英角ｺﾞｼｯｸUB" panose="020B0900000000000000" pitchFamily="50" charset="-128"/>
+                      </a:rPr>
+                      <a:t>発</a:t>
+                    </a:r>
+                    <a:r>
+                      <a:rPr kumimoji="1" lang="en-US" altLang="ja-JP" sz="2000" dirty="0" smtClean="0">
+                        <a:latin typeface="HGS創英角ｺﾞｼｯｸUB" panose="020B0900000000000000" pitchFamily="50" charset="-128"/>
+                        <a:ea typeface="HGS創英角ｺﾞｼｯｸUB" panose="020B0900000000000000" pitchFamily="50" charset="-128"/>
+                      </a:rPr>
+                      <a:t>2</a:t>
+                    </a:r>
+                    <a:r>
+                      <a:rPr kumimoji="1" lang="ja-JP" altLang="en-US" sz="2000" dirty="0" smtClean="0">
+                        <a:latin typeface="HGS創英角ｺﾞｼｯｸUB" panose="020B0900000000000000" pitchFamily="50" charset="-128"/>
+                        <a:ea typeface="HGS創英角ｺﾞｼｯｸUB" panose="020B0900000000000000" pitchFamily="50" charset="-128"/>
+                      </a:rPr>
+                      <a:t>ポイント</a:t>
+                    </a:r>
+                    <a:r>
+                      <a:rPr kumimoji="1" lang="en-US" altLang="ja-JP" sz="2000" dirty="0" smtClean="0">
+                        <a:latin typeface="HGS創英角ｺﾞｼｯｸUB" panose="020B0900000000000000" pitchFamily="50" charset="-128"/>
+                        <a:ea typeface="HGS創英角ｺﾞｼｯｸUB" panose="020B0900000000000000" pitchFamily="50" charset="-128"/>
+                      </a:rPr>
+                      <a:t>(</a:t>
+                    </a:r>
+                    <a:r>
+                      <a:rPr kumimoji="1" lang="ja-JP" altLang="en-US" sz="2000" dirty="0" smtClean="0">
+                        <a:latin typeface="HGS創英角ｺﾞｼｯｸUB" panose="020B0900000000000000" pitchFamily="50" charset="-128"/>
+                        <a:ea typeface="HGS創英角ｺﾞｼｯｸUB" panose="020B0900000000000000" pitchFamily="50" charset="-128"/>
+                      </a:rPr>
+                      <a:t>合計</a:t>
+                    </a:r>
+                    <a:r>
+                      <a:rPr kumimoji="1" lang="en-US" altLang="ja-JP" sz="2000" dirty="0" smtClean="0">
+                        <a:latin typeface="HGS創英角ｺﾞｼｯｸUB" panose="020B0900000000000000" pitchFamily="50" charset="-128"/>
+                        <a:ea typeface="HGS創英角ｺﾞｼｯｸUB" panose="020B0900000000000000" pitchFamily="50" charset="-128"/>
+                      </a:rPr>
+                      <a:t>6</a:t>
+                    </a:r>
+                    <a:r>
+                      <a:rPr lang="ja-JP" altLang="en-US" sz="2000" dirty="0">
+                        <a:latin typeface="HGS創英角ｺﾞｼｯｸUB" panose="020B0900000000000000" pitchFamily="50" charset="-128"/>
+                        <a:ea typeface="HGS創英角ｺﾞｼｯｸUB" panose="020B0900000000000000" pitchFamily="50" charset="-128"/>
+                      </a:rPr>
+                      <a:t>ポイント</a:t>
+                    </a:r>
+                    <a:r>
+                      <a:rPr kumimoji="1" lang="en-US" altLang="ja-JP" sz="2000" dirty="0" smtClean="0">
+                        <a:latin typeface="HGS創英角ｺﾞｼｯｸUB" panose="020B0900000000000000" pitchFamily="50" charset="-128"/>
+                        <a:ea typeface="HGS創英角ｺﾞｼｯｸUB" panose="020B0900000000000000" pitchFamily="50" charset="-128"/>
+                      </a:rPr>
+                      <a:t>)</a:t>
+                    </a:r>
+                    <a:endParaRPr kumimoji="1" lang="ja-JP" altLang="en-US" sz="2000" dirty="0">
+                      <a:latin typeface="HGS創英角ｺﾞｼｯｸUB" panose="020B0900000000000000" pitchFamily="50" charset="-128"/>
+                      <a:ea typeface="HGS創英角ｺﾞｼｯｸUB" panose="020B0900000000000000" pitchFamily="50" charset="-128"/>
+                    </a:endParaRPr>
+                  </a:p>
+                </p:txBody>
+              </p:sp>
+            </p:grpSp>
+            <p:sp>
+              <p:nvSpPr>
+                <p:cNvPr id="64" name="テキスト ボックス 63"/>
+                <p:cNvSpPr txBox="1"/>
+                <p:nvPr/>
+              </p:nvSpPr>
+              <p:spPr>
+                <a:xfrm>
+                  <a:off x="4529134" y="1984551"/>
+                  <a:ext cx="3053777" cy="400110"/>
+                </a:xfrm>
+                <a:prstGeom prst="rect">
+                  <a:avLst/>
+                </a:prstGeom>
+                <a:noFill/>
+              </p:spPr>
+              <p:txBody>
+                <a:bodyPr wrap="square" rtlCol="0">
+                  <a:spAutoFit/>
+                </a:bodyPr>
+                <a:lstStyle/>
+                <a:p>
+                  <a:r>
+                    <a:rPr lang="en-US" altLang="ja-JP" sz="2000" dirty="0" smtClean="0">
+                      <a:latin typeface="HGS創英角ｺﾞｼｯｸUB" panose="020B0900000000000000" pitchFamily="50" charset="-128"/>
+                      <a:ea typeface="HGS創英角ｺﾞｼｯｸUB" panose="020B0900000000000000" pitchFamily="50" charset="-128"/>
+                    </a:rPr>
+                    <a:t>【</a:t>
+                  </a:r>
+                  <a:r>
+                    <a:rPr lang="ja-JP" altLang="en-US" sz="2000" dirty="0" smtClean="0">
+                      <a:latin typeface="HGS創英角ｺﾞｼｯｸUB" panose="020B0900000000000000" pitchFamily="50" charset="-128"/>
+                      <a:ea typeface="HGS創英角ｺﾞｼｯｸUB" panose="020B0900000000000000" pitchFamily="50" charset="-128"/>
+                    </a:rPr>
+                    <a:t>演出</a:t>
+                  </a:r>
+                  <a:r>
+                    <a:rPr lang="en-US" altLang="ja-JP" sz="2000" dirty="0" smtClean="0">
+                      <a:latin typeface="HGS創英角ｺﾞｼｯｸUB" panose="020B0900000000000000" pitchFamily="50" charset="-128"/>
+                      <a:ea typeface="HGS創英角ｺﾞｼｯｸUB" panose="020B0900000000000000" pitchFamily="50" charset="-128"/>
+                    </a:rPr>
+                    <a:t>】</a:t>
+                  </a:r>
+                  <a:endParaRPr kumimoji="1" lang="ja-JP" altLang="en-US" sz="2000" dirty="0">
+                    <a:latin typeface="HGS創英角ｺﾞｼｯｸUB" panose="020B0900000000000000" pitchFamily="50" charset="-128"/>
+                    <a:ea typeface="HGS創英角ｺﾞｼｯｸUB" panose="020B0900000000000000" pitchFamily="50" charset="-128"/>
+                  </a:endParaRPr>
+                </a:p>
+              </p:txBody>
+            </p:sp>
+            <p:sp>
+              <p:nvSpPr>
+                <p:cNvPr id="65" name="テキスト ボックス 64"/>
+                <p:cNvSpPr txBox="1"/>
+                <p:nvPr/>
+              </p:nvSpPr>
+              <p:spPr>
+                <a:xfrm>
+                  <a:off x="4630784" y="2357228"/>
+                  <a:ext cx="4064435" cy="400110"/>
+                </a:xfrm>
+                <a:prstGeom prst="rect">
+                  <a:avLst/>
+                </a:prstGeom>
+                <a:noFill/>
+              </p:spPr>
+              <p:txBody>
+                <a:bodyPr wrap="square" rtlCol="0">
+                  <a:spAutoFit/>
+                </a:bodyPr>
+                <a:lstStyle/>
+                <a:p>
+                  <a:r>
+                    <a:rPr kumimoji="1" lang="ja-JP" altLang="en-US" sz="2000" dirty="0" smtClean="0">
+                      <a:latin typeface="HGS創英角ｺﾞｼｯｸUB" panose="020B0900000000000000" pitchFamily="50" charset="-128"/>
+                      <a:ea typeface="HGS創英角ｺﾞｼｯｸUB" panose="020B0900000000000000" pitchFamily="50" charset="-128"/>
+                    </a:rPr>
+                    <a:t>・軌跡のみ</a:t>
+                  </a:r>
+                  <a:r>
+                    <a:rPr kumimoji="1" lang="en-US" altLang="ja-JP" sz="2000" dirty="0" smtClean="0">
+                      <a:latin typeface="HGS創英角ｺﾞｼｯｸUB" panose="020B0900000000000000" pitchFamily="50" charset="-128"/>
+                      <a:ea typeface="HGS創英角ｺﾞｼｯｸUB" panose="020B0900000000000000" pitchFamily="50" charset="-128"/>
+                    </a:rPr>
+                    <a:t>(</a:t>
+                  </a:r>
+                  <a:r>
+                    <a:rPr kumimoji="1" lang="ja-JP" altLang="en-US" sz="2000" dirty="0" smtClean="0">
+                      <a:latin typeface="HGS創英角ｺﾞｼｯｸUB" panose="020B0900000000000000" pitchFamily="50" charset="-128"/>
+                      <a:ea typeface="HGS創英角ｺﾞｼｯｸUB" panose="020B0900000000000000" pitchFamily="50" charset="-128"/>
+                    </a:rPr>
+                    <a:t>オレンジ色</a:t>
+                  </a:r>
+                  <a:r>
+                    <a:rPr kumimoji="1" lang="en-US" altLang="ja-JP" sz="2000" dirty="0" smtClean="0">
+                      <a:latin typeface="HGS創英角ｺﾞｼｯｸUB" panose="020B0900000000000000" pitchFamily="50" charset="-128"/>
+                      <a:ea typeface="HGS創英角ｺﾞｼｯｸUB" panose="020B0900000000000000" pitchFamily="50" charset="-128"/>
+                    </a:rPr>
+                    <a:t>)</a:t>
+                  </a:r>
+                  <a:endParaRPr kumimoji="1" lang="ja-JP" altLang="en-US" sz="2000" dirty="0">
+                    <a:latin typeface="HGS創英角ｺﾞｼｯｸUB" panose="020B0900000000000000" pitchFamily="50" charset="-128"/>
+                    <a:ea typeface="HGS創英角ｺﾞｼｯｸUB" panose="020B0900000000000000" pitchFamily="50" charset="-128"/>
+                  </a:endParaRPr>
+                </a:p>
+              </p:txBody>
+            </p:sp>
+          </p:grpSp>
+        </p:grpSp>
+        <p:sp>
+          <p:nvSpPr>
+            <p:cNvPr id="68" name="テキスト ボックス 67"/>
+            <p:cNvSpPr txBox="1"/>
+            <p:nvPr/>
+          </p:nvSpPr>
+          <p:spPr>
+            <a:xfrm>
+              <a:off x="5827796" y="3020725"/>
+              <a:ext cx="3053777" cy="400110"/>
+            </a:xfrm>
+            <a:prstGeom prst="rect">
+              <a:avLst/>
+            </a:prstGeom>
+            <a:noFill/>
+          </p:spPr>
+          <p:txBody>
+            <a:bodyPr wrap="square" rtlCol="0">
+              <a:spAutoFit/>
+            </a:bodyPr>
+            <a:lstStyle/>
+            <a:p>
+              <a:r>
+                <a:rPr lang="en-US" altLang="ja-JP" sz="2000" dirty="0" smtClean="0">
+                  <a:latin typeface="HGS創英角ｺﾞｼｯｸUB" panose="020B0900000000000000" pitchFamily="50" charset="-128"/>
+                  <a:ea typeface="HGS創英角ｺﾞｼｯｸUB" panose="020B0900000000000000" pitchFamily="50" charset="-128"/>
+                </a:rPr>
+                <a:t>【</a:t>
+              </a:r>
+              <a:r>
+                <a:rPr lang="ja-JP" altLang="en-US" sz="2000" dirty="0" smtClean="0">
+                  <a:latin typeface="HGS創英角ｺﾞｼｯｸUB" panose="020B0900000000000000" pitchFamily="50" charset="-128"/>
+                  <a:ea typeface="HGS創英角ｺﾞｼｯｸUB" panose="020B0900000000000000" pitchFamily="50" charset="-128"/>
+                </a:rPr>
+                <a:t>ノックバック</a:t>
+              </a:r>
+              <a:r>
+                <a:rPr lang="en-US" altLang="ja-JP" sz="2000" dirty="0" smtClean="0">
+                  <a:latin typeface="HGS創英角ｺﾞｼｯｸUB" panose="020B0900000000000000" pitchFamily="50" charset="-128"/>
+                  <a:ea typeface="HGS創英角ｺﾞｼｯｸUB" panose="020B0900000000000000" pitchFamily="50" charset="-128"/>
+                </a:rPr>
+                <a:t>】</a:t>
+              </a:r>
+              <a:endParaRPr kumimoji="1" lang="ja-JP" altLang="en-US" sz="2000" dirty="0">
+                <a:latin typeface="HGS創英角ｺﾞｼｯｸUB" panose="020B0900000000000000" pitchFamily="50" charset="-128"/>
+                <a:ea typeface="HGS創英角ｺﾞｼｯｸUB" panose="020B0900000000000000" pitchFamily="50" charset="-128"/>
+              </a:endParaRPr>
+            </a:p>
+          </p:txBody>
+        </p:sp>
+        <p:sp>
+          <p:nvSpPr>
+            <p:cNvPr id="69" name="テキスト ボックス 68"/>
+            <p:cNvSpPr txBox="1"/>
+            <p:nvPr/>
+          </p:nvSpPr>
+          <p:spPr>
+            <a:xfrm>
+              <a:off x="5863875" y="3376779"/>
+              <a:ext cx="2633740" cy="400110"/>
+            </a:xfrm>
+            <a:prstGeom prst="rect">
+              <a:avLst/>
+            </a:prstGeom>
+            <a:noFill/>
+          </p:spPr>
+          <p:txBody>
+            <a:bodyPr wrap="square" rtlCol="0">
+              <a:spAutoFit/>
+            </a:bodyPr>
+            <a:lstStyle/>
+            <a:p>
+              <a:r>
+                <a:rPr kumimoji="1" lang="ja-JP" altLang="en-US" sz="2000" dirty="0" smtClean="0">
+                  <a:latin typeface="HGS創英角ｺﾞｼｯｸUB" panose="020B0900000000000000" pitchFamily="50" charset="-128"/>
+                  <a:ea typeface="HGS創英角ｺﾞｼｯｸUB" panose="020B0900000000000000" pitchFamily="50" charset="-128"/>
+                </a:rPr>
+                <a:t>・ノックバック</a:t>
+              </a:r>
+              <a:r>
+                <a:rPr kumimoji="1" lang="en-US" altLang="ja-JP" sz="2000" dirty="0" smtClean="0">
+                  <a:latin typeface="HGS創英角ｺﾞｼｯｸUB" panose="020B0900000000000000" pitchFamily="50" charset="-128"/>
+                  <a:ea typeface="HGS創英角ｺﾞｼｯｸUB" panose="020B0900000000000000" pitchFamily="50" charset="-128"/>
+                </a:rPr>
+                <a:t>(</a:t>
+              </a:r>
+              <a:r>
+                <a:rPr kumimoji="1" lang="ja-JP" altLang="en-US" sz="2000" dirty="0" smtClean="0">
+                  <a:latin typeface="HGS創英角ｺﾞｼｯｸUB" panose="020B0900000000000000" pitchFamily="50" charset="-128"/>
+                  <a:ea typeface="HGS創英角ｺﾞｼｯｸUB" panose="020B0900000000000000" pitchFamily="50" charset="-128"/>
+                </a:rPr>
+                <a:t>中</a:t>
+              </a:r>
+              <a:r>
+                <a:rPr kumimoji="1" lang="en-US" altLang="ja-JP" sz="2000" dirty="0" smtClean="0">
+                  <a:latin typeface="HGS創英角ｺﾞｼｯｸUB" panose="020B0900000000000000" pitchFamily="50" charset="-128"/>
+                  <a:ea typeface="HGS創英角ｺﾞｼｯｸUB" panose="020B0900000000000000" pitchFamily="50" charset="-128"/>
+                </a:rPr>
+                <a:t>)</a:t>
+              </a:r>
+              <a:endParaRPr kumimoji="1" lang="ja-JP" altLang="en-US" sz="2000" dirty="0">
+                <a:latin typeface="HGS創英角ｺﾞｼｯｸUB" panose="020B0900000000000000" pitchFamily="50" charset="-128"/>
+                <a:ea typeface="HGS創英角ｺﾞｼｯｸUB" panose="020B0900000000000000" pitchFamily="50" charset="-128"/>
+              </a:endParaRPr>
+            </a:p>
+          </p:txBody>
+        </p:sp>
+      </p:grpSp>
+    </p:spTree>
+    <p:extLst>
+      <p:ext uri="{BB962C8B-B14F-4D97-AF65-F5344CB8AC3E}">
+        <p14:creationId xmlns:p14="http://schemas.microsoft.com/office/powerpoint/2010/main" val="2556277726"/>
+      </p:ext>
+    </p:extLst>
+  </p:cSld>
+  <p:clrMapOvr>
+    <a:masterClrMapping/>
+  </p:clrMapOvr>
+</p:sld>
+</file>
+
+<file path=ppt/slides/slide6.xml><?xml version="1.0" encoding="utf-8"?>
+<p:sld xmlns:a="http://schemas.openxmlformats.org/drawingml/2006/main" xmlns:r="http://schemas.openxmlformats.org/officeDocument/2006/relationships" xmlns:p="http://schemas.openxmlformats.org/presentationml/2006/main">
+  <p:cSld>
+    <p:spTree>
+      <p:nvGrpSpPr>
+        <p:cNvPr id="1" name=""/>
+        <p:cNvGrpSpPr/>
+        <p:nvPr/>
+      </p:nvGrpSpPr>
+      <p:grpSpPr>
+        <a:xfrm>
+          <a:off x="0" y="0"/>
+          <a:ext cx="0" cy="0"/>
+          <a:chOff x="0" y="0"/>
+          <a:chExt cx="0" cy="0"/>
+        </a:xfrm>
+      </p:grpSpPr>
+      <p:grpSp>
+        <p:nvGrpSpPr>
+          <p:cNvPr id="53" name="グループ化 52"/>
+          <p:cNvGrpSpPr/>
+          <p:nvPr/>
+        </p:nvGrpSpPr>
+        <p:grpSpPr>
+          <a:xfrm>
+            <a:off x="333418" y="790532"/>
+            <a:ext cx="1337438" cy="5293745"/>
+            <a:chOff x="270192" y="833765"/>
+            <a:chExt cx="1337438" cy="5293745"/>
+          </a:xfrm>
+        </p:grpSpPr>
+        <p:pic>
+          <p:nvPicPr>
+            <p:cNvPr id="52" name="図 51"/>
+            <p:cNvPicPr>
+              <a:picLocks noChangeAspect="1"/>
+            </p:cNvPicPr>
+            <p:nvPr/>
+          </p:nvPicPr>
+          <p:blipFill rotWithShape="1">
+            <a:blip r:embed="rId2">
+              <a:extLst>
+                <a:ext uri="{28A0092B-C50C-407E-A947-70E740481C1C}">
+                  <a14:useLocalDpi xmlns:a14="http://schemas.microsoft.com/office/drawing/2010/main" val="0"/>
+                </a:ext>
+              </a:extLst>
+            </a:blip>
+            <a:srcRect l="75359" r="16193"/>
+            <a:stretch/>
+          </p:blipFill>
+          <p:spPr>
+            <a:xfrm>
+              <a:off x="334396" y="833765"/>
+              <a:ext cx="1273234" cy="5210824"/>
+            </a:xfrm>
+            <a:prstGeom prst="rect">
+              <a:avLst/>
+            </a:prstGeom>
+          </p:spPr>
+        </p:pic>
+        <p:sp>
+          <p:nvSpPr>
+            <p:cNvPr id="4" name="テキスト ボックス 3"/>
+            <p:cNvSpPr txBox="1"/>
+            <p:nvPr/>
+          </p:nvSpPr>
+          <p:spPr>
+            <a:xfrm>
+              <a:off x="270192" y="5604290"/>
+              <a:ext cx="1052144" cy="523220"/>
+            </a:xfrm>
+            <a:prstGeom prst="rect">
+              <a:avLst/>
+            </a:prstGeom>
+            <a:noFill/>
+          </p:spPr>
+          <p:txBody>
+            <a:bodyPr wrap="square" rtlCol="0">
+              <a:spAutoFit/>
+            </a:bodyPr>
+            <a:lstStyle/>
+            <a:p>
+              <a:pPr algn="ctr"/>
+              <a:r>
+                <a:rPr lang="ja-JP" altLang="en-US" sz="2800" dirty="0" smtClean="0">
+                  <a:latin typeface="FOT-UD角ゴ_スモール Pr6 H" panose="02020900000000000000" pitchFamily="18" charset="-128"/>
+                  <a:ea typeface="FOT-UD角ゴ_スモール Pr6 H" panose="02020900000000000000" pitchFamily="18" charset="-128"/>
+                </a:rPr>
+                <a:t>爆弾</a:t>
+              </a:r>
+              <a:endParaRPr kumimoji="1" lang="ja-JP" altLang="en-US" sz="2800" dirty="0">
+                <a:latin typeface="FOT-UD角ゴ_スモール Pr6 H" panose="02020900000000000000" pitchFamily="18" charset="-128"/>
+                <a:ea typeface="FOT-UD角ゴ_スモール Pr6 H" panose="02020900000000000000" pitchFamily="18" charset="-128"/>
+              </a:endParaRPr>
+            </a:p>
+          </p:txBody>
+        </p:sp>
+      </p:grpSp>
+      <p:grpSp>
+        <p:nvGrpSpPr>
+          <p:cNvPr id="89" name="グループ化 88"/>
+          <p:cNvGrpSpPr/>
+          <p:nvPr/>
+        </p:nvGrpSpPr>
+        <p:grpSpPr>
+          <a:xfrm>
+            <a:off x="2685039" y="2279637"/>
+            <a:ext cx="3607500" cy="2688085"/>
+            <a:chOff x="4586931" y="3396192"/>
+            <a:chExt cx="3607500" cy="2688085"/>
+          </a:xfrm>
+        </p:grpSpPr>
+        <p:grpSp>
+          <p:nvGrpSpPr>
+            <p:cNvPr id="5" name="グループ化 4"/>
+            <p:cNvGrpSpPr/>
+            <p:nvPr/>
+          </p:nvGrpSpPr>
+          <p:grpSpPr>
+            <a:xfrm>
+              <a:off x="4586931" y="5207089"/>
+              <a:ext cx="1010421" cy="877188"/>
+              <a:chOff x="3663735" y="4651131"/>
+              <a:chExt cx="691112" cy="624253"/>
+            </a:xfrm>
+          </p:grpSpPr>
+          <p:sp>
+            <p:nvSpPr>
+              <p:cNvPr id="6" name="楕円 5"/>
+              <p:cNvSpPr/>
+              <p:nvPr/>
+            </p:nvSpPr>
+            <p:spPr>
+              <a:xfrm>
+                <a:off x="3683977" y="4651131"/>
+                <a:ext cx="615461" cy="624253"/>
+              </a:xfrm>
+              <a:prstGeom prst="ellipse">
+                <a:avLst/>
+              </a:prstGeom>
+            </p:spPr>
+            <p:style>
+              <a:lnRef idx="2">
+                <a:schemeClr val="accent1">
+                  <a:shade val="50000"/>
+                </a:schemeClr>
+              </a:lnRef>
+              <a:fillRef idx="1">
+                <a:schemeClr val="accent1"/>
+              </a:fillRef>
+              <a:effectRef idx="0">
+                <a:schemeClr val="accent1"/>
+              </a:effectRef>
+              <a:fontRef idx="minor">
+                <a:schemeClr val="lt1"/>
+              </a:fontRef>
+            </p:style>
+            <p:txBody>
+              <a:bodyPr rtlCol="0" anchor="ctr"/>
+              <a:lstStyle/>
+              <a:p>
+                <a:pPr algn="ctr"/>
+                <a:endParaRPr kumimoji="1" lang="ja-JP" altLang="en-US"/>
+              </a:p>
+            </p:txBody>
+          </p:sp>
+          <p:sp>
+            <p:nvSpPr>
+              <p:cNvPr id="7" name="テキスト ボックス 6"/>
+              <p:cNvSpPr txBox="1"/>
+              <p:nvPr/>
+            </p:nvSpPr>
+            <p:spPr>
+              <a:xfrm>
+                <a:off x="3663735" y="4834659"/>
+                <a:ext cx="691112" cy="274779"/>
+              </a:xfrm>
+              <a:prstGeom prst="rect">
+                <a:avLst/>
+              </a:prstGeom>
+              <a:noFill/>
+            </p:spPr>
+            <p:txBody>
+              <a:bodyPr wrap="square" rtlCol="0">
+                <a:spAutoFit/>
+              </a:bodyPr>
+              <a:lstStyle/>
+              <a:p>
+                <a:pPr algn="ctr"/>
+                <a:r>
+                  <a:rPr lang="ja-JP" altLang="en-US" sz="1200" dirty="0" smtClean="0">
+                    <a:latin typeface="FOT-UD角ゴ_スモール Pr6 H" panose="02020900000000000000" pitchFamily="18" charset="-128"/>
+                    <a:ea typeface="FOT-UD角ゴ_スモール Pr6 H" panose="02020900000000000000" pitchFamily="18" charset="-128"/>
+                  </a:rPr>
+                  <a:t>キャラ</a:t>
+                </a:r>
+                <a:endParaRPr kumimoji="1" lang="ja-JP" altLang="en-US" sz="1200" dirty="0">
+                  <a:latin typeface="FOT-UD角ゴ_スモール Pr6 H" panose="02020900000000000000" pitchFamily="18" charset="-128"/>
+                  <a:ea typeface="FOT-UD角ゴ_スモール Pr6 H" panose="02020900000000000000" pitchFamily="18" charset="-128"/>
+                </a:endParaRPr>
+              </a:p>
+            </p:txBody>
+          </p:sp>
+        </p:grpSp>
+        <p:sp>
+          <p:nvSpPr>
+            <p:cNvPr id="27" name="楕円 26"/>
+            <p:cNvSpPr/>
+            <p:nvPr/>
+          </p:nvSpPr>
+          <p:spPr>
+            <a:xfrm>
+              <a:off x="6571943" y="3396192"/>
+              <a:ext cx="1622488" cy="1550193"/>
+            </a:xfrm>
+            <a:prstGeom prst="ellipse">
+              <a:avLst/>
+            </a:prstGeom>
+            <a:solidFill>
+              <a:schemeClr val="accent2"/>
+            </a:solidFill>
+            <a:ln w="28575">
+              <a:solidFill>
+                <a:schemeClr val="tx1"/>
+              </a:solidFill>
+            </a:ln>
+          </p:spPr>
+          <p:style>
+            <a:lnRef idx="2">
+              <a:schemeClr val="accent1">
+                <a:shade val="50000"/>
+              </a:schemeClr>
+            </a:lnRef>
+            <a:fillRef idx="1">
+              <a:schemeClr val="accent1"/>
+            </a:fillRef>
+            <a:effectRef idx="0">
+              <a:schemeClr val="accent1"/>
+            </a:effectRef>
+            <a:fontRef idx="minor">
+              <a:schemeClr val="lt1"/>
+            </a:fontRef>
+          </p:style>
+          <p:txBody>
+            <a:bodyPr rtlCol="0" anchor="ctr"/>
+            <a:lstStyle/>
+            <a:p>
+              <a:pPr algn="ctr"/>
+              <a:endParaRPr kumimoji="1" lang="ja-JP" altLang="en-US"/>
+            </a:p>
+          </p:txBody>
+        </p:sp>
+        <p:grpSp>
+          <p:nvGrpSpPr>
+            <p:cNvPr id="16" name="グループ化 15"/>
+            <p:cNvGrpSpPr/>
+            <p:nvPr/>
+          </p:nvGrpSpPr>
+          <p:grpSpPr>
+            <a:xfrm>
+              <a:off x="7008573" y="3710921"/>
+              <a:ext cx="913493" cy="777571"/>
+              <a:chOff x="4286343" y="4229335"/>
+              <a:chExt cx="624815" cy="553360"/>
+            </a:xfrm>
+          </p:grpSpPr>
+          <p:pic>
+            <p:nvPicPr>
+              <p:cNvPr id="17" name="図 16"/>
+              <p:cNvPicPr>
+                <a:picLocks noChangeAspect="1"/>
+              </p:cNvPicPr>
+              <p:nvPr/>
+            </p:nvPicPr>
+            <p:blipFill rotWithShape="1">
+              <a:blip r:embed="rId3">
+                <a:extLst>
+                  <a:ext uri="{28A0092B-C50C-407E-A947-70E740481C1C}">
+                    <a14:useLocalDpi xmlns:a14="http://schemas.microsoft.com/office/drawing/2010/main" val="0"/>
+                  </a:ext>
+                </a:extLst>
+              </a:blip>
+              <a:srcRect r="86650" b="90889"/>
+              <a:stretch/>
+            </p:blipFill>
+            <p:spPr>
+              <a:xfrm>
+                <a:off x="4286708" y="4229335"/>
+                <a:ext cx="624450" cy="553360"/>
+              </a:xfrm>
+              <a:prstGeom prst="rect">
+                <a:avLst/>
+              </a:prstGeom>
+            </p:spPr>
+          </p:pic>
+          <p:grpSp>
+            <p:nvGrpSpPr>
+              <p:cNvPr id="18" name="グループ化 17"/>
+              <p:cNvGrpSpPr/>
+              <p:nvPr/>
+            </p:nvGrpSpPr>
+            <p:grpSpPr>
+              <a:xfrm>
+                <a:off x="4286343" y="4464230"/>
+                <a:ext cx="312590" cy="301115"/>
+                <a:chOff x="3971648" y="4343400"/>
+                <a:chExt cx="312590" cy="301115"/>
+              </a:xfrm>
+            </p:grpSpPr>
+            <p:sp>
+              <p:nvSpPr>
+                <p:cNvPr id="19" name="楕円 18"/>
+                <p:cNvSpPr/>
+                <p:nvPr/>
+              </p:nvSpPr>
+              <p:spPr>
+                <a:xfrm>
+                  <a:off x="3971648" y="4343400"/>
+                  <a:ext cx="306262" cy="290146"/>
+                </a:xfrm>
+                <a:prstGeom prst="ellipse">
+                  <a:avLst/>
+                </a:prstGeom>
+              </p:spPr>
+              <p:style>
+                <a:lnRef idx="2">
+                  <a:schemeClr val="accent1">
+                    <a:shade val="50000"/>
+                  </a:schemeClr>
+                </a:lnRef>
+                <a:fillRef idx="1">
+                  <a:schemeClr val="accent1"/>
+                </a:fillRef>
+                <a:effectRef idx="0">
+                  <a:schemeClr val="accent1"/>
+                </a:effectRef>
+                <a:fontRef idx="minor">
+                  <a:schemeClr val="lt1"/>
+                </a:fontRef>
+              </p:style>
+              <p:txBody>
+                <a:bodyPr rtlCol="0" anchor="ctr"/>
+                <a:lstStyle/>
+                <a:p>
+                  <a:pPr algn="ctr"/>
+                  <a:endParaRPr kumimoji="1" lang="ja-JP" altLang="en-US"/>
+                </a:p>
+              </p:txBody>
+            </p:sp>
+            <p:sp>
+              <p:nvSpPr>
+                <p:cNvPr id="20" name="テキスト ボックス 19"/>
+                <p:cNvSpPr txBox="1"/>
+                <p:nvPr/>
+              </p:nvSpPr>
+              <p:spPr>
+                <a:xfrm>
+                  <a:off x="3994366" y="4367516"/>
+                  <a:ext cx="289872" cy="276999"/>
+                </a:xfrm>
+                <a:prstGeom prst="rect">
+                  <a:avLst/>
+                </a:prstGeom>
+                <a:noFill/>
+              </p:spPr>
+              <p:txBody>
+                <a:bodyPr wrap="square" rtlCol="0">
+                  <a:spAutoFit/>
+                </a:bodyPr>
+                <a:lstStyle/>
+                <a:p>
+                  <a:pPr algn="ctr"/>
+                  <a:r>
+                    <a:rPr lang="ja-JP" altLang="en-US" sz="1200" dirty="0" smtClean="0">
+                      <a:latin typeface="FOT-UD角ゴ_スモール Pr6 H" panose="02020900000000000000" pitchFamily="18" charset="-128"/>
+                      <a:ea typeface="FOT-UD角ゴ_スモール Pr6 H" panose="02020900000000000000" pitchFamily="18" charset="-128"/>
+                    </a:rPr>
+                    <a:t>弾</a:t>
+                  </a:r>
+                  <a:endParaRPr kumimoji="1" lang="ja-JP" altLang="en-US" sz="1200" dirty="0">
+                    <a:latin typeface="FOT-UD角ゴ_スモール Pr6 H" panose="02020900000000000000" pitchFamily="18" charset="-128"/>
+                    <a:ea typeface="FOT-UD角ゴ_スモール Pr6 H" panose="02020900000000000000" pitchFamily="18" charset="-128"/>
+                  </a:endParaRPr>
+                </a:p>
+              </p:txBody>
+            </p:sp>
+          </p:grpSp>
+        </p:grpSp>
+        <p:cxnSp>
+          <p:nvCxnSpPr>
+            <p:cNvPr id="33" name="曲線コネクタ 32"/>
+            <p:cNvCxnSpPr>
+              <a:stCxn id="6" idx="7"/>
+              <a:endCxn id="27" idx="2"/>
+            </p:cNvCxnSpPr>
+            <p:nvPr/>
+          </p:nvCxnSpPr>
+          <p:spPr>
+            <a:xfrm rot="5400000" flipH="1" flipV="1">
+              <a:off x="5396125" y="4159733"/>
+              <a:ext cx="1164261" cy="1187375"/>
+            </a:xfrm>
+            <a:prstGeom prst="curvedConnector2">
+              <a:avLst/>
+            </a:prstGeom>
+            <a:ln w="76200">
+              <a:solidFill>
+                <a:srgbClr val="FF0000"/>
+              </a:solidFill>
+              <a:tailEnd type="triangle"/>
+            </a:ln>
+          </p:spPr>
+          <p:style>
+            <a:lnRef idx="1">
+              <a:schemeClr val="accent1"/>
+            </a:lnRef>
+            <a:fillRef idx="0">
+              <a:schemeClr val="accent1"/>
+            </a:fillRef>
+            <a:effectRef idx="0">
+              <a:schemeClr val="accent1"/>
+            </a:effectRef>
+            <a:fontRef idx="minor">
+              <a:schemeClr val="tx1"/>
+            </a:fontRef>
+          </p:style>
+        </p:cxnSp>
+        <p:grpSp>
+          <p:nvGrpSpPr>
+            <p:cNvPr id="70" name="グループ化 69"/>
+            <p:cNvGrpSpPr/>
+            <p:nvPr/>
+          </p:nvGrpSpPr>
+          <p:grpSpPr>
+            <a:xfrm>
+              <a:off x="5658399" y="3979337"/>
+              <a:ext cx="598137" cy="631428"/>
+              <a:chOff x="4286343" y="4229335"/>
+              <a:chExt cx="624815" cy="619925"/>
+            </a:xfrm>
+          </p:grpSpPr>
+          <p:pic>
+            <p:nvPicPr>
+              <p:cNvPr id="71" name="図 70"/>
+              <p:cNvPicPr>
+                <a:picLocks noChangeAspect="1"/>
+              </p:cNvPicPr>
+              <p:nvPr/>
+            </p:nvPicPr>
+            <p:blipFill rotWithShape="1">
+              <a:blip r:embed="rId3">
+                <a:extLst>
+                  <a:ext uri="{28A0092B-C50C-407E-A947-70E740481C1C}">
+                    <a14:useLocalDpi xmlns:a14="http://schemas.microsoft.com/office/drawing/2010/main" val="0"/>
+                  </a:ext>
+                </a:extLst>
+              </a:blip>
+              <a:srcRect r="86650" b="90889"/>
+              <a:stretch/>
+            </p:blipFill>
+            <p:spPr>
+              <a:xfrm>
+                <a:off x="4286708" y="4229335"/>
+                <a:ext cx="624450" cy="553360"/>
+              </a:xfrm>
+              <a:prstGeom prst="rect">
+                <a:avLst/>
+              </a:prstGeom>
+            </p:spPr>
+          </p:pic>
+          <p:grpSp>
+            <p:nvGrpSpPr>
+              <p:cNvPr id="72" name="グループ化 71"/>
+              <p:cNvGrpSpPr/>
+              <p:nvPr/>
+            </p:nvGrpSpPr>
+            <p:grpSpPr>
+              <a:xfrm>
+                <a:off x="4286343" y="4464230"/>
+                <a:ext cx="312590" cy="385030"/>
+                <a:chOff x="3971648" y="4343400"/>
+                <a:chExt cx="312590" cy="385030"/>
+              </a:xfrm>
+            </p:grpSpPr>
+            <p:sp>
+              <p:nvSpPr>
+                <p:cNvPr id="73" name="楕円 72"/>
+                <p:cNvSpPr/>
+                <p:nvPr/>
+              </p:nvSpPr>
+              <p:spPr>
+                <a:xfrm>
+                  <a:off x="3971648" y="4343400"/>
+                  <a:ext cx="306262" cy="290146"/>
+                </a:xfrm>
+                <a:prstGeom prst="ellipse">
+                  <a:avLst/>
+                </a:prstGeom>
+              </p:spPr>
+              <p:style>
+                <a:lnRef idx="2">
+                  <a:schemeClr val="accent1">
+                    <a:shade val="50000"/>
+                  </a:schemeClr>
+                </a:lnRef>
+                <a:fillRef idx="1">
+                  <a:schemeClr val="accent1"/>
+                </a:fillRef>
+                <a:effectRef idx="0">
+                  <a:schemeClr val="accent1"/>
+                </a:effectRef>
+                <a:fontRef idx="minor">
+                  <a:schemeClr val="lt1"/>
+                </a:fontRef>
+              </p:style>
+              <p:txBody>
+                <a:bodyPr rtlCol="0" anchor="ctr"/>
+                <a:lstStyle/>
+                <a:p>
+                  <a:pPr algn="ctr"/>
+                  <a:endParaRPr kumimoji="1" lang="ja-JP" altLang="en-US" sz="1400"/>
+                </a:p>
+              </p:txBody>
+            </p:sp>
+            <p:sp>
+              <p:nvSpPr>
+                <p:cNvPr id="74" name="テキスト ボックス 73"/>
+                <p:cNvSpPr txBox="1"/>
+                <p:nvPr/>
+              </p:nvSpPr>
+              <p:spPr>
+                <a:xfrm>
+                  <a:off x="3994366" y="4367517"/>
+                  <a:ext cx="289872" cy="360913"/>
+                </a:xfrm>
+                <a:prstGeom prst="rect">
+                  <a:avLst/>
+                </a:prstGeom>
+                <a:noFill/>
+              </p:spPr>
+              <p:txBody>
+                <a:bodyPr wrap="square" rtlCol="0">
+                  <a:spAutoFit/>
+                </a:bodyPr>
+                <a:lstStyle/>
+                <a:p>
+                  <a:pPr algn="ctr"/>
+                  <a:r>
+                    <a:rPr lang="ja-JP" altLang="en-US" sz="1050" dirty="0" smtClean="0">
+                      <a:latin typeface="FOT-UD角ゴ_スモール Pr6 H" panose="02020900000000000000" pitchFamily="18" charset="-128"/>
+                      <a:ea typeface="FOT-UD角ゴ_スモール Pr6 H" panose="02020900000000000000" pitchFamily="18" charset="-128"/>
+                    </a:rPr>
+                    <a:t>弾</a:t>
+                  </a:r>
+                  <a:endParaRPr kumimoji="1" lang="ja-JP" altLang="en-US" sz="1050" dirty="0">
+                    <a:latin typeface="FOT-UD角ゴ_スモール Pr6 H" panose="02020900000000000000" pitchFamily="18" charset="-128"/>
+                    <a:ea typeface="FOT-UD角ゴ_スモール Pr6 H" panose="02020900000000000000" pitchFamily="18" charset="-128"/>
+                  </a:endParaRPr>
+                </a:p>
+              </p:txBody>
+            </p:sp>
+          </p:grpSp>
+        </p:grpSp>
+      </p:grpSp>
+      <p:grpSp>
+        <p:nvGrpSpPr>
+          <p:cNvPr id="91" name="グループ化 90"/>
+          <p:cNvGrpSpPr/>
+          <p:nvPr/>
+        </p:nvGrpSpPr>
+        <p:grpSpPr>
+          <a:xfrm>
+            <a:off x="6962594" y="195646"/>
+            <a:ext cx="5374532" cy="3634184"/>
+            <a:chOff x="3214579" y="148493"/>
+            <a:chExt cx="5374532" cy="3634184"/>
+          </a:xfrm>
+        </p:grpSpPr>
+        <p:grpSp>
+          <p:nvGrpSpPr>
+            <p:cNvPr id="83" name="グループ化 82"/>
+            <p:cNvGrpSpPr/>
+            <p:nvPr/>
+          </p:nvGrpSpPr>
+          <p:grpSpPr>
+            <a:xfrm>
+              <a:off x="3214579" y="148493"/>
+              <a:ext cx="5265113" cy="3634184"/>
+              <a:chOff x="2995748" y="338772"/>
+              <a:chExt cx="5265113" cy="3634184"/>
+            </a:xfrm>
+          </p:grpSpPr>
+          <p:grpSp>
+            <p:nvGrpSpPr>
+              <p:cNvPr id="54" name="グループ化 53"/>
+              <p:cNvGrpSpPr/>
+              <p:nvPr/>
+            </p:nvGrpSpPr>
+            <p:grpSpPr>
+              <a:xfrm>
+                <a:off x="2995748" y="338772"/>
+                <a:ext cx="5265113" cy="2121822"/>
+                <a:chOff x="5000394" y="198095"/>
+                <a:chExt cx="5265113" cy="2121822"/>
+              </a:xfrm>
+            </p:grpSpPr>
+            <p:grpSp>
+              <p:nvGrpSpPr>
+                <p:cNvPr id="55" name="グループ化 54"/>
+                <p:cNvGrpSpPr/>
+                <p:nvPr/>
+              </p:nvGrpSpPr>
+              <p:grpSpPr>
+                <a:xfrm>
+                  <a:off x="5000394" y="198095"/>
+                  <a:ext cx="5265113" cy="1697290"/>
+                  <a:chOff x="4862648" y="684601"/>
+                  <a:chExt cx="5265113" cy="1697290"/>
+                </a:xfrm>
+              </p:grpSpPr>
+              <p:grpSp>
+                <p:nvGrpSpPr>
+                  <p:cNvPr id="57" name="グループ化 56"/>
+                  <p:cNvGrpSpPr/>
+                  <p:nvPr/>
+                </p:nvGrpSpPr>
+                <p:grpSpPr>
+                  <a:xfrm>
+                    <a:off x="4862648" y="684601"/>
+                    <a:ext cx="5265113" cy="1240834"/>
+                    <a:chOff x="4862648" y="684601"/>
+                    <a:chExt cx="5265113" cy="1240834"/>
+                  </a:xfrm>
+                </p:grpSpPr>
+                <p:sp>
+                  <p:nvSpPr>
+                    <p:cNvPr id="61" name="テキスト ボックス 60"/>
+                    <p:cNvSpPr txBox="1"/>
+                    <p:nvPr/>
+                  </p:nvSpPr>
+                  <p:spPr>
+                    <a:xfrm>
+                      <a:off x="4862648" y="684601"/>
+                      <a:ext cx="2425771" cy="461665"/>
+                    </a:xfrm>
+                    <a:prstGeom prst="rect">
+                      <a:avLst/>
+                    </a:prstGeom>
+                    <a:noFill/>
+                  </p:spPr>
+                  <p:txBody>
+                    <a:bodyPr wrap="square" rtlCol="0">
+                      <a:spAutoFit/>
+                    </a:bodyPr>
+                    <a:lstStyle/>
+                    <a:p>
+                      <a:r>
+                        <a:rPr lang="en-US" altLang="ja-JP" sz="2400" dirty="0" smtClean="0">
+                          <a:latin typeface="HGS創英角ｺﾞｼｯｸUB" panose="020B0900000000000000" pitchFamily="50" charset="-128"/>
+                          <a:ea typeface="HGS創英角ｺﾞｼｯｸUB" panose="020B0900000000000000" pitchFamily="50" charset="-128"/>
+                        </a:rPr>
+                        <a:t>【</a:t>
+                      </a:r>
+                      <a:r>
+                        <a:rPr lang="ja-JP" altLang="en-US" sz="2400" dirty="0">
+                          <a:latin typeface="HGS創英角ｺﾞｼｯｸUB" panose="020B0900000000000000" pitchFamily="50" charset="-128"/>
+                          <a:ea typeface="HGS創英角ｺﾞｼｯｸUB" panose="020B0900000000000000" pitchFamily="50" charset="-128"/>
+                        </a:rPr>
+                        <a:t>爆弾</a:t>
+                      </a:r>
+                      <a:r>
+                        <a:rPr lang="ja-JP" altLang="en-US" sz="2400" dirty="0" smtClean="0">
+                          <a:latin typeface="HGS創英角ｺﾞｼｯｸUB" panose="020B0900000000000000" pitchFamily="50" charset="-128"/>
+                          <a:ea typeface="HGS創英角ｺﾞｼｯｸUB" panose="020B0900000000000000" pitchFamily="50" charset="-128"/>
+                        </a:rPr>
+                        <a:t>仕様</a:t>
+                      </a:r>
+                      <a:r>
+                        <a:rPr lang="en-US" altLang="ja-JP" sz="2400" dirty="0" smtClean="0">
+                          <a:latin typeface="HGS創英角ｺﾞｼｯｸUB" panose="020B0900000000000000" pitchFamily="50" charset="-128"/>
+                          <a:ea typeface="HGS創英角ｺﾞｼｯｸUB" panose="020B0900000000000000" pitchFamily="50" charset="-128"/>
+                        </a:rPr>
+                        <a:t>】</a:t>
+                      </a:r>
+                      <a:endParaRPr kumimoji="1" lang="ja-JP" altLang="en-US" sz="2400" dirty="0">
+                        <a:latin typeface="HGS創英角ｺﾞｼｯｸUB" panose="020B0900000000000000" pitchFamily="50" charset="-128"/>
+                        <a:ea typeface="HGS創英角ｺﾞｼｯｸUB" panose="020B0900000000000000" pitchFamily="50" charset="-128"/>
+                      </a:endParaRPr>
+                    </a:p>
+                  </p:txBody>
+                </p:sp>
+                <p:sp>
+                  <p:nvSpPr>
+                    <p:cNvPr id="62" name="テキスト ボックス 61"/>
+                    <p:cNvSpPr txBox="1"/>
+                    <p:nvPr/>
+                  </p:nvSpPr>
+                  <p:spPr>
+                    <a:xfrm>
+                      <a:off x="5047090" y="1525325"/>
+                      <a:ext cx="5080671" cy="400110"/>
+                    </a:xfrm>
+                    <a:prstGeom prst="rect">
+                      <a:avLst/>
+                    </a:prstGeom>
+                    <a:noFill/>
+                  </p:spPr>
+                  <p:txBody>
+                    <a:bodyPr wrap="square" rtlCol="0">
+                      <a:spAutoFit/>
+                    </a:bodyPr>
+                    <a:lstStyle/>
+                    <a:p>
+                      <a:r>
+                        <a:rPr kumimoji="1" lang="ja-JP" altLang="en-US" sz="2000" dirty="0" smtClean="0">
+                          <a:latin typeface="HGS創英角ｺﾞｼｯｸUB" panose="020B0900000000000000" pitchFamily="50" charset="-128"/>
+                          <a:ea typeface="HGS創英角ｺﾞｼｯｸUB" panose="020B0900000000000000" pitchFamily="50" charset="-128"/>
+                        </a:rPr>
+                        <a:t>・</a:t>
+                      </a:r>
+                      <a:r>
+                        <a:rPr kumimoji="1" lang="en-US" altLang="ja-JP" sz="2000" dirty="0" smtClean="0">
+                          <a:latin typeface="HGS創英角ｺﾞｼｯｸUB" panose="020B0900000000000000" pitchFamily="50" charset="-128"/>
+                          <a:ea typeface="HGS創英角ｺﾞｼｯｸUB" panose="020B0900000000000000" pitchFamily="50" charset="-128"/>
+                        </a:rPr>
+                        <a:t>1</a:t>
+                      </a:r>
+                      <a:r>
+                        <a:rPr kumimoji="1" lang="ja-JP" altLang="en-US" sz="2000" dirty="0" err="1" smtClean="0">
+                          <a:latin typeface="HGS創英角ｺﾞｼｯｸUB" panose="020B0900000000000000" pitchFamily="50" charset="-128"/>
+                          <a:ea typeface="HGS創英角ｺﾞｼｯｸUB" panose="020B0900000000000000" pitchFamily="50" charset="-128"/>
+                        </a:rPr>
+                        <a:t>つの</a:t>
+                      </a:r>
+                      <a:r>
+                        <a:rPr kumimoji="1" lang="ja-JP" altLang="en-US" sz="2000" dirty="0" smtClean="0">
+                          <a:latin typeface="HGS創英角ｺﾞｼｯｸUB" panose="020B0900000000000000" pitchFamily="50" charset="-128"/>
+                          <a:ea typeface="HGS創英角ｺﾞｼｯｸUB" panose="020B0900000000000000" pitchFamily="50" charset="-128"/>
+                        </a:rPr>
+                        <a:t>地点に</a:t>
+                      </a:r>
+                      <a:r>
+                        <a:rPr kumimoji="1" lang="en-US" altLang="ja-JP" sz="2000" dirty="0" smtClean="0">
+                          <a:latin typeface="HGS創英角ｺﾞｼｯｸUB" panose="020B0900000000000000" pitchFamily="50" charset="-128"/>
+                          <a:ea typeface="HGS創英角ｺﾞｼｯｸUB" panose="020B0900000000000000" pitchFamily="50" charset="-128"/>
+                        </a:rPr>
+                        <a:t>2</a:t>
+                      </a:r>
+                      <a:r>
+                        <a:rPr kumimoji="1" lang="ja-JP" altLang="en-US" sz="2000" dirty="0" smtClean="0">
+                          <a:latin typeface="HGS創英角ｺﾞｼｯｸUB" panose="020B0900000000000000" pitchFamily="50" charset="-128"/>
+                          <a:ea typeface="HGS創英角ｺﾞｼｯｸUB" panose="020B0900000000000000" pitchFamily="50" charset="-128"/>
+                        </a:rPr>
+                        <a:t>発</a:t>
+                      </a:r>
+                      <a:r>
+                        <a:rPr kumimoji="1" lang="en-US" altLang="ja-JP" sz="2000" dirty="0" smtClean="0">
+                          <a:latin typeface="HGS創英角ｺﾞｼｯｸUB" panose="020B0900000000000000" pitchFamily="50" charset="-128"/>
+                          <a:ea typeface="HGS創英角ｺﾞｼｯｸUB" panose="020B0900000000000000" pitchFamily="50" charset="-128"/>
+                        </a:rPr>
+                        <a:t>(</a:t>
+                      </a:r>
+                      <a:r>
+                        <a:rPr lang="ja-JP" altLang="en-US" sz="2000" dirty="0">
+                          <a:latin typeface="HGS創英角ｺﾞｼｯｸUB" panose="020B0900000000000000" pitchFamily="50" charset="-128"/>
+                          <a:ea typeface="HGS創英角ｺﾞｼｯｸUB" panose="020B0900000000000000" pitchFamily="50" charset="-128"/>
+                        </a:rPr>
+                        <a:t>一定の間隔で</a:t>
+                      </a:r>
+                      <a:r>
+                        <a:rPr lang="en-US" altLang="ja-JP" sz="2000" dirty="0">
+                          <a:latin typeface="HGS創英角ｺﾞｼｯｸUB" panose="020B0900000000000000" pitchFamily="50" charset="-128"/>
+                          <a:ea typeface="HGS創英角ｺﾞｼｯｸUB" panose="020B0900000000000000" pitchFamily="50" charset="-128"/>
+                        </a:rPr>
+                        <a:t>2</a:t>
+                      </a:r>
+                      <a:r>
+                        <a:rPr lang="ja-JP" altLang="en-US" sz="2000" dirty="0">
+                          <a:latin typeface="HGS創英角ｺﾞｼｯｸUB" panose="020B0900000000000000" pitchFamily="50" charset="-128"/>
+                          <a:ea typeface="HGS創英角ｺﾞｼｯｸUB" panose="020B0900000000000000" pitchFamily="50" charset="-128"/>
+                        </a:rPr>
+                        <a:t>発連続</a:t>
+                      </a:r>
+                      <a:r>
+                        <a:rPr kumimoji="1" lang="en-US" altLang="ja-JP" sz="2000" dirty="0" smtClean="0">
+                          <a:latin typeface="HGS創英角ｺﾞｼｯｸUB" panose="020B0900000000000000" pitchFamily="50" charset="-128"/>
+                          <a:ea typeface="HGS創英角ｺﾞｼｯｸUB" panose="020B0900000000000000" pitchFamily="50" charset="-128"/>
+                        </a:rPr>
+                        <a:t>)</a:t>
+                      </a:r>
+                      <a:endParaRPr kumimoji="1" lang="ja-JP" altLang="en-US" sz="2000" dirty="0">
+                        <a:latin typeface="HGS創英角ｺﾞｼｯｸUB" panose="020B0900000000000000" pitchFamily="50" charset="-128"/>
+                        <a:ea typeface="HGS創英角ｺﾞｼｯｸUB" panose="020B0900000000000000" pitchFamily="50" charset="-128"/>
+                      </a:endParaRPr>
+                    </a:p>
+                  </p:txBody>
+                </p:sp>
+              </p:grpSp>
+              <p:sp>
+                <p:nvSpPr>
+                  <p:cNvPr id="59" name="テキスト ボックス 58"/>
+                  <p:cNvSpPr txBox="1"/>
+                  <p:nvPr/>
+                </p:nvSpPr>
+                <p:spPr>
+                  <a:xfrm>
+                    <a:off x="4925784" y="1981781"/>
+                    <a:ext cx="3053777" cy="400110"/>
+                  </a:xfrm>
+                  <a:prstGeom prst="rect">
+                    <a:avLst/>
+                  </a:prstGeom>
+                  <a:noFill/>
+                </p:spPr>
+                <p:txBody>
+                  <a:bodyPr wrap="square" rtlCol="0">
+                    <a:spAutoFit/>
+                  </a:bodyPr>
+                  <a:lstStyle/>
+                  <a:p>
+                    <a:r>
+                      <a:rPr lang="en-US" altLang="ja-JP" sz="2000" dirty="0" smtClean="0">
+                        <a:latin typeface="HGS創英角ｺﾞｼｯｸUB" panose="020B0900000000000000" pitchFamily="50" charset="-128"/>
+                        <a:ea typeface="HGS創英角ｺﾞｼｯｸUB" panose="020B0900000000000000" pitchFamily="50" charset="-128"/>
+                      </a:rPr>
+                      <a:t>【</a:t>
+                    </a:r>
+                    <a:r>
+                      <a:rPr lang="ja-JP" altLang="en-US" sz="2000" dirty="0" smtClean="0">
+                        <a:latin typeface="HGS創英角ｺﾞｼｯｸUB" panose="020B0900000000000000" pitchFamily="50" charset="-128"/>
+                        <a:ea typeface="HGS創英角ｺﾞｼｯｸUB" panose="020B0900000000000000" pitchFamily="50" charset="-128"/>
+                      </a:rPr>
+                      <a:t>ポイント</a:t>
+                    </a:r>
+                    <a:r>
+                      <a:rPr lang="en-US" altLang="ja-JP" sz="2000" dirty="0" smtClean="0">
+                        <a:latin typeface="HGS創英角ｺﾞｼｯｸUB" panose="020B0900000000000000" pitchFamily="50" charset="-128"/>
+                        <a:ea typeface="HGS創英角ｺﾞｼｯｸUB" panose="020B0900000000000000" pitchFamily="50" charset="-128"/>
+                      </a:rPr>
+                      <a:t>】</a:t>
+                    </a:r>
+                    <a:endParaRPr kumimoji="1" lang="ja-JP" altLang="en-US" sz="2000" dirty="0">
+                      <a:latin typeface="HGS創英角ｺﾞｼｯｸUB" panose="020B0900000000000000" pitchFamily="50" charset="-128"/>
+                      <a:ea typeface="HGS創英角ｺﾞｼｯｸUB" panose="020B0900000000000000" pitchFamily="50" charset="-128"/>
+                    </a:endParaRPr>
+                  </a:p>
+                </p:txBody>
+              </p:sp>
+            </p:grpSp>
+            <p:sp>
+              <p:nvSpPr>
+                <p:cNvPr id="56" name="テキスト ボックス 55"/>
+                <p:cNvSpPr txBox="1"/>
+                <p:nvPr/>
+              </p:nvSpPr>
+              <p:spPr>
+                <a:xfrm>
+                  <a:off x="5186966" y="1919807"/>
+                  <a:ext cx="4064435" cy="400110"/>
+                </a:xfrm>
+                <a:prstGeom prst="rect">
+                  <a:avLst/>
+                </a:prstGeom>
+                <a:noFill/>
+              </p:spPr>
+              <p:txBody>
+                <a:bodyPr wrap="square" rtlCol="0">
+                  <a:spAutoFit/>
+                </a:bodyPr>
+                <a:lstStyle/>
+                <a:p>
+                  <a:r>
+                    <a:rPr kumimoji="1" lang="ja-JP" altLang="en-US" sz="2000" dirty="0" smtClean="0">
+                      <a:latin typeface="HGS創英角ｺﾞｼｯｸUB" panose="020B0900000000000000" pitchFamily="50" charset="-128"/>
+                      <a:ea typeface="HGS創英角ｺﾞｼｯｸUB" panose="020B0900000000000000" pitchFamily="50" charset="-128"/>
+                    </a:rPr>
+                    <a:t>・</a:t>
+                  </a:r>
+                  <a:r>
+                    <a:rPr kumimoji="1" lang="en-US" altLang="ja-JP" sz="2000" dirty="0" smtClean="0">
+                      <a:latin typeface="HGS創英角ｺﾞｼｯｸUB" panose="020B0900000000000000" pitchFamily="50" charset="-128"/>
+                      <a:ea typeface="HGS創英角ｺﾞｼｯｸUB" panose="020B0900000000000000" pitchFamily="50" charset="-128"/>
+                    </a:rPr>
+                    <a:t>1</a:t>
+                  </a:r>
+                  <a:r>
+                    <a:rPr kumimoji="1" lang="ja-JP" altLang="en-US" sz="2000" dirty="0" smtClean="0">
+                      <a:latin typeface="HGS創英角ｺﾞｼｯｸUB" panose="020B0900000000000000" pitchFamily="50" charset="-128"/>
+                      <a:ea typeface="HGS創英角ｺﾞｼｯｸUB" panose="020B0900000000000000" pitchFamily="50" charset="-128"/>
+                    </a:rPr>
+                    <a:t>発</a:t>
+                  </a:r>
+                  <a:r>
+                    <a:rPr lang="en-US" altLang="ja-JP" sz="2000" dirty="0">
+                      <a:latin typeface="HGS創英角ｺﾞｼｯｸUB" panose="020B0900000000000000" pitchFamily="50" charset="-128"/>
+                      <a:ea typeface="HGS創英角ｺﾞｼｯｸUB" panose="020B0900000000000000" pitchFamily="50" charset="-128"/>
+                    </a:rPr>
+                    <a:t>3</a:t>
+                  </a:r>
+                  <a:r>
+                    <a:rPr kumimoji="1" lang="ja-JP" altLang="en-US" sz="2000" dirty="0" smtClean="0">
+                      <a:latin typeface="HGS創英角ｺﾞｼｯｸUB" panose="020B0900000000000000" pitchFamily="50" charset="-128"/>
+                      <a:ea typeface="HGS創英角ｺﾞｼｯｸUB" panose="020B0900000000000000" pitchFamily="50" charset="-128"/>
+                    </a:rPr>
+                    <a:t>ポイント</a:t>
+                  </a:r>
+                  <a:r>
+                    <a:rPr kumimoji="1" lang="en-US" altLang="ja-JP" sz="2000" dirty="0" smtClean="0">
+                      <a:latin typeface="HGS創英角ｺﾞｼｯｸUB" panose="020B0900000000000000" pitchFamily="50" charset="-128"/>
+                      <a:ea typeface="HGS創英角ｺﾞｼｯｸUB" panose="020B0900000000000000" pitchFamily="50" charset="-128"/>
+                    </a:rPr>
+                    <a:t>(</a:t>
+                  </a:r>
+                  <a:r>
+                    <a:rPr kumimoji="1" lang="ja-JP" altLang="en-US" sz="2000" dirty="0" smtClean="0">
+                      <a:latin typeface="HGS創英角ｺﾞｼｯｸUB" panose="020B0900000000000000" pitchFamily="50" charset="-128"/>
+                      <a:ea typeface="HGS創英角ｺﾞｼｯｸUB" panose="020B0900000000000000" pitchFamily="50" charset="-128"/>
+                    </a:rPr>
+                    <a:t>合計</a:t>
+                  </a:r>
+                  <a:r>
+                    <a:rPr kumimoji="1" lang="en-US" altLang="ja-JP" sz="2000" dirty="0" smtClean="0">
+                      <a:latin typeface="HGS創英角ｺﾞｼｯｸUB" panose="020B0900000000000000" pitchFamily="50" charset="-128"/>
+                      <a:ea typeface="HGS創英角ｺﾞｼｯｸUB" panose="020B0900000000000000" pitchFamily="50" charset="-128"/>
+                    </a:rPr>
+                    <a:t>6</a:t>
+                  </a:r>
+                  <a:r>
+                    <a:rPr lang="ja-JP" altLang="en-US" sz="2000" dirty="0">
+                      <a:latin typeface="HGS創英角ｺﾞｼｯｸUB" panose="020B0900000000000000" pitchFamily="50" charset="-128"/>
+                      <a:ea typeface="HGS創英角ｺﾞｼｯｸUB" panose="020B0900000000000000" pitchFamily="50" charset="-128"/>
+                    </a:rPr>
+                    <a:t>ポイント</a:t>
+                  </a:r>
+                  <a:r>
+                    <a:rPr kumimoji="1" lang="en-US" altLang="ja-JP" sz="2000" dirty="0" smtClean="0">
+                      <a:latin typeface="HGS創英角ｺﾞｼｯｸUB" panose="020B0900000000000000" pitchFamily="50" charset="-128"/>
+                      <a:ea typeface="HGS創英角ｺﾞｼｯｸUB" panose="020B0900000000000000" pitchFamily="50" charset="-128"/>
+                    </a:rPr>
+                    <a:t>)</a:t>
+                  </a:r>
+                  <a:endParaRPr kumimoji="1" lang="ja-JP" altLang="en-US" sz="2000" dirty="0">
+                    <a:latin typeface="HGS創英角ｺﾞｼｯｸUB" panose="020B0900000000000000" pitchFamily="50" charset="-128"/>
+                    <a:ea typeface="HGS創英角ｺﾞｼｯｸUB" panose="020B0900000000000000" pitchFamily="50" charset="-128"/>
+                  </a:endParaRPr>
+                </a:p>
+              </p:txBody>
+            </p:sp>
+          </p:grpSp>
+          <p:sp>
+            <p:nvSpPr>
+              <p:cNvPr id="82" name="テキスト ボックス 81"/>
+              <p:cNvSpPr txBox="1"/>
+              <p:nvPr/>
+            </p:nvSpPr>
+            <p:spPr>
+              <a:xfrm>
+                <a:off x="3211455" y="3572846"/>
+                <a:ext cx="3002609" cy="400110"/>
+              </a:xfrm>
+              <a:prstGeom prst="rect">
+                <a:avLst/>
+              </a:prstGeom>
+              <a:noFill/>
+            </p:spPr>
+            <p:txBody>
+              <a:bodyPr wrap="square" rtlCol="0">
+                <a:spAutoFit/>
+              </a:bodyPr>
+              <a:lstStyle/>
+              <a:p>
+                <a:r>
+                  <a:rPr kumimoji="1" lang="ja-JP" altLang="en-US" sz="2000" dirty="0" smtClean="0">
+                    <a:latin typeface="HGS創英角ｺﾞｼｯｸUB" panose="020B0900000000000000" pitchFamily="50" charset="-128"/>
+                    <a:ea typeface="HGS創英角ｺﾞｼｯｸUB" panose="020B0900000000000000" pitchFamily="50" charset="-128"/>
+                  </a:rPr>
+                  <a:t>・ノックバック（大）</a:t>
+                </a:r>
+                <a:endParaRPr kumimoji="1" lang="ja-JP" altLang="en-US" sz="2000" dirty="0">
+                  <a:latin typeface="HGS創英角ｺﾞｼｯｸUB" panose="020B0900000000000000" pitchFamily="50" charset="-128"/>
+                  <a:ea typeface="HGS創英角ｺﾞｼｯｸUB" panose="020B0900000000000000" pitchFamily="50" charset="-128"/>
+                </a:endParaRPr>
+              </a:p>
+            </p:txBody>
+          </p:sp>
+        </p:grpSp>
+        <p:sp>
+          <p:nvSpPr>
+            <p:cNvPr id="84" name="テキスト ボックス 83"/>
+            <p:cNvSpPr txBox="1"/>
+            <p:nvPr/>
+          </p:nvSpPr>
+          <p:spPr>
+            <a:xfrm>
+              <a:off x="3277715" y="614562"/>
+              <a:ext cx="3053777" cy="400110"/>
+            </a:xfrm>
+            <a:prstGeom prst="rect">
+              <a:avLst/>
+            </a:prstGeom>
+            <a:noFill/>
+          </p:spPr>
+          <p:txBody>
+            <a:bodyPr wrap="square" rtlCol="0">
+              <a:spAutoFit/>
+            </a:bodyPr>
+            <a:lstStyle/>
+            <a:p>
+              <a:r>
+                <a:rPr lang="en-US" altLang="ja-JP" sz="2000" dirty="0" smtClean="0">
+                  <a:latin typeface="HGS創英角ｺﾞｼｯｸUB" panose="020B0900000000000000" pitchFamily="50" charset="-128"/>
+                  <a:ea typeface="HGS創英角ｺﾞｼｯｸUB" panose="020B0900000000000000" pitchFamily="50" charset="-128"/>
+                </a:rPr>
+                <a:t>【</a:t>
+              </a:r>
+              <a:r>
+                <a:rPr lang="ja-JP" altLang="en-US" sz="2000" dirty="0" smtClean="0">
+                  <a:latin typeface="HGS創英角ｺﾞｼｯｸUB" panose="020B0900000000000000" pitchFamily="50" charset="-128"/>
+                  <a:ea typeface="HGS創英角ｺﾞｼｯｸUB" panose="020B0900000000000000" pitchFamily="50" charset="-128"/>
+                </a:rPr>
+                <a:t>弾の出し方</a:t>
+              </a:r>
+              <a:r>
+                <a:rPr lang="en-US" altLang="ja-JP" sz="2000" dirty="0" smtClean="0">
+                  <a:latin typeface="HGS創英角ｺﾞｼｯｸUB" panose="020B0900000000000000" pitchFamily="50" charset="-128"/>
+                  <a:ea typeface="HGS創英角ｺﾞｼｯｸUB" panose="020B0900000000000000" pitchFamily="50" charset="-128"/>
+                </a:rPr>
+                <a:t>】</a:t>
+              </a:r>
+              <a:endParaRPr kumimoji="1" lang="ja-JP" altLang="en-US" sz="2000" dirty="0">
+                <a:latin typeface="HGS創英角ｺﾞｼｯｸUB" panose="020B0900000000000000" pitchFamily="50" charset="-128"/>
+                <a:ea typeface="HGS創英角ｺﾞｼｯｸUB" panose="020B0900000000000000" pitchFamily="50" charset="-128"/>
+              </a:endParaRPr>
+            </a:p>
+          </p:txBody>
+        </p:sp>
+        <p:sp>
+          <p:nvSpPr>
+            <p:cNvPr id="85" name="テキスト ボックス 84"/>
+            <p:cNvSpPr txBox="1"/>
+            <p:nvPr/>
+          </p:nvSpPr>
+          <p:spPr>
+            <a:xfrm>
+              <a:off x="3286802" y="2280473"/>
+              <a:ext cx="3053777" cy="400110"/>
+            </a:xfrm>
+            <a:prstGeom prst="rect">
+              <a:avLst/>
+            </a:prstGeom>
+            <a:noFill/>
+          </p:spPr>
+          <p:txBody>
+            <a:bodyPr wrap="square" rtlCol="0">
+              <a:spAutoFit/>
+            </a:bodyPr>
+            <a:lstStyle/>
+            <a:p>
+              <a:r>
+                <a:rPr lang="en-US" altLang="ja-JP" sz="2000" dirty="0" smtClean="0">
+                  <a:latin typeface="HGS創英角ｺﾞｼｯｸUB" panose="020B0900000000000000" pitchFamily="50" charset="-128"/>
+                  <a:ea typeface="HGS創英角ｺﾞｼｯｸUB" panose="020B0900000000000000" pitchFamily="50" charset="-128"/>
+                </a:rPr>
+                <a:t>【</a:t>
+              </a:r>
+              <a:r>
+                <a:rPr lang="ja-JP" altLang="en-US" sz="2000" dirty="0" smtClean="0">
+                  <a:latin typeface="HGS創英角ｺﾞｼｯｸUB" panose="020B0900000000000000" pitchFamily="50" charset="-128"/>
+                  <a:ea typeface="HGS創英角ｺﾞｼｯｸUB" panose="020B0900000000000000" pitchFamily="50" charset="-128"/>
+                </a:rPr>
+                <a:t>演出</a:t>
+              </a:r>
+              <a:r>
+                <a:rPr lang="en-US" altLang="ja-JP" sz="2000" dirty="0" smtClean="0">
+                  <a:latin typeface="HGS創英角ｺﾞｼｯｸUB" panose="020B0900000000000000" pitchFamily="50" charset="-128"/>
+                  <a:ea typeface="HGS創英角ｺﾞｼｯｸUB" panose="020B0900000000000000" pitchFamily="50" charset="-128"/>
+                </a:rPr>
+                <a:t>】</a:t>
+              </a:r>
+              <a:endParaRPr kumimoji="1" lang="ja-JP" altLang="en-US" sz="2000" dirty="0">
+                <a:latin typeface="HGS創英角ｺﾞｼｯｸUB" panose="020B0900000000000000" pitchFamily="50" charset="-128"/>
+                <a:ea typeface="HGS創英角ｺﾞｼｯｸUB" panose="020B0900000000000000" pitchFamily="50" charset="-128"/>
+              </a:endParaRPr>
+            </a:p>
+          </p:txBody>
+        </p:sp>
+        <p:sp>
+          <p:nvSpPr>
+            <p:cNvPr id="86" name="テキスト ボックス 85"/>
+            <p:cNvSpPr txBox="1"/>
+            <p:nvPr/>
+          </p:nvSpPr>
+          <p:spPr>
+            <a:xfrm>
+              <a:off x="3430286" y="2641783"/>
+              <a:ext cx="5158825" cy="400110"/>
+            </a:xfrm>
+            <a:prstGeom prst="rect">
+              <a:avLst/>
+            </a:prstGeom>
+            <a:noFill/>
+          </p:spPr>
+          <p:txBody>
+            <a:bodyPr wrap="square" rtlCol="0">
+              <a:spAutoFit/>
+            </a:bodyPr>
+            <a:lstStyle/>
+            <a:p>
+              <a:r>
+                <a:rPr kumimoji="1" lang="ja-JP" altLang="en-US" sz="2000" dirty="0" smtClean="0">
+                  <a:latin typeface="HGS創英角ｺﾞｼｯｸUB" panose="020B0900000000000000" pitchFamily="50" charset="-128"/>
+                  <a:ea typeface="HGS創英角ｺﾞｼｯｸUB" panose="020B0900000000000000" pitchFamily="50" charset="-128"/>
+                </a:rPr>
+                <a:t>・スフィアエフェクト</a:t>
+              </a:r>
+              <a:r>
+                <a:rPr lang="en-US" altLang="ja-JP" sz="2000" dirty="0" smtClean="0">
+                  <a:latin typeface="HGS創英角ｺﾞｼｯｸUB" panose="020B0900000000000000" pitchFamily="50" charset="-128"/>
+                  <a:ea typeface="HGS創英角ｺﾞｼｯｸUB" panose="020B0900000000000000" pitchFamily="50" charset="-128"/>
+                </a:rPr>
+                <a:t>(</a:t>
+              </a:r>
+              <a:r>
+                <a:rPr lang="ja-JP" altLang="en-US" sz="2000" dirty="0" smtClean="0">
+                  <a:latin typeface="HGS創英角ｺﾞｼｯｸUB" panose="020B0900000000000000" pitchFamily="50" charset="-128"/>
+                  <a:ea typeface="HGS創英角ｺﾞｼｯｸUB" panose="020B0900000000000000" pitchFamily="50" charset="-128"/>
+                </a:rPr>
+                <a:t>爆弾エフェクト</a:t>
+              </a:r>
+              <a:r>
+                <a:rPr lang="en-US" altLang="ja-JP" sz="2000" dirty="0" smtClean="0">
+                  <a:latin typeface="HGS創英角ｺﾞｼｯｸUB" panose="020B0900000000000000" pitchFamily="50" charset="-128"/>
+                  <a:ea typeface="HGS創英角ｺﾞｼｯｸUB" panose="020B0900000000000000" pitchFamily="50" charset="-128"/>
+                </a:rPr>
+                <a:t>)</a:t>
+              </a:r>
+              <a:endParaRPr kumimoji="1" lang="ja-JP" altLang="en-US" sz="2000" dirty="0">
+                <a:latin typeface="HGS創英角ｺﾞｼｯｸUB" panose="020B0900000000000000" pitchFamily="50" charset="-128"/>
+                <a:ea typeface="HGS創英角ｺﾞｼｯｸUB" panose="020B0900000000000000" pitchFamily="50" charset="-128"/>
+              </a:endParaRPr>
+            </a:p>
+          </p:txBody>
+        </p:sp>
+        <p:sp>
+          <p:nvSpPr>
+            <p:cNvPr id="90" name="テキスト ボックス 89"/>
+            <p:cNvSpPr txBox="1"/>
+            <p:nvPr/>
+          </p:nvSpPr>
+          <p:spPr>
+            <a:xfrm>
+              <a:off x="3316123" y="3003508"/>
+              <a:ext cx="3053777" cy="400110"/>
+            </a:xfrm>
+            <a:prstGeom prst="rect">
+              <a:avLst/>
+            </a:prstGeom>
+            <a:noFill/>
+          </p:spPr>
+          <p:txBody>
+            <a:bodyPr wrap="square" rtlCol="0">
+              <a:spAutoFit/>
+            </a:bodyPr>
+            <a:lstStyle/>
+            <a:p>
+              <a:r>
+                <a:rPr lang="en-US" altLang="ja-JP" sz="2000" dirty="0" smtClean="0">
+                  <a:latin typeface="HGS創英角ｺﾞｼｯｸUB" panose="020B0900000000000000" pitchFamily="50" charset="-128"/>
+                  <a:ea typeface="HGS創英角ｺﾞｼｯｸUB" panose="020B0900000000000000" pitchFamily="50" charset="-128"/>
+                </a:rPr>
+                <a:t>【</a:t>
+              </a:r>
+              <a:r>
+                <a:rPr lang="ja-JP" altLang="en-US" sz="2000" dirty="0" smtClean="0">
+                  <a:latin typeface="HGS創英角ｺﾞｼｯｸUB" panose="020B0900000000000000" pitchFamily="50" charset="-128"/>
+                  <a:ea typeface="HGS創英角ｺﾞｼｯｸUB" panose="020B0900000000000000" pitchFamily="50" charset="-128"/>
+                </a:rPr>
+                <a:t>ノックバック</a:t>
+              </a:r>
+              <a:r>
+                <a:rPr lang="en-US" altLang="ja-JP" sz="2000" dirty="0" smtClean="0">
+                  <a:latin typeface="HGS創英角ｺﾞｼｯｸUB" panose="020B0900000000000000" pitchFamily="50" charset="-128"/>
+                  <a:ea typeface="HGS創英角ｺﾞｼｯｸUB" panose="020B0900000000000000" pitchFamily="50" charset="-128"/>
+                </a:rPr>
+                <a:t>】</a:t>
+              </a:r>
+              <a:endParaRPr kumimoji="1" lang="ja-JP" altLang="en-US" sz="2000" dirty="0">
+                <a:latin typeface="HGS創英角ｺﾞｼｯｸUB" panose="020B0900000000000000" pitchFamily="50" charset="-128"/>
+                <a:ea typeface="HGS創英角ｺﾞｼｯｸUB" panose="020B0900000000000000" pitchFamily="50" charset="-128"/>
+              </a:endParaRPr>
+            </a:p>
+          </p:txBody>
+        </p:sp>
+      </p:grpSp>
+    </p:spTree>
+    <p:extLst>
+      <p:ext uri="{BB962C8B-B14F-4D97-AF65-F5344CB8AC3E}">
+        <p14:creationId xmlns:p14="http://schemas.microsoft.com/office/powerpoint/2010/main" val="1219793121"/>
+      </p:ext>
+    </p:extLst>
+  </p:cSld>
+  <p:clrMapOvr>
+    <a:masterClrMapping/>
+  </p:clrMapOvr>
+</p:sld>
+</file>
+
+<file path=ppt/slides/slide7.xml><?xml version="1.0" encoding="utf-8"?>
+<p:sld xmlns:a="http://schemas.openxmlformats.org/drawingml/2006/main" xmlns:r="http://schemas.openxmlformats.org/officeDocument/2006/relationships" xmlns:p="http://schemas.openxmlformats.org/presentationml/2006/main">
+  <p:cSld>
+    <p:spTree>
+      <p:nvGrpSpPr>
+        <p:cNvPr id="1" name=""/>
+        <p:cNvGrpSpPr/>
+        <p:nvPr/>
+      </p:nvGrpSpPr>
+      <p:grpSpPr>
+        <a:xfrm>
+          <a:off x="0" y="0"/>
+          <a:ext cx="0" cy="0"/>
+          <a:chOff x="0" y="0"/>
+          <a:chExt cx="0" cy="0"/>
+        </a:xfrm>
+      </p:grpSpPr>
+      <p:grpSp>
+        <p:nvGrpSpPr>
+          <p:cNvPr id="8" name="グループ化 7"/>
+          <p:cNvGrpSpPr/>
+          <p:nvPr/>
+        </p:nvGrpSpPr>
+        <p:grpSpPr>
+          <a:xfrm>
+            <a:off x="799775" y="362812"/>
+            <a:ext cx="2205771" cy="5881407"/>
+            <a:chOff x="9471514" y="316350"/>
+            <a:chExt cx="2205771" cy="5881407"/>
+          </a:xfrm>
+        </p:grpSpPr>
+        <p:pic>
+          <p:nvPicPr>
+            <p:cNvPr id="9" name="図 8"/>
+            <p:cNvPicPr>
+              <a:picLocks noChangeAspect="1"/>
+            </p:cNvPicPr>
+            <p:nvPr/>
+          </p:nvPicPr>
+          <p:blipFill rotWithShape="1">
+            <a:blip r:embed="rId2">
+              <a:extLst>
+                <a:ext uri="{28A0092B-C50C-407E-A947-70E740481C1C}">
+                  <a14:useLocalDpi xmlns:a14="http://schemas.microsoft.com/office/drawing/2010/main" val="0"/>
+                </a:ext>
+              </a:extLst>
+            </a:blip>
+            <a:srcRect l="51645" r="42677"/>
+            <a:stretch/>
+          </p:blipFill>
+          <p:spPr>
+            <a:xfrm>
+              <a:off x="10049607" y="861646"/>
+              <a:ext cx="876212" cy="5336111"/>
+            </a:xfrm>
+            <a:prstGeom prst="rect">
+              <a:avLst/>
+            </a:prstGeom>
+          </p:spPr>
+        </p:pic>
+        <p:sp>
+          <p:nvSpPr>
+            <p:cNvPr id="10" name="テキスト ボックス 9"/>
+            <p:cNvSpPr txBox="1"/>
+            <p:nvPr/>
+          </p:nvSpPr>
+          <p:spPr>
+            <a:xfrm>
+              <a:off x="9471514" y="316350"/>
+              <a:ext cx="2205771" cy="523220"/>
+            </a:xfrm>
+            <a:prstGeom prst="rect">
+              <a:avLst/>
+            </a:prstGeom>
+            <a:noFill/>
+          </p:spPr>
+          <p:txBody>
+            <a:bodyPr wrap="square" rtlCol="0">
+              <a:spAutoFit/>
+            </a:bodyPr>
+            <a:lstStyle/>
+            <a:p>
+              <a:pPr algn="ctr"/>
+              <a:r>
+                <a:rPr lang="ja-JP" altLang="en-US" sz="2800" dirty="0" smtClean="0">
+                  <a:latin typeface="FOTC-ARYuanB5 Ultra" panose="020F0A00000000000000" pitchFamily="34" charset="-120"/>
+                  <a:ea typeface="FOTC-ARYuanB5 Ultra" panose="020F0A00000000000000" pitchFamily="34" charset="-120"/>
+                </a:rPr>
+                <a:t>マシン</a:t>
+              </a:r>
+              <a:r>
+                <a:rPr lang="ja-JP" altLang="en-US" sz="2800" dirty="0">
+                  <a:latin typeface="FOTC-ARYuanB5 Ultra" panose="020F0A00000000000000" pitchFamily="34" charset="-120"/>
+                  <a:ea typeface="FOTC-ARYuanB5 Ultra" panose="020F0A00000000000000" pitchFamily="34" charset="-120"/>
+                </a:rPr>
+                <a:t>ガン</a:t>
+              </a:r>
+              <a:endParaRPr kumimoji="1" lang="ja-JP" altLang="en-US" sz="2800" dirty="0">
+                <a:latin typeface="FOTC-ARYuanB5 Ultra" panose="020F0A00000000000000" pitchFamily="34" charset="-120"/>
+                <a:ea typeface="FOTC-ARYuanB5 Ultra" panose="020F0A00000000000000" pitchFamily="34" charset="-120"/>
+              </a:endParaRPr>
+            </a:p>
+          </p:txBody>
+        </p:sp>
+      </p:grpSp>
+      <p:grpSp>
+        <p:nvGrpSpPr>
+          <p:cNvPr id="58" name="グループ化 57"/>
+          <p:cNvGrpSpPr/>
+          <p:nvPr/>
+        </p:nvGrpSpPr>
+        <p:grpSpPr>
+          <a:xfrm>
+            <a:off x="3904681" y="1121273"/>
+            <a:ext cx="1142427" cy="4503063"/>
+            <a:chOff x="3496869" y="1258277"/>
+            <a:chExt cx="1142427" cy="4503063"/>
+          </a:xfrm>
+        </p:grpSpPr>
+        <p:grpSp>
+          <p:nvGrpSpPr>
+            <p:cNvPr id="42" name="グループ化 41"/>
+            <p:cNvGrpSpPr/>
+            <p:nvPr/>
+          </p:nvGrpSpPr>
+          <p:grpSpPr>
+            <a:xfrm>
+              <a:off x="3496869" y="1258277"/>
+              <a:ext cx="1142427" cy="4503063"/>
+              <a:chOff x="3352458" y="1070708"/>
+              <a:chExt cx="1142427" cy="4503063"/>
+            </a:xfrm>
+          </p:grpSpPr>
+          <p:sp>
+            <p:nvSpPr>
+              <p:cNvPr id="41" name="正方形/長方形 40"/>
+              <p:cNvSpPr/>
+              <p:nvPr/>
+            </p:nvSpPr>
+            <p:spPr>
+              <a:xfrm>
+                <a:off x="3352458" y="1070708"/>
+                <a:ext cx="1142427" cy="3635105"/>
+              </a:xfrm>
+              <a:prstGeom prst="rect">
+                <a:avLst/>
+              </a:prstGeom>
+              <a:solidFill>
+                <a:srgbClr val="FFC000"/>
+              </a:solidFill>
+              <a:ln w="28575">
+                <a:solidFill>
+                  <a:schemeClr val="tx1"/>
+                </a:solidFill>
+              </a:ln>
+            </p:spPr>
+            <p:style>
+              <a:lnRef idx="2">
+                <a:schemeClr val="accent1">
+                  <a:shade val="50000"/>
+                </a:schemeClr>
+              </a:lnRef>
+              <a:fillRef idx="1">
+                <a:schemeClr val="accent1"/>
+              </a:fillRef>
+              <a:effectRef idx="0">
+                <a:schemeClr val="accent1"/>
+              </a:effectRef>
+              <a:fontRef idx="minor">
+                <a:schemeClr val="lt1"/>
+              </a:fontRef>
+            </p:style>
+            <p:txBody>
+              <a:bodyPr rtlCol="0" anchor="ctr"/>
+              <a:lstStyle/>
+              <a:p>
+                <a:pPr algn="ctr"/>
+                <a:endParaRPr kumimoji="1" lang="ja-JP" altLang="en-US"/>
+              </a:p>
+            </p:txBody>
+          </p:sp>
+          <p:pic>
+            <p:nvPicPr>
+              <p:cNvPr id="2" name="図 1"/>
+              <p:cNvPicPr>
+                <a:picLocks noChangeAspect="1"/>
+              </p:cNvPicPr>
+              <p:nvPr/>
+            </p:nvPicPr>
+            <p:blipFill rotWithShape="1">
+              <a:blip r:embed="rId3">
+                <a:extLst>
+                  <a:ext uri="{28A0092B-C50C-407E-A947-70E740481C1C}">
+                    <a14:useLocalDpi xmlns:a14="http://schemas.microsoft.com/office/drawing/2010/main" val="0"/>
+                  </a:ext>
+                </a:extLst>
+              </a:blip>
+              <a:srcRect r="86650" b="90889"/>
+              <a:stretch/>
+            </p:blipFill>
+            <p:spPr>
+              <a:xfrm>
+                <a:off x="3459896" y="1143000"/>
+                <a:ext cx="679226" cy="629226"/>
+              </a:xfrm>
+              <a:prstGeom prst="rect">
+                <a:avLst/>
+              </a:prstGeom>
+            </p:spPr>
+          </p:pic>
+          <p:pic>
+            <p:nvPicPr>
+              <p:cNvPr id="3" name="図 2"/>
+              <p:cNvPicPr>
+                <a:picLocks noChangeAspect="1"/>
+              </p:cNvPicPr>
+              <p:nvPr/>
+            </p:nvPicPr>
+            <p:blipFill rotWithShape="1">
+              <a:blip r:embed="rId3">
+                <a:extLst>
+                  <a:ext uri="{28A0092B-C50C-407E-A947-70E740481C1C}">
+                    <a14:useLocalDpi xmlns:a14="http://schemas.microsoft.com/office/drawing/2010/main" val="0"/>
+                  </a:ext>
+                </a:extLst>
+              </a:blip>
+              <a:srcRect r="86650" b="90889"/>
+              <a:stretch/>
+            </p:blipFill>
+            <p:spPr>
+              <a:xfrm>
+                <a:off x="3761370" y="1764411"/>
+                <a:ext cx="679226" cy="629226"/>
+              </a:xfrm>
+              <a:prstGeom prst="rect">
+                <a:avLst/>
+              </a:prstGeom>
+            </p:spPr>
+          </p:pic>
+          <p:pic>
+            <p:nvPicPr>
+              <p:cNvPr id="4" name="図 3"/>
+              <p:cNvPicPr>
+                <a:picLocks noChangeAspect="1"/>
+              </p:cNvPicPr>
+              <p:nvPr/>
+            </p:nvPicPr>
+            <p:blipFill rotWithShape="1">
+              <a:blip r:embed="rId3">
+                <a:extLst>
+                  <a:ext uri="{28A0092B-C50C-407E-A947-70E740481C1C}">
+                    <a14:useLocalDpi xmlns:a14="http://schemas.microsoft.com/office/drawing/2010/main" val="0"/>
+                  </a:ext>
+                </a:extLst>
+              </a:blip>
+              <a:srcRect r="86650" b="90889"/>
+              <a:stretch/>
+            </p:blipFill>
+            <p:spPr>
+              <a:xfrm>
+                <a:off x="3406127" y="2303672"/>
+                <a:ext cx="679226" cy="629226"/>
+              </a:xfrm>
+              <a:prstGeom prst="rect">
+                <a:avLst/>
+              </a:prstGeom>
+            </p:spPr>
+          </p:pic>
+          <p:pic>
+            <p:nvPicPr>
+              <p:cNvPr id="5" name="図 4"/>
+              <p:cNvPicPr>
+                <a:picLocks noChangeAspect="1"/>
+              </p:cNvPicPr>
+              <p:nvPr/>
+            </p:nvPicPr>
+            <p:blipFill rotWithShape="1">
+              <a:blip r:embed="rId3">
+                <a:extLst>
+                  <a:ext uri="{28A0092B-C50C-407E-A947-70E740481C1C}">
+                    <a14:useLocalDpi xmlns:a14="http://schemas.microsoft.com/office/drawing/2010/main" val="0"/>
+                  </a:ext>
+                </a:extLst>
+              </a:blip>
+              <a:srcRect r="86650" b="90889"/>
+              <a:stretch/>
+            </p:blipFill>
+            <p:spPr>
+              <a:xfrm>
+                <a:off x="3807324" y="2818728"/>
+                <a:ext cx="679226" cy="629226"/>
+              </a:xfrm>
+              <a:prstGeom prst="rect">
+                <a:avLst/>
+              </a:prstGeom>
+            </p:spPr>
+          </p:pic>
+          <p:pic>
+            <p:nvPicPr>
+              <p:cNvPr id="6" name="図 5"/>
+              <p:cNvPicPr>
+                <a:picLocks noChangeAspect="1"/>
+              </p:cNvPicPr>
+              <p:nvPr/>
+            </p:nvPicPr>
+            <p:blipFill rotWithShape="1">
+              <a:blip r:embed="rId3">
+                <a:extLst>
+                  <a:ext uri="{28A0092B-C50C-407E-A947-70E740481C1C}">
+                    <a14:useLocalDpi xmlns:a14="http://schemas.microsoft.com/office/drawing/2010/main" val="0"/>
+                  </a:ext>
+                </a:extLst>
+              </a:blip>
+              <a:srcRect r="86650" b="90889"/>
+              <a:stretch/>
+            </p:blipFill>
+            <p:spPr>
+              <a:xfrm>
+                <a:off x="3413942" y="3270956"/>
+                <a:ext cx="679226" cy="629226"/>
+              </a:xfrm>
+              <a:prstGeom prst="rect">
+                <a:avLst/>
+              </a:prstGeom>
+            </p:spPr>
+          </p:pic>
+          <p:pic>
+            <p:nvPicPr>
+              <p:cNvPr id="7" name="図 6"/>
+              <p:cNvPicPr>
+                <a:picLocks noChangeAspect="1"/>
+              </p:cNvPicPr>
+              <p:nvPr/>
+            </p:nvPicPr>
+            <p:blipFill rotWithShape="1">
+              <a:blip r:embed="rId3">
+                <a:extLst>
+                  <a:ext uri="{28A0092B-C50C-407E-A947-70E740481C1C}">
+                    <a14:useLocalDpi xmlns:a14="http://schemas.microsoft.com/office/drawing/2010/main" val="0"/>
+                  </a:ext>
+                </a:extLst>
+              </a:blip>
+              <a:srcRect r="86650" b="90889"/>
+              <a:stretch/>
+            </p:blipFill>
+            <p:spPr>
+              <a:xfrm>
+                <a:off x="3799509" y="3802402"/>
+                <a:ext cx="679226" cy="629226"/>
+              </a:xfrm>
+              <a:prstGeom prst="rect">
+                <a:avLst/>
+              </a:prstGeom>
+            </p:spPr>
+          </p:pic>
+          <p:grpSp>
+            <p:nvGrpSpPr>
+              <p:cNvPr id="22" name="グループ化 21"/>
+              <p:cNvGrpSpPr/>
+              <p:nvPr/>
+            </p:nvGrpSpPr>
+            <p:grpSpPr>
+              <a:xfrm>
+                <a:off x="3454787" y="4818176"/>
+                <a:ext cx="1023948" cy="755595"/>
+                <a:chOff x="3653185" y="4652061"/>
+                <a:chExt cx="691112" cy="502598"/>
+              </a:xfrm>
+            </p:grpSpPr>
+            <p:sp>
+              <p:nvSpPr>
+                <p:cNvPr id="39" name="楕円 38"/>
+                <p:cNvSpPr/>
+                <p:nvPr/>
+              </p:nvSpPr>
+              <p:spPr>
+                <a:xfrm>
+                  <a:off x="3737491" y="4652061"/>
+                  <a:ext cx="503922" cy="502598"/>
+                </a:xfrm>
+                <a:prstGeom prst="ellipse">
+                  <a:avLst/>
+                </a:prstGeom>
+              </p:spPr>
+              <p:style>
+                <a:lnRef idx="2">
+                  <a:schemeClr val="accent1">
+                    <a:shade val="50000"/>
+                  </a:schemeClr>
+                </a:lnRef>
+                <a:fillRef idx="1">
+                  <a:schemeClr val="accent1"/>
+                </a:fillRef>
+                <a:effectRef idx="0">
+                  <a:schemeClr val="accent1"/>
+                </a:effectRef>
+                <a:fontRef idx="minor">
+                  <a:schemeClr val="lt1"/>
+                </a:fontRef>
+              </p:style>
+              <p:txBody>
+                <a:bodyPr rtlCol="0" anchor="ctr"/>
+                <a:lstStyle/>
+                <a:p>
+                  <a:pPr algn="ctr"/>
+                  <a:endParaRPr kumimoji="1" lang="ja-JP" altLang="en-US" sz="2400"/>
+                </a:p>
+              </p:txBody>
+            </p:sp>
+            <p:sp>
+              <p:nvSpPr>
+                <p:cNvPr id="40" name="テキスト ボックス 39"/>
+                <p:cNvSpPr txBox="1"/>
+                <p:nvPr/>
+              </p:nvSpPr>
+              <p:spPr>
+                <a:xfrm>
+                  <a:off x="3653185" y="4818757"/>
+                  <a:ext cx="691112" cy="218583"/>
+                </a:xfrm>
+                <a:prstGeom prst="rect">
+                  <a:avLst/>
+                </a:prstGeom>
+                <a:noFill/>
+              </p:spPr>
+              <p:txBody>
+                <a:bodyPr wrap="square" rtlCol="0">
+                  <a:spAutoFit/>
+                </a:bodyPr>
+                <a:lstStyle/>
+                <a:p>
+                  <a:pPr algn="ctr"/>
+                  <a:r>
+                    <a:rPr lang="ja-JP" altLang="en-US" sz="1600" dirty="0" smtClean="0">
+                      <a:latin typeface="FOT-UD角ゴ_スモール Pr6 H" panose="02020900000000000000" pitchFamily="18" charset="-128"/>
+                      <a:ea typeface="FOT-UD角ゴ_スモール Pr6 H" panose="02020900000000000000" pitchFamily="18" charset="-128"/>
+                    </a:rPr>
+                    <a:t>キャラ</a:t>
+                  </a:r>
+                  <a:endParaRPr kumimoji="1" lang="ja-JP" altLang="en-US" sz="1600" dirty="0">
+                    <a:latin typeface="FOT-UD角ゴ_スモール Pr6 H" panose="02020900000000000000" pitchFamily="18" charset="-128"/>
+                    <a:ea typeface="FOT-UD角ゴ_スモール Pr6 H" panose="02020900000000000000" pitchFamily="18" charset="-128"/>
+                  </a:endParaRPr>
+                </a:p>
+              </p:txBody>
+            </p:sp>
+          </p:grpSp>
+        </p:grpSp>
+        <p:grpSp>
+          <p:nvGrpSpPr>
+            <p:cNvPr id="36" name="グループ化 35"/>
+            <p:cNvGrpSpPr/>
+            <p:nvPr/>
+          </p:nvGrpSpPr>
+          <p:grpSpPr>
+            <a:xfrm>
+              <a:off x="3558353" y="1727345"/>
+              <a:ext cx="330027" cy="304742"/>
+              <a:chOff x="3971648" y="4343400"/>
+              <a:chExt cx="312590" cy="290146"/>
+            </a:xfrm>
+          </p:grpSpPr>
+          <p:sp>
+            <p:nvSpPr>
+              <p:cNvPr id="37" name="楕円 36"/>
+              <p:cNvSpPr/>
+              <p:nvPr/>
+            </p:nvSpPr>
+            <p:spPr>
+              <a:xfrm>
+                <a:off x="3971648" y="4343400"/>
+                <a:ext cx="306262" cy="290146"/>
+              </a:xfrm>
+              <a:prstGeom prst="ellipse">
+                <a:avLst/>
+              </a:prstGeom>
+            </p:spPr>
+            <p:style>
+              <a:lnRef idx="2">
+                <a:schemeClr val="accent1">
+                  <a:shade val="50000"/>
+                </a:schemeClr>
+              </a:lnRef>
+              <a:fillRef idx="1">
+                <a:schemeClr val="accent1"/>
+              </a:fillRef>
+              <a:effectRef idx="0">
+                <a:schemeClr val="accent1"/>
+              </a:effectRef>
+              <a:fontRef idx="minor">
+                <a:schemeClr val="lt1"/>
+              </a:fontRef>
+            </p:style>
+            <p:txBody>
+              <a:bodyPr rtlCol="0" anchor="ctr"/>
+              <a:lstStyle/>
+              <a:p>
+                <a:pPr algn="ctr"/>
+                <a:endParaRPr kumimoji="1" lang="ja-JP" altLang="en-US"/>
+              </a:p>
+            </p:txBody>
+          </p:sp>
+          <p:sp>
+            <p:nvSpPr>
+              <p:cNvPr id="38" name="テキスト ボックス 37"/>
+              <p:cNvSpPr txBox="1"/>
+              <p:nvPr/>
+            </p:nvSpPr>
+            <p:spPr>
+              <a:xfrm>
+                <a:off x="3994366" y="4367516"/>
+                <a:ext cx="289872" cy="263731"/>
+              </a:xfrm>
+              <a:prstGeom prst="rect">
+                <a:avLst/>
+              </a:prstGeom>
+              <a:noFill/>
+            </p:spPr>
+            <p:txBody>
+              <a:bodyPr wrap="square" rtlCol="0">
+                <a:spAutoFit/>
+              </a:bodyPr>
+              <a:lstStyle/>
+              <a:p>
+                <a:pPr algn="ctr"/>
+                <a:r>
+                  <a:rPr lang="ja-JP" altLang="en-US" sz="1200" dirty="0" smtClean="0">
+                    <a:latin typeface="FOT-UD角ゴ_スモール Pr6 H" panose="02020900000000000000" pitchFamily="18" charset="-128"/>
+                    <a:ea typeface="FOT-UD角ゴ_スモール Pr6 H" panose="02020900000000000000" pitchFamily="18" charset="-128"/>
+                  </a:rPr>
+                  <a:t>弾</a:t>
+                </a:r>
+                <a:endParaRPr kumimoji="1" lang="ja-JP" altLang="en-US" sz="1200" dirty="0">
+                  <a:latin typeface="FOT-UD角ゴ_スモール Pr6 H" panose="02020900000000000000" pitchFamily="18" charset="-128"/>
+                  <a:ea typeface="FOT-UD角ゴ_スモール Pr6 H" panose="02020900000000000000" pitchFamily="18" charset="-128"/>
+                </a:endParaRPr>
+              </a:p>
+            </p:txBody>
+          </p:sp>
+        </p:grpSp>
+        <p:grpSp>
+          <p:nvGrpSpPr>
+            <p:cNvPr id="43" name="グループ化 42"/>
+            <p:cNvGrpSpPr/>
+            <p:nvPr/>
+          </p:nvGrpSpPr>
+          <p:grpSpPr>
+            <a:xfrm>
+              <a:off x="3935737" y="2325114"/>
+              <a:ext cx="330027" cy="304742"/>
+              <a:chOff x="3971648" y="4343400"/>
+              <a:chExt cx="312590" cy="290146"/>
+            </a:xfrm>
+          </p:grpSpPr>
+          <p:sp>
+            <p:nvSpPr>
+              <p:cNvPr id="44" name="楕円 43"/>
+              <p:cNvSpPr/>
+              <p:nvPr/>
+            </p:nvSpPr>
+            <p:spPr>
+              <a:xfrm>
+                <a:off x="3971648" y="4343400"/>
+                <a:ext cx="306262" cy="290146"/>
+              </a:xfrm>
+              <a:prstGeom prst="ellipse">
+                <a:avLst/>
+              </a:prstGeom>
+            </p:spPr>
+            <p:style>
+              <a:lnRef idx="2">
+                <a:schemeClr val="accent1">
+                  <a:shade val="50000"/>
+                </a:schemeClr>
+              </a:lnRef>
+              <a:fillRef idx="1">
+                <a:schemeClr val="accent1"/>
+              </a:fillRef>
+              <a:effectRef idx="0">
+                <a:schemeClr val="accent1"/>
+              </a:effectRef>
+              <a:fontRef idx="minor">
+                <a:schemeClr val="lt1"/>
+              </a:fontRef>
+            </p:style>
+            <p:txBody>
+              <a:bodyPr rtlCol="0" anchor="ctr"/>
+              <a:lstStyle/>
+              <a:p>
+                <a:pPr algn="ctr"/>
+                <a:endParaRPr kumimoji="1" lang="ja-JP" altLang="en-US"/>
+              </a:p>
+            </p:txBody>
+          </p:sp>
+          <p:sp>
+            <p:nvSpPr>
+              <p:cNvPr id="45" name="テキスト ボックス 44"/>
+              <p:cNvSpPr txBox="1"/>
+              <p:nvPr/>
+            </p:nvSpPr>
+            <p:spPr>
+              <a:xfrm>
+                <a:off x="3994366" y="4367516"/>
+                <a:ext cx="289872" cy="263731"/>
+              </a:xfrm>
+              <a:prstGeom prst="rect">
+                <a:avLst/>
+              </a:prstGeom>
+              <a:noFill/>
+            </p:spPr>
+            <p:txBody>
+              <a:bodyPr wrap="square" rtlCol="0">
+                <a:spAutoFit/>
+              </a:bodyPr>
+              <a:lstStyle/>
+              <a:p>
+                <a:pPr algn="ctr"/>
+                <a:r>
+                  <a:rPr lang="ja-JP" altLang="en-US" sz="1200" dirty="0" smtClean="0">
+                    <a:latin typeface="FOT-UD角ゴ_スモール Pr6 H" panose="02020900000000000000" pitchFamily="18" charset="-128"/>
+                    <a:ea typeface="FOT-UD角ゴ_スモール Pr6 H" panose="02020900000000000000" pitchFamily="18" charset="-128"/>
+                  </a:rPr>
+                  <a:t>弾</a:t>
+                </a:r>
+                <a:endParaRPr kumimoji="1" lang="ja-JP" altLang="en-US" sz="1200" dirty="0">
+                  <a:latin typeface="FOT-UD角ゴ_スモール Pr6 H" panose="02020900000000000000" pitchFamily="18" charset="-128"/>
+                  <a:ea typeface="FOT-UD角ゴ_スモール Pr6 H" panose="02020900000000000000" pitchFamily="18" charset="-128"/>
+                </a:endParaRPr>
+              </a:p>
+            </p:txBody>
+          </p:sp>
+        </p:grpSp>
+        <p:grpSp>
+          <p:nvGrpSpPr>
+            <p:cNvPr id="46" name="グループ化 45"/>
+            <p:cNvGrpSpPr/>
+            <p:nvPr/>
+          </p:nvGrpSpPr>
+          <p:grpSpPr>
+            <a:xfrm>
+              <a:off x="3594873" y="2837268"/>
+              <a:ext cx="330027" cy="304742"/>
+              <a:chOff x="3971648" y="4343400"/>
+              <a:chExt cx="312590" cy="290146"/>
+            </a:xfrm>
+          </p:grpSpPr>
+          <p:sp>
+            <p:nvSpPr>
+              <p:cNvPr id="47" name="楕円 46"/>
+              <p:cNvSpPr/>
+              <p:nvPr/>
+            </p:nvSpPr>
+            <p:spPr>
+              <a:xfrm>
+                <a:off x="3971648" y="4343400"/>
+                <a:ext cx="306262" cy="290146"/>
+              </a:xfrm>
+              <a:prstGeom prst="ellipse">
+                <a:avLst/>
+              </a:prstGeom>
+            </p:spPr>
+            <p:style>
+              <a:lnRef idx="2">
+                <a:schemeClr val="accent1">
+                  <a:shade val="50000"/>
+                </a:schemeClr>
+              </a:lnRef>
+              <a:fillRef idx="1">
+                <a:schemeClr val="accent1"/>
+              </a:fillRef>
+              <a:effectRef idx="0">
+                <a:schemeClr val="accent1"/>
+              </a:effectRef>
+              <a:fontRef idx="minor">
+                <a:schemeClr val="lt1"/>
+              </a:fontRef>
+            </p:style>
+            <p:txBody>
+              <a:bodyPr rtlCol="0" anchor="ctr"/>
+              <a:lstStyle/>
+              <a:p>
+                <a:pPr algn="ctr"/>
+                <a:endParaRPr kumimoji="1" lang="ja-JP" altLang="en-US"/>
+              </a:p>
+            </p:txBody>
+          </p:sp>
+          <p:sp>
+            <p:nvSpPr>
+              <p:cNvPr id="48" name="テキスト ボックス 47"/>
+              <p:cNvSpPr txBox="1"/>
+              <p:nvPr/>
+            </p:nvSpPr>
+            <p:spPr>
+              <a:xfrm>
+                <a:off x="3994366" y="4367516"/>
+                <a:ext cx="289872" cy="263731"/>
+              </a:xfrm>
+              <a:prstGeom prst="rect">
+                <a:avLst/>
+              </a:prstGeom>
+              <a:noFill/>
+            </p:spPr>
+            <p:txBody>
+              <a:bodyPr wrap="square" rtlCol="0">
+                <a:spAutoFit/>
+              </a:bodyPr>
+              <a:lstStyle/>
+              <a:p>
+                <a:pPr algn="ctr"/>
+                <a:r>
+                  <a:rPr lang="ja-JP" altLang="en-US" sz="1200" dirty="0" smtClean="0">
+                    <a:latin typeface="FOT-UD角ゴ_スモール Pr6 H" panose="02020900000000000000" pitchFamily="18" charset="-128"/>
+                    <a:ea typeface="FOT-UD角ゴ_スモール Pr6 H" panose="02020900000000000000" pitchFamily="18" charset="-128"/>
+                  </a:rPr>
+                  <a:t>弾</a:t>
+                </a:r>
+                <a:endParaRPr kumimoji="1" lang="ja-JP" altLang="en-US" sz="1200" dirty="0">
+                  <a:latin typeface="FOT-UD角ゴ_スモール Pr6 H" panose="02020900000000000000" pitchFamily="18" charset="-128"/>
+                  <a:ea typeface="FOT-UD角ゴ_スモール Pr6 H" panose="02020900000000000000" pitchFamily="18" charset="-128"/>
+                </a:endParaRPr>
+              </a:p>
+            </p:txBody>
+          </p:sp>
+        </p:grpSp>
+        <p:grpSp>
+          <p:nvGrpSpPr>
+            <p:cNvPr id="49" name="グループ化 48"/>
+            <p:cNvGrpSpPr/>
+            <p:nvPr/>
+          </p:nvGrpSpPr>
+          <p:grpSpPr>
+            <a:xfrm>
+              <a:off x="3903068" y="3303739"/>
+              <a:ext cx="330027" cy="304742"/>
+              <a:chOff x="3971648" y="4343400"/>
+              <a:chExt cx="312590" cy="290146"/>
+            </a:xfrm>
+          </p:grpSpPr>
+          <p:sp>
+            <p:nvSpPr>
+              <p:cNvPr id="50" name="楕円 49"/>
+              <p:cNvSpPr/>
+              <p:nvPr/>
+            </p:nvSpPr>
+            <p:spPr>
+              <a:xfrm>
+                <a:off x="3971648" y="4343400"/>
+                <a:ext cx="306262" cy="290146"/>
+              </a:xfrm>
+              <a:prstGeom prst="ellipse">
+                <a:avLst/>
+              </a:prstGeom>
+            </p:spPr>
+            <p:style>
+              <a:lnRef idx="2">
+                <a:schemeClr val="accent1">
+                  <a:shade val="50000"/>
+                </a:schemeClr>
+              </a:lnRef>
+              <a:fillRef idx="1">
+                <a:schemeClr val="accent1"/>
+              </a:fillRef>
+              <a:effectRef idx="0">
+                <a:schemeClr val="accent1"/>
+              </a:effectRef>
+              <a:fontRef idx="minor">
+                <a:schemeClr val="lt1"/>
+              </a:fontRef>
+            </p:style>
+            <p:txBody>
+              <a:bodyPr rtlCol="0" anchor="ctr"/>
+              <a:lstStyle/>
+              <a:p>
+                <a:pPr algn="ctr"/>
+                <a:endParaRPr kumimoji="1" lang="ja-JP" altLang="en-US"/>
+              </a:p>
+            </p:txBody>
+          </p:sp>
+          <p:sp>
+            <p:nvSpPr>
+              <p:cNvPr id="51" name="テキスト ボックス 50"/>
+              <p:cNvSpPr txBox="1"/>
+              <p:nvPr/>
+            </p:nvSpPr>
+            <p:spPr>
+              <a:xfrm>
+                <a:off x="3994366" y="4367516"/>
+                <a:ext cx="289872" cy="263731"/>
+              </a:xfrm>
+              <a:prstGeom prst="rect">
+                <a:avLst/>
+              </a:prstGeom>
+              <a:noFill/>
+            </p:spPr>
+            <p:txBody>
+              <a:bodyPr wrap="square" rtlCol="0">
+                <a:spAutoFit/>
+              </a:bodyPr>
+              <a:lstStyle/>
+              <a:p>
+                <a:pPr algn="ctr"/>
+                <a:r>
+                  <a:rPr lang="ja-JP" altLang="en-US" sz="1200" dirty="0" smtClean="0">
+                    <a:latin typeface="FOT-UD角ゴ_スモール Pr6 H" panose="02020900000000000000" pitchFamily="18" charset="-128"/>
+                    <a:ea typeface="FOT-UD角ゴ_スモール Pr6 H" panose="02020900000000000000" pitchFamily="18" charset="-128"/>
+                  </a:rPr>
+                  <a:t>弾</a:t>
+                </a:r>
+                <a:endParaRPr kumimoji="1" lang="ja-JP" altLang="en-US" sz="1200" dirty="0">
+                  <a:latin typeface="FOT-UD角ゴ_スモール Pr6 H" panose="02020900000000000000" pitchFamily="18" charset="-128"/>
+                  <a:ea typeface="FOT-UD角ゴ_スモール Pr6 H" panose="02020900000000000000" pitchFamily="18" charset="-128"/>
+                </a:endParaRPr>
+              </a:p>
+            </p:txBody>
+          </p:sp>
+        </p:grpSp>
+        <p:grpSp>
+          <p:nvGrpSpPr>
+            <p:cNvPr id="52" name="グループ化 51"/>
+            <p:cNvGrpSpPr/>
+            <p:nvPr/>
+          </p:nvGrpSpPr>
+          <p:grpSpPr>
+            <a:xfrm>
+              <a:off x="3581462" y="3854553"/>
+              <a:ext cx="330027" cy="304742"/>
+              <a:chOff x="3971648" y="4343400"/>
+              <a:chExt cx="312590" cy="290146"/>
+            </a:xfrm>
+          </p:grpSpPr>
+          <p:sp>
+            <p:nvSpPr>
+              <p:cNvPr id="53" name="楕円 52"/>
+              <p:cNvSpPr/>
+              <p:nvPr/>
+            </p:nvSpPr>
+            <p:spPr>
+              <a:xfrm>
+                <a:off x="3971648" y="4343400"/>
+                <a:ext cx="306262" cy="290146"/>
+              </a:xfrm>
+              <a:prstGeom prst="ellipse">
+                <a:avLst/>
+              </a:prstGeom>
+            </p:spPr>
+            <p:style>
+              <a:lnRef idx="2">
+                <a:schemeClr val="accent1">
+                  <a:shade val="50000"/>
+                </a:schemeClr>
+              </a:lnRef>
+              <a:fillRef idx="1">
+                <a:schemeClr val="accent1"/>
+              </a:fillRef>
+              <a:effectRef idx="0">
+                <a:schemeClr val="accent1"/>
+              </a:effectRef>
+              <a:fontRef idx="minor">
+                <a:schemeClr val="lt1"/>
+              </a:fontRef>
+            </p:style>
+            <p:txBody>
+              <a:bodyPr rtlCol="0" anchor="ctr"/>
+              <a:lstStyle/>
+              <a:p>
+                <a:pPr algn="ctr"/>
+                <a:endParaRPr kumimoji="1" lang="ja-JP" altLang="en-US"/>
+              </a:p>
+            </p:txBody>
+          </p:sp>
+          <p:sp>
+            <p:nvSpPr>
+              <p:cNvPr id="54" name="テキスト ボックス 53"/>
+              <p:cNvSpPr txBox="1"/>
+              <p:nvPr/>
+            </p:nvSpPr>
+            <p:spPr>
+              <a:xfrm>
+                <a:off x="3994366" y="4367516"/>
+                <a:ext cx="289872" cy="263731"/>
+              </a:xfrm>
+              <a:prstGeom prst="rect">
+                <a:avLst/>
+              </a:prstGeom>
+              <a:noFill/>
+            </p:spPr>
+            <p:txBody>
+              <a:bodyPr wrap="square" rtlCol="0">
+                <a:spAutoFit/>
+              </a:bodyPr>
+              <a:lstStyle/>
+              <a:p>
+                <a:pPr algn="ctr"/>
+                <a:r>
+                  <a:rPr lang="ja-JP" altLang="en-US" sz="1200" dirty="0" smtClean="0">
+                    <a:latin typeface="FOT-UD角ゴ_スモール Pr6 H" panose="02020900000000000000" pitchFamily="18" charset="-128"/>
+                    <a:ea typeface="FOT-UD角ゴ_スモール Pr6 H" panose="02020900000000000000" pitchFamily="18" charset="-128"/>
+                  </a:rPr>
+                  <a:t>弾</a:t>
+                </a:r>
+                <a:endParaRPr kumimoji="1" lang="ja-JP" altLang="en-US" sz="1200" dirty="0">
+                  <a:latin typeface="FOT-UD角ゴ_スモール Pr6 H" panose="02020900000000000000" pitchFamily="18" charset="-128"/>
+                  <a:ea typeface="FOT-UD角ゴ_スモール Pr6 H" panose="02020900000000000000" pitchFamily="18" charset="-128"/>
+                </a:endParaRPr>
+              </a:p>
+            </p:txBody>
+          </p:sp>
+        </p:grpSp>
+        <p:grpSp>
+          <p:nvGrpSpPr>
+            <p:cNvPr id="55" name="グループ化 54"/>
+            <p:cNvGrpSpPr/>
+            <p:nvPr/>
+          </p:nvGrpSpPr>
+          <p:grpSpPr>
+            <a:xfrm>
+              <a:off x="4061400" y="4387608"/>
+              <a:ext cx="330027" cy="304742"/>
+              <a:chOff x="3971648" y="4343400"/>
+              <a:chExt cx="312590" cy="290146"/>
+            </a:xfrm>
+          </p:grpSpPr>
+          <p:sp>
+            <p:nvSpPr>
+              <p:cNvPr id="56" name="楕円 55"/>
+              <p:cNvSpPr/>
+              <p:nvPr/>
+            </p:nvSpPr>
+            <p:spPr>
+              <a:xfrm>
+                <a:off x="3971648" y="4343400"/>
+                <a:ext cx="306262" cy="290146"/>
+              </a:xfrm>
+              <a:prstGeom prst="ellipse">
+                <a:avLst/>
+              </a:prstGeom>
+            </p:spPr>
+            <p:style>
+              <a:lnRef idx="2">
+                <a:schemeClr val="accent1">
+                  <a:shade val="50000"/>
+                </a:schemeClr>
+              </a:lnRef>
+              <a:fillRef idx="1">
+                <a:schemeClr val="accent1"/>
+              </a:fillRef>
+              <a:effectRef idx="0">
+                <a:schemeClr val="accent1"/>
+              </a:effectRef>
+              <a:fontRef idx="minor">
+                <a:schemeClr val="lt1"/>
+              </a:fontRef>
+            </p:style>
+            <p:txBody>
+              <a:bodyPr rtlCol="0" anchor="ctr"/>
+              <a:lstStyle/>
+              <a:p>
+                <a:pPr algn="ctr"/>
+                <a:endParaRPr kumimoji="1" lang="ja-JP" altLang="en-US"/>
+              </a:p>
+            </p:txBody>
+          </p:sp>
+          <p:sp>
+            <p:nvSpPr>
+              <p:cNvPr id="57" name="テキスト ボックス 56"/>
+              <p:cNvSpPr txBox="1"/>
+              <p:nvPr/>
+            </p:nvSpPr>
+            <p:spPr>
+              <a:xfrm>
+                <a:off x="3994366" y="4367516"/>
+                <a:ext cx="289872" cy="263731"/>
+              </a:xfrm>
+              <a:prstGeom prst="rect">
+                <a:avLst/>
+              </a:prstGeom>
+              <a:noFill/>
+            </p:spPr>
+            <p:txBody>
+              <a:bodyPr wrap="square" rtlCol="0">
+                <a:spAutoFit/>
+              </a:bodyPr>
+              <a:lstStyle/>
+              <a:p>
+                <a:pPr algn="ctr"/>
+                <a:r>
+                  <a:rPr lang="ja-JP" altLang="en-US" sz="1200" dirty="0" smtClean="0">
+                    <a:latin typeface="FOT-UD角ゴ_スモール Pr6 H" panose="02020900000000000000" pitchFamily="18" charset="-128"/>
+                    <a:ea typeface="FOT-UD角ゴ_スモール Pr6 H" panose="02020900000000000000" pitchFamily="18" charset="-128"/>
+                  </a:rPr>
+                  <a:t>弾</a:t>
+                </a:r>
+                <a:endParaRPr kumimoji="1" lang="ja-JP" altLang="en-US" sz="1200" dirty="0">
+                  <a:latin typeface="FOT-UD角ゴ_スモール Pr6 H" panose="02020900000000000000" pitchFamily="18" charset="-128"/>
+                  <a:ea typeface="FOT-UD角ゴ_スモール Pr6 H" panose="02020900000000000000" pitchFamily="18" charset="-128"/>
+                </a:endParaRPr>
+              </a:p>
+            </p:txBody>
+          </p:sp>
+        </p:grpSp>
+      </p:grpSp>
+      <p:grpSp>
+        <p:nvGrpSpPr>
+          <p:cNvPr id="73" name="グループ化 72"/>
+          <p:cNvGrpSpPr/>
+          <p:nvPr/>
+        </p:nvGrpSpPr>
+        <p:grpSpPr>
+          <a:xfrm>
+            <a:off x="6760687" y="101429"/>
+            <a:ext cx="5244260" cy="3671486"/>
+            <a:chOff x="3235432" y="100581"/>
+            <a:chExt cx="5244260" cy="3671486"/>
+          </a:xfrm>
+        </p:grpSpPr>
+        <p:grpSp>
+          <p:nvGrpSpPr>
+            <p:cNvPr id="74" name="グループ化 73"/>
+            <p:cNvGrpSpPr/>
+            <p:nvPr/>
+          </p:nvGrpSpPr>
+          <p:grpSpPr>
+            <a:xfrm>
+              <a:off x="3235432" y="100581"/>
+              <a:ext cx="5244260" cy="3671486"/>
+              <a:chOff x="3016601" y="290860"/>
+              <a:chExt cx="5244260" cy="3671486"/>
+            </a:xfrm>
+          </p:grpSpPr>
+          <p:grpSp>
+            <p:nvGrpSpPr>
+              <p:cNvPr id="79" name="グループ化 78"/>
+              <p:cNvGrpSpPr/>
+              <p:nvPr/>
+            </p:nvGrpSpPr>
+            <p:grpSpPr>
+              <a:xfrm>
+                <a:off x="3016601" y="290860"/>
+                <a:ext cx="5244260" cy="2169734"/>
+                <a:chOff x="5021247" y="150183"/>
+                <a:chExt cx="5244260" cy="2169734"/>
+              </a:xfrm>
+            </p:grpSpPr>
+            <p:grpSp>
+              <p:nvGrpSpPr>
+                <p:cNvPr id="81" name="グループ化 80"/>
+                <p:cNvGrpSpPr/>
+                <p:nvPr/>
+              </p:nvGrpSpPr>
+              <p:grpSpPr>
+                <a:xfrm>
+                  <a:off x="5021247" y="150183"/>
+                  <a:ext cx="5244260" cy="1745202"/>
+                  <a:chOff x="4883501" y="636689"/>
+                  <a:chExt cx="5244260" cy="1745202"/>
+                </a:xfrm>
+              </p:grpSpPr>
+              <p:grpSp>
+                <p:nvGrpSpPr>
+                  <p:cNvPr id="83" name="グループ化 82"/>
+                  <p:cNvGrpSpPr/>
+                  <p:nvPr/>
+                </p:nvGrpSpPr>
+                <p:grpSpPr>
+                  <a:xfrm>
+                    <a:off x="4883501" y="636689"/>
+                    <a:ext cx="5244260" cy="1288746"/>
+                    <a:chOff x="4883501" y="636689"/>
+                    <a:chExt cx="5244260" cy="1288746"/>
+                  </a:xfrm>
+                </p:grpSpPr>
+                <p:sp>
+                  <p:nvSpPr>
+                    <p:cNvPr id="85" name="テキスト ボックス 84"/>
+                    <p:cNvSpPr txBox="1"/>
+                    <p:nvPr/>
+                  </p:nvSpPr>
+                  <p:spPr>
+                    <a:xfrm>
+                      <a:off x="4883501" y="636689"/>
+                      <a:ext cx="3650439" cy="461665"/>
+                    </a:xfrm>
+                    <a:prstGeom prst="rect">
+                      <a:avLst/>
+                    </a:prstGeom>
+                    <a:noFill/>
+                  </p:spPr>
+                  <p:txBody>
+                    <a:bodyPr wrap="square" rtlCol="0">
+                      <a:spAutoFit/>
+                    </a:bodyPr>
+                    <a:lstStyle/>
+                    <a:p>
+                      <a:r>
+                        <a:rPr lang="en-US" altLang="ja-JP" sz="2400" dirty="0" smtClean="0">
+                          <a:latin typeface="HGS創英角ｺﾞｼｯｸUB" panose="020B0900000000000000" pitchFamily="50" charset="-128"/>
+                          <a:ea typeface="HGS創英角ｺﾞｼｯｸUB" panose="020B0900000000000000" pitchFamily="50" charset="-128"/>
+                        </a:rPr>
+                        <a:t>【</a:t>
+                      </a:r>
+                      <a:r>
+                        <a:rPr lang="ja-JP" altLang="en-US" sz="2400" dirty="0" smtClean="0">
+                          <a:latin typeface="HGS創英角ｺﾞｼｯｸUB" panose="020B0900000000000000" pitchFamily="50" charset="-128"/>
+                          <a:ea typeface="HGS創英角ｺﾞｼｯｸUB" panose="020B0900000000000000" pitchFamily="50" charset="-128"/>
+                        </a:rPr>
+                        <a:t>マシンガン仕様</a:t>
+                      </a:r>
+                      <a:r>
+                        <a:rPr lang="en-US" altLang="ja-JP" sz="2400" dirty="0" smtClean="0">
+                          <a:latin typeface="HGS創英角ｺﾞｼｯｸUB" panose="020B0900000000000000" pitchFamily="50" charset="-128"/>
+                          <a:ea typeface="HGS創英角ｺﾞｼｯｸUB" panose="020B0900000000000000" pitchFamily="50" charset="-128"/>
+                        </a:rPr>
+                        <a:t>】</a:t>
+                      </a:r>
+                      <a:endParaRPr kumimoji="1" lang="ja-JP" altLang="en-US" sz="2400" dirty="0">
+                        <a:latin typeface="HGS創英角ｺﾞｼｯｸUB" panose="020B0900000000000000" pitchFamily="50" charset="-128"/>
+                        <a:ea typeface="HGS創英角ｺﾞｼｯｸUB" panose="020B0900000000000000" pitchFamily="50" charset="-128"/>
+                      </a:endParaRPr>
+                    </a:p>
+                  </p:txBody>
+                </p:sp>
+                <p:sp>
+                  <p:nvSpPr>
+                    <p:cNvPr id="86" name="テキスト ボックス 85"/>
+                    <p:cNvSpPr txBox="1"/>
+                    <p:nvPr/>
+                  </p:nvSpPr>
+                  <p:spPr>
+                    <a:xfrm>
+                      <a:off x="5047090" y="1525325"/>
+                      <a:ext cx="5080671" cy="400110"/>
+                    </a:xfrm>
+                    <a:prstGeom prst="rect">
+                      <a:avLst/>
+                    </a:prstGeom>
+                    <a:noFill/>
+                  </p:spPr>
+                  <p:txBody>
+                    <a:bodyPr wrap="square" rtlCol="0">
+                      <a:spAutoFit/>
+                    </a:bodyPr>
+                    <a:lstStyle/>
+                    <a:p>
+                      <a:r>
+                        <a:rPr kumimoji="1" lang="ja-JP" altLang="en-US" sz="2000" dirty="0" smtClean="0">
+                          <a:latin typeface="HGS創英角ｺﾞｼｯｸUB" panose="020B0900000000000000" pitchFamily="50" charset="-128"/>
+                          <a:ea typeface="HGS創英角ｺﾞｼｯｸUB" panose="020B0900000000000000" pitchFamily="50" charset="-128"/>
+                        </a:rPr>
+                        <a:t>・</a:t>
+                      </a:r>
+                      <a:r>
+                        <a:rPr kumimoji="1" lang="en-US" altLang="ja-JP" sz="2000" dirty="0" smtClean="0">
+                          <a:latin typeface="HGS創英角ｺﾞｼｯｸUB" panose="020B0900000000000000" pitchFamily="50" charset="-128"/>
+                          <a:ea typeface="HGS創英角ｺﾞｼｯｸUB" panose="020B0900000000000000" pitchFamily="50" charset="-128"/>
+                        </a:rPr>
+                        <a:t>6</a:t>
+                      </a:r>
+                      <a:r>
+                        <a:rPr kumimoji="1" lang="ja-JP" altLang="en-US" sz="2000" smtClean="0">
+                          <a:latin typeface="HGS創英角ｺﾞｼｯｸUB" panose="020B0900000000000000" pitchFamily="50" charset="-128"/>
+                          <a:ea typeface="HGS創英角ｺﾞｼｯｸUB" panose="020B0900000000000000" pitchFamily="50" charset="-128"/>
+                        </a:rPr>
+                        <a:t>発連続で出る</a:t>
+                      </a:r>
+                      <a:endParaRPr kumimoji="1" lang="ja-JP" altLang="en-US" sz="2000" dirty="0">
+                        <a:latin typeface="HGS創英角ｺﾞｼｯｸUB" panose="020B0900000000000000" pitchFamily="50" charset="-128"/>
+                        <a:ea typeface="HGS創英角ｺﾞｼｯｸUB" panose="020B0900000000000000" pitchFamily="50" charset="-128"/>
+                      </a:endParaRPr>
+                    </a:p>
+                  </p:txBody>
+                </p:sp>
+              </p:grpSp>
+              <p:sp>
+                <p:nvSpPr>
+                  <p:cNvPr id="84" name="テキスト ボックス 83"/>
+                  <p:cNvSpPr txBox="1"/>
+                  <p:nvPr/>
+                </p:nvSpPr>
+                <p:spPr>
+                  <a:xfrm>
+                    <a:off x="4925784" y="1981781"/>
+                    <a:ext cx="3053777" cy="400110"/>
+                  </a:xfrm>
+                  <a:prstGeom prst="rect">
+                    <a:avLst/>
+                  </a:prstGeom>
+                  <a:noFill/>
+                </p:spPr>
+                <p:txBody>
+                  <a:bodyPr wrap="square" rtlCol="0">
+                    <a:spAutoFit/>
+                  </a:bodyPr>
+                  <a:lstStyle/>
+                  <a:p>
+                    <a:r>
+                      <a:rPr lang="en-US" altLang="ja-JP" sz="2000" dirty="0" smtClean="0">
+                        <a:latin typeface="HGS創英角ｺﾞｼｯｸUB" panose="020B0900000000000000" pitchFamily="50" charset="-128"/>
+                        <a:ea typeface="HGS創英角ｺﾞｼｯｸUB" panose="020B0900000000000000" pitchFamily="50" charset="-128"/>
+                      </a:rPr>
+                      <a:t>【</a:t>
+                    </a:r>
+                    <a:r>
+                      <a:rPr lang="ja-JP" altLang="en-US" sz="2000" dirty="0" smtClean="0">
+                        <a:latin typeface="HGS創英角ｺﾞｼｯｸUB" panose="020B0900000000000000" pitchFamily="50" charset="-128"/>
+                        <a:ea typeface="HGS創英角ｺﾞｼｯｸUB" panose="020B0900000000000000" pitchFamily="50" charset="-128"/>
+                      </a:rPr>
+                      <a:t>ポイント</a:t>
+                    </a:r>
+                    <a:r>
+                      <a:rPr lang="en-US" altLang="ja-JP" sz="2000" dirty="0" smtClean="0">
+                        <a:latin typeface="HGS創英角ｺﾞｼｯｸUB" panose="020B0900000000000000" pitchFamily="50" charset="-128"/>
+                        <a:ea typeface="HGS創英角ｺﾞｼｯｸUB" panose="020B0900000000000000" pitchFamily="50" charset="-128"/>
+                      </a:rPr>
+                      <a:t>】</a:t>
+                    </a:r>
+                    <a:endParaRPr kumimoji="1" lang="ja-JP" altLang="en-US" sz="2000" dirty="0">
+                      <a:latin typeface="HGS創英角ｺﾞｼｯｸUB" panose="020B0900000000000000" pitchFamily="50" charset="-128"/>
+                      <a:ea typeface="HGS創英角ｺﾞｼｯｸUB" panose="020B0900000000000000" pitchFamily="50" charset="-128"/>
+                    </a:endParaRPr>
+                  </a:p>
+                </p:txBody>
+              </p:sp>
+            </p:grpSp>
+            <p:sp>
+              <p:nvSpPr>
+                <p:cNvPr id="82" name="テキスト ボックス 81"/>
+                <p:cNvSpPr txBox="1"/>
+                <p:nvPr/>
+              </p:nvSpPr>
+              <p:spPr>
+                <a:xfrm>
+                  <a:off x="5186966" y="1919807"/>
+                  <a:ext cx="4064435" cy="400110"/>
+                </a:xfrm>
+                <a:prstGeom prst="rect">
+                  <a:avLst/>
+                </a:prstGeom>
+                <a:noFill/>
+              </p:spPr>
+              <p:txBody>
+                <a:bodyPr wrap="square" rtlCol="0">
+                  <a:spAutoFit/>
+                </a:bodyPr>
+                <a:lstStyle/>
+                <a:p>
+                  <a:r>
+                    <a:rPr kumimoji="1" lang="ja-JP" altLang="en-US" sz="2000" dirty="0" smtClean="0">
+                      <a:latin typeface="HGS創英角ｺﾞｼｯｸUB" panose="020B0900000000000000" pitchFamily="50" charset="-128"/>
+                      <a:ea typeface="HGS創英角ｺﾞｼｯｸUB" panose="020B0900000000000000" pitchFamily="50" charset="-128"/>
+                    </a:rPr>
+                    <a:t>・</a:t>
+                  </a:r>
+                  <a:r>
+                    <a:rPr kumimoji="1" lang="en-US" altLang="ja-JP" sz="2000" dirty="0" smtClean="0">
+                      <a:latin typeface="HGS創英角ｺﾞｼｯｸUB" panose="020B0900000000000000" pitchFamily="50" charset="-128"/>
+                      <a:ea typeface="HGS創英角ｺﾞｼｯｸUB" panose="020B0900000000000000" pitchFamily="50" charset="-128"/>
+                    </a:rPr>
+                    <a:t>1</a:t>
+                  </a:r>
+                  <a:r>
+                    <a:rPr kumimoji="1" lang="ja-JP" altLang="en-US" sz="2000" dirty="0" smtClean="0">
+                      <a:latin typeface="HGS創英角ｺﾞｼｯｸUB" panose="020B0900000000000000" pitchFamily="50" charset="-128"/>
+                      <a:ea typeface="HGS創英角ｺﾞｼｯｸUB" panose="020B0900000000000000" pitchFamily="50" charset="-128"/>
+                    </a:rPr>
+                    <a:t>発</a:t>
+                  </a:r>
+                  <a:r>
+                    <a:rPr lang="en-US" altLang="ja-JP" sz="2000" dirty="0" smtClean="0">
+                      <a:latin typeface="HGS創英角ｺﾞｼｯｸUB" panose="020B0900000000000000" pitchFamily="50" charset="-128"/>
+                      <a:ea typeface="HGS創英角ｺﾞｼｯｸUB" panose="020B0900000000000000" pitchFamily="50" charset="-128"/>
+                    </a:rPr>
+                    <a:t>1</a:t>
+                  </a:r>
+                  <a:r>
+                    <a:rPr kumimoji="1" lang="ja-JP" altLang="en-US" sz="2000" dirty="0" smtClean="0">
+                      <a:latin typeface="HGS創英角ｺﾞｼｯｸUB" panose="020B0900000000000000" pitchFamily="50" charset="-128"/>
+                      <a:ea typeface="HGS創英角ｺﾞｼｯｸUB" panose="020B0900000000000000" pitchFamily="50" charset="-128"/>
+                    </a:rPr>
+                    <a:t>ポイント</a:t>
+                  </a:r>
+                  <a:r>
+                    <a:rPr kumimoji="1" lang="en-US" altLang="ja-JP" sz="2000" dirty="0" smtClean="0">
+                      <a:latin typeface="HGS創英角ｺﾞｼｯｸUB" panose="020B0900000000000000" pitchFamily="50" charset="-128"/>
+                      <a:ea typeface="HGS創英角ｺﾞｼｯｸUB" panose="020B0900000000000000" pitchFamily="50" charset="-128"/>
+                    </a:rPr>
+                    <a:t>(</a:t>
+                  </a:r>
+                  <a:r>
+                    <a:rPr kumimoji="1" lang="ja-JP" altLang="en-US" sz="2000" dirty="0" smtClean="0">
+                      <a:latin typeface="HGS創英角ｺﾞｼｯｸUB" panose="020B0900000000000000" pitchFamily="50" charset="-128"/>
+                      <a:ea typeface="HGS創英角ｺﾞｼｯｸUB" panose="020B0900000000000000" pitchFamily="50" charset="-128"/>
+                    </a:rPr>
+                    <a:t>合計</a:t>
+                  </a:r>
+                  <a:r>
+                    <a:rPr kumimoji="1" lang="en-US" altLang="ja-JP" sz="2000" dirty="0" smtClean="0">
+                      <a:latin typeface="HGS創英角ｺﾞｼｯｸUB" panose="020B0900000000000000" pitchFamily="50" charset="-128"/>
+                      <a:ea typeface="HGS創英角ｺﾞｼｯｸUB" panose="020B0900000000000000" pitchFamily="50" charset="-128"/>
+                    </a:rPr>
+                    <a:t>6</a:t>
+                  </a:r>
+                  <a:r>
+                    <a:rPr lang="ja-JP" altLang="en-US" sz="2000" dirty="0">
+                      <a:latin typeface="HGS創英角ｺﾞｼｯｸUB" panose="020B0900000000000000" pitchFamily="50" charset="-128"/>
+                      <a:ea typeface="HGS創英角ｺﾞｼｯｸUB" panose="020B0900000000000000" pitchFamily="50" charset="-128"/>
+                    </a:rPr>
+                    <a:t>ポイント</a:t>
+                  </a:r>
+                  <a:r>
+                    <a:rPr kumimoji="1" lang="en-US" altLang="ja-JP" sz="2000" dirty="0" smtClean="0">
+                      <a:latin typeface="HGS創英角ｺﾞｼｯｸUB" panose="020B0900000000000000" pitchFamily="50" charset="-128"/>
+                      <a:ea typeface="HGS創英角ｺﾞｼｯｸUB" panose="020B0900000000000000" pitchFamily="50" charset="-128"/>
+                    </a:rPr>
+                    <a:t>)</a:t>
+                  </a:r>
+                  <a:endParaRPr kumimoji="1" lang="ja-JP" altLang="en-US" sz="2000" dirty="0">
+                    <a:latin typeface="HGS創英角ｺﾞｼｯｸUB" panose="020B0900000000000000" pitchFamily="50" charset="-128"/>
+                    <a:ea typeface="HGS創英角ｺﾞｼｯｸUB" panose="020B0900000000000000" pitchFamily="50" charset="-128"/>
+                  </a:endParaRPr>
+                </a:p>
+              </p:txBody>
+            </p:sp>
+          </p:grpSp>
+          <p:sp>
+            <p:nvSpPr>
+              <p:cNvPr id="80" name="テキスト ボックス 79"/>
+              <p:cNvSpPr txBox="1"/>
+              <p:nvPr/>
+            </p:nvSpPr>
+            <p:spPr>
+              <a:xfrm>
+                <a:off x="3160356" y="3562236"/>
+                <a:ext cx="3002609" cy="400110"/>
+              </a:xfrm>
+              <a:prstGeom prst="rect">
+                <a:avLst/>
+              </a:prstGeom>
+              <a:noFill/>
+            </p:spPr>
+            <p:txBody>
+              <a:bodyPr wrap="square" rtlCol="0">
+                <a:spAutoFit/>
+              </a:bodyPr>
+              <a:lstStyle/>
+              <a:p>
+                <a:r>
+                  <a:rPr kumimoji="1" lang="ja-JP" altLang="en-US" sz="2000" dirty="0" smtClean="0">
+                    <a:latin typeface="HGS創英角ｺﾞｼｯｸUB" panose="020B0900000000000000" pitchFamily="50" charset="-128"/>
+                    <a:ea typeface="HGS創英角ｺﾞｼｯｸUB" panose="020B0900000000000000" pitchFamily="50" charset="-128"/>
+                  </a:rPr>
+                  <a:t>・</a:t>
+                </a:r>
+                <a:r>
+                  <a:rPr lang="ja-JP" altLang="en-US" sz="2000" dirty="0">
+                    <a:latin typeface="HGS創英角ｺﾞｼｯｸUB" panose="020B0900000000000000" pitchFamily="50" charset="-128"/>
+                    <a:ea typeface="HGS創英角ｺﾞｼｯｸUB" panose="020B0900000000000000" pitchFamily="50" charset="-128"/>
+                  </a:rPr>
+                  <a:t>ノックバック（小）</a:t>
+                </a:r>
+                <a:endParaRPr kumimoji="1" lang="ja-JP" altLang="en-US" sz="2000" dirty="0">
+                  <a:latin typeface="HGS創英角ｺﾞｼｯｸUB" panose="020B0900000000000000" pitchFamily="50" charset="-128"/>
+                  <a:ea typeface="HGS創英角ｺﾞｼｯｸUB" panose="020B0900000000000000" pitchFamily="50" charset="-128"/>
+                </a:endParaRPr>
+              </a:p>
+            </p:txBody>
+          </p:sp>
+        </p:grpSp>
+        <p:sp>
+          <p:nvSpPr>
+            <p:cNvPr id="75" name="テキスト ボックス 74"/>
+            <p:cNvSpPr txBox="1"/>
+            <p:nvPr/>
+          </p:nvSpPr>
+          <p:spPr>
+            <a:xfrm>
+              <a:off x="3277715" y="614562"/>
+              <a:ext cx="3053777" cy="400110"/>
+            </a:xfrm>
+            <a:prstGeom prst="rect">
+              <a:avLst/>
+            </a:prstGeom>
+            <a:noFill/>
+          </p:spPr>
+          <p:txBody>
+            <a:bodyPr wrap="square" rtlCol="0">
+              <a:spAutoFit/>
+            </a:bodyPr>
+            <a:lstStyle/>
+            <a:p>
+              <a:r>
+                <a:rPr lang="en-US" altLang="ja-JP" sz="2000" dirty="0" smtClean="0">
+                  <a:latin typeface="HGS創英角ｺﾞｼｯｸUB" panose="020B0900000000000000" pitchFamily="50" charset="-128"/>
+                  <a:ea typeface="HGS創英角ｺﾞｼｯｸUB" panose="020B0900000000000000" pitchFamily="50" charset="-128"/>
+                </a:rPr>
+                <a:t>【</a:t>
+              </a:r>
+              <a:r>
+                <a:rPr lang="ja-JP" altLang="en-US" sz="2000" dirty="0" smtClean="0">
+                  <a:latin typeface="HGS創英角ｺﾞｼｯｸUB" panose="020B0900000000000000" pitchFamily="50" charset="-128"/>
+                  <a:ea typeface="HGS創英角ｺﾞｼｯｸUB" panose="020B0900000000000000" pitchFamily="50" charset="-128"/>
+                </a:rPr>
+                <a:t>弾の出し方</a:t>
+              </a:r>
+              <a:r>
+                <a:rPr lang="en-US" altLang="ja-JP" sz="2000" dirty="0" smtClean="0">
+                  <a:latin typeface="HGS創英角ｺﾞｼｯｸUB" panose="020B0900000000000000" pitchFamily="50" charset="-128"/>
+                  <a:ea typeface="HGS創英角ｺﾞｼｯｸUB" panose="020B0900000000000000" pitchFamily="50" charset="-128"/>
+                </a:rPr>
+                <a:t>】</a:t>
+              </a:r>
+              <a:endParaRPr kumimoji="1" lang="ja-JP" altLang="en-US" sz="2000" dirty="0">
+                <a:latin typeface="HGS創英角ｺﾞｼｯｸUB" panose="020B0900000000000000" pitchFamily="50" charset="-128"/>
+                <a:ea typeface="HGS創英角ｺﾞｼｯｸUB" panose="020B0900000000000000" pitchFamily="50" charset="-128"/>
+              </a:endParaRPr>
+            </a:p>
+          </p:txBody>
+        </p:sp>
+        <p:sp>
+          <p:nvSpPr>
+            <p:cNvPr id="76" name="テキスト ボックス 75"/>
+            <p:cNvSpPr txBox="1"/>
+            <p:nvPr/>
+          </p:nvSpPr>
+          <p:spPr>
+            <a:xfrm>
+              <a:off x="3286802" y="2280473"/>
+              <a:ext cx="3053777" cy="400110"/>
+            </a:xfrm>
+            <a:prstGeom prst="rect">
+              <a:avLst/>
+            </a:prstGeom>
+            <a:noFill/>
+          </p:spPr>
+          <p:txBody>
+            <a:bodyPr wrap="square" rtlCol="0">
+              <a:spAutoFit/>
+            </a:bodyPr>
+            <a:lstStyle/>
+            <a:p>
+              <a:r>
+                <a:rPr lang="en-US" altLang="ja-JP" sz="2000" dirty="0" smtClean="0">
+                  <a:latin typeface="HGS創英角ｺﾞｼｯｸUB" panose="020B0900000000000000" pitchFamily="50" charset="-128"/>
+                  <a:ea typeface="HGS創英角ｺﾞｼｯｸUB" panose="020B0900000000000000" pitchFamily="50" charset="-128"/>
+                </a:rPr>
+                <a:t>【</a:t>
+              </a:r>
+              <a:r>
+                <a:rPr lang="ja-JP" altLang="en-US" sz="2000" dirty="0" smtClean="0">
+                  <a:latin typeface="HGS創英角ｺﾞｼｯｸUB" panose="020B0900000000000000" pitchFamily="50" charset="-128"/>
+                  <a:ea typeface="HGS創英角ｺﾞｼｯｸUB" panose="020B0900000000000000" pitchFamily="50" charset="-128"/>
+                </a:rPr>
+                <a:t>演出</a:t>
+              </a:r>
+              <a:r>
+                <a:rPr lang="en-US" altLang="ja-JP" sz="2000" dirty="0" smtClean="0">
+                  <a:latin typeface="HGS創英角ｺﾞｼｯｸUB" panose="020B0900000000000000" pitchFamily="50" charset="-128"/>
+                  <a:ea typeface="HGS創英角ｺﾞｼｯｸUB" panose="020B0900000000000000" pitchFamily="50" charset="-128"/>
+                </a:rPr>
+                <a:t>】</a:t>
+              </a:r>
+              <a:endParaRPr kumimoji="1" lang="ja-JP" altLang="en-US" sz="2000" dirty="0">
+                <a:latin typeface="HGS創英角ｺﾞｼｯｸUB" panose="020B0900000000000000" pitchFamily="50" charset="-128"/>
+                <a:ea typeface="HGS創英角ｺﾞｼｯｸUB" panose="020B0900000000000000" pitchFamily="50" charset="-128"/>
+              </a:endParaRPr>
+            </a:p>
+          </p:txBody>
+        </p:sp>
+        <p:sp>
+          <p:nvSpPr>
+            <p:cNvPr id="77" name="テキスト ボックス 76"/>
+            <p:cNvSpPr txBox="1"/>
+            <p:nvPr/>
+          </p:nvSpPr>
+          <p:spPr>
+            <a:xfrm>
+              <a:off x="3414521" y="2633900"/>
+              <a:ext cx="3173804" cy="400110"/>
+            </a:xfrm>
+            <a:prstGeom prst="rect">
+              <a:avLst/>
+            </a:prstGeom>
+            <a:noFill/>
+          </p:spPr>
+          <p:txBody>
+            <a:bodyPr wrap="square" rtlCol="0">
+              <a:spAutoFit/>
+            </a:bodyPr>
+            <a:lstStyle/>
+            <a:p>
+              <a:r>
+                <a:rPr lang="ja-JP" altLang="en-US" sz="2000" dirty="0" smtClean="0">
+                  <a:latin typeface="HGS創英角ｺﾞｼｯｸUB" panose="020B0900000000000000" pitchFamily="50" charset="-128"/>
+                  <a:ea typeface="HGS創英角ｺﾞｼｯｸUB" panose="020B0900000000000000" pitchFamily="50" charset="-128"/>
+                </a:rPr>
+                <a:t>・</a:t>
+              </a:r>
+              <a:r>
+                <a:rPr lang="ja-JP" altLang="en-US" sz="2000" dirty="0">
+                  <a:latin typeface="HGS創英角ｺﾞｼｯｸUB" panose="020B0900000000000000" pitchFamily="50" charset="-128"/>
+                  <a:ea typeface="HGS創英角ｺﾞｼｯｸUB" panose="020B0900000000000000" pitchFamily="50" charset="-128"/>
+                </a:rPr>
+                <a:t>軌跡のみ</a:t>
+              </a:r>
+              <a:r>
+                <a:rPr lang="en-US" altLang="ja-JP" sz="2000" dirty="0">
+                  <a:latin typeface="HGS創英角ｺﾞｼｯｸUB" panose="020B0900000000000000" pitchFamily="50" charset="-128"/>
+                  <a:ea typeface="HGS創英角ｺﾞｼｯｸUB" panose="020B0900000000000000" pitchFamily="50" charset="-128"/>
+                </a:rPr>
+                <a:t>(</a:t>
+              </a:r>
+              <a:r>
+                <a:rPr lang="ja-JP" altLang="en-US" sz="2000" dirty="0">
+                  <a:latin typeface="HGS創英角ｺﾞｼｯｸUB" panose="020B0900000000000000" pitchFamily="50" charset="-128"/>
+                  <a:ea typeface="HGS創英角ｺﾞｼｯｸUB" panose="020B0900000000000000" pitchFamily="50" charset="-128"/>
+                </a:rPr>
+                <a:t>オレンジ色</a:t>
+              </a:r>
+              <a:r>
+                <a:rPr lang="en-US" altLang="ja-JP" sz="2000" dirty="0" smtClean="0">
+                  <a:latin typeface="HGS創英角ｺﾞｼｯｸUB" panose="020B0900000000000000" pitchFamily="50" charset="-128"/>
+                  <a:ea typeface="HGS創英角ｺﾞｼｯｸUB" panose="020B0900000000000000" pitchFamily="50" charset="-128"/>
+                </a:rPr>
+                <a:t>)</a:t>
+              </a:r>
+              <a:endParaRPr lang="ja-JP" altLang="en-US" sz="2000" dirty="0">
+                <a:latin typeface="HGS創英角ｺﾞｼｯｸUB" panose="020B0900000000000000" pitchFamily="50" charset="-128"/>
+                <a:ea typeface="HGS創英角ｺﾞｼｯｸUB" panose="020B0900000000000000" pitchFamily="50" charset="-128"/>
+              </a:endParaRPr>
+            </a:p>
+          </p:txBody>
+        </p:sp>
+        <p:sp>
+          <p:nvSpPr>
+            <p:cNvPr id="78" name="テキスト ボックス 77"/>
+            <p:cNvSpPr txBox="1"/>
+            <p:nvPr/>
+          </p:nvSpPr>
+          <p:spPr>
+            <a:xfrm>
+              <a:off x="3316123" y="3003508"/>
+              <a:ext cx="3053777" cy="400110"/>
+            </a:xfrm>
+            <a:prstGeom prst="rect">
+              <a:avLst/>
+            </a:prstGeom>
+            <a:noFill/>
+          </p:spPr>
+          <p:txBody>
+            <a:bodyPr wrap="square" rtlCol="0">
+              <a:spAutoFit/>
+            </a:bodyPr>
+            <a:lstStyle/>
+            <a:p>
+              <a:r>
+                <a:rPr lang="en-US" altLang="ja-JP" sz="2000" dirty="0" smtClean="0">
+                  <a:latin typeface="HGS創英角ｺﾞｼｯｸUB" panose="020B0900000000000000" pitchFamily="50" charset="-128"/>
+                  <a:ea typeface="HGS創英角ｺﾞｼｯｸUB" panose="020B0900000000000000" pitchFamily="50" charset="-128"/>
+                </a:rPr>
+                <a:t>【</a:t>
+              </a:r>
+              <a:r>
+                <a:rPr lang="ja-JP" altLang="en-US" sz="2000" dirty="0" smtClean="0">
+                  <a:latin typeface="HGS創英角ｺﾞｼｯｸUB" panose="020B0900000000000000" pitchFamily="50" charset="-128"/>
+                  <a:ea typeface="HGS創英角ｺﾞｼｯｸUB" panose="020B0900000000000000" pitchFamily="50" charset="-128"/>
+                </a:rPr>
+                <a:t>ノックバック</a:t>
+              </a:r>
+              <a:r>
+                <a:rPr lang="en-US" altLang="ja-JP" sz="2000" dirty="0" smtClean="0">
+                  <a:latin typeface="HGS創英角ｺﾞｼｯｸUB" panose="020B0900000000000000" pitchFamily="50" charset="-128"/>
+                  <a:ea typeface="HGS創英角ｺﾞｼｯｸUB" panose="020B0900000000000000" pitchFamily="50" charset="-128"/>
+                </a:rPr>
+                <a:t>】</a:t>
+              </a:r>
+              <a:endParaRPr kumimoji="1" lang="ja-JP" altLang="en-US" sz="2000" dirty="0">
+                <a:latin typeface="HGS創英角ｺﾞｼｯｸUB" panose="020B0900000000000000" pitchFamily="50" charset="-128"/>
+                <a:ea typeface="HGS創英角ｺﾞｼｯｸUB" panose="020B0900000000000000" pitchFamily="50" charset="-128"/>
+              </a:endParaRPr>
+            </a:p>
+          </p:txBody>
+        </p:sp>
+      </p:grpSp>
+    </p:spTree>
+    <p:extLst>
+      <p:ext uri="{BB962C8B-B14F-4D97-AF65-F5344CB8AC3E}">
+        <p14:creationId xmlns:p14="http://schemas.microsoft.com/office/powerpoint/2010/main" val="315180095"/>
+      </p:ext>
+    </p:extLst>
+  </p:cSld>
+  <p:clrMapOvr>
+    <a:masterClrMapping/>
+  </p:clrMapOvr>
+</p:sld>
+</file>
+
 <file path=ppt/theme/theme1.xml><?xml version="1.0" encoding="utf-8"?>
 <a:theme xmlns:a="http://schemas.openxmlformats.org/drawingml/2006/main" name="Office テーマ">
   <a:themeElements>
